--- a/docs/images/QUBO++images.pptx
+++ b/docs/images/QUBO++images.pptx
@@ -6,6 +6,7 @@
   </p:sldMasterIdLst>
   <p:sldIdLst>
     <p:sldId id="256" r:id="rId2"/>
+    <p:sldId id="257" r:id="rId3"/>
   </p:sldIdLst>
   <p:sldSz cx="12192000" cy="6858000"/>
   <p:notesSz cx="6858000" cy="9144000"/>
@@ -104,6 +105,11 @@
       </a:defRPr>
     </a:lvl9pPr>
   </p:defaultTextStyle>
+  <p:extLst>
+    <p:ext uri="{EFAFB233-063F-42B5-8137-9DF3F51BA10A}">
+      <p15:sldGuideLst xmlns:p15="http://schemas.microsoft.com/office/powerpoint/2012/main"/>
+    </p:ext>
+  </p:extLst>
 </p:presentation>
 </file>
 
@@ -254,7 +260,7 @@
           <a:p>
             <a:fld id="{F9749A5A-0767-4D13-9CC0-3A8774588994}" type="datetimeFigureOut">
               <a:rPr kumimoji="1" lang="ja-JP" altLang="en-US" smtClean="0"/>
-              <a:t>2025/12/5</a:t>
+              <a:t>2025/12/22</a:t>
             </a:fld>
             <a:endParaRPr kumimoji="1" lang="ja-JP" altLang="en-US"/>
           </a:p>
@@ -484,7 +490,7 @@
           <a:p>
             <a:fld id="{F9749A5A-0767-4D13-9CC0-3A8774588994}" type="datetimeFigureOut">
               <a:rPr kumimoji="1" lang="ja-JP" altLang="en-US" smtClean="0"/>
-              <a:t>2025/12/5</a:t>
+              <a:t>2025/12/22</a:t>
             </a:fld>
             <a:endParaRPr kumimoji="1" lang="ja-JP" altLang="en-US"/>
           </a:p>
@@ -724,7 +730,7 @@
           <a:p>
             <a:fld id="{F9749A5A-0767-4D13-9CC0-3A8774588994}" type="datetimeFigureOut">
               <a:rPr kumimoji="1" lang="ja-JP" altLang="en-US" smtClean="0"/>
-              <a:t>2025/12/5</a:t>
+              <a:t>2025/12/22</a:t>
             </a:fld>
             <a:endParaRPr kumimoji="1" lang="ja-JP" altLang="en-US"/>
           </a:p>
@@ -954,7 +960,7 @@
           <a:p>
             <a:fld id="{F9749A5A-0767-4D13-9CC0-3A8774588994}" type="datetimeFigureOut">
               <a:rPr kumimoji="1" lang="ja-JP" altLang="en-US" smtClean="0"/>
-              <a:t>2025/12/5</a:t>
+              <a:t>2025/12/22</a:t>
             </a:fld>
             <a:endParaRPr kumimoji="1" lang="ja-JP" altLang="en-US"/>
           </a:p>
@@ -1229,7 +1235,7 @@
           <a:p>
             <a:fld id="{F9749A5A-0767-4D13-9CC0-3A8774588994}" type="datetimeFigureOut">
               <a:rPr kumimoji="1" lang="ja-JP" altLang="en-US" smtClean="0"/>
-              <a:t>2025/12/5</a:t>
+              <a:t>2025/12/22</a:t>
             </a:fld>
             <a:endParaRPr kumimoji="1" lang="ja-JP" altLang="en-US"/>
           </a:p>
@@ -1558,7 +1564,7 @@
           <a:p>
             <a:fld id="{F9749A5A-0767-4D13-9CC0-3A8774588994}" type="datetimeFigureOut">
               <a:rPr kumimoji="1" lang="ja-JP" altLang="en-US" smtClean="0"/>
-              <a:t>2025/12/5</a:t>
+              <a:t>2025/12/22</a:t>
             </a:fld>
             <a:endParaRPr kumimoji="1" lang="ja-JP" altLang="en-US"/>
           </a:p>
@@ -2034,7 +2040,7 @@
           <a:p>
             <a:fld id="{F9749A5A-0767-4D13-9CC0-3A8774588994}" type="datetimeFigureOut">
               <a:rPr kumimoji="1" lang="ja-JP" altLang="en-US" smtClean="0"/>
-              <a:t>2025/12/5</a:t>
+              <a:t>2025/12/22</a:t>
             </a:fld>
             <a:endParaRPr kumimoji="1" lang="ja-JP" altLang="en-US"/>
           </a:p>
@@ -2175,7 +2181,7 @@
           <a:p>
             <a:fld id="{F9749A5A-0767-4D13-9CC0-3A8774588994}" type="datetimeFigureOut">
               <a:rPr kumimoji="1" lang="ja-JP" altLang="en-US" smtClean="0"/>
-              <a:t>2025/12/5</a:t>
+              <a:t>2025/12/22</a:t>
             </a:fld>
             <a:endParaRPr kumimoji="1" lang="ja-JP" altLang="en-US"/>
           </a:p>
@@ -2288,7 +2294,7 @@
           <a:p>
             <a:fld id="{F9749A5A-0767-4D13-9CC0-3A8774588994}" type="datetimeFigureOut">
               <a:rPr kumimoji="1" lang="ja-JP" altLang="en-US" smtClean="0"/>
-              <a:t>2025/12/5</a:t>
+              <a:t>2025/12/22</a:t>
             </a:fld>
             <a:endParaRPr kumimoji="1" lang="ja-JP" altLang="en-US"/>
           </a:p>
@@ -2631,7 +2637,7 @@
           <a:p>
             <a:fld id="{F9749A5A-0767-4D13-9CC0-3A8774588994}" type="datetimeFigureOut">
               <a:rPr kumimoji="1" lang="ja-JP" altLang="en-US" smtClean="0"/>
-              <a:t>2025/12/5</a:t>
+              <a:t>2025/12/22</a:t>
             </a:fld>
             <a:endParaRPr kumimoji="1" lang="ja-JP" altLang="en-US"/>
           </a:p>
@@ -2919,7 +2925,7 @@
           <a:p>
             <a:fld id="{F9749A5A-0767-4D13-9CC0-3A8774588994}" type="datetimeFigureOut">
               <a:rPr kumimoji="1" lang="ja-JP" altLang="en-US" smtClean="0"/>
-              <a:t>2025/12/5</a:t>
+              <a:t>2025/12/22</a:t>
             </a:fld>
             <a:endParaRPr kumimoji="1" lang="ja-JP" altLang="en-US"/>
           </a:p>
@@ -3192,7 +3198,7 @@
           <a:p>
             <a:fld id="{F9749A5A-0767-4D13-9CC0-3A8774588994}" type="datetimeFigureOut">
               <a:rPr kumimoji="1" lang="ja-JP" altLang="en-US" smtClean="0"/>
-              <a:t>2025/12/5</a:t>
+              <a:t>2025/12/22</a:t>
             </a:fld>
             <a:endParaRPr kumimoji="1" lang="ja-JP" altLang="en-US"/>
           </a:p>
@@ -3609,8 +3615,8 @@
           <a:chExt cx="0" cy="0"/>
         </a:xfrm>
       </p:grpSpPr>
-      <mc:AlternateContent xmlns:mc="http://schemas.openxmlformats.org/markup-compatibility/2006">
-        <mc:Choice xmlns:a14="http://schemas.microsoft.com/office/drawing/2010/main" Requires="a14">
+      <mc:AlternateContent xmlns:mc="http://schemas.openxmlformats.org/markup-compatibility/2006" xmlns:a14="http://schemas.microsoft.com/office/drawing/2010/main">
+        <mc:Choice Requires="a14">
           <p:graphicFrame>
             <p:nvGraphicFramePr>
               <p:cNvPr id="4" name="表 3">
@@ -5792,7 +5798,7 @@
             </a:graphic>
           </p:graphicFrame>
         </mc:Choice>
-        <mc:Fallback>
+        <mc:Fallback xmlns="">
           <p:graphicFrame>
             <p:nvGraphicFramePr>
               <p:cNvPr id="4" name="表 3">
@@ -6735,8 +6741,8 @@
           </p:graphicFrame>
         </mc:Fallback>
       </mc:AlternateContent>
-      <mc:AlternateContent xmlns:mc="http://schemas.openxmlformats.org/markup-compatibility/2006">
-        <mc:Choice xmlns:a14="http://schemas.microsoft.com/office/drawing/2010/main" Requires="a14">
+      <mc:AlternateContent xmlns:mc="http://schemas.openxmlformats.org/markup-compatibility/2006" xmlns:a14="http://schemas.microsoft.com/office/drawing/2010/main">
+        <mc:Choice Requires="a14">
           <p:graphicFrame>
             <p:nvGraphicFramePr>
               <p:cNvPr id="5" name="表 4">
@@ -8447,7 +8453,7 @@
             </a:graphic>
           </p:graphicFrame>
         </mc:Choice>
-        <mc:Fallback>
+        <mc:Fallback xmlns="">
           <p:graphicFrame>
             <p:nvGraphicFramePr>
               <p:cNvPr id="5" name="表 4">
@@ -9394,6 +9400,1942 @@
     <p:extLst>
       <p:ext uri="{BB962C8B-B14F-4D97-AF65-F5344CB8AC3E}">
         <p14:creationId xmlns:p14="http://schemas.microsoft.com/office/powerpoint/2010/main" val="1617114366"/>
+      </p:ext>
+    </p:extLst>
+  </p:cSld>
+  <p:clrMapOvr>
+    <a:masterClrMapping/>
+  </p:clrMapOvr>
+</p:sld>
+</file>
+
+<file path=ppt/slides/slide2.xml><?xml version="1.0" encoding="utf-8"?>
+<p:sld xmlns:a="http://schemas.openxmlformats.org/drawingml/2006/main" xmlns:r="http://schemas.openxmlformats.org/officeDocument/2006/relationships" xmlns:p="http://schemas.openxmlformats.org/presentationml/2006/main">
+  <p:cSld>
+    <p:spTree>
+      <p:nvGrpSpPr>
+        <p:cNvPr id="1" name=""/>
+        <p:cNvGrpSpPr/>
+        <p:nvPr/>
+      </p:nvGrpSpPr>
+      <p:grpSpPr>
+        <a:xfrm>
+          <a:off x="0" y="0"/>
+          <a:ext cx="0" cy="0"/>
+          <a:chOff x="0" y="0"/>
+          <a:chExt cx="0" cy="0"/>
+        </a:xfrm>
+      </p:grpSpPr>
+      <p:grpSp>
+        <p:nvGrpSpPr>
+          <p:cNvPr id="77" name="グループ化 76">
+            <a:extLst>
+              <a:ext uri="{FF2B5EF4-FFF2-40B4-BE49-F238E27FC236}">
+                <a16:creationId xmlns:a16="http://schemas.microsoft.com/office/drawing/2014/main" id="{B8C8D63A-F3E4-489B-923E-5514C682ED21}"/>
+              </a:ext>
+            </a:extLst>
+          </p:cNvPr>
+          <p:cNvGrpSpPr/>
+          <p:nvPr/>
+        </p:nvGrpSpPr>
+        <p:grpSpPr>
+          <a:xfrm>
+            <a:off x="924571" y="950017"/>
+            <a:ext cx="3090080" cy="2489870"/>
+            <a:chOff x="924571" y="950017"/>
+            <a:chExt cx="3090080" cy="2489870"/>
+          </a:xfrm>
+        </p:grpSpPr>
+        <p:grpSp>
+          <p:nvGrpSpPr>
+            <p:cNvPr id="20" name="グループ化 19">
+              <a:extLst>
+                <a:ext uri="{FF2B5EF4-FFF2-40B4-BE49-F238E27FC236}">
+                  <a16:creationId xmlns:a16="http://schemas.microsoft.com/office/drawing/2014/main" id="{B5C4AFB9-3AFD-402C-9604-3451ABAFED6D}"/>
+                </a:ext>
+              </a:extLst>
+            </p:cNvPr>
+            <p:cNvGrpSpPr/>
+            <p:nvPr/>
+          </p:nvGrpSpPr>
+          <p:grpSpPr>
+            <a:xfrm>
+              <a:off x="1706880" y="1254034"/>
+              <a:ext cx="2307771" cy="278675"/>
+              <a:chOff x="1706880" y="1254034"/>
+              <a:chExt cx="2307771" cy="278675"/>
+            </a:xfrm>
+          </p:grpSpPr>
+          <p:sp>
+            <p:nvSpPr>
+              <p:cNvPr id="4" name="楕円 3">
+                <a:extLst>
+                  <a:ext uri="{FF2B5EF4-FFF2-40B4-BE49-F238E27FC236}">
+                    <a16:creationId xmlns:a16="http://schemas.microsoft.com/office/drawing/2014/main" id="{954D4518-3D5D-4F31-B275-D6317E040278}"/>
+                  </a:ext>
+                </a:extLst>
+              </p:cNvPr>
+              <p:cNvSpPr/>
+              <p:nvPr/>
+            </p:nvSpPr>
+            <p:spPr>
+              <a:xfrm>
+                <a:off x="1706880" y="1254034"/>
+                <a:ext cx="278675" cy="278675"/>
+              </a:xfrm>
+              <a:prstGeom prst="ellipse">
+                <a:avLst/>
+              </a:prstGeom>
+              <a:noFill/>
+              <a:ln>
+                <a:solidFill>
+                  <a:schemeClr val="tx1"/>
+                </a:solidFill>
+              </a:ln>
+            </p:spPr>
+            <p:style>
+              <a:lnRef idx="2">
+                <a:schemeClr val="accent1">
+                  <a:shade val="50000"/>
+                </a:schemeClr>
+              </a:lnRef>
+              <a:fillRef idx="1">
+                <a:schemeClr val="accent1"/>
+              </a:fillRef>
+              <a:effectRef idx="0">
+                <a:schemeClr val="accent1"/>
+              </a:effectRef>
+              <a:fontRef idx="minor">
+                <a:schemeClr val="lt1"/>
+              </a:fontRef>
+            </p:style>
+            <p:txBody>
+              <a:bodyPr rtlCol="0" anchor="ctr"/>
+              <a:lstStyle/>
+              <a:p>
+                <a:pPr algn="ctr"/>
+                <a:endParaRPr kumimoji="1" lang="ja-JP" altLang="en-US"/>
+              </a:p>
+            </p:txBody>
+          </p:sp>
+          <p:sp>
+            <p:nvSpPr>
+              <p:cNvPr id="18" name="楕円 17">
+                <a:extLst>
+                  <a:ext uri="{FF2B5EF4-FFF2-40B4-BE49-F238E27FC236}">
+                    <a16:creationId xmlns:a16="http://schemas.microsoft.com/office/drawing/2014/main" id="{DFE7B651-7FD6-4BC3-8D98-F684D8A2C3A5}"/>
+                  </a:ext>
+                </a:extLst>
+              </p:cNvPr>
+              <p:cNvSpPr/>
+              <p:nvPr/>
+            </p:nvSpPr>
+            <p:spPr>
+              <a:xfrm>
+                <a:off x="2721428" y="1254034"/>
+                <a:ext cx="278675" cy="278675"/>
+              </a:xfrm>
+              <a:prstGeom prst="ellipse">
+                <a:avLst/>
+              </a:prstGeom>
+              <a:noFill/>
+              <a:ln>
+                <a:solidFill>
+                  <a:schemeClr val="tx1"/>
+                </a:solidFill>
+              </a:ln>
+            </p:spPr>
+            <p:style>
+              <a:lnRef idx="2">
+                <a:schemeClr val="accent1">
+                  <a:shade val="50000"/>
+                </a:schemeClr>
+              </a:lnRef>
+              <a:fillRef idx="1">
+                <a:schemeClr val="accent1"/>
+              </a:fillRef>
+              <a:effectRef idx="0">
+                <a:schemeClr val="accent1"/>
+              </a:effectRef>
+              <a:fontRef idx="minor">
+                <a:schemeClr val="lt1"/>
+              </a:fontRef>
+            </p:style>
+            <p:txBody>
+              <a:bodyPr rtlCol="0" anchor="ctr"/>
+              <a:lstStyle/>
+              <a:p>
+                <a:pPr algn="ctr"/>
+                <a:endParaRPr kumimoji="1" lang="ja-JP" altLang="en-US"/>
+              </a:p>
+            </p:txBody>
+          </p:sp>
+          <p:sp>
+            <p:nvSpPr>
+              <p:cNvPr id="19" name="楕円 18">
+                <a:extLst>
+                  <a:ext uri="{FF2B5EF4-FFF2-40B4-BE49-F238E27FC236}">
+                    <a16:creationId xmlns:a16="http://schemas.microsoft.com/office/drawing/2014/main" id="{E546F7E1-DFFB-41BE-ACB9-B12F1A9A60BF}"/>
+                  </a:ext>
+                </a:extLst>
+              </p:cNvPr>
+              <p:cNvSpPr/>
+              <p:nvPr/>
+            </p:nvSpPr>
+            <p:spPr>
+              <a:xfrm>
+                <a:off x="3735976" y="1254034"/>
+                <a:ext cx="278675" cy="278675"/>
+              </a:xfrm>
+              <a:prstGeom prst="ellipse">
+                <a:avLst/>
+              </a:prstGeom>
+              <a:noFill/>
+              <a:ln>
+                <a:solidFill>
+                  <a:schemeClr val="tx1"/>
+                </a:solidFill>
+              </a:ln>
+            </p:spPr>
+            <p:style>
+              <a:lnRef idx="2">
+                <a:schemeClr val="accent1">
+                  <a:shade val="50000"/>
+                </a:schemeClr>
+              </a:lnRef>
+              <a:fillRef idx="1">
+                <a:schemeClr val="accent1"/>
+              </a:fillRef>
+              <a:effectRef idx="0">
+                <a:schemeClr val="accent1"/>
+              </a:effectRef>
+              <a:fontRef idx="minor">
+                <a:schemeClr val="lt1"/>
+              </a:fontRef>
+            </p:style>
+            <p:txBody>
+              <a:bodyPr rtlCol="0" anchor="ctr"/>
+              <a:lstStyle/>
+              <a:p>
+                <a:pPr algn="ctr"/>
+                <a:endParaRPr kumimoji="1" lang="ja-JP" altLang="en-US"/>
+              </a:p>
+            </p:txBody>
+          </p:sp>
+        </p:grpSp>
+        <p:grpSp>
+          <p:nvGrpSpPr>
+            <p:cNvPr id="21" name="グループ化 20">
+              <a:extLst>
+                <a:ext uri="{FF2B5EF4-FFF2-40B4-BE49-F238E27FC236}">
+                  <a16:creationId xmlns:a16="http://schemas.microsoft.com/office/drawing/2014/main" id="{B2249FF5-7284-4FD6-9016-1079E35DF959}"/>
+                </a:ext>
+              </a:extLst>
+            </p:cNvPr>
+            <p:cNvGrpSpPr/>
+            <p:nvPr/>
+          </p:nvGrpSpPr>
+          <p:grpSpPr>
+            <a:xfrm>
+              <a:off x="1706880" y="2207623"/>
+              <a:ext cx="2307771" cy="278675"/>
+              <a:chOff x="1706880" y="1254034"/>
+              <a:chExt cx="2307771" cy="278675"/>
+            </a:xfrm>
+          </p:grpSpPr>
+          <p:sp>
+            <p:nvSpPr>
+              <p:cNvPr id="22" name="楕円 21">
+                <a:extLst>
+                  <a:ext uri="{FF2B5EF4-FFF2-40B4-BE49-F238E27FC236}">
+                    <a16:creationId xmlns:a16="http://schemas.microsoft.com/office/drawing/2014/main" id="{E5605DAB-01AB-48FF-94AB-BC95E5B650FA}"/>
+                  </a:ext>
+                </a:extLst>
+              </p:cNvPr>
+              <p:cNvSpPr/>
+              <p:nvPr/>
+            </p:nvSpPr>
+            <p:spPr>
+              <a:xfrm>
+                <a:off x="1706880" y="1254034"/>
+                <a:ext cx="278675" cy="278675"/>
+              </a:xfrm>
+              <a:prstGeom prst="ellipse">
+                <a:avLst/>
+              </a:prstGeom>
+              <a:noFill/>
+              <a:ln>
+                <a:solidFill>
+                  <a:schemeClr val="tx1"/>
+                </a:solidFill>
+              </a:ln>
+            </p:spPr>
+            <p:style>
+              <a:lnRef idx="2">
+                <a:schemeClr val="accent1">
+                  <a:shade val="50000"/>
+                </a:schemeClr>
+              </a:lnRef>
+              <a:fillRef idx="1">
+                <a:schemeClr val="accent1"/>
+              </a:fillRef>
+              <a:effectRef idx="0">
+                <a:schemeClr val="accent1"/>
+              </a:effectRef>
+              <a:fontRef idx="minor">
+                <a:schemeClr val="lt1"/>
+              </a:fontRef>
+            </p:style>
+            <p:txBody>
+              <a:bodyPr rtlCol="0" anchor="ctr"/>
+              <a:lstStyle/>
+              <a:p>
+                <a:pPr algn="ctr"/>
+                <a:endParaRPr kumimoji="1" lang="ja-JP" altLang="en-US"/>
+              </a:p>
+            </p:txBody>
+          </p:sp>
+          <p:sp>
+            <p:nvSpPr>
+              <p:cNvPr id="23" name="楕円 22">
+                <a:extLst>
+                  <a:ext uri="{FF2B5EF4-FFF2-40B4-BE49-F238E27FC236}">
+                    <a16:creationId xmlns:a16="http://schemas.microsoft.com/office/drawing/2014/main" id="{8B9F2FDB-9C2C-4F94-AE0E-F40CA4B0CF4B}"/>
+                  </a:ext>
+                </a:extLst>
+              </p:cNvPr>
+              <p:cNvSpPr/>
+              <p:nvPr/>
+            </p:nvSpPr>
+            <p:spPr>
+              <a:xfrm>
+                <a:off x="2721428" y="1254034"/>
+                <a:ext cx="278675" cy="278675"/>
+              </a:xfrm>
+              <a:prstGeom prst="ellipse">
+                <a:avLst/>
+              </a:prstGeom>
+              <a:noFill/>
+              <a:ln>
+                <a:solidFill>
+                  <a:schemeClr val="tx1"/>
+                </a:solidFill>
+              </a:ln>
+            </p:spPr>
+            <p:style>
+              <a:lnRef idx="2">
+                <a:schemeClr val="accent1">
+                  <a:shade val="50000"/>
+                </a:schemeClr>
+              </a:lnRef>
+              <a:fillRef idx="1">
+                <a:schemeClr val="accent1"/>
+              </a:fillRef>
+              <a:effectRef idx="0">
+                <a:schemeClr val="accent1"/>
+              </a:effectRef>
+              <a:fontRef idx="minor">
+                <a:schemeClr val="lt1"/>
+              </a:fontRef>
+            </p:style>
+            <p:txBody>
+              <a:bodyPr rtlCol="0" anchor="ctr"/>
+              <a:lstStyle/>
+              <a:p>
+                <a:pPr algn="ctr"/>
+                <a:endParaRPr kumimoji="1" lang="ja-JP" altLang="en-US"/>
+              </a:p>
+            </p:txBody>
+          </p:sp>
+          <p:sp>
+            <p:nvSpPr>
+              <p:cNvPr id="24" name="楕円 23">
+                <a:extLst>
+                  <a:ext uri="{FF2B5EF4-FFF2-40B4-BE49-F238E27FC236}">
+                    <a16:creationId xmlns:a16="http://schemas.microsoft.com/office/drawing/2014/main" id="{36FAC5ED-6670-4CF7-9BFC-4319440C276F}"/>
+                  </a:ext>
+                </a:extLst>
+              </p:cNvPr>
+              <p:cNvSpPr/>
+              <p:nvPr/>
+            </p:nvSpPr>
+            <p:spPr>
+              <a:xfrm>
+                <a:off x="3735976" y="1254034"/>
+                <a:ext cx="278675" cy="278675"/>
+              </a:xfrm>
+              <a:prstGeom prst="ellipse">
+                <a:avLst/>
+              </a:prstGeom>
+              <a:noFill/>
+              <a:ln>
+                <a:solidFill>
+                  <a:schemeClr val="tx1"/>
+                </a:solidFill>
+              </a:ln>
+            </p:spPr>
+            <p:style>
+              <a:lnRef idx="2">
+                <a:schemeClr val="accent1">
+                  <a:shade val="50000"/>
+                </a:schemeClr>
+              </a:lnRef>
+              <a:fillRef idx="1">
+                <a:schemeClr val="accent1"/>
+              </a:fillRef>
+              <a:effectRef idx="0">
+                <a:schemeClr val="accent1"/>
+              </a:effectRef>
+              <a:fontRef idx="minor">
+                <a:schemeClr val="lt1"/>
+              </a:fontRef>
+            </p:style>
+            <p:txBody>
+              <a:bodyPr rtlCol="0" anchor="ctr"/>
+              <a:lstStyle/>
+              <a:p>
+                <a:pPr algn="ctr"/>
+                <a:endParaRPr kumimoji="1" lang="ja-JP" altLang="en-US"/>
+              </a:p>
+            </p:txBody>
+          </p:sp>
+        </p:grpSp>
+        <p:grpSp>
+          <p:nvGrpSpPr>
+            <p:cNvPr id="25" name="グループ化 24">
+              <a:extLst>
+                <a:ext uri="{FF2B5EF4-FFF2-40B4-BE49-F238E27FC236}">
+                  <a16:creationId xmlns:a16="http://schemas.microsoft.com/office/drawing/2014/main" id="{6CC17413-C3E6-4831-9E5C-623E20CFFDC6}"/>
+                </a:ext>
+              </a:extLst>
+            </p:cNvPr>
+            <p:cNvGrpSpPr/>
+            <p:nvPr/>
+          </p:nvGrpSpPr>
+          <p:grpSpPr>
+            <a:xfrm>
+              <a:off x="1706880" y="3161212"/>
+              <a:ext cx="2307771" cy="278675"/>
+              <a:chOff x="1706880" y="1254034"/>
+              <a:chExt cx="2307771" cy="278675"/>
+            </a:xfrm>
+          </p:grpSpPr>
+          <p:sp>
+            <p:nvSpPr>
+              <p:cNvPr id="26" name="楕円 25">
+                <a:extLst>
+                  <a:ext uri="{FF2B5EF4-FFF2-40B4-BE49-F238E27FC236}">
+                    <a16:creationId xmlns:a16="http://schemas.microsoft.com/office/drawing/2014/main" id="{C5CE0404-8512-42F5-8229-E82F02E9C8CF}"/>
+                  </a:ext>
+                </a:extLst>
+              </p:cNvPr>
+              <p:cNvSpPr/>
+              <p:nvPr/>
+            </p:nvSpPr>
+            <p:spPr>
+              <a:xfrm>
+                <a:off x="1706880" y="1254034"/>
+                <a:ext cx="278675" cy="278675"/>
+              </a:xfrm>
+              <a:prstGeom prst="ellipse">
+                <a:avLst/>
+              </a:prstGeom>
+              <a:noFill/>
+              <a:ln>
+                <a:solidFill>
+                  <a:schemeClr val="tx1"/>
+                </a:solidFill>
+              </a:ln>
+            </p:spPr>
+            <p:style>
+              <a:lnRef idx="2">
+                <a:schemeClr val="accent1">
+                  <a:shade val="50000"/>
+                </a:schemeClr>
+              </a:lnRef>
+              <a:fillRef idx="1">
+                <a:schemeClr val="accent1"/>
+              </a:fillRef>
+              <a:effectRef idx="0">
+                <a:schemeClr val="accent1"/>
+              </a:effectRef>
+              <a:fontRef idx="minor">
+                <a:schemeClr val="lt1"/>
+              </a:fontRef>
+            </p:style>
+            <p:txBody>
+              <a:bodyPr rtlCol="0" anchor="ctr"/>
+              <a:lstStyle/>
+              <a:p>
+                <a:pPr algn="ctr"/>
+                <a:endParaRPr kumimoji="1" lang="ja-JP" altLang="en-US"/>
+              </a:p>
+            </p:txBody>
+          </p:sp>
+          <p:sp>
+            <p:nvSpPr>
+              <p:cNvPr id="27" name="楕円 26">
+                <a:extLst>
+                  <a:ext uri="{FF2B5EF4-FFF2-40B4-BE49-F238E27FC236}">
+                    <a16:creationId xmlns:a16="http://schemas.microsoft.com/office/drawing/2014/main" id="{60472D44-9836-43B8-A92C-C8FE66FA5A27}"/>
+                  </a:ext>
+                </a:extLst>
+              </p:cNvPr>
+              <p:cNvSpPr/>
+              <p:nvPr/>
+            </p:nvSpPr>
+            <p:spPr>
+              <a:xfrm>
+                <a:off x="2721428" y="1254034"/>
+                <a:ext cx="278675" cy="278675"/>
+              </a:xfrm>
+              <a:prstGeom prst="ellipse">
+                <a:avLst/>
+              </a:prstGeom>
+              <a:noFill/>
+              <a:ln>
+                <a:solidFill>
+                  <a:schemeClr val="tx1"/>
+                </a:solidFill>
+              </a:ln>
+            </p:spPr>
+            <p:style>
+              <a:lnRef idx="2">
+                <a:schemeClr val="accent1">
+                  <a:shade val="50000"/>
+                </a:schemeClr>
+              </a:lnRef>
+              <a:fillRef idx="1">
+                <a:schemeClr val="accent1"/>
+              </a:fillRef>
+              <a:effectRef idx="0">
+                <a:schemeClr val="accent1"/>
+              </a:effectRef>
+              <a:fontRef idx="minor">
+                <a:schemeClr val="lt1"/>
+              </a:fontRef>
+            </p:style>
+            <p:txBody>
+              <a:bodyPr rtlCol="0" anchor="ctr"/>
+              <a:lstStyle/>
+              <a:p>
+                <a:pPr algn="ctr"/>
+                <a:endParaRPr kumimoji="1" lang="ja-JP" altLang="en-US"/>
+              </a:p>
+            </p:txBody>
+          </p:sp>
+          <p:sp>
+            <p:nvSpPr>
+              <p:cNvPr id="28" name="楕円 27">
+                <a:extLst>
+                  <a:ext uri="{FF2B5EF4-FFF2-40B4-BE49-F238E27FC236}">
+                    <a16:creationId xmlns:a16="http://schemas.microsoft.com/office/drawing/2014/main" id="{6392F111-975B-4540-AFD0-225E66F8E20D}"/>
+                  </a:ext>
+                </a:extLst>
+              </p:cNvPr>
+              <p:cNvSpPr/>
+              <p:nvPr/>
+            </p:nvSpPr>
+            <p:spPr>
+              <a:xfrm>
+                <a:off x="3735976" y="1254034"/>
+                <a:ext cx="278675" cy="278675"/>
+              </a:xfrm>
+              <a:prstGeom prst="ellipse">
+                <a:avLst/>
+              </a:prstGeom>
+              <a:noFill/>
+              <a:ln>
+                <a:solidFill>
+                  <a:schemeClr val="tx1"/>
+                </a:solidFill>
+              </a:ln>
+            </p:spPr>
+            <p:style>
+              <a:lnRef idx="2">
+                <a:schemeClr val="accent1">
+                  <a:shade val="50000"/>
+                </a:schemeClr>
+              </a:lnRef>
+              <a:fillRef idx="1">
+                <a:schemeClr val="accent1"/>
+              </a:fillRef>
+              <a:effectRef idx="0">
+                <a:schemeClr val="accent1"/>
+              </a:effectRef>
+              <a:fontRef idx="minor">
+                <a:schemeClr val="lt1"/>
+              </a:fontRef>
+            </p:style>
+            <p:txBody>
+              <a:bodyPr rtlCol="0" anchor="ctr"/>
+              <a:lstStyle/>
+              <a:p>
+                <a:pPr algn="ctr"/>
+                <a:endParaRPr kumimoji="1" lang="ja-JP" altLang="en-US"/>
+              </a:p>
+            </p:txBody>
+          </p:sp>
+        </p:grpSp>
+        <p:grpSp>
+          <p:nvGrpSpPr>
+            <p:cNvPr id="31" name="グループ化 30">
+              <a:extLst>
+                <a:ext uri="{FF2B5EF4-FFF2-40B4-BE49-F238E27FC236}">
+                  <a16:creationId xmlns:a16="http://schemas.microsoft.com/office/drawing/2014/main" id="{E075A796-619B-4448-A58E-DB773C7EA41D}"/>
+                </a:ext>
+              </a:extLst>
+            </p:cNvPr>
+            <p:cNvGrpSpPr/>
+            <p:nvPr/>
+          </p:nvGrpSpPr>
+          <p:grpSpPr>
+            <a:xfrm>
+              <a:off x="984182" y="950017"/>
+              <a:ext cx="2913520" cy="373686"/>
+              <a:chOff x="1280004" y="919536"/>
+              <a:chExt cx="2913520" cy="373686"/>
+            </a:xfrm>
+          </p:grpSpPr>
+          <mc:AlternateContent xmlns:mc="http://schemas.openxmlformats.org/markup-compatibility/2006">
+            <mc:Choice xmlns:a14="http://schemas.microsoft.com/office/drawing/2010/main" Requires="a14">
+              <p:sp>
+                <p:nvSpPr>
+                  <p:cNvPr id="17" name="テキスト ボックス 16">
+                    <a:extLst>
+                      <a:ext uri="{FF2B5EF4-FFF2-40B4-BE49-F238E27FC236}">
+                        <a16:creationId xmlns:a16="http://schemas.microsoft.com/office/drawing/2014/main" id="{1E721D3E-07FC-40FD-8180-1CE3AD0747D5}"/>
+                      </a:ext>
+                    </a:extLst>
+                  </p:cNvPr>
+                  <p:cNvSpPr txBox="1"/>
+                  <p:nvPr/>
+                </p:nvSpPr>
+                <p:spPr>
+                  <a:xfrm>
+                    <a:off x="1280004" y="923890"/>
+                    <a:ext cx="747320" cy="369332"/>
+                  </a:xfrm>
+                  <a:prstGeom prst="rect">
+                    <a:avLst/>
+                  </a:prstGeom>
+                  <a:noFill/>
+                </p:spPr>
+                <p:txBody>
+                  <a:bodyPr wrap="none" rtlCol="0">
+                    <a:spAutoFit/>
+                  </a:bodyPr>
+                  <a:lstStyle/>
+                  <a:p>
+                    <a14:m>
+                      <m:oMathPara xmlns:m="http://schemas.openxmlformats.org/officeDocument/2006/math">
+                        <m:oMathParaPr>
+                          <m:jc m:val="centerGroup"/>
+                        </m:oMathParaPr>
+                        <m:oMath xmlns:m="http://schemas.openxmlformats.org/officeDocument/2006/math">
+                          <m:r>
+                            <a:rPr kumimoji="1" lang="en-US" altLang="ja-JP" b="0" i="1" smtClean="0">
+                              <a:latin typeface="Cambria Math" panose="02040503050406030204" pitchFamily="18" charset="0"/>
+                            </a:rPr>
+                            <m:t>(0,0)</m:t>
+                          </m:r>
+                        </m:oMath>
+                      </m:oMathPara>
+                    </a14:m>
+                    <a:endParaRPr kumimoji="1" lang="ja-JP" altLang="en-US" dirty="0"/>
+                  </a:p>
+                </p:txBody>
+              </p:sp>
+            </mc:Choice>
+            <mc:Fallback>
+              <p:sp>
+                <p:nvSpPr>
+                  <p:cNvPr id="17" name="テキスト ボックス 16">
+                    <a:extLst>
+                      <a:ext uri="{FF2B5EF4-FFF2-40B4-BE49-F238E27FC236}">
+                        <a16:creationId xmlns:a16="http://schemas.microsoft.com/office/drawing/2014/main" id="{1E721D3E-07FC-40FD-8180-1CE3AD0747D5}"/>
+                      </a:ext>
+                    </a:extLst>
+                  </p:cNvPr>
+                  <p:cNvSpPr txBox="1">
+                    <a:spLocks noRot="1" noChangeAspect="1" noMove="1" noResize="1" noEditPoints="1" noAdjustHandles="1" noChangeArrowheads="1" noChangeShapeType="1" noTextEdit="1"/>
+                  </p:cNvSpPr>
+                  <p:nvPr/>
+                </p:nvSpPr>
+                <p:spPr>
+                  <a:xfrm>
+                    <a:off x="1280004" y="923890"/>
+                    <a:ext cx="747320" cy="369332"/>
+                  </a:xfrm>
+                  <a:prstGeom prst="rect">
+                    <a:avLst/>
+                  </a:prstGeom>
+                  <a:blipFill>
+                    <a:blip r:embed="rId2"/>
+                    <a:stretch>
+                      <a:fillRect b="-13333"/>
+                    </a:stretch>
+                  </a:blipFill>
+                </p:spPr>
+                <p:txBody>
+                  <a:bodyPr/>
+                  <a:lstStyle/>
+                  <a:p>
+                    <a:r>
+                      <a:rPr lang="ja-JP" altLang="en-US">
+                        <a:noFill/>
+                      </a:rPr>
+                      <a:t> </a:t>
+                    </a:r>
+                  </a:p>
+                </p:txBody>
+              </p:sp>
+            </mc:Fallback>
+          </mc:AlternateContent>
+          <mc:AlternateContent xmlns:mc="http://schemas.openxmlformats.org/markup-compatibility/2006">
+            <mc:Choice xmlns:a14="http://schemas.microsoft.com/office/drawing/2010/main" Requires="a14">
+              <p:sp>
+                <p:nvSpPr>
+                  <p:cNvPr id="29" name="テキスト ボックス 28">
+                    <a:extLst>
+                      <a:ext uri="{FF2B5EF4-FFF2-40B4-BE49-F238E27FC236}">
+                        <a16:creationId xmlns:a16="http://schemas.microsoft.com/office/drawing/2014/main" id="{003B9C99-AEE0-45E2-9D9E-DDE7BFDCFA92}"/>
+                      </a:ext>
+                    </a:extLst>
+                  </p:cNvPr>
+                  <p:cNvSpPr txBox="1"/>
+                  <p:nvPr/>
+                </p:nvSpPr>
+                <p:spPr>
+                  <a:xfrm>
+                    <a:off x="2298983" y="919536"/>
+                    <a:ext cx="747320" cy="369332"/>
+                  </a:xfrm>
+                  <a:prstGeom prst="rect">
+                    <a:avLst/>
+                  </a:prstGeom>
+                  <a:noFill/>
+                </p:spPr>
+                <p:txBody>
+                  <a:bodyPr wrap="square" rtlCol="0">
+                    <a:spAutoFit/>
+                  </a:bodyPr>
+                  <a:lstStyle/>
+                  <a:p>
+                    <a14:m>
+                      <m:oMathPara xmlns:m="http://schemas.openxmlformats.org/officeDocument/2006/math">
+                        <m:oMathParaPr>
+                          <m:jc m:val="centerGroup"/>
+                        </m:oMathParaPr>
+                        <m:oMath xmlns:m="http://schemas.openxmlformats.org/officeDocument/2006/math">
+                          <m:r>
+                            <a:rPr kumimoji="1" lang="en-US" altLang="ja-JP" b="0" i="1" smtClean="0">
+                              <a:latin typeface="Cambria Math" panose="02040503050406030204" pitchFamily="18" charset="0"/>
+                            </a:rPr>
+                            <m:t>(0,10)</m:t>
+                          </m:r>
+                        </m:oMath>
+                      </m:oMathPara>
+                    </a14:m>
+                    <a:endParaRPr kumimoji="1" lang="ja-JP" altLang="en-US" dirty="0"/>
+                  </a:p>
+                </p:txBody>
+              </p:sp>
+            </mc:Choice>
+            <mc:Fallback>
+              <p:sp>
+                <p:nvSpPr>
+                  <p:cNvPr id="29" name="テキスト ボックス 28">
+                    <a:extLst>
+                      <a:ext uri="{FF2B5EF4-FFF2-40B4-BE49-F238E27FC236}">
+                        <a16:creationId xmlns:a16="http://schemas.microsoft.com/office/drawing/2014/main" id="{003B9C99-AEE0-45E2-9D9E-DDE7BFDCFA92}"/>
+                      </a:ext>
+                    </a:extLst>
+                  </p:cNvPr>
+                  <p:cNvSpPr txBox="1">
+                    <a:spLocks noRot="1" noChangeAspect="1" noMove="1" noResize="1" noEditPoints="1" noAdjustHandles="1" noChangeArrowheads="1" noChangeShapeType="1" noTextEdit="1"/>
+                  </p:cNvSpPr>
+                  <p:nvPr/>
+                </p:nvSpPr>
+                <p:spPr>
+                  <a:xfrm>
+                    <a:off x="2298983" y="919536"/>
+                    <a:ext cx="747320" cy="369332"/>
+                  </a:xfrm>
+                  <a:prstGeom prst="rect">
+                    <a:avLst/>
+                  </a:prstGeom>
+                  <a:blipFill>
+                    <a:blip r:embed="rId3"/>
+                    <a:stretch>
+                      <a:fillRect l="-2459" r="-11475" b="-13333"/>
+                    </a:stretch>
+                  </a:blipFill>
+                </p:spPr>
+                <p:txBody>
+                  <a:bodyPr/>
+                  <a:lstStyle/>
+                  <a:p>
+                    <a:r>
+                      <a:rPr lang="ja-JP" altLang="en-US">
+                        <a:noFill/>
+                      </a:rPr>
+                      <a:t> </a:t>
+                    </a:r>
+                  </a:p>
+                </p:txBody>
+              </p:sp>
+            </mc:Fallback>
+          </mc:AlternateContent>
+          <mc:AlternateContent xmlns:mc="http://schemas.openxmlformats.org/markup-compatibility/2006">
+            <mc:Choice xmlns:a14="http://schemas.microsoft.com/office/drawing/2010/main" Requires="a14">
+              <p:sp>
+                <p:nvSpPr>
+                  <p:cNvPr id="30" name="テキスト ボックス 29">
+                    <a:extLst>
+                      <a:ext uri="{FF2B5EF4-FFF2-40B4-BE49-F238E27FC236}">
+                        <a16:creationId xmlns:a16="http://schemas.microsoft.com/office/drawing/2014/main" id="{FCB2466C-B9A4-49C5-A061-A9746621A3C3}"/>
+                      </a:ext>
+                    </a:extLst>
+                  </p:cNvPr>
+                  <p:cNvSpPr txBox="1"/>
+                  <p:nvPr/>
+                </p:nvSpPr>
+                <p:spPr>
+                  <a:xfrm>
+                    <a:off x="3317963" y="919536"/>
+                    <a:ext cx="875561" cy="369332"/>
+                  </a:xfrm>
+                  <a:prstGeom prst="rect">
+                    <a:avLst/>
+                  </a:prstGeom>
+                  <a:noFill/>
+                </p:spPr>
+                <p:txBody>
+                  <a:bodyPr wrap="none" rtlCol="0">
+                    <a:spAutoFit/>
+                  </a:bodyPr>
+                  <a:lstStyle/>
+                  <a:p>
+                    <a14:m>
+                      <m:oMathPara xmlns:m="http://schemas.openxmlformats.org/officeDocument/2006/math">
+                        <m:oMathParaPr>
+                          <m:jc m:val="centerGroup"/>
+                        </m:oMathParaPr>
+                        <m:oMath xmlns:m="http://schemas.openxmlformats.org/officeDocument/2006/math">
+                          <m:r>
+                            <a:rPr kumimoji="1" lang="en-US" altLang="ja-JP" b="0" i="1" smtClean="0">
+                              <a:latin typeface="Cambria Math" panose="02040503050406030204" pitchFamily="18" charset="0"/>
+                            </a:rPr>
+                            <m:t>(0,20)</m:t>
+                          </m:r>
+                        </m:oMath>
+                      </m:oMathPara>
+                    </a14:m>
+                    <a:endParaRPr kumimoji="1" lang="ja-JP" altLang="en-US" dirty="0"/>
+                  </a:p>
+                </p:txBody>
+              </p:sp>
+            </mc:Choice>
+            <mc:Fallback>
+              <p:sp>
+                <p:nvSpPr>
+                  <p:cNvPr id="30" name="テキスト ボックス 29">
+                    <a:extLst>
+                      <a:ext uri="{FF2B5EF4-FFF2-40B4-BE49-F238E27FC236}">
+                        <a16:creationId xmlns:a16="http://schemas.microsoft.com/office/drawing/2014/main" id="{FCB2466C-B9A4-49C5-A061-A9746621A3C3}"/>
+                      </a:ext>
+                    </a:extLst>
+                  </p:cNvPr>
+                  <p:cNvSpPr txBox="1">
+                    <a:spLocks noRot="1" noChangeAspect="1" noMove="1" noResize="1" noEditPoints="1" noAdjustHandles="1" noChangeArrowheads="1" noChangeShapeType="1" noTextEdit="1"/>
+                  </p:cNvSpPr>
+                  <p:nvPr/>
+                </p:nvSpPr>
+                <p:spPr>
+                  <a:xfrm>
+                    <a:off x="3317963" y="919536"/>
+                    <a:ext cx="875561" cy="369332"/>
+                  </a:xfrm>
+                  <a:prstGeom prst="rect">
+                    <a:avLst/>
+                  </a:prstGeom>
+                  <a:blipFill>
+                    <a:blip r:embed="rId4"/>
+                    <a:stretch>
+                      <a:fillRect b="-13333"/>
+                    </a:stretch>
+                  </a:blipFill>
+                </p:spPr>
+                <p:txBody>
+                  <a:bodyPr/>
+                  <a:lstStyle/>
+                  <a:p>
+                    <a:r>
+                      <a:rPr lang="ja-JP" altLang="en-US">
+                        <a:noFill/>
+                      </a:rPr>
+                      <a:t> </a:t>
+                    </a:r>
+                  </a:p>
+                </p:txBody>
+              </p:sp>
+            </mc:Fallback>
+          </mc:AlternateContent>
+        </p:grpSp>
+        <p:grpSp>
+          <p:nvGrpSpPr>
+            <p:cNvPr id="32" name="グループ化 31">
+              <a:extLst>
+                <a:ext uri="{FF2B5EF4-FFF2-40B4-BE49-F238E27FC236}">
+                  <a16:creationId xmlns:a16="http://schemas.microsoft.com/office/drawing/2014/main" id="{647F9E3E-CCBE-4D36-BBBA-9DDE0BBD91B8}"/>
+                </a:ext>
+              </a:extLst>
+            </p:cNvPr>
+            <p:cNvGrpSpPr/>
+            <p:nvPr/>
+          </p:nvGrpSpPr>
+          <p:grpSpPr>
+            <a:xfrm>
+              <a:off x="924571" y="1919238"/>
+              <a:ext cx="3041760" cy="373686"/>
+              <a:chOff x="1280004" y="919536"/>
+              <a:chExt cx="3041760" cy="373686"/>
+            </a:xfrm>
+          </p:grpSpPr>
+          <mc:AlternateContent xmlns:mc="http://schemas.openxmlformats.org/markup-compatibility/2006">
+            <mc:Choice xmlns:a14="http://schemas.microsoft.com/office/drawing/2010/main" Requires="a14">
+              <p:sp>
+                <p:nvSpPr>
+                  <p:cNvPr id="33" name="テキスト ボックス 32">
+                    <a:extLst>
+                      <a:ext uri="{FF2B5EF4-FFF2-40B4-BE49-F238E27FC236}">
+                        <a16:creationId xmlns:a16="http://schemas.microsoft.com/office/drawing/2014/main" id="{CD0ED91C-DD61-4D68-BD5F-555659F81800}"/>
+                      </a:ext>
+                    </a:extLst>
+                  </p:cNvPr>
+                  <p:cNvSpPr txBox="1"/>
+                  <p:nvPr/>
+                </p:nvSpPr>
+                <p:spPr>
+                  <a:xfrm>
+                    <a:off x="1280004" y="923890"/>
+                    <a:ext cx="875561" cy="369332"/>
+                  </a:xfrm>
+                  <a:prstGeom prst="rect">
+                    <a:avLst/>
+                  </a:prstGeom>
+                  <a:noFill/>
+                </p:spPr>
+                <p:txBody>
+                  <a:bodyPr wrap="none" rtlCol="0">
+                    <a:spAutoFit/>
+                  </a:bodyPr>
+                  <a:lstStyle/>
+                  <a:p>
+                    <a14:m>
+                      <m:oMathPara xmlns:m="http://schemas.openxmlformats.org/officeDocument/2006/math">
+                        <m:oMathParaPr>
+                          <m:jc m:val="centerGroup"/>
+                        </m:oMathParaPr>
+                        <m:oMath xmlns:m="http://schemas.openxmlformats.org/officeDocument/2006/math">
+                          <m:r>
+                            <a:rPr kumimoji="1" lang="en-US" altLang="ja-JP" b="0" i="1" smtClean="0">
+                              <a:latin typeface="Cambria Math" panose="02040503050406030204" pitchFamily="18" charset="0"/>
+                            </a:rPr>
+                            <m:t>(10,0)</m:t>
+                          </m:r>
+                        </m:oMath>
+                      </m:oMathPara>
+                    </a14:m>
+                    <a:endParaRPr kumimoji="1" lang="ja-JP" altLang="en-US" dirty="0"/>
+                  </a:p>
+                </p:txBody>
+              </p:sp>
+            </mc:Choice>
+            <mc:Fallback>
+              <p:sp>
+                <p:nvSpPr>
+                  <p:cNvPr id="33" name="テキスト ボックス 32">
+                    <a:extLst>
+                      <a:ext uri="{FF2B5EF4-FFF2-40B4-BE49-F238E27FC236}">
+                        <a16:creationId xmlns:a16="http://schemas.microsoft.com/office/drawing/2014/main" id="{CD0ED91C-DD61-4D68-BD5F-555659F81800}"/>
+                      </a:ext>
+                    </a:extLst>
+                  </p:cNvPr>
+                  <p:cNvSpPr txBox="1">
+                    <a:spLocks noRot="1" noChangeAspect="1" noMove="1" noResize="1" noEditPoints="1" noAdjustHandles="1" noChangeArrowheads="1" noChangeShapeType="1" noTextEdit="1"/>
+                  </p:cNvSpPr>
+                  <p:nvPr/>
+                </p:nvSpPr>
+                <p:spPr>
+                  <a:xfrm>
+                    <a:off x="1280004" y="923890"/>
+                    <a:ext cx="875561" cy="369332"/>
+                  </a:xfrm>
+                  <a:prstGeom prst="rect">
+                    <a:avLst/>
+                  </a:prstGeom>
+                  <a:blipFill>
+                    <a:blip r:embed="rId5"/>
+                    <a:stretch>
+                      <a:fillRect b="-13333"/>
+                    </a:stretch>
+                  </a:blipFill>
+                </p:spPr>
+                <p:txBody>
+                  <a:bodyPr/>
+                  <a:lstStyle/>
+                  <a:p>
+                    <a:r>
+                      <a:rPr lang="ja-JP" altLang="en-US">
+                        <a:noFill/>
+                      </a:rPr>
+                      <a:t> </a:t>
+                    </a:r>
+                  </a:p>
+                </p:txBody>
+              </p:sp>
+            </mc:Fallback>
+          </mc:AlternateContent>
+          <mc:AlternateContent xmlns:mc="http://schemas.openxmlformats.org/markup-compatibility/2006">
+            <mc:Choice xmlns:a14="http://schemas.microsoft.com/office/drawing/2010/main" Requires="a14">
+              <p:sp>
+                <p:nvSpPr>
+                  <p:cNvPr id="34" name="テキスト ボックス 33">
+                    <a:extLst>
+                      <a:ext uri="{FF2B5EF4-FFF2-40B4-BE49-F238E27FC236}">
+                        <a16:creationId xmlns:a16="http://schemas.microsoft.com/office/drawing/2014/main" id="{21A3DAD4-09C2-4FFC-A8A0-2D622BEFB99C}"/>
+                      </a:ext>
+                    </a:extLst>
+                  </p:cNvPr>
+                  <p:cNvSpPr txBox="1"/>
+                  <p:nvPr/>
+                </p:nvSpPr>
+                <p:spPr>
+                  <a:xfrm>
+                    <a:off x="2298983" y="919536"/>
+                    <a:ext cx="747320" cy="369332"/>
+                  </a:xfrm>
+                  <a:prstGeom prst="rect">
+                    <a:avLst/>
+                  </a:prstGeom>
+                  <a:noFill/>
+                </p:spPr>
+                <p:txBody>
+                  <a:bodyPr wrap="square" rtlCol="0">
+                    <a:spAutoFit/>
+                  </a:bodyPr>
+                  <a:lstStyle/>
+                  <a:p>
+                    <a14:m>
+                      <m:oMathPara xmlns:m="http://schemas.openxmlformats.org/officeDocument/2006/math">
+                        <m:oMathParaPr>
+                          <m:jc m:val="centerGroup"/>
+                        </m:oMathParaPr>
+                        <m:oMath xmlns:m="http://schemas.openxmlformats.org/officeDocument/2006/math">
+                          <m:r>
+                            <a:rPr kumimoji="1" lang="en-US" altLang="ja-JP" b="0" i="1" smtClean="0">
+                              <a:latin typeface="Cambria Math" panose="02040503050406030204" pitchFamily="18" charset="0"/>
+                            </a:rPr>
+                            <m:t>(10,10)</m:t>
+                          </m:r>
+                        </m:oMath>
+                      </m:oMathPara>
+                    </a14:m>
+                    <a:endParaRPr kumimoji="1" lang="ja-JP" altLang="en-US" dirty="0"/>
+                  </a:p>
+                </p:txBody>
+              </p:sp>
+            </mc:Choice>
+            <mc:Fallback>
+              <p:sp>
+                <p:nvSpPr>
+                  <p:cNvPr id="34" name="テキスト ボックス 33">
+                    <a:extLst>
+                      <a:ext uri="{FF2B5EF4-FFF2-40B4-BE49-F238E27FC236}">
+                        <a16:creationId xmlns:a16="http://schemas.microsoft.com/office/drawing/2014/main" id="{21A3DAD4-09C2-4FFC-A8A0-2D622BEFB99C}"/>
+                      </a:ext>
+                    </a:extLst>
+                  </p:cNvPr>
+                  <p:cNvSpPr txBox="1">
+                    <a:spLocks noRot="1" noChangeAspect="1" noMove="1" noResize="1" noEditPoints="1" noAdjustHandles="1" noChangeArrowheads="1" noChangeShapeType="1" noTextEdit="1"/>
+                  </p:cNvSpPr>
+                  <p:nvPr/>
+                </p:nvSpPr>
+                <p:spPr>
+                  <a:xfrm>
+                    <a:off x="2298983" y="919536"/>
+                    <a:ext cx="747320" cy="369332"/>
+                  </a:xfrm>
+                  <a:prstGeom prst="rect">
+                    <a:avLst/>
+                  </a:prstGeom>
+                  <a:blipFill>
+                    <a:blip r:embed="rId6"/>
+                    <a:stretch>
+                      <a:fillRect l="-2459" r="-27869" b="-13333"/>
+                    </a:stretch>
+                  </a:blipFill>
+                </p:spPr>
+                <p:txBody>
+                  <a:bodyPr/>
+                  <a:lstStyle/>
+                  <a:p>
+                    <a:r>
+                      <a:rPr lang="ja-JP" altLang="en-US">
+                        <a:noFill/>
+                      </a:rPr>
+                      <a:t> </a:t>
+                    </a:r>
+                  </a:p>
+                </p:txBody>
+              </p:sp>
+            </mc:Fallback>
+          </mc:AlternateContent>
+          <mc:AlternateContent xmlns:mc="http://schemas.openxmlformats.org/markup-compatibility/2006">
+            <mc:Choice xmlns:a14="http://schemas.microsoft.com/office/drawing/2010/main" Requires="a14">
+              <p:sp>
+                <p:nvSpPr>
+                  <p:cNvPr id="35" name="テキスト ボックス 34">
+                    <a:extLst>
+                      <a:ext uri="{FF2B5EF4-FFF2-40B4-BE49-F238E27FC236}">
+                        <a16:creationId xmlns:a16="http://schemas.microsoft.com/office/drawing/2014/main" id="{F0A1110E-2967-4851-AF27-7A4B71A77BDC}"/>
+                      </a:ext>
+                    </a:extLst>
+                  </p:cNvPr>
+                  <p:cNvSpPr txBox="1"/>
+                  <p:nvPr/>
+                </p:nvSpPr>
+                <p:spPr>
+                  <a:xfrm>
+                    <a:off x="3317963" y="919536"/>
+                    <a:ext cx="1003801" cy="369332"/>
+                  </a:xfrm>
+                  <a:prstGeom prst="rect">
+                    <a:avLst/>
+                  </a:prstGeom>
+                  <a:noFill/>
+                </p:spPr>
+                <p:txBody>
+                  <a:bodyPr wrap="none" rtlCol="0">
+                    <a:spAutoFit/>
+                  </a:bodyPr>
+                  <a:lstStyle/>
+                  <a:p>
+                    <a14:m>
+                      <m:oMathPara xmlns:m="http://schemas.openxmlformats.org/officeDocument/2006/math">
+                        <m:oMathParaPr>
+                          <m:jc m:val="centerGroup"/>
+                        </m:oMathParaPr>
+                        <m:oMath xmlns:m="http://schemas.openxmlformats.org/officeDocument/2006/math">
+                          <m:r>
+                            <a:rPr kumimoji="1" lang="en-US" altLang="ja-JP" b="0" i="1" smtClean="0">
+                              <a:latin typeface="Cambria Math" panose="02040503050406030204" pitchFamily="18" charset="0"/>
+                            </a:rPr>
+                            <m:t>(10,20)</m:t>
+                          </m:r>
+                        </m:oMath>
+                      </m:oMathPara>
+                    </a14:m>
+                    <a:endParaRPr kumimoji="1" lang="ja-JP" altLang="en-US" dirty="0"/>
+                  </a:p>
+                </p:txBody>
+              </p:sp>
+            </mc:Choice>
+            <mc:Fallback>
+              <p:sp>
+                <p:nvSpPr>
+                  <p:cNvPr id="35" name="テキスト ボックス 34">
+                    <a:extLst>
+                      <a:ext uri="{FF2B5EF4-FFF2-40B4-BE49-F238E27FC236}">
+                        <a16:creationId xmlns:a16="http://schemas.microsoft.com/office/drawing/2014/main" id="{F0A1110E-2967-4851-AF27-7A4B71A77BDC}"/>
+                      </a:ext>
+                    </a:extLst>
+                  </p:cNvPr>
+                  <p:cNvSpPr txBox="1">
+                    <a:spLocks noRot="1" noChangeAspect="1" noMove="1" noResize="1" noEditPoints="1" noAdjustHandles="1" noChangeArrowheads="1" noChangeShapeType="1" noTextEdit="1"/>
+                  </p:cNvSpPr>
+                  <p:nvPr/>
+                </p:nvSpPr>
+                <p:spPr>
+                  <a:xfrm>
+                    <a:off x="3317963" y="919536"/>
+                    <a:ext cx="1003801" cy="369332"/>
+                  </a:xfrm>
+                  <a:prstGeom prst="rect">
+                    <a:avLst/>
+                  </a:prstGeom>
+                  <a:blipFill>
+                    <a:blip r:embed="rId7"/>
+                    <a:stretch>
+                      <a:fillRect b="-13333"/>
+                    </a:stretch>
+                  </a:blipFill>
+                </p:spPr>
+                <p:txBody>
+                  <a:bodyPr/>
+                  <a:lstStyle/>
+                  <a:p>
+                    <a:r>
+                      <a:rPr lang="ja-JP" altLang="en-US">
+                        <a:noFill/>
+                      </a:rPr>
+                      <a:t> </a:t>
+                    </a:r>
+                  </a:p>
+                </p:txBody>
+              </p:sp>
+            </mc:Fallback>
+          </mc:AlternateContent>
+        </p:grpSp>
+        <p:grpSp>
+          <p:nvGrpSpPr>
+            <p:cNvPr id="36" name="グループ化 35">
+              <a:extLst>
+                <a:ext uri="{FF2B5EF4-FFF2-40B4-BE49-F238E27FC236}">
+                  <a16:creationId xmlns:a16="http://schemas.microsoft.com/office/drawing/2014/main" id="{F375AF02-448E-4C8C-950C-0DD8988D99E3}"/>
+                </a:ext>
+              </a:extLst>
+            </p:cNvPr>
+            <p:cNvGrpSpPr/>
+            <p:nvPr/>
+          </p:nvGrpSpPr>
+          <p:grpSpPr>
+            <a:xfrm>
+              <a:off x="955474" y="2835032"/>
+              <a:ext cx="3041760" cy="373686"/>
+              <a:chOff x="1280004" y="919536"/>
+              <a:chExt cx="3041760" cy="373686"/>
+            </a:xfrm>
+          </p:grpSpPr>
+          <mc:AlternateContent xmlns:mc="http://schemas.openxmlformats.org/markup-compatibility/2006">
+            <mc:Choice xmlns:a14="http://schemas.microsoft.com/office/drawing/2010/main" Requires="a14">
+              <p:sp>
+                <p:nvSpPr>
+                  <p:cNvPr id="37" name="テキスト ボックス 36">
+                    <a:extLst>
+                      <a:ext uri="{FF2B5EF4-FFF2-40B4-BE49-F238E27FC236}">
+                        <a16:creationId xmlns:a16="http://schemas.microsoft.com/office/drawing/2014/main" id="{50623F74-B7D5-407F-87AB-71D76738E2DB}"/>
+                      </a:ext>
+                    </a:extLst>
+                  </p:cNvPr>
+                  <p:cNvSpPr txBox="1"/>
+                  <p:nvPr/>
+                </p:nvSpPr>
+                <p:spPr>
+                  <a:xfrm>
+                    <a:off x="1280004" y="923890"/>
+                    <a:ext cx="875561" cy="369332"/>
+                  </a:xfrm>
+                  <a:prstGeom prst="rect">
+                    <a:avLst/>
+                  </a:prstGeom>
+                  <a:noFill/>
+                </p:spPr>
+                <p:txBody>
+                  <a:bodyPr wrap="none" rtlCol="0">
+                    <a:spAutoFit/>
+                  </a:bodyPr>
+                  <a:lstStyle/>
+                  <a:p>
+                    <a14:m>
+                      <m:oMathPara xmlns:m="http://schemas.openxmlformats.org/officeDocument/2006/math">
+                        <m:oMathParaPr>
+                          <m:jc m:val="centerGroup"/>
+                        </m:oMathParaPr>
+                        <m:oMath xmlns:m="http://schemas.openxmlformats.org/officeDocument/2006/math">
+                          <m:r>
+                            <a:rPr kumimoji="1" lang="en-US" altLang="ja-JP" b="0" i="1" smtClean="0">
+                              <a:latin typeface="Cambria Math" panose="02040503050406030204" pitchFamily="18" charset="0"/>
+                            </a:rPr>
+                            <m:t>(20,0)</m:t>
+                          </m:r>
+                        </m:oMath>
+                      </m:oMathPara>
+                    </a14:m>
+                    <a:endParaRPr kumimoji="1" lang="ja-JP" altLang="en-US" dirty="0"/>
+                  </a:p>
+                </p:txBody>
+              </p:sp>
+            </mc:Choice>
+            <mc:Fallback>
+              <p:sp>
+                <p:nvSpPr>
+                  <p:cNvPr id="37" name="テキスト ボックス 36">
+                    <a:extLst>
+                      <a:ext uri="{FF2B5EF4-FFF2-40B4-BE49-F238E27FC236}">
+                        <a16:creationId xmlns:a16="http://schemas.microsoft.com/office/drawing/2014/main" id="{50623F74-B7D5-407F-87AB-71D76738E2DB}"/>
+                      </a:ext>
+                    </a:extLst>
+                  </p:cNvPr>
+                  <p:cNvSpPr txBox="1">
+                    <a:spLocks noRot="1" noChangeAspect="1" noMove="1" noResize="1" noEditPoints="1" noAdjustHandles="1" noChangeArrowheads="1" noChangeShapeType="1" noTextEdit="1"/>
+                  </p:cNvSpPr>
+                  <p:nvPr/>
+                </p:nvSpPr>
+                <p:spPr>
+                  <a:xfrm>
+                    <a:off x="1280004" y="923890"/>
+                    <a:ext cx="875561" cy="369332"/>
+                  </a:xfrm>
+                  <a:prstGeom prst="rect">
+                    <a:avLst/>
+                  </a:prstGeom>
+                  <a:blipFill>
+                    <a:blip r:embed="rId8"/>
+                    <a:stretch>
+                      <a:fillRect b="-13333"/>
+                    </a:stretch>
+                  </a:blipFill>
+                </p:spPr>
+                <p:txBody>
+                  <a:bodyPr/>
+                  <a:lstStyle/>
+                  <a:p>
+                    <a:r>
+                      <a:rPr lang="ja-JP" altLang="en-US">
+                        <a:noFill/>
+                      </a:rPr>
+                      <a:t> </a:t>
+                    </a:r>
+                  </a:p>
+                </p:txBody>
+              </p:sp>
+            </mc:Fallback>
+          </mc:AlternateContent>
+          <mc:AlternateContent xmlns:mc="http://schemas.openxmlformats.org/markup-compatibility/2006">
+            <mc:Choice xmlns:a14="http://schemas.microsoft.com/office/drawing/2010/main" Requires="a14">
+              <p:sp>
+                <p:nvSpPr>
+                  <p:cNvPr id="38" name="テキスト ボックス 37">
+                    <a:extLst>
+                      <a:ext uri="{FF2B5EF4-FFF2-40B4-BE49-F238E27FC236}">
+                        <a16:creationId xmlns:a16="http://schemas.microsoft.com/office/drawing/2014/main" id="{9C32AC4A-335E-4715-90CE-B22CBC09858C}"/>
+                      </a:ext>
+                    </a:extLst>
+                  </p:cNvPr>
+                  <p:cNvSpPr txBox="1"/>
+                  <p:nvPr/>
+                </p:nvSpPr>
+                <p:spPr>
+                  <a:xfrm>
+                    <a:off x="2298983" y="919536"/>
+                    <a:ext cx="747320" cy="369332"/>
+                  </a:xfrm>
+                  <a:prstGeom prst="rect">
+                    <a:avLst/>
+                  </a:prstGeom>
+                  <a:noFill/>
+                </p:spPr>
+                <p:txBody>
+                  <a:bodyPr wrap="square" rtlCol="0">
+                    <a:spAutoFit/>
+                  </a:bodyPr>
+                  <a:lstStyle/>
+                  <a:p>
+                    <a14:m>
+                      <m:oMathPara xmlns:m="http://schemas.openxmlformats.org/officeDocument/2006/math">
+                        <m:oMathParaPr>
+                          <m:jc m:val="centerGroup"/>
+                        </m:oMathParaPr>
+                        <m:oMath xmlns:m="http://schemas.openxmlformats.org/officeDocument/2006/math">
+                          <m:r>
+                            <a:rPr kumimoji="1" lang="en-US" altLang="ja-JP" b="0" i="1" smtClean="0">
+                              <a:latin typeface="Cambria Math" panose="02040503050406030204" pitchFamily="18" charset="0"/>
+                            </a:rPr>
+                            <m:t>(20,10)</m:t>
+                          </m:r>
+                        </m:oMath>
+                      </m:oMathPara>
+                    </a14:m>
+                    <a:endParaRPr kumimoji="1" lang="ja-JP" altLang="en-US" dirty="0"/>
+                  </a:p>
+                </p:txBody>
+              </p:sp>
+            </mc:Choice>
+            <mc:Fallback>
+              <p:sp>
+                <p:nvSpPr>
+                  <p:cNvPr id="38" name="テキスト ボックス 37">
+                    <a:extLst>
+                      <a:ext uri="{FF2B5EF4-FFF2-40B4-BE49-F238E27FC236}">
+                        <a16:creationId xmlns:a16="http://schemas.microsoft.com/office/drawing/2014/main" id="{9C32AC4A-335E-4715-90CE-B22CBC09858C}"/>
+                      </a:ext>
+                    </a:extLst>
+                  </p:cNvPr>
+                  <p:cNvSpPr txBox="1">
+                    <a:spLocks noRot="1" noChangeAspect="1" noMove="1" noResize="1" noEditPoints="1" noAdjustHandles="1" noChangeArrowheads="1" noChangeShapeType="1" noTextEdit="1"/>
+                  </p:cNvSpPr>
+                  <p:nvPr/>
+                </p:nvSpPr>
+                <p:spPr>
+                  <a:xfrm>
+                    <a:off x="2298983" y="919536"/>
+                    <a:ext cx="747320" cy="369332"/>
+                  </a:xfrm>
+                  <a:prstGeom prst="rect">
+                    <a:avLst/>
+                  </a:prstGeom>
+                  <a:blipFill>
+                    <a:blip r:embed="rId9"/>
+                    <a:stretch>
+                      <a:fillRect l="-2459" r="-27869" b="-13115"/>
+                    </a:stretch>
+                  </a:blipFill>
+                </p:spPr>
+                <p:txBody>
+                  <a:bodyPr/>
+                  <a:lstStyle/>
+                  <a:p>
+                    <a:r>
+                      <a:rPr lang="ja-JP" altLang="en-US">
+                        <a:noFill/>
+                      </a:rPr>
+                      <a:t> </a:t>
+                    </a:r>
+                  </a:p>
+                </p:txBody>
+              </p:sp>
+            </mc:Fallback>
+          </mc:AlternateContent>
+          <mc:AlternateContent xmlns:mc="http://schemas.openxmlformats.org/markup-compatibility/2006">
+            <mc:Choice xmlns:a14="http://schemas.microsoft.com/office/drawing/2010/main" Requires="a14">
+              <p:sp>
+                <p:nvSpPr>
+                  <p:cNvPr id="39" name="テキスト ボックス 38">
+                    <a:extLst>
+                      <a:ext uri="{FF2B5EF4-FFF2-40B4-BE49-F238E27FC236}">
+                        <a16:creationId xmlns:a16="http://schemas.microsoft.com/office/drawing/2014/main" id="{B6F16E49-AC85-4F43-A658-B5F20FAD2BB6}"/>
+                      </a:ext>
+                    </a:extLst>
+                  </p:cNvPr>
+                  <p:cNvSpPr txBox="1"/>
+                  <p:nvPr/>
+                </p:nvSpPr>
+                <p:spPr>
+                  <a:xfrm>
+                    <a:off x="3317963" y="919536"/>
+                    <a:ext cx="1003801" cy="369332"/>
+                  </a:xfrm>
+                  <a:prstGeom prst="rect">
+                    <a:avLst/>
+                  </a:prstGeom>
+                  <a:noFill/>
+                </p:spPr>
+                <p:txBody>
+                  <a:bodyPr wrap="none" rtlCol="0">
+                    <a:spAutoFit/>
+                  </a:bodyPr>
+                  <a:lstStyle/>
+                  <a:p>
+                    <a14:m>
+                      <m:oMathPara xmlns:m="http://schemas.openxmlformats.org/officeDocument/2006/math">
+                        <m:oMathParaPr>
+                          <m:jc m:val="centerGroup"/>
+                        </m:oMathParaPr>
+                        <m:oMath xmlns:m="http://schemas.openxmlformats.org/officeDocument/2006/math">
+                          <m:r>
+                            <a:rPr kumimoji="1" lang="en-US" altLang="ja-JP" b="0" i="1" smtClean="0">
+                              <a:latin typeface="Cambria Math" panose="02040503050406030204" pitchFamily="18" charset="0"/>
+                            </a:rPr>
+                            <m:t>(20,20)</m:t>
+                          </m:r>
+                        </m:oMath>
+                      </m:oMathPara>
+                    </a14:m>
+                    <a:endParaRPr kumimoji="1" lang="ja-JP" altLang="en-US" dirty="0"/>
+                  </a:p>
+                </p:txBody>
+              </p:sp>
+            </mc:Choice>
+            <mc:Fallback>
+              <p:sp>
+                <p:nvSpPr>
+                  <p:cNvPr id="39" name="テキスト ボックス 38">
+                    <a:extLst>
+                      <a:ext uri="{FF2B5EF4-FFF2-40B4-BE49-F238E27FC236}">
+                        <a16:creationId xmlns:a16="http://schemas.microsoft.com/office/drawing/2014/main" id="{B6F16E49-AC85-4F43-A658-B5F20FAD2BB6}"/>
+                      </a:ext>
+                    </a:extLst>
+                  </p:cNvPr>
+                  <p:cNvSpPr txBox="1">
+                    <a:spLocks noRot="1" noChangeAspect="1" noMove="1" noResize="1" noEditPoints="1" noAdjustHandles="1" noChangeArrowheads="1" noChangeShapeType="1" noTextEdit="1"/>
+                  </p:cNvSpPr>
+                  <p:nvPr/>
+                </p:nvSpPr>
+                <p:spPr>
+                  <a:xfrm>
+                    <a:off x="3317963" y="919536"/>
+                    <a:ext cx="1003801" cy="369332"/>
+                  </a:xfrm>
+                  <a:prstGeom prst="rect">
+                    <a:avLst/>
+                  </a:prstGeom>
+                  <a:blipFill>
+                    <a:blip r:embed="rId10"/>
+                    <a:stretch>
+                      <a:fillRect b="-13115"/>
+                    </a:stretch>
+                  </a:blipFill>
+                </p:spPr>
+                <p:txBody>
+                  <a:bodyPr/>
+                  <a:lstStyle/>
+                  <a:p>
+                    <a:r>
+                      <a:rPr lang="ja-JP" altLang="en-US">
+                        <a:noFill/>
+                      </a:rPr>
+                      <a:t> </a:t>
+                    </a:r>
+                  </a:p>
+                </p:txBody>
+              </p:sp>
+            </mc:Fallback>
+          </mc:AlternateContent>
+        </p:grpSp>
+        <p:cxnSp>
+          <p:nvCxnSpPr>
+            <p:cNvPr id="41" name="直線矢印コネクタ 40">
+              <a:extLst>
+                <a:ext uri="{FF2B5EF4-FFF2-40B4-BE49-F238E27FC236}">
+                  <a16:creationId xmlns:a16="http://schemas.microsoft.com/office/drawing/2014/main" id="{5FA559B0-254B-4363-9DEF-939D79D8CCA5}"/>
+                </a:ext>
+              </a:extLst>
+            </p:cNvPr>
+            <p:cNvCxnSpPr>
+              <a:stCxn id="4" idx="6"/>
+              <a:endCxn id="18" idx="2"/>
+            </p:cNvCxnSpPr>
+            <p:nvPr/>
+          </p:nvCxnSpPr>
+          <p:spPr>
+            <a:xfrm>
+              <a:off x="1985555" y="1393372"/>
+              <a:ext cx="735873" cy="0"/>
+            </a:xfrm>
+            <a:prstGeom prst="straightConnector1">
+              <a:avLst/>
+            </a:prstGeom>
+            <a:ln w="19050">
+              <a:solidFill>
+                <a:schemeClr val="tx1">
+                  <a:lumMod val="95000"/>
+                  <a:lumOff val="5000"/>
+                </a:schemeClr>
+              </a:solidFill>
+              <a:tailEnd type="triangle"/>
+            </a:ln>
+          </p:spPr>
+          <p:style>
+            <a:lnRef idx="1">
+              <a:schemeClr val="accent1"/>
+            </a:lnRef>
+            <a:fillRef idx="0">
+              <a:schemeClr val="accent1"/>
+            </a:fillRef>
+            <a:effectRef idx="0">
+              <a:schemeClr val="accent1"/>
+            </a:effectRef>
+            <a:fontRef idx="minor">
+              <a:schemeClr val="tx1"/>
+            </a:fontRef>
+          </p:style>
+        </p:cxnSp>
+        <p:cxnSp>
+          <p:nvCxnSpPr>
+            <p:cNvPr id="42" name="直線矢印コネクタ 41">
+              <a:extLst>
+                <a:ext uri="{FF2B5EF4-FFF2-40B4-BE49-F238E27FC236}">
+                  <a16:creationId xmlns:a16="http://schemas.microsoft.com/office/drawing/2014/main" id="{B5F42B31-812D-4201-A831-C1A08318862D}"/>
+                </a:ext>
+              </a:extLst>
+            </p:cNvPr>
+            <p:cNvCxnSpPr>
+              <a:cxnSpLocks/>
+              <a:stCxn id="18" idx="6"/>
+              <a:endCxn id="19" idx="2"/>
+            </p:cNvCxnSpPr>
+            <p:nvPr/>
+          </p:nvCxnSpPr>
+          <p:spPr>
+            <a:xfrm>
+              <a:off x="3000103" y="1393372"/>
+              <a:ext cx="735873" cy="0"/>
+            </a:xfrm>
+            <a:prstGeom prst="straightConnector1">
+              <a:avLst/>
+            </a:prstGeom>
+            <a:ln w="19050">
+              <a:solidFill>
+                <a:schemeClr val="tx1">
+                  <a:lumMod val="95000"/>
+                  <a:lumOff val="5000"/>
+                </a:schemeClr>
+              </a:solidFill>
+              <a:tailEnd type="triangle"/>
+            </a:ln>
+          </p:spPr>
+          <p:style>
+            <a:lnRef idx="1">
+              <a:schemeClr val="accent1"/>
+            </a:lnRef>
+            <a:fillRef idx="0">
+              <a:schemeClr val="accent1"/>
+            </a:fillRef>
+            <a:effectRef idx="0">
+              <a:schemeClr val="accent1"/>
+            </a:effectRef>
+            <a:fontRef idx="minor">
+              <a:schemeClr val="tx1"/>
+            </a:fontRef>
+          </p:style>
+        </p:cxnSp>
+        <p:cxnSp>
+          <p:nvCxnSpPr>
+            <p:cNvPr id="45" name="直線矢印コネクタ 44">
+              <a:extLst>
+                <a:ext uri="{FF2B5EF4-FFF2-40B4-BE49-F238E27FC236}">
+                  <a16:creationId xmlns:a16="http://schemas.microsoft.com/office/drawing/2014/main" id="{D805CF5F-3CAF-4D62-A573-9FE2896E2317}"/>
+                </a:ext>
+              </a:extLst>
+            </p:cNvPr>
+            <p:cNvCxnSpPr>
+              <a:cxnSpLocks/>
+              <a:stCxn id="19" idx="4"/>
+            </p:cNvCxnSpPr>
+            <p:nvPr/>
+          </p:nvCxnSpPr>
+          <p:spPr>
+            <a:xfrm>
+              <a:off x="3875314" y="1532709"/>
+              <a:ext cx="0" cy="674914"/>
+            </a:xfrm>
+            <a:prstGeom prst="straightConnector1">
+              <a:avLst/>
+            </a:prstGeom>
+            <a:ln w="19050">
+              <a:solidFill>
+                <a:schemeClr val="tx1">
+                  <a:lumMod val="95000"/>
+                  <a:lumOff val="5000"/>
+                </a:schemeClr>
+              </a:solidFill>
+              <a:tailEnd type="triangle"/>
+            </a:ln>
+          </p:spPr>
+          <p:style>
+            <a:lnRef idx="1">
+              <a:schemeClr val="accent1"/>
+            </a:lnRef>
+            <a:fillRef idx="0">
+              <a:schemeClr val="accent1"/>
+            </a:fillRef>
+            <a:effectRef idx="0">
+              <a:schemeClr val="accent1"/>
+            </a:effectRef>
+            <a:fontRef idx="minor">
+              <a:schemeClr val="tx1"/>
+            </a:fontRef>
+          </p:style>
+        </p:cxnSp>
+        <p:cxnSp>
+          <p:nvCxnSpPr>
+            <p:cNvPr id="54" name="直線矢印コネクタ 53">
+              <a:extLst>
+                <a:ext uri="{FF2B5EF4-FFF2-40B4-BE49-F238E27FC236}">
+                  <a16:creationId xmlns:a16="http://schemas.microsoft.com/office/drawing/2014/main" id="{F1D9C672-A13B-48D2-BB7B-FFA6EB696702}"/>
+                </a:ext>
+              </a:extLst>
+            </p:cNvPr>
+            <p:cNvCxnSpPr>
+              <a:cxnSpLocks/>
+              <a:stCxn id="24" idx="4"/>
+            </p:cNvCxnSpPr>
+            <p:nvPr/>
+          </p:nvCxnSpPr>
+          <p:spPr>
+            <a:xfrm flipH="1">
+              <a:off x="3875313" y="2486298"/>
+              <a:ext cx="1" cy="689204"/>
+            </a:xfrm>
+            <a:prstGeom prst="straightConnector1">
+              <a:avLst/>
+            </a:prstGeom>
+            <a:ln w="19050">
+              <a:solidFill>
+                <a:schemeClr val="tx1">
+                  <a:lumMod val="95000"/>
+                  <a:lumOff val="5000"/>
+                </a:schemeClr>
+              </a:solidFill>
+              <a:tailEnd type="triangle"/>
+            </a:ln>
+          </p:spPr>
+          <p:style>
+            <a:lnRef idx="1">
+              <a:schemeClr val="accent1"/>
+            </a:lnRef>
+            <a:fillRef idx="0">
+              <a:schemeClr val="accent1"/>
+            </a:fillRef>
+            <a:effectRef idx="0">
+              <a:schemeClr val="accent1"/>
+            </a:effectRef>
+            <a:fontRef idx="minor">
+              <a:schemeClr val="tx1"/>
+            </a:fontRef>
+          </p:style>
+        </p:cxnSp>
+        <p:cxnSp>
+          <p:nvCxnSpPr>
+            <p:cNvPr id="57" name="直線矢印コネクタ 56">
+              <a:extLst>
+                <a:ext uri="{FF2B5EF4-FFF2-40B4-BE49-F238E27FC236}">
+                  <a16:creationId xmlns:a16="http://schemas.microsoft.com/office/drawing/2014/main" id="{41BF49C8-6EEB-4DC2-9D18-DFC9E23B9228}"/>
+                </a:ext>
+              </a:extLst>
+            </p:cNvPr>
+            <p:cNvCxnSpPr>
+              <a:cxnSpLocks/>
+              <a:stCxn id="28" idx="2"/>
+              <a:endCxn id="27" idx="6"/>
+            </p:cNvCxnSpPr>
+            <p:nvPr/>
+          </p:nvCxnSpPr>
+          <p:spPr>
+            <a:xfrm flipH="1">
+              <a:off x="3000103" y="3300550"/>
+              <a:ext cx="735873" cy="0"/>
+            </a:xfrm>
+            <a:prstGeom prst="straightConnector1">
+              <a:avLst/>
+            </a:prstGeom>
+            <a:ln w="19050">
+              <a:solidFill>
+                <a:schemeClr val="tx1">
+                  <a:lumMod val="95000"/>
+                  <a:lumOff val="5000"/>
+                </a:schemeClr>
+              </a:solidFill>
+              <a:tailEnd type="triangle"/>
+            </a:ln>
+          </p:spPr>
+          <p:style>
+            <a:lnRef idx="1">
+              <a:schemeClr val="accent1"/>
+            </a:lnRef>
+            <a:fillRef idx="0">
+              <a:schemeClr val="accent1"/>
+            </a:fillRef>
+            <a:effectRef idx="0">
+              <a:schemeClr val="accent1"/>
+            </a:effectRef>
+            <a:fontRef idx="minor">
+              <a:schemeClr val="tx1"/>
+            </a:fontRef>
+          </p:style>
+        </p:cxnSp>
+        <p:cxnSp>
+          <p:nvCxnSpPr>
+            <p:cNvPr id="60" name="直線矢印コネクタ 59">
+              <a:extLst>
+                <a:ext uri="{FF2B5EF4-FFF2-40B4-BE49-F238E27FC236}">
+                  <a16:creationId xmlns:a16="http://schemas.microsoft.com/office/drawing/2014/main" id="{48567B7A-D359-4540-B6D2-50E27F0BAA3A}"/>
+                </a:ext>
+              </a:extLst>
+            </p:cNvPr>
+            <p:cNvCxnSpPr>
+              <a:cxnSpLocks/>
+              <a:endCxn id="23" idx="4"/>
+            </p:cNvCxnSpPr>
+            <p:nvPr/>
+          </p:nvCxnSpPr>
+          <p:spPr>
+            <a:xfrm flipV="1">
+              <a:off x="2860766" y="2486298"/>
+              <a:ext cx="0" cy="674914"/>
+            </a:xfrm>
+            <a:prstGeom prst="straightConnector1">
+              <a:avLst/>
+            </a:prstGeom>
+            <a:ln w="19050">
+              <a:solidFill>
+                <a:schemeClr val="tx1">
+                  <a:lumMod val="95000"/>
+                  <a:lumOff val="5000"/>
+                </a:schemeClr>
+              </a:solidFill>
+              <a:tailEnd type="triangle"/>
+            </a:ln>
+          </p:spPr>
+          <p:style>
+            <a:lnRef idx="1">
+              <a:schemeClr val="accent1"/>
+            </a:lnRef>
+            <a:fillRef idx="0">
+              <a:schemeClr val="accent1"/>
+            </a:fillRef>
+            <a:effectRef idx="0">
+              <a:schemeClr val="accent1"/>
+            </a:effectRef>
+            <a:fontRef idx="minor">
+              <a:schemeClr val="tx1"/>
+            </a:fontRef>
+          </p:style>
+        </p:cxnSp>
+        <p:cxnSp>
+          <p:nvCxnSpPr>
+            <p:cNvPr id="66" name="直線矢印コネクタ 65">
+              <a:extLst>
+                <a:ext uri="{FF2B5EF4-FFF2-40B4-BE49-F238E27FC236}">
+                  <a16:creationId xmlns:a16="http://schemas.microsoft.com/office/drawing/2014/main" id="{86A3680D-E0BC-477D-8FDC-C61E3158A9C7}"/>
+                </a:ext>
+              </a:extLst>
+            </p:cNvPr>
+            <p:cNvCxnSpPr>
+              <a:cxnSpLocks/>
+              <a:stCxn id="23" idx="3"/>
+              <a:endCxn id="26" idx="7"/>
+            </p:cNvCxnSpPr>
+            <p:nvPr/>
+          </p:nvCxnSpPr>
+          <p:spPr>
+            <a:xfrm flipH="1">
+              <a:off x="1944744" y="2445487"/>
+              <a:ext cx="817495" cy="756536"/>
+            </a:xfrm>
+            <a:prstGeom prst="straightConnector1">
+              <a:avLst/>
+            </a:prstGeom>
+            <a:ln w="19050">
+              <a:solidFill>
+                <a:schemeClr val="tx1">
+                  <a:lumMod val="95000"/>
+                  <a:lumOff val="5000"/>
+                </a:schemeClr>
+              </a:solidFill>
+              <a:tailEnd type="triangle"/>
+            </a:ln>
+          </p:spPr>
+          <p:style>
+            <a:lnRef idx="1">
+              <a:schemeClr val="accent1"/>
+            </a:lnRef>
+            <a:fillRef idx="0">
+              <a:schemeClr val="accent1"/>
+            </a:fillRef>
+            <a:effectRef idx="0">
+              <a:schemeClr val="accent1"/>
+            </a:effectRef>
+            <a:fontRef idx="minor">
+              <a:schemeClr val="tx1"/>
+            </a:fontRef>
+          </p:style>
+        </p:cxnSp>
+        <p:cxnSp>
+          <p:nvCxnSpPr>
+            <p:cNvPr id="69" name="直線矢印コネクタ 68">
+              <a:extLst>
+                <a:ext uri="{FF2B5EF4-FFF2-40B4-BE49-F238E27FC236}">
+                  <a16:creationId xmlns:a16="http://schemas.microsoft.com/office/drawing/2014/main" id="{6B30B241-C6F9-4990-B088-01CD7A82EABB}"/>
+                </a:ext>
+              </a:extLst>
+            </p:cNvPr>
+            <p:cNvCxnSpPr>
+              <a:cxnSpLocks/>
+              <a:endCxn id="4" idx="4"/>
+            </p:cNvCxnSpPr>
+            <p:nvPr/>
+          </p:nvCxnSpPr>
+          <p:spPr>
+            <a:xfrm flipV="1">
+              <a:off x="1846218" y="1532709"/>
+              <a:ext cx="0" cy="674914"/>
+            </a:xfrm>
+            <a:prstGeom prst="straightConnector1">
+              <a:avLst/>
+            </a:prstGeom>
+            <a:ln w="19050">
+              <a:solidFill>
+                <a:schemeClr val="tx1">
+                  <a:lumMod val="95000"/>
+                  <a:lumOff val="5000"/>
+                </a:schemeClr>
+              </a:solidFill>
+              <a:tailEnd type="triangle"/>
+            </a:ln>
+          </p:spPr>
+          <p:style>
+            <a:lnRef idx="1">
+              <a:schemeClr val="accent1"/>
+            </a:lnRef>
+            <a:fillRef idx="0">
+              <a:schemeClr val="accent1"/>
+            </a:fillRef>
+            <a:effectRef idx="0">
+              <a:schemeClr val="accent1"/>
+            </a:effectRef>
+            <a:fontRef idx="minor">
+              <a:schemeClr val="tx1"/>
+            </a:fontRef>
+          </p:style>
+        </p:cxnSp>
+        <p:cxnSp>
+          <p:nvCxnSpPr>
+            <p:cNvPr id="72" name="直線矢印コネクタ 71">
+              <a:extLst>
+                <a:ext uri="{FF2B5EF4-FFF2-40B4-BE49-F238E27FC236}">
+                  <a16:creationId xmlns:a16="http://schemas.microsoft.com/office/drawing/2014/main" id="{D53E8B7B-9583-44D6-AE72-70B5181140F6}"/>
+                </a:ext>
+              </a:extLst>
+            </p:cNvPr>
+            <p:cNvCxnSpPr>
+              <a:cxnSpLocks/>
+              <a:stCxn id="26" idx="0"/>
+              <a:endCxn id="22" idx="4"/>
+            </p:cNvCxnSpPr>
+            <p:nvPr/>
+          </p:nvCxnSpPr>
+          <p:spPr>
+            <a:xfrm flipV="1">
+              <a:off x="1846218" y="2486298"/>
+              <a:ext cx="0" cy="674914"/>
+            </a:xfrm>
+            <a:prstGeom prst="straightConnector1">
+              <a:avLst/>
+            </a:prstGeom>
+            <a:ln w="19050">
+              <a:solidFill>
+                <a:schemeClr val="tx1">
+                  <a:lumMod val="95000"/>
+                  <a:lumOff val="5000"/>
+                </a:schemeClr>
+              </a:solidFill>
+              <a:tailEnd type="triangle"/>
+            </a:ln>
+          </p:spPr>
+          <p:style>
+            <a:lnRef idx="1">
+              <a:schemeClr val="accent1"/>
+            </a:lnRef>
+            <a:fillRef idx="0">
+              <a:schemeClr val="accent1"/>
+            </a:fillRef>
+            <a:effectRef idx="0">
+              <a:schemeClr val="accent1"/>
+            </a:effectRef>
+            <a:fontRef idx="minor">
+              <a:schemeClr val="tx1"/>
+            </a:fontRef>
+          </p:style>
+        </p:cxnSp>
+      </p:grpSp>
+    </p:spTree>
+    <p:extLst>
+      <p:ext uri="{BB962C8B-B14F-4D97-AF65-F5344CB8AC3E}">
+        <p14:creationId xmlns:p14="http://schemas.microsoft.com/office/powerpoint/2010/main" val="2928622429"/>
       </p:ext>
     </p:extLst>
   </p:cSld>

--- a/docs/images/QUBO++images.pptx
+++ b/docs/images/QUBO++images.pptx
@@ -7,6 +7,7 @@
   <p:sldIdLst>
     <p:sldId id="256" r:id="rId2"/>
     <p:sldId id="257" r:id="rId3"/>
+    <p:sldId id="258" r:id="rId4"/>
   </p:sldIdLst>
   <p:sldSz cx="12192000" cy="6858000"/>
   <p:notesSz cx="6858000" cy="9144000"/>
@@ -260,7 +261,7 @@
           <a:p>
             <a:fld id="{F9749A5A-0767-4D13-9CC0-3A8774588994}" type="datetimeFigureOut">
               <a:rPr kumimoji="1" lang="ja-JP" altLang="en-US" smtClean="0"/>
-              <a:t>2025/12/22</a:t>
+              <a:t>2026/1/3</a:t>
             </a:fld>
             <a:endParaRPr kumimoji="1" lang="ja-JP" altLang="en-US"/>
           </a:p>
@@ -490,7 +491,7 @@
           <a:p>
             <a:fld id="{F9749A5A-0767-4D13-9CC0-3A8774588994}" type="datetimeFigureOut">
               <a:rPr kumimoji="1" lang="ja-JP" altLang="en-US" smtClean="0"/>
-              <a:t>2025/12/22</a:t>
+              <a:t>2026/1/3</a:t>
             </a:fld>
             <a:endParaRPr kumimoji="1" lang="ja-JP" altLang="en-US"/>
           </a:p>
@@ -730,7 +731,7 @@
           <a:p>
             <a:fld id="{F9749A5A-0767-4D13-9CC0-3A8774588994}" type="datetimeFigureOut">
               <a:rPr kumimoji="1" lang="ja-JP" altLang="en-US" smtClean="0"/>
-              <a:t>2025/12/22</a:t>
+              <a:t>2026/1/3</a:t>
             </a:fld>
             <a:endParaRPr kumimoji="1" lang="ja-JP" altLang="en-US"/>
           </a:p>
@@ -960,7 +961,7 @@
           <a:p>
             <a:fld id="{F9749A5A-0767-4D13-9CC0-3A8774588994}" type="datetimeFigureOut">
               <a:rPr kumimoji="1" lang="ja-JP" altLang="en-US" smtClean="0"/>
-              <a:t>2025/12/22</a:t>
+              <a:t>2026/1/3</a:t>
             </a:fld>
             <a:endParaRPr kumimoji="1" lang="ja-JP" altLang="en-US"/>
           </a:p>
@@ -1235,7 +1236,7 @@
           <a:p>
             <a:fld id="{F9749A5A-0767-4D13-9CC0-3A8774588994}" type="datetimeFigureOut">
               <a:rPr kumimoji="1" lang="ja-JP" altLang="en-US" smtClean="0"/>
-              <a:t>2025/12/22</a:t>
+              <a:t>2026/1/3</a:t>
             </a:fld>
             <a:endParaRPr kumimoji="1" lang="ja-JP" altLang="en-US"/>
           </a:p>
@@ -1564,7 +1565,7 @@
           <a:p>
             <a:fld id="{F9749A5A-0767-4D13-9CC0-3A8774588994}" type="datetimeFigureOut">
               <a:rPr kumimoji="1" lang="ja-JP" altLang="en-US" smtClean="0"/>
-              <a:t>2025/12/22</a:t>
+              <a:t>2026/1/3</a:t>
             </a:fld>
             <a:endParaRPr kumimoji="1" lang="ja-JP" altLang="en-US"/>
           </a:p>
@@ -2040,7 +2041,7 @@
           <a:p>
             <a:fld id="{F9749A5A-0767-4D13-9CC0-3A8774588994}" type="datetimeFigureOut">
               <a:rPr kumimoji="1" lang="ja-JP" altLang="en-US" smtClean="0"/>
-              <a:t>2025/12/22</a:t>
+              <a:t>2026/1/3</a:t>
             </a:fld>
             <a:endParaRPr kumimoji="1" lang="ja-JP" altLang="en-US"/>
           </a:p>
@@ -2181,7 +2182,7 @@
           <a:p>
             <a:fld id="{F9749A5A-0767-4D13-9CC0-3A8774588994}" type="datetimeFigureOut">
               <a:rPr kumimoji="1" lang="ja-JP" altLang="en-US" smtClean="0"/>
-              <a:t>2025/12/22</a:t>
+              <a:t>2026/1/3</a:t>
             </a:fld>
             <a:endParaRPr kumimoji="1" lang="ja-JP" altLang="en-US"/>
           </a:p>
@@ -2294,7 +2295,7 @@
           <a:p>
             <a:fld id="{F9749A5A-0767-4D13-9CC0-3A8774588994}" type="datetimeFigureOut">
               <a:rPr kumimoji="1" lang="ja-JP" altLang="en-US" smtClean="0"/>
-              <a:t>2025/12/22</a:t>
+              <a:t>2026/1/3</a:t>
             </a:fld>
             <a:endParaRPr kumimoji="1" lang="ja-JP" altLang="en-US"/>
           </a:p>
@@ -2637,7 +2638,7 @@
           <a:p>
             <a:fld id="{F9749A5A-0767-4D13-9CC0-3A8774588994}" type="datetimeFigureOut">
               <a:rPr kumimoji="1" lang="ja-JP" altLang="en-US" smtClean="0"/>
-              <a:t>2025/12/22</a:t>
+              <a:t>2026/1/3</a:t>
             </a:fld>
             <a:endParaRPr kumimoji="1" lang="ja-JP" altLang="en-US"/>
           </a:p>
@@ -2925,7 +2926,7 @@
           <a:p>
             <a:fld id="{F9749A5A-0767-4D13-9CC0-3A8774588994}" type="datetimeFigureOut">
               <a:rPr kumimoji="1" lang="ja-JP" altLang="en-US" smtClean="0"/>
-              <a:t>2025/12/22</a:t>
+              <a:t>2026/1/3</a:t>
             </a:fld>
             <a:endParaRPr kumimoji="1" lang="ja-JP" altLang="en-US"/>
           </a:p>
@@ -3198,7 +3199,7 @@
           <a:p>
             <a:fld id="{F9749A5A-0767-4D13-9CC0-3A8774588994}" type="datetimeFigureOut">
               <a:rPr kumimoji="1" lang="ja-JP" altLang="en-US" smtClean="0"/>
-              <a:t>2025/12/22</a:t>
+              <a:t>2026/1/3</a:t>
             </a:fld>
             <a:endParaRPr kumimoji="1" lang="ja-JP" altLang="en-US"/>
           </a:p>
@@ -9997,8 +9998,8 @@
               <a:chExt cx="2913520" cy="373686"/>
             </a:xfrm>
           </p:grpSpPr>
-          <mc:AlternateContent xmlns:mc="http://schemas.openxmlformats.org/markup-compatibility/2006">
-            <mc:Choice xmlns:a14="http://schemas.microsoft.com/office/drawing/2010/main" Requires="a14">
+          <mc:AlternateContent xmlns:mc="http://schemas.openxmlformats.org/markup-compatibility/2006" xmlns:a14="http://schemas.microsoft.com/office/drawing/2010/main">
+            <mc:Choice Requires="a14">
               <p:sp>
                 <p:nvSpPr>
                   <p:cNvPr id="17" name="テキスト ボックス 16">
@@ -10027,6 +10028,7 @@
                   </a:bodyPr>
                   <a:lstStyle/>
                   <a:p>
+                    <a:pPr/>
                     <a14:m>
                       <m:oMathPara xmlns:m="http://schemas.openxmlformats.org/officeDocument/2006/math">
                         <m:oMathParaPr>
@@ -10047,7 +10049,7 @@
                 </p:txBody>
               </p:sp>
             </mc:Choice>
-            <mc:Fallback>
+            <mc:Fallback xmlns="">
               <p:sp>
                 <p:nvSpPr>
                   <p:cNvPr id="17" name="テキスト ボックス 16">
@@ -10092,8 +10094,8 @@
               </p:sp>
             </mc:Fallback>
           </mc:AlternateContent>
-          <mc:AlternateContent xmlns:mc="http://schemas.openxmlformats.org/markup-compatibility/2006">
-            <mc:Choice xmlns:a14="http://schemas.microsoft.com/office/drawing/2010/main" Requires="a14">
+          <mc:AlternateContent xmlns:mc="http://schemas.openxmlformats.org/markup-compatibility/2006" xmlns:a14="http://schemas.microsoft.com/office/drawing/2010/main">
+            <mc:Choice Requires="a14">
               <p:sp>
                 <p:nvSpPr>
                   <p:cNvPr id="29" name="テキスト ボックス 28">
@@ -10122,6 +10124,7 @@
                   </a:bodyPr>
                   <a:lstStyle/>
                   <a:p>
+                    <a:pPr/>
                     <a14:m>
                       <m:oMathPara xmlns:m="http://schemas.openxmlformats.org/officeDocument/2006/math">
                         <m:oMathParaPr>
@@ -10142,7 +10145,7 @@
                 </p:txBody>
               </p:sp>
             </mc:Choice>
-            <mc:Fallback>
+            <mc:Fallback xmlns="">
               <p:sp>
                 <p:nvSpPr>
                   <p:cNvPr id="29" name="テキスト ボックス 28">
@@ -10187,8 +10190,8 @@
               </p:sp>
             </mc:Fallback>
           </mc:AlternateContent>
-          <mc:AlternateContent xmlns:mc="http://schemas.openxmlformats.org/markup-compatibility/2006">
-            <mc:Choice xmlns:a14="http://schemas.microsoft.com/office/drawing/2010/main" Requires="a14">
+          <mc:AlternateContent xmlns:mc="http://schemas.openxmlformats.org/markup-compatibility/2006" xmlns:a14="http://schemas.microsoft.com/office/drawing/2010/main">
+            <mc:Choice Requires="a14">
               <p:sp>
                 <p:nvSpPr>
                   <p:cNvPr id="30" name="テキスト ボックス 29">
@@ -10217,6 +10220,7 @@
                   </a:bodyPr>
                   <a:lstStyle/>
                   <a:p>
+                    <a:pPr/>
                     <a14:m>
                       <m:oMathPara xmlns:m="http://schemas.openxmlformats.org/officeDocument/2006/math">
                         <m:oMathParaPr>
@@ -10237,7 +10241,7 @@
                 </p:txBody>
               </p:sp>
             </mc:Choice>
-            <mc:Fallback>
+            <mc:Fallback xmlns="">
               <p:sp>
                 <p:nvSpPr>
                   <p:cNvPr id="30" name="テキスト ボックス 29">
@@ -10303,8 +10307,8 @@
               <a:chExt cx="3041760" cy="373686"/>
             </a:xfrm>
           </p:grpSpPr>
-          <mc:AlternateContent xmlns:mc="http://schemas.openxmlformats.org/markup-compatibility/2006">
-            <mc:Choice xmlns:a14="http://schemas.microsoft.com/office/drawing/2010/main" Requires="a14">
+          <mc:AlternateContent xmlns:mc="http://schemas.openxmlformats.org/markup-compatibility/2006" xmlns:a14="http://schemas.microsoft.com/office/drawing/2010/main">
+            <mc:Choice Requires="a14">
               <p:sp>
                 <p:nvSpPr>
                   <p:cNvPr id="33" name="テキスト ボックス 32">
@@ -10333,6 +10337,7 @@
                   </a:bodyPr>
                   <a:lstStyle/>
                   <a:p>
+                    <a:pPr/>
                     <a14:m>
                       <m:oMathPara xmlns:m="http://schemas.openxmlformats.org/officeDocument/2006/math">
                         <m:oMathParaPr>
@@ -10353,7 +10358,7 @@
                 </p:txBody>
               </p:sp>
             </mc:Choice>
-            <mc:Fallback>
+            <mc:Fallback xmlns="">
               <p:sp>
                 <p:nvSpPr>
                   <p:cNvPr id="33" name="テキスト ボックス 32">
@@ -10398,8 +10403,8 @@
               </p:sp>
             </mc:Fallback>
           </mc:AlternateContent>
-          <mc:AlternateContent xmlns:mc="http://schemas.openxmlformats.org/markup-compatibility/2006">
-            <mc:Choice xmlns:a14="http://schemas.microsoft.com/office/drawing/2010/main" Requires="a14">
+          <mc:AlternateContent xmlns:mc="http://schemas.openxmlformats.org/markup-compatibility/2006" xmlns:a14="http://schemas.microsoft.com/office/drawing/2010/main">
+            <mc:Choice Requires="a14">
               <p:sp>
                 <p:nvSpPr>
                   <p:cNvPr id="34" name="テキスト ボックス 33">
@@ -10428,6 +10433,7 @@
                   </a:bodyPr>
                   <a:lstStyle/>
                   <a:p>
+                    <a:pPr/>
                     <a14:m>
                       <m:oMathPara xmlns:m="http://schemas.openxmlformats.org/officeDocument/2006/math">
                         <m:oMathParaPr>
@@ -10448,7 +10454,7 @@
                 </p:txBody>
               </p:sp>
             </mc:Choice>
-            <mc:Fallback>
+            <mc:Fallback xmlns="">
               <p:sp>
                 <p:nvSpPr>
                   <p:cNvPr id="34" name="テキスト ボックス 33">
@@ -10493,8 +10499,8 @@
               </p:sp>
             </mc:Fallback>
           </mc:AlternateContent>
-          <mc:AlternateContent xmlns:mc="http://schemas.openxmlformats.org/markup-compatibility/2006">
-            <mc:Choice xmlns:a14="http://schemas.microsoft.com/office/drawing/2010/main" Requires="a14">
+          <mc:AlternateContent xmlns:mc="http://schemas.openxmlformats.org/markup-compatibility/2006" xmlns:a14="http://schemas.microsoft.com/office/drawing/2010/main">
+            <mc:Choice Requires="a14">
               <p:sp>
                 <p:nvSpPr>
                   <p:cNvPr id="35" name="テキスト ボックス 34">
@@ -10523,6 +10529,7 @@
                   </a:bodyPr>
                   <a:lstStyle/>
                   <a:p>
+                    <a:pPr/>
                     <a14:m>
                       <m:oMathPara xmlns:m="http://schemas.openxmlformats.org/officeDocument/2006/math">
                         <m:oMathParaPr>
@@ -10543,7 +10550,7 @@
                 </p:txBody>
               </p:sp>
             </mc:Choice>
-            <mc:Fallback>
+            <mc:Fallback xmlns="">
               <p:sp>
                 <p:nvSpPr>
                   <p:cNvPr id="35" name="テキスト ボックス 34">
@@ -10609,8 +10616,8 @@
               <a:chExt cx="3041760" cy="373686"/>
             </a:xfrm>
           </p:grpSpPr>
-          <mc:AlternateContent xmlns:mc="http://schemas.openxmlformats.org/markup-compatibility/2006">
-            <mc:Choice xmlns:a14="http://schemas.microsoft.com/office/drawing/2010/main" Requires="a14">
+          <mc:AlternateContent xmlns:mc="http://schemas.openxmlformats.org/markup-compatibility/2006" xmlns:a14="http://schemas.microsoft.com/office/drawing/2010/main">
+            <mc:Choice Requires="a14">
               <p:sp>
                 <p:nvSpPr>
                   <p:cNvPr id="37" name="テキスト ボックス 36">
@@ -10639,6 +10646,7 @@
                   </a:bodyPr>
                   <a:lstStyle/>
                   <a:p>
+                    <a:pPr/>
                     <a14:m>
                       <m:oMathPara xmlns:m="http://schemas.openxmlformats.org/officeDocument/2006/math">
                         <m:oMathParaPr>
@@ -10659,7 +10667,7 @@
                 </p:txBody>
               </p:sp>
             </mc:Choice>
-            <mc:Fallback>
+            <mc:Fallback xmlns="">
               <p:sp>
                 <p:nvSpPr>
                   <p:cNvPr id="37" name="テキスト ボックス 36">
@@ -10704,8 +10712,8 @@
               </p:sp>
             </mc:Fallback>
           </mc:AlternateContent>
-          <mc:AlternateContent xmlns:mc="http://schemas.openxmlformats.org/markup-compatibility/2006">
-            <mc:Choice xmlns:a14="http://schemas.microsoft.com/office/drawing/2010/main" Requires="a14">
+          <mc:AlternateContent xmlns:mc="http://schemas.openxmlformats.org/markup-compatibility/2006" xmlns:a14="http://schemas.microsoft.com/office/drawing/2010/main">
+            <mc:Choice Requires="a14">
               <p:sp>
                 <p:nvSpPr>
                   <p:cNvPr id="38" name="テキスト ボックス 37">
@@ -10734,6 +10742,7 @@
                   </a:bodyPr>
                   <a:lstStyle/>
                   <a:p>
+                    <a:pPr/>
                     <a14:m>
                       <m:oMathPara xmlns:m="http://schemas.openxmlformats.org/officeDocument/2006/math">
                         <m:oMathParaPr>
@@ -10754,7 +10763,7 @@
                 </p:txBody>
               </p:sp>
             </mc:Choice>
-            <mc:Fallback>
+            <mc:Fallback xmlns="">
               <p:sp>
                 <p:nvSpPr>
                   <p:cNvPr id="38" name="テキスト ボックス 37">
@@ -10799,8 +10808,8 @@
               </p:sp>
             </mc:Fallback>
           </mc:AlternateContent>
-          <mc:AlternateContent xmlns:mc="http://schemas.openxmlformats.org/markup-compatibility/2006">
-            <mc:Choice xmlns:a14="http://schemas.microsoft.com/office/drawing/2010/main" Requires="a14">
+          <mc:AlternateContent xmlns:mc="http://schemas.openxmlformats.org/markup-compatibility/2006" xmlns:a14="http://schemas.microsoft.com/office/drawing/2010/main">
+            <mc:Choice Requires="a14">
               <p:sp>
                 <p:nvSpPr>
                   <p:cNvPr id="39" name="テキスト ボックス 38">
@@ -10829,6 +10838,7 @@
                   </a:bodyPr>
                   <a:lstStyle/>
                   <a:p>
+                    <a:pPr/>
                     <a14:m>
                       <m:oMathPara xmlns:m="http://schemas.openxmlformats.org/officeDocument/2006/math">
                         <m:oMathParaPr>
@@ -10849,7 +10859,7 @@
                 </p:txBody>
               </p:sp>
             </mc:Choice>
-            <mc:Fallback>
+            <mc:Fallback xmlns="">
               <p:sp>
                 <p:nvSpPr>
                   <p:cNvPr id="39" name="テキスト ボックス 38">
@@ -11345,6 +11355,4890 @@
 </p:sld>
 </file>
 
+<file path=ppt/slides/slide3.xml><?xml version="1.0" encoding="utf-8"?>
+<p:sld xmlns:a="http://schemas.openxmlformats.org/drawingml/2006/main" xmlns:r="http://schemas.openxmlformats.org/officeDocument/2006/relationships" xmlns:p="http://schemas.openxmlformats.org/presentationml/2006/main">
+  <p:cSld>
+    <p:spTree>
+      <p:nvGrpSpPr>
+        <p:cNvPr id="1" name=""/>
+        <p:cNvGrpSpPr/>
+        <p:nvPr/>
+      </p:nvGrpSpPr>
+      <p:grpSpPr>
+        <a:xfrm>
+          <a:off x="0" y="0"/>
+          <a:ext cx="0" cy="0"/>
+          <a:chOff x="0" y="0"/>
+          <a:chExt cx="0" cy="0"/>
+        </a:xfrm>
+      </p:grpSpPr>
+      <p:grpSp>
+        <p:nvGrpSpPr>
+          <p:cNvPr id="96" name="グループ化 95">
+            <a:extLst>
+              <a:ext uri="{FF2B5EF4-FFF2-40B4-BE49-F238E27FC236}">
+                <a16:creationId xmlns:a16="http://schemas.microsoft.com/office/drawing/2014/main" id="{F6355958-D621-4BFA-80A3-BCB0228B76A4}"/>
+              </a:ext>
+            </a:extLst>
+          </p:cNvPr>
+          <p:cNvGrpSpPr/>
+          <p:nvPr/>
+        </p:nvGrpSpPr>
+        <p:grpSpPr>
+          <a:xfrm>
+            <a:off x="4216574" y="930675"/>
+            <a:ext cx="4409639" cy="1735065"/>
+            <a:chOff x="4216574" y="930675"/>
+            <a:chExt cx="4409639" cy="1735065"/>
+          </a:xfrm>
+        </p:grpSpPr>
+        <p:grpSp>
+          <p:nvGrpSpPr>
+            <p:cNvPr id="17" name="グループ化 16">
+              <a:extLst>
+                <a:ext uri="{FF2B5EF4-FFF2-40B4-BE49-F238E27FC236}">
+                  <a16:creationId xmlns:a16="http://schemas.microsoft.com/office/drawing/2014/main" id="{213F6164-36D7-4A09-AABD-2AB64711C9DF}"/>
+                </a:ext>
+              </a:extLst>
+            </p:cNvPr>
+            <p:cNvGrpSpPr/>
+            <p:nvPr/>
+          </p:nvGrpSpPr>
+          <p:grpSpPr>
+            <a:xfrm>
+              <a:off x="4605867" y="1241778"/>
+              <a:ext cx="3568734" cy="1151465"/>
+              <a:chOff x="4605867" y="1241778"/>
+              <a:chExt cx="3568734" cy="1151465"/>
+            </a:xfrm>
+          </p:grpSpPr>
+          <p:sp>
+            <p:nvSpPr>
+              <p:cNvPr id="4" name="正方形/長方形 3">
+                <a:extLst>
+                  <a:ext uri="{FF2B5EF4-FFF2-40B4-BE49-F238E27FC236}">
+                    <a16:creationId xmlns:a16="http://schemas.microsoft.com/office/drawing/2014/main" id="{9124E949-7670-40F9-B998-9712AE27DBCB}"/>
+                  </a:ext>
+                </a:extLst>
+              </p:cNvPr>
+              <p:cNvSpPr/>
+              <p:nvPr/>
+            </p:nvSpPr>
+            <p:spPr>
+              <a:xfrm>
+                <a:off x="4605867" y="1490133"/>
+                <a:ext cx="654755" cy="654755"/>
+              </a:xfrm>
+              <a:prstGeom prst="rect">
+                <a:avLst/>
+              </a:prstGeom>
+              <a:noFill/>
+              <a:ln>
+                <a:solidFill>
+                  <a:schemeClr val="tx1"/>
+                </a:solidFill>
+              </a:ln>
+            </p:spPr>
+            <p:style>
+              <a:lnRef idx="2">
+                <a:schemeClr val="accent1">
+                  <a:shade val="50000"/>
+                </a:schemeClr>
+              </a:lnRef>
+              <a:fillRef idx="1">
+                <a:schemeClr val="accent1"/>
+              </a:fillRef>
+              <a:effectRef idx="0">
+                <a:schemeClr val="accent1"/>
+              </a:effectRef>
+              <a:fontRef idx="minor">
+                <a:schemeClr val="lt1"/>
+              </a:fontRef>
+            </p:style>
+            <p:txBody>
+              <a:bodyPr rtlCol="0" anchor="ctr"/>
+              <a:lstStyle/>
+              <a:p>
+                <a:pPr algn="ctr"/>
+                <a:endParaRPr kumimoji="1" lang="ja-JP" altLang="en-US"/>
+              </a:p>
+            </p:txBody>
+          </p:sp>
+          <p:cxnSp>
+            <p:nvCxnSpPr>
+              <p:cNvPr id="6" name="直線コネクタ 5">
+                <a:extLst>
+                  <a:ext uri="{FF2B5EF4-FFF2-40B4-BE49-F238E27FC236}">
+                    <a16:creationId xmlns:a16="http://schemas.microsoft.com/office/drawing/2014/main" id="{9ED8BF56-FEB2-42F8-A1B1-99F670C8B05D}"/>
+                  </a:ext>
+                </a:extLst>
+              </p:cNvPr>
+              <p:cNvCxnSpPr/>
+              <p:nvPr/>
+            </p:nvCxnSpPr>
+            <p:spPr>
+              <a:xfrm flipV="1">
+                <a:off x="4797777" y="1241778"/>
+                <a:ext cx="0" cy="248355"/>
+              </a:xfrm>
+              <a:prstGeom prst="line">
+                <a:avLst/>
+              </a:prstGeom>
+              <a:ln>
+                <a:solidFill>
+                  <a:schemeClr val="tx1"/>
+                </a:solidFill>
+              </a:ln>
+            </p:spPr>
+            <p:style>
+              <a:lnRef idx="1">
+                <a:schemeClr val="accent1"/>
+              </a:lnRef>
+              <a:fillRef idx="0">
+                <a:schemeClr val="accent1"/>
+              </a:fillRef>
+              <a:effectRef idx="0">
+                <a:schemeClr val="accent1"/>
+              </a:effectRef>
+              <a:fontRef idx="minor">
+                <a:schemeClr val="tx1"/>
+              </a:fontRef>
+            </p:style>
+          </p:cxnSp>
+          <p:cxnSp>
+            <p:nvCxnSpPr>
+              <p:cNvPr id="7" name="直線コネクタ 6">
+                <a:extLst>
+                  <a:ext uri="{FF2B5EF4-FFF2-40B4-BE49-F238E27FC236}">
+                    <a16:creationId xmlns:a16="http://schemas.microsoft.com/office/drawing/2014/main" id="{E4428747-68B6-4AE4-A579-77902EB6B775}"/>
+                  </a:ext>
+                </a:extLst>
+              </p:cNvPr>
+              <p:cNvCxnSpPr/>
+              <p:nvPr/>
+            </p:nvCxnSpPr>
+            <p:spPr>
+              <a:xfrm flipV="1">
+                <a:off x="5130799" y="1241778"/>
+                <a:ext cx="0" cy="248355"/>
+              </a:xfrm>
+              <a:prstGeom prst="line">
+                <a:avLst/>
+              </a:prstGeom>
+              <a:ln>
+                <a:solidFill>
+                  <a:schemeClr val="tx1"/>
+                </a:solidFill>
+              </a:ln>
+            </p:spPr>
+            <p:style>
+              <a:lnRef idx="1">
+                <a:schemeClr val="accent1"/>
+              </a:lnRef>
+              <a:fillRef idx="0">
+                <a:schemeClr val="accent1"/>
+              </a:fillRef>
+              <a:effectRef idx="0">
+                <a:schemeClr val="accent1"/>
+              </a:effectRef>
+              <a:fontRef idx="minor">
+                <a:schemeClr val="tx1"/>
+              </a:fontRef>
+            </p:style>
+          </p:cxnSp>
+          <mc:AlternateContent xmlns:mc="http://schemas.openxmlformats.org/markup-compatibility/2006">
+            <mc:Choice xmlns:a14="http://schemas.microsoft.com/office/drawing/2010/main" Requires="a14">
+              <p:sp>
+                <p:nvSpPr>
+                  <p:cNvPr id="8" name="テキスト ボックス 7">
+                    <a:extLst>
+                      <a:ext uri="{FF2B5EF4-FFF2-40B4-BE49-F238E27FC236}">
+                        <a16:creationId xmlns:a16="http://schemas.microsoft.com/office/drawing/2014/main" id="{36F3A831-DF11-4939-B265-A5E05CEF0ACF}"/>
+                      </a:ext>
+                    </a:extLst>
+                  </p:cNvPr>
+                  <p:cNvSpPr txBox="1"/>
+                  <p:nvPr/>
+                </p:nvSpPr>
+                <p:spPr>
+                  <a:xfrm>
+                    <a:off x="4697974" y="1461489"/>
+                    <a:ext cx="199606" cy="276999"/>
+                  </a:xfrm>
+                  <a:prstGeom prst="rect">
+                    <a:avLst/>
+                  </a:prstGeom>
+                  <a:noFill/>
+                </p:spPr>
+                <p:txBody>
+                  <a:bodyPr wrap="none" lIns="0" tIns="0" rIns="0" bIns="0" rtlCol="0">
+                    <a:spAutoFit/>
+                  </a:bodyPr>
+                  <a:lstStyle/>
+                  <a:p>
+                    <a14:m>
+                      <m:oMathPara xmlns:m="http://schemas.openxmlformats.org/officeDocument/2006/math">
+                        <m:oMathParaPr>
+                          <m:jc m:val="centerGroup"/>
+                        </m:oMathParaPr>
+                        <m:oMath xmlns:m="http://schemas.openxmlformats.org/officeDocument/2006/math">
+                          <m:r>
+                            <a:rPr kumimoji="1" lang="en-US" altLang="ja-JP" b="0" i="1" smtClean="0">
+                              <a:latin typeface="Cambria Math" panose="02040503050406030204" pitchFamily="18" charset="0"/>
+                            </a:rPr>
+                            <m:t>𝑎</m:t>
+                          </m:r>
+                        </m:oMath>
+                      </m:oMathPara>
+                    </a14:m>
+                    <a:endParaRPr kumimoji="1" lang="ja-JP" altLang="en-US" dirty="0"/>
+                  </a:p>
+                </p:txBody>
+              </p:sp>
+            </mc:Choice>
+            <mc:Fallback>
+              <p:sp>
+                <p:nvSpPr>
+                  <p:cNvPr id="8" name="テキスト ボックス 7">
+                    <a:extLst>
+                      <a:ext uri="{FF2B5EF4-FFF2-40B4-BE49-F238E27FC236}">
+                        <a16:creationId xmlns:a16="http://schemas.microsoft.com/office/drawing/2014/main" id="{36F3A831-DF11-4939-B265-A5E05CEF0ACF}"/>
+                      </a:ext>
+                    </a:extLst>
+                  </p:cNvPr>
+                  <p:cNvSpPr txBox="1">
+                    <a:spLocks noRot="1" noChangeAspect="1" noMove="1" noResize="1" noEditPoints="1" noAdjustHandles="1" noChangeArrowheads="1" noChangeShapeType="1" noTextEdit="1"/>
+                  </p:cNvSpPr>
+                  <p:nvPr/>
+                </p:nvSpPr>
+                <p:spPr>
+                  <a:xfrm>
+                    <a:off x="4697974" y="1461489"/>
+                    <a:ext cx="199606" cy="276999"/>
+                  </a:xfrm>
+                  <a:prstGeom prst="rect">
+                    <a:avLst/>
+                  </a:prstGeom>
+                  <a:blipFill>
+                    <a:blip r:embed="rId2"/>
+                    <a:stretch>
+                      <a:fillRect l="-15625" r="-12500"/>
+                    </a:stretch>
+                  </a:blipFill>
+                </p:spPr>
+                <p:txBody>
+                  <a:bodyPr/>
+                  <a:lstStyle/>
+                  <a:p>
+                    <a:r>
+                      <a:rPr lang="ja-JP" altLang="en-US">
+                        <a:noFill/>
+                      </a:rPr>
+                      <a:t> </a:t>
+                    </a:r>
+                  </a:p>
+                </p:txBody>
+              </p:sp>
+            </mc:Fallback>
+          </mc:AlternateContent>
+          <mc:AlternateContent xmlns:mc="http://schemas.openxmlformats.org/markup-compatibility/2006">
+            <mc:Choice xmlns:a14="http://schemas.microsoft.com/office/drawing/2010/main" Requires="a14">
+              <p:sp>
+                <p:nvSpPr>
+                  <p:cNvPr id="9" name="テキスト ボックス 8">
+                    <a:extLst>
+                      <a:ext uri="{FF2B5EF4-FFF2-40B4-BE49-F238E27FC236}">
+                        <a16:creationId xmlns:a16="http://schemas.microsoft.com/office/drawing/2014/main" id="{FED35136-68C1-429D-B29A-C4595B04671E}"/>
+                      </a:ext>
+                    </a:extLst>
+                  </p:cNvPr>
+                  <p:cNvSpPr txBox="1"/>
+                  <p:nvPr/>
+                </p:nvSpPr>
+                <p:spPr>
+                  <a:xfrm>
+                    <a:off x="5030996" y="1461488"/>
+                    <a:ext cx="199606" cy="276999"/>
+                  </a:xfrm>
+                  <a:prstGeom prst="rect">
+                    <a:avLst/>
+                  </a:prstGeom>
+                  <a:noFill/>
+                </p:spPr>
+                <p:txBody>
+                  <a:bodyPr wrap="none" lIns="0" tIns="0" rIns="0" bIns="0" rtlCol="0">
+                    <a:spAutoFit/>
+                  </a:bodyPr>
+                  <a:lstStyle/>
+                  <a:p>
+                    <a14:m>
+                      <m:oMathPara xmlns:m="http://schemas.openxmlformats.org/officeDocument/2006/math">
+                        <m:oMathParaPr>
+                          <m:jc m:val="centerGroup"/>
+                        </m:oMathParaPr>
+                        <m:oMath xmlns:m="http://schemas.openxmlformats.org/officeDocument/2006/math">
+                          <m:r>
+                            <a:rPr kumimoji="1" lang="en-US" altLang="ja-JP" b="0" i="1" smtClean="0">
+                              <a:latin typeface="Cambria Math" panose="02040503050406030204" pitchFamily="18" charset="0"/>
+                            </a:rPr>
+                            <m:t>𝑏</m:t>
+                          </m:r>
+                        </m:oMath>
+                      </m:oMathPara>
+                    </a14:m>
+                    <a:endParaRPr kumimoji="1" lang="ja-JP" altLang="en-US" dirty="0"/>
+                  </a:p>
+                </p:txBody>
+              </p:sp>
+            </mc:Choice>
+            <mc:Fallback>
+              <p:sp>
+                <p:nvSpPr>
+                  <p:cNvPr id="9" name="テキスト ボックス 8">
+                    <a:extLst>
+                      <a:ext uri="{FF2B5EF4-FFF2-40B4-BE49-F238E27FC236}">
+                        <a16:creationId xmlns:a16="http://schemas.microsoft.com/office/drawing/2014/main" id="{FED35136-68C1-429D-B29A-C4595B04671E}"/>
+                      </a:ext>
+                    </a:extLst>
+                  </p:cNvPr>
+                  <p:cNvSpPr txBox="1">
+                    <a:spLocks noRot="1" noChangeAspect="1" noMove="1" noResize="1" noEditPoints="1" noAdjustHandles="1" noChangeArrowheads="1" noChangeShapeType="1" noTextEdit="1"/>
+                  </p:cNvSpPr>
+                  <p:nvPr/>
+                </p:nvSpPr>
+                <p:spPr>
+                  <a:xfrm>
+                    <a:off x="5030996" y="1461488"/>
+                    <a:ext cx="199606" cy="276999"/>
+                  </a:xfrm>
+                  <a:prstGeom prst="rect">
+                    <a:avLst/>
+                  </a:prstGeom>
+                  <a:blipFill>
+                    <a:blip r:embed="rId3"/>
+                    <a:stretch>
+                      <a:fillRect l="-24242" r="-21212" b="-8889"/>
+                    </a:stretch>
+                  </a:blipFill>
+                </p:spPr>
+                <p:txBody>
+                  <a:bodyPr/>
+                  <a:lstStyle/>
+                  <a:p>
+                    <a:r>
+                      <a:rPr lang="ja-JP" altLang="en-US">
+                        <a:noFill/>
+                      </a:rPr>
+                      <a:t> </a:t>
+                    </a:r>
+                  </a:p>
+                </p:txBody>
+              </p:sp>
+            </mc:Fallback>
+          </mc:AlternateContent>
+          <mc:AlternateContent xmlns:mc="http://schemas.openxmlformats.org/markup-compatibility/2006">
+            <mc:Choice xmlns:a14="http://schemas.microsoft.com/office/drawing/2010/main" Requires="a14">
+              <p:sp>
+                <p:nvSpPr>
+                  <p:cNvPr id="10" name="テキスト ボックス 9">
+                    <a:extLst>
+                      <a:ext uri="{FF2B5EF4-FFF2-40B4-BE49-F238E27FC236}">
+                        <a16:creationId xmlns:a16="http://schemas.microsoft.com/office/drawing/2014/main" id="{0D41143C-4AAE-4351-93DA-0CE96A9D06CF}"/>
+                      </a:ext>
+                    </a:extLst>
+                  </p:cNvPr>
+                  <p:cNvSpPr txBox="1"/>
+                  <p:nvPr/>
+                </p:nvSpPr>
+                <p:spPr>
+                  <a:xfrm>
+                    <a:off x="4831602" y="1904577"/>
+                    <a:ext cx="177869" cy="276999"/>
+                  </a:xfrm>
+                  <a:prstGeom prst="rect">
+                    <a:avLst/>
+                  </a:prstGeom>
+                  <a:noFill/>
+                </p:spPr>
+                <p:txBody>
+                  <a:bodyPr wrap="none" lIns="0" tIns="0" rIns="0" bIns="0" rtlCol="0">
+                    <a:spAutoFit/>
+                  </a:bodyPr>
+                  <a:lstStyle/>
+                  <a:p>
+                    <a14:m>
+                      <m:oMathPara xmlns:m="http://schemas.openxmlformats.org/officeDocument/2006/math">
+                        <m:oMathParaPr>
+                          <m:jc m:val="centerGroup"/>
+                        </m:oMathParaPr>
+                        <m:oMath xmlns:m="http://schemas.openxmlformats.org/officeDocument/2006/math">
+                          <m:r>
+                            <a:rPr kumimoji="1" lang="en-US" altLang="ja-JP" b="0" i="1" smtClean="0">
+                              <a:latin typeface="Cambria Math" panose="02040503050406030204" pitchFamily="18" charset="0"/>
+                            </a:rPr>
+                            <m:t>𝑠</m:t>
+                          </m:r>
+                        </m:oMath>
+                      </m:oMathPara>
+                    </a14:m>
+                    <a:endParaRPr kumimoji="1" lang="ja-JP" altLang="en-US" dirty="0"/>
+                  </a:p>
+                </p:txBody>
+              </p:sp>
+            </mc:Choice>
+            <mc:Fallback>
+              <p:sp>
+                <p:nvSpPr>
+                  <p:cNvPr id="10" name="テキスト ボックス 9">
+                    <a:extLst>
+                      <a:ext uri="{FF2B5EF4-FFF2-40B4-BE49-F238E27FC236}">
+                        <a16:creationId xmlns:a16="http://schemas.microsoft.com/office/drawing/2014/main" id="{0D41143C-4AAE-4351-93DA-0CE96A9D06CF}"/>
+                      </a:ext>
+                    </a:extLst>
+                  </p:cNvPr>
+                  <p:cNvSpPr txBox="1">
+                    <a:spLocks noRot="1" noChangeAspect="1" noMove="1" noResize="1" noEditPoints="1" noAdjustHandles="1" noChangeArrowheads="1" noChangeShapeType="1" noTextEdit="1"/>
+                  </p:cNvSpPr>
+                  <p:nvPr/>
+                </p:nvSpPr>
+                <p:spPr>
+                  <a:xfrm>
+                    <a:off x="4831602" y="1904577"/>
+                    <a:ext cx="177869" cy="276999"/>
+                  </a:xfrm>
+                  <a:prstGeom prst="rect">
+                    <a:avLst/>
+                  </a:prstGeom>
+                  <a:blipFill>
+                    <a:blip r:embed="rId4"/>
+                    <a:stretch>
+                      <a:fillRect l="-17241" r="-13793"/>
+                    </a:stretch>
+                  </a:blipFill>
+                </p:spPr>
+                <p:txBody>
+                  <a:bodyPr/>
+                  <a:lstStyle/>
+                  <a:p>
+                    <a:r>
+                      <a:rPr lang="ja-JP" altLang="en-US">
+                        <a:noFill/>
+                      </a:rPr>
+                      <a:t> </a:t>
+                    </a:r>
+                  </a:p>
+                </p:txBody>
+              </p:sp>
+            </mc:Fallback>
+          </mc:AlternateContent>
+          <p:cxnSp>
+            <p:nvCxnSpPr>
+              <p:cNvPr id="13" name="直線コネクタ 12">
+                <a:extLst>
+                  <a:ext uri="{FF2B5EF4-FFF2-40B4-BE49-F238E27FC236}">
+                    <a16:creationId xmlns:a16="http://schemas.microsoft.com/office/drawing/2014/main" id="{87F0D9C1-8826-46C4-8E39-039BBB4DF61B}"/>
+                  </a:ext>
+                </a:extLst>
+              </p:cNvPr>
+              <p:cNvCxnSpPr/>
+              <p:nvPr/>
+            </p:nvCxnSpPr>
+            <p:spPr>
+              <a:xfrm flipV="1">
+                <a:off x="4921953" y="2144888"/>
+                <a:ext cx="0" cy="248355"/>
+              </a:xfrm>
+              <a:prstGeom prst="line">
+                <a:avLst/>
+              </a:prstGeom>
+              <a:ln>
+                <a:solidFill>
+                  <a:schemeClr val="tx1"/>
+                </a:solidFill>
+              </a:ln>
+            </p:spPr>
+            <p:style>
+              <a:lnRef idx="1">
+                <a:schemeClr val="accent1"/>
+              </a:lnRef>
+              <a:fillRef idx="0">
+                <a:schemeClr val="accent1"/>
+              </a:fillRef>
+              <a:effectRef idx="0">
+                <a:schemeClr val="accent1"/>
+              </a:effectRef>
+              <a:fontRef idx="minor">
+                <a:schemeClr val="tx1"/>
+              </a:fontRef>
+            </p:style>
+          </p:cxnSp>
+          <mc:AlternateContent xmlns:mc="http://schemas.openxmlformats.org/markup-compatibility/2006">
+            <mc:Choice xmlns:a14="http://schemas.microsoft.com/office/drawing/2010/main" Requires="a14">
+              <p:sp>
+                <p:nvSpPr>
+                  <p:cNvPr id="16" name="テキスト ボックス 15">
+                    <a:extLst>
+                      <a:ext uri="{FF2B5EF4-FFF2-40B4-BE49-F238E27FC236}">
+                        <a16:creationId xmlns:a16="http://schemas.microsoft.com/office/drawing/2014/main" id="{1D629205-D4AF-4224-A082-BAC0C51F490B}"/>
+                      </a:ext>
+                    </a:extLst>
+                  </p:cNvPr>
+                  <p:cNvSpPr txBox="1"/>
+                  <p:nvPr/>
+                </p:nvSpPr>
+                <p:spPr>
+                  <a:xfrm>
+                    <a:off x="4615857" y="1676824"/>
+                    <a:ext cx="194220" cy="276999"/>
+                  </a:xfrm>
+                  <a:prstGeom prst="rect">
+                    <a:avLst/>
+                  </a:prstGeom>
+                  <a:noFill/>
+                </p:spPr>
+                <p:txBody>
+                  <a:bodyPr wrap="none" lIns="0" tIns="0" rIns="0" bIns="0" rtlCol="0">
+                    <a:spAutoFit/>
+                  </a:bodyPr>
+                  <a:lstStyle/>
+                  <a:p>
+                    <a14:m>
+                      <m:oMathPara xmlns:m="http://schemas.openxmlformats.org/officeDocument/2006/math">
+                        <m:oMathParaPr>
+                          <m:jc m:val="centerGroup"/>
+                        </m:oMathParaPr>
+                        <m:oMath xmlns:m="http://schemas.openxmlformats.org/officeDocument/2006/math">
+                          <m:r>
+                            <a:rPr kumimoji="1" lang="en-US" altLang="ja-JP" b="0" i="1" smtClean="0">
+                              <a:latin typeface="Cambria Math" panose="02040503050406030204" pitchFamily="18" charset="0"/>
+                            </a:rPr>
+                            <m:t>𝑜</m:t>
+                          </m:r>
+                        </m:oMath>
+                      </m:oMathPara>
+                    </a14:m>
+                    <a:endParaRPr kumimoji="1" lang="ja-JP" altLang="en-US" dirty="0"/>
+                  </a:p>
+                </p:txBody>
+              </p:sp>
+            </mc:Choice>
+            <mc:Fallback>
+              <p:sp>
+                <p:nvSpPr>
+                  <p:cNvPr id="16" name="テキスト ボックス 15">
+                    <a:extLst>
+                      <a:ext uri="{FF2B5EF4-FFF2-40B4-BE49-F238E27FC236}">
+                        <a16:creationId xmlns:a16="http://schemas.microsoft.com/office/drawing/2014/main" id="{1D629205-D4AF-4224-A082-BAC0C51F490B}"/>
+                      </a:ext>
+                    </a:extLst>
+                  </p:cNvPr>
+                  <p:cNvSpPr txBox="1">
+                    <a:spLocks noRot="1" noChangeAspect="1" noMove="1" noResize="1" noEditPoints="1" noAdjustHandles="1" noChangeArrowheads="1" noChangeShapeType="1" noTextEdit="1"/>
+                  </p:cNvSpPr>
+                  <p:nvPr/>
+                </p:nvSpPr>
+                <p:spPr>
+                  <a:xfrm>
+                    <a:off x="4615857" y="1676824"/>
+                    <a:ext cx="194220" cy="276999"/>
+                  </a:xfrm>
+                  <a:prstGeom prst="rect">
+                    <a:avLst/>
+                  </a:prstGeom>
+                  <a:blipFill>
+                    <a:blip r:embed="rId5"/>
+                    <a:stretch>
+                      <a:fillRect l="-15625" r="-9375"/>
+                    </a:stretch>
+                  </a:blipFill>
+                </p:spPr>
+                <p:txBody>
+                  <a:bodyPr/>
+                  <a:lstStyle/>
+                  <a:p>
+                    <a:r>
+                      <a:rPr lang="ja-JP" altLang="en-US">
+                        <a:noFill/>
+                      </a:rPr>
+                      <a:t> </a:t>
+                    </a:r>
+                  </a:p>
+                </p:txBody>
+              </p:sp>
+            </mc:Fallback>
+          </mc:AlternateContent>
+          <mc:AlternateContent xmlns:mc="http://schemas.openxmlformats.org/markup-compatibility/2006">
+            <mc:Choice xmlns:a14="http://schemas.microsoft.com/office/drawing/2010/main" Requires="a14">
+              <p:sp>
+                <p:nvSpPr>
+                  <p:cNvPr id="97" name="テキスト ボックス 96">
+                    <a:extLst>
+                      <a:ext uri="{FF2B5EF4-FFF2-40B4-BE49-F238E27FC236}">
+                        <a16:creationId xmlns:a16="http://schemas.microsoft.com/office/drawing/2014/main" id="{601C1E95-5641-4709-8E76-4BF03066FE28}"/>
+                      </a:ext>
+                    </a:extLst>
+                  </p:cNvPr>
+                  <p:cNvSpPr txBox="1"/>
+                  <p:nvPr/>
+                </p:nvSpPr>
+                <p:spPr>
+                  <a:xfrm>
+                    <a:off x="5047030" y="1683667"/>
+                    <a:ext cx="146770" cy="276999"/>
+                  </a:xfrm>
+                  <a:prstGeom prst="rect">
+                    <a:avLst/>
+                  </a:prstGeom>
+                  <a:noFill/>
+                </p:spPr>
+                <p:txBody>
+                  <a:bodyPr wrap="none" lIns="0" tIns="0" rIns="0" bIns="0" rtlCol="0">
+                    <a:spAutoFit/>
+                  </a:bodyPr>
+                  <a:lstStyle/>
+                  <a:p>
+                    <a14:m>
+                      <m:oMathPara xmlns:m="http://schemas.openxmlformats.org/officeDocument/2006/math">
+                        <m:oMathParaPr>
+                          <m:jc m:val="centerGroup"/>
+                        </m:oMathParaPr>
+                        <m:oMath xmlns:m="http://schemas.openxmlformats.org/officeDocument/2006/math">
+                          <m:r>
+                            <a:rPr kumimoji="1" lang="en-US" altLang="ja-JP" b="0" i="1" smtClean="0">
+                              <a:latin typeface="Cambria Math" panose="02040503050406030204" pitchFamily="18" charset="0"/>
+                            </a:rPr>
+                            <m:t>𝑖</m:t>
+                          </m:r>
+                        </m:oMath>
+                      </m:oMathPara>
+                    </a14:m>
+                    <a:endParaRPr kumimoji="1" lang="ja-JP" altLang="en-US" dirty="0"/>
+                  </a:p>
+                </p:txBody>
+              </p:sp>
+            </mc:Choice>
+            <mc:Fallback>
+              <p:sp>
+                <p:nvSpPr>
+                  <p:cNvPr id="97" name="テキスト ボックス 96">
+                    <a:extLst>
+                      <a:ext uri="{FF2B5EF4-FFF2-40B4-BE49-F238E27FC236}">
+                        <a16:creationId xmlns:a16="http://schemas.microsoft.com/office/drawing/2014/main" id="{601C1E95-5641-4709-8E76-4BF03066FE28}"/>
+                      </a:ext>
+                    </a:extLst>
+                  </p:cNvPr>
+                  <p:cNvSpPr txBox="1">
+                    <a:spLocks noRot="1" noChangeAspect="1" noMove="1" noResize="1" noEditPoints="1" noAdjustHandles="1" noChangeArrowheads="1" noChangeShapeType="1" noTextEdit="1"/>
+                  </p:cNvSpPr>
+                  <p:nvPr/>
+                </p:nvSpPr>
+                <p:spPr>
+                  <a:xfrm>
+                    <a:off x="5047030" y="1683667"/>
+                    <a:ext cx="146770" cy="276999"/>
+                  </a:xfrm>
+                  <a:prstGeom prst="rect">
+                    <a:avLst/>
+                  </a:prstGeom>
+                  <a:blipFill>
+                    <a:blip r:embed="rId6"/>
+                    <a:stretch>
+                      <a:fillRect l="-37500" r="-29167" b="-6522"/>
+                    </a:stretch>
+                  </a:blipFill>
+                </p:spPr>
+                <p:txBody>
+                  <a:bodyPr/>
+                  <a:lstStyle/>
+                  <a:p>
+                    <a:r>
+                      <a:rPr lang="ja-JP" altLang="en-US">
+                        <a:noFill/>
+                      </a:rPr>
+                      <a:t> </a:t>
+                    </a:r>
+                  </a:p>
+                </p:txBody>
+              </p:sp>
+            </mc:Fallback>
+          </mc:AlternateContent>
+          <mc:AlternateContent xmlns:mc="http://schemas.openxmlformats.org/markup-compatibility/2006">
+            <mc:Choice xmlns:a14="http://schemas.microsoft.com/office/drawing/2010/main" Requires="a14">
+              <p:sp>
+                <p:nvSpPr>
+                  <p:cNvPr id="98" name="テキスト ボックス 97">
+                    <a:extLst>
+                      <a:ext uri="{FF2B5EF4-FFF2-40B4-BE49-F238E27FC236}">
+                        <a16:creationId xmlns:a16="http://schemas.microsoft.com/office/drawing/2014/main" id="{45A793B1-5451-436D-A1EC-CCC5E1FB5FAC}"/>
+                      </a:ext>
+                    </a:extLst>
+                  </p:cNvPr>
+                  <p:cNvSpPr txBox="1"/>
+                  <p:nvPr/>
+                </p:nvSpPr>
+                <p:spPr>
+                  <a:xfrm>
+                    <a:off x="5821110" y="1890273"/>
+                    <a:ext cx="177869" cy="276999"/>
+                  </a:xfrm>
+                  <a:prstGeom prst="rect">
+                    <a:avLst/>
+                  </a:prstGeom>
+                  <a:noFill/>
+                </p:spPr>
+                <p:txBody>
+                  <a:bodyPr wrap="none" lIns="0" tIns="0" rIns="0" bIns="0" rtlCol="0">
+                    <a:spAutoFit/>
+                  </a:bodyPr>
+                  <a:lstStyle/>
+                  <a:p>
+                    <a14:m>
+                      <m:oMathPara xmlns:m="http://schemas.openxmlformats.org/officeDocument/2006/math">
+                        <m:oMathParaPr>
+                          <m:jc m:val="centerGroup"/>
+                        </m:oMathParaPr>
+                        <m:oMath xmlns:m="http://schemas.openxmlformats.org/officeDocument/2006/math">
+                          <m:r>
+                            <a:rPr kumimoji="1" lang="en-US" altLang="ja-JP" b="0" i="1" smtClean="0">
+                              <a:latin typeface="Cambria Math" panose="02040503050406030204" pitchFamily="18" charset="0"/>
+                            </a:rPr>
+                            <m:t>𝑠</m:t>
+                          </m:r>
+                        </m:oMath>
+                      </m:oMathPara>
+                    </a14:m>
+                    <a:endParaRPr kumimoji="1" lang="ja-JP" altLang="en-US" dirty="0"/>
+                  </a:p>
+                </p:txBody>
+              </p:sp>
+            </mc:Choice>
+            <mc:Fallback>
+              <p:sp>
+                <p:nvSpPr>
+                  <p:cNvPr id="98" name="テキスト ボックス 97">
+                    <a:extLst>
+                      <a:ext uri="{FF2B5EF4-FFF2-40B4-BE49-F238E27FC236}">
+                        <a16:creationId xmlns:a16="http://schemas.microsoft.com/office/drawing/2014/main" id="{45A793B1-5451-436D-A1EC-CCC5E1FB5FAC}"/>
+                      </a:ext>
+                    </a:extLst>
+                  </p:cNvPr>
+                  <p:cNvSpPr txBox="1">
+                    <a:spLocks noRot="1" noChangeAspect="1" noMove="1" noResize="1" noEditPoints="1" noAdjustHandles="1" noChangeArrowheads="1" noChangeShapeType="1" noTextEdit="1"/>
+                  </p:cNvSpPr>
+                  <p:nvPr/>
+                </p:nvSpPr>
+                <p:spPr>
+                  <a:xfrm>
+                    <a:off x="5821110" y="1890273"/>
+                    <a:ext cx="177869" cy="276999"/>
+                  </a:xfrm>
+                  <a:prstGeom prst="rect">
+                    <a:avLst/>
+                  </a:prstGeom>
+                  <a:blipFill>
+                    <a:blip r:embed="rId7"/>
+                    <a:stretch>
+                      <a:fillRect l="-17241" r="-13793"/>
+                    </a:stretch>
+                  </a:blipFill>
+                </p:spPr>
+                <p:txBody>
+                  <a:bodyPr/>
+                  <a:lstStyle/>
+                  <a:p>
+                    <a:r>
+                      <a:rPr lang="ja-JP" altLang="en-US">
+                        <a:noFill/>
+                      </a:rPr>
+                      <a:t> </a:t>
+                    </a:r>
+                  </a:p>
+                </p:txBody>
+              </p:sp>
+            </mc:Fallback>
+          </mc:AlternateContent>
+          <mc:AlternateContent xmlns:mc="http://schemas.openxmlformats.org/markup-compatibility/2006">
+            <mc:Choice xmlns:a14="http://schemas.microsoft.com/office/drawing/2010/main" Requires="a14">
+              <p:sp>
+                <p:nvSpPr>
+                  <p:cNvPr id="99" name="テキスト ボックス 98">
+                    <a:extLst>
+                      <a:ext uri="{FF2B5EF4-FFF2-40B4-BE49-F238E27FC236}">
+                        <a16:creationId xmlns:a16="http://schemas.microsoft.com/office/drawing/2014/main" id="{E6571EA1-39B7-4427-BD1F-D4D3902C6C16}"/>
+                      </a:ext>
+                    </a:extLst>
+                  </p:cNvPr>
+                  <p:cNvSpPr txBox="1"/>
+                  <p:nvPr/>
+                </p:nvSpPr>
+                <p:spPr>
+                  <a:xfrm>
+                    <a:off x="5605365" y="1662520"/>
+                    <a:ext cx="194220" cy="276999"/>
+                  </a:xfrm>
+                  <a:prstGeom prst="rect">
+                    <a:avLst/>
+                  </a:prstGeom>
+                  <a:noFill/>
+                </p:spPr>
+                <p:txBody>
+                  <a:bodyPr wrap="none" lIns="0" tIns="0" rIns="0" bIns="0" rtlCol="0">
+                    <a:spAutoFit/>
+                  </a:bodyPr>
+                  <a:lstStyle/>
+                  <a:p>
+                    <a14:m>
+                      <m:oMathPara xmlns:m="http://schemas.openxmlformats.org/officeDocument/2006/math">
+                        <m:oMathParaPr>
+                          <m:jc m:val="centerGroup"/>
+                        </m:oMathParaPr>
+                        <m:oMath xmlns:m="http://schemas.openxmlformats.org/officeDocument/2006/math">
+                          <m:r>
+                            <a:rPr kumimoji="1" lang="en-US" altLang="ja-JP" b="0" i="1" smtClean="0">
+                              <a:latin typeface="Cambria Math" panose="02040503050406030204" pitchFamily="18" charset="0"/>
+                            </a:rPr>
+                            <m:t>𝑜</m:t>
+                          </m:r>
+                        </m:oMath>
+                      </m:oMathPara>
+                    </a14:m>
+                    <a:endParaRPr kumimoji="1" lang="ja-JP" altLang="en-US" dirty="0"/>
+                  </a:p>
+                </p:txBody>
+              </p:sp>
+            </mc:Choice>
+            <mc:Fallback>
+              <p:sp>
+                <p:nvSpPr>
+                  <p:cNvPr id="99" name="テキスト ボックス 98">
+                    <a:extLst>
+                      <a:ext uri="{FF2B5EF4-FFF2-40B4-BE49-F238E27FC236}">
+                        <a16:creationId xmlns:a16="http://schemas.microsoft.com/office/drawing/2014/main" id="{E6571EA1-39B7-4427-BD1F-D4D3902C6C16}"/>
+                      </a:ext>
+                    </a:extLst>
+                  </p:cNvPr>
+                  <p:cNvSpPr txBox="1">
+                    <a:spLocks noRot="1" noChangeAspect="1" noMove="1" noResize="1" noEditPoints="1" noAdjustHandles="1" noChangeArrowheads="1" noChangeShapeType="1" noTextEdit="1"/>
+                  </p:cNvSpPr>
+                  <p:nvPr/>
+                </p:nvSpPr>
+                <p:spPr>
+                  <a:xfrm>
+                    <a:off x="5605365" y="1662520"/>
+                    <a:ext cx="194220" cy="276999"/>
+                  </a:xfrm>
+                  <a:prstGeom prst="rect">
+                    <a:avLst/>
+                  </a:prstGeom>
+                  <a:blipFill>
+                    <a:blip r:embed="rId8"/>
+                    <a:stretch>
+                      <a:fillRect l="-16129" r="-12903"/>
+                    </a:stretch>
+                  </a:blipFill>
+                </p:spPr>
+                <p:txBody>
+                  <a:bodyPr/>
+                  <a:lstStyle/>
+                  <a:p>
+                    <a:r>
+                      <a:rPr lang="ja-JP" altLang="en-US">
+                        <a:noFill/>
+                      </a:rPr>
+                      <a:t> </a:t>
+                    </a:r>
+                  </a:p>
+                </p:txBody>
+              </p:sp>
+            </mc:Fallback>
+          </mc:AlternateContent>
+          <mc:AlternateContent xmlns:mc="http://schemas.openxmlformats.org/markup-compatibility/2006">
+            <mc:Choice xmlns:a14="http://schemas.microsoft.com/office/drawing/2010/main" Requires="a14">
+              <p:sp>
+                <p:nvSpPr>
+                  <p:cNvPr id="100" name="テキスト ボックス 99">
+                    <a:extLst>
+                      <a:ext uri="{FF2B5EF4-FFF2-40B4-BE49-F238E27FC236}">
+                        <a16:creationId xmlns:a16="http://schemas.microsoft.com/office/drawing/2014/main" id="{5C794254-1540-423B-8BBE-9C6B15C79796}"/>
+                      </a:ext>
+                    </a:extLst>
+                  </p:cNvPr>
+                  <p:cNvSpPr txBox="1"/>
+                  <p:nvPr/>
+                </p:nvSpPr>
+                <p:spPr>
+                  <a:xfrm>
+                    <a:off x="6036538" y="1669363"/>
+                    <a:ext cx="146770" cy="276999"/>
+                  </a:xfrm>
+                  <a:prstGeom prst="rect">
+                    <a:avLst/>
+                  </a:prstGeom>
+                  <a:noFill/>
+                </p:spPr>
+                <p:txBody>
+                  <a:bodyPr wrap="none" lIns="0" tIns="0" rIns="0" bIns="0" rtlCol="0">
+                    <a:spAutoFit/>
+                  </a:bodyPr>
+                  <a:lstStyle/>
+                  <a:p>
+                    <a14:m>
+                      <m:oMathPara xmlns:m="http://schemas.openxmlformats.org/officeDocument/2006/math">
+                        <m:oMathParaPr>
+                          <m:jc m:val="centerGroup"/>
+                        </m:oMathParaPr>
+                        <m:oMath xmlns:m="http://schemas.openxmlformats.org/officeDocument/2006/math">
+                          <m:r>
+                            <a:rPr kumimoji="1" lang="en-US" altLang="ja-JP" b="0" i="1" smtClean="0">
+                              <a:latin typeface="Cambria Math" panose="02040503050406030204" pitchFamily="18" charset="0"/>
+                            </a:rPr>
+                            <m:t>𝑖</m:t>
+                          </m:r>
+                        </m:oMath>
+                      </m:oMathPara>
+                    </a14:m>
+                    <a:endParaRPr kumimoji="1" lang="ja-JP" altLang="en-US" dirty="0"/>
+                  </a:p>
+                </p:txBody>
+              </p:sp>
+            </mc:Choice>
+            <mc:Fallback>
+              <p:sp>
+                <p:nvSpPr>
+                  <p:cNvPr id="100" name="テキスト ボックス 99">
+                    <a:extLst>
+                      <a:ext uri="{FF2B5EF4-FFF2-40B4-BE49-F238E27FC236}">
+                        <a16:creationId xmlns:a16="http://schemas.microsoft.com/office/drawing/2014/main" id="{5C794254-1540-423B-8BBE-9C6B15C79796}"/>
+                      </a:ext>
+                    </a:extLst>
+                  </p:cNvPr>
+                  <p:cNvSpPr txBox="1">
+                    <a:spLocks noRot="1" noChangeAspect="1" noMove="1" noResize="1" noEditPoints="1" noAdjustHandles="1" noChangeArrowheads="1" noChangeShapeType="1" noTextEdit="1"/>
+                  </p:cNvSpPr>
+                  <p:nvPr/>
+                </p:nvSpPr>
+                <p:spPr>
+                  <a:xfrm>
+                    <a:off x="6036538" y="1669363"/>
+                    <a:ext cx="146770" cy="276999"/>
+                  </a:xfrm>
+                  <a:prstGeom prst="rect">
+                    <a:avLst/>
+                  </a:prstGeom>
+                  <a:blipFill>
+                    <a:blip r:embed="rId9"/>
+                    <a:stretch>
+                      <a:fillRect l="-37500" r="-29167" b="-8889"/>
+                    </a:stretch>
+                  </a:blipFill>
+                </p:spPr>
+                <p:txBody>
+                  <a:bodyPr/>
+                  <a:lstStyle/>
+                  <a:p>
+                    <a:r>
+                      <a:rPr lang="ja-JP" altLang="en-US">
+                        <a:noFill/>
+                      </a:rPr>
+                      <a:t> </a:t>
+                    </a:r>
+                  </a:p>
+                </p:txBody>
+              </p:sp>
+            </mc:Fallback>
+          </mc:AlternateContent>
+          <mc:AlternateContent xmlns:mc="http://schemas.openxmlformats.org/markup-compatibility/2006">
+            <mc:Choice xmlns:a14="http://schemas.microsoft.com/office/drawing/2010/main" Requires="a14">
+              <p:sp>
+                <p:nvSpPr>
+                  <p:cNvPr id="101" name="テキスト ボックス 100">
+                    <a:extLst>
+                      <a:ext uri="{FF2B5EF4-FFF2-40B4-BE49-F238E27FC236}">
+                        <a16:creationId xmlns:a16="http://schemas.microsoft.com/office/drawing/2014/main" id="{391E2766-3FD9-4E55-9E78-CC4A11856FF3}"/>
+                      </a:ext>
+                    </a:extLst>
+                  </p:cNvPr>
+                  <p:cNvSpPr txBox="1"/>
+                  <p:nvPr/>
+                </p:nvSpPr>
+                <p:spPr>
+                  <a:xfrm>
+                    <a:off x="6810618" y="1875969"/>
+                    <a:ext cx="177869" cy="276999"/>
+                  </a:xfrm>
+                  <a:prstGeom prst="rect">
+                    <a:avLst/>
+                  </a:prstGeom>
+                  <a:noFill/>
+                </p:spPr>
+                <p:txBody>
+                  <a:bodyPr wrap="none" lIns="0" tIns="0" rIns="0" bIns="0" rtlCol="0">
+                    <a:spAutoFit/>
+                  </a:bodyPr>
+                  <a:lstStyle/>
+                  <a:p>
+                    <a14:m>
+                      <m:oMathPara xmlns:m="http://schemas.openxmlformats.org/officeDocument/2006/math">
+                        <m:oMathParaPr>
+                          <m:jc m:val="centerGroup"/>
+                        </m:oMathParaPr>
+                        <m:oMath xmlns:m="http://schemas.openxmlformats.org/officeDocument/2006/math">
+                          <m:r>
+                            <a:rPr kumimoji="1" lang="en-US" altLang="ja-JP" b="0" i="1" smtClean="0">
+                              <a:latin typeface="Cambria Math" panose="02040503050406030204" pitchFamily="18" charset="0"/>
+                            </a:rPr>
+                            <m:t>𝑠</m:t>
+                          </m:r>
+                        </m:oMath>
+                      </m:oMathPara>
+                    </a14:m>
+                    <a:endParaRPr kumimoji="1" lang="ja-JP" altLang="en-US" dirty="0"/>
+                  </a:p>
+                </p:txBody>
+              </p:sp>
+            </mc:Choice>
+            <mc:Fallback>
+              <p:sp>
+                <p:nvSpPr>
+                  <p:cNvPr id="101" name="テキスト ボックス 100">
+                    <a:extLst>
+                      <a:ext uri="{FF2B5EF4-FFF2-40B4-BE49-F238E27FC236}">
+                        <a16:creationId xmlns:a16="http://schemas.microsoft.com/office/drawing/2014/main" id="{391E2766-3FD9-4E55-9E78-CC4A11856FF3}"/>
+                      </a:ext>
+                    </a:extLst>
+                  </p:cNvPr>
+                  <p:cNvSpPr txBox="1">
+                    <a:spLocks noRot="1" noChangeAspect="1" noMove="1" noResize="1" noEditPoints="1" noAdjustHandles="1" noChangeArrowheads="1" noChangeShapeType="1" noTextEdit="1"/>
+                  </p:cNvSpPr>
+                  <p:nvPr/>
+                </p:nvSpPr>
+                <p:spPr>
+                  <a:xfrm>
+                    <a:off x="6810618" y="1875969"/>
+                    <a:ext cx="177869" cy="276999"/>
+                  </a:xfrm>
+                  <a:prstGeom prst="rect">
+                    <a:avLst/>
+                  </a:prstGeom>
+                  <a:blipFill>
+                    <a:blip r:embed="rId10"/>
+                    <a:stretch>
+                      <a:fillRect l="-17241" r="-13793"/>
+                    </a:stretch>
+                  </a:blipFill>
+                </p:spPr>
+                <p:txBody>
+                  <a:bodyPr/>
+                  <a:lstStyle/>
+                  <a:p>
+                    <a:r>
+                      <a:rPr lang="ja-JP" altLang="en-US">
+                        <a:noFill/>
+                      </a:rPr>
+                      <a:t> </a:t>
+                    </a:r>
+                  </a:p>
+                </p:txBody>
+              </p:sp>
+            </mc:Fallback>
+          </mc:AlternateContent>
+          <mc:AlternateContent xmlns:mc="http://schemas.openxmlformats.org/markup-compatibility/2006">
+            <mc:Choice xmlns:a14="http://schemas.microsoft.com/office/drawing/2010/main" Requires="a14">
+              <p:sp>
+                <p:nvSpPr>
+                  <p:cNvPr id="102" name="テキスト ボックス 101">
+                    <a:extLst>
+                      <a:ext uri="{FF2B5EF4-FFF2-40B4-BE49-F238E27FC236}">
+                        <a16:creationId xmlns:a16="http://schemas.microsoft.com/office/drawing/2014/main" id="{4D63F693-6046-42F6-A192-87465BAB72A5}"/>
+                      </a:ext>
+                    </a:extLst>
+                  </p:cNvPr>
+                  <p:cNvSpPr txBox="1"/>
+                  <p:nvPr/>
+                </p:nvSpPr>
+                <p:spPr>
+                  <a:xfrm>
+                    <a:off x="6594873" y="1648216"/>
+                    <a:ext cx="194220" cy="276999"/>
+                  </a:xfrm>
+                  <a:prstGeom prst="rect">
+                    <a:avLst/>
+                  </a:prstGeom>
+                  <a:noFill/>
+                </p:spPr>
+                <p:txBody>
+                  <a:bodyPr wrap="none" lIns="0" tIns="0" rIns="0" bIns="0" rtlCol="0">
+                    <a:spAutoFit/>
+                  </a:bodyPr>
+                  <a:lstStyle/>
+                  <a:p>
+                    <a14:m>
+                      <m:oMathPara xmlns:m="http://schemas.openxmlformats.org/officeDocument/2006/math">
+                        <m:oMathParaPr>
+                          <m:jc m:val="centerGroup"/>
+                        </m:oMathParaPr>
+                        <m:oMath xmlns:m="http://schemas.openxmlformats.org/officeDocument/2006/math">
+                          <m:r>
+                            <a:rPr kumimoji="1" lang="en-US" altLang="ja-JP" b="0" i="1" smtClean="0">
+                              <a:latin typeface="Cambria Math" panose="02040503050406030204" pitchFamily="18" charset="0"/>
+                            </a:rPr>
+                            <m:t>𝑜</m:t>
+                          </m:r>
+                        </m:oMath>
+                      </m:oMathPara>
+                    </a14:m>
+                    <a:endParaRPr kumimoji="1" lang="ja-JP" altLang="en-US" dirty="0"/>
+                  </a:p>
+                </p:txBody>
+              </p:sp>
+            </mc:Choice>
+            <mc:Fallback>
+              <p:sp>
+                <p:nvSpPr>
+                  <p:cNvPr id="102" name="テキスト ボックス 101">
+                    <a:extLst>
+                      <a:ext uri="{FF2B5EF4-FFF2-40B4-BE49-F238E27FC236}">
+                        <a16:creationId xmlns:a16="http://schemas.microsoft.com/office/drawing/2014/main" id="{4D63F693-6046-42F6-A192-87465BAB72A5}"/>
+                      </a:ext>
+                    </a:extLst>
+                  </p:cNvPr>
+                  <p:cNvSpPr txBox="1">
+                    <a:spLocks noRot="1" noChangeAspect="1" noMove="1" noResize="1" noEditPoints="1" noAdjustHandles="1" noChangeArrowheads="1" noChangeShapeType="1" noTextEdit="1"/>
+                  </p:cNvSpPr>
+                  <p:nvPr/>
+                </p:nvSpPr>
+                <p:spPr>
+                  <a:xfrm>
+                    <a:off x="6594873" y="1648216"/>
+                    <a:ext cx="194220" cy="276999"/>
+                  </a:xfrm>
+                  <a:prstGeom prst="rect">
+                    <a:avLst/>
+                  </a:prstGeom>
+                  <a:blipFill>
+                    <a:blip r:embed="rId11"/>
+                    <a:stretch>
+                      <a:fillRect l="-15625" r="-9375"/>
+                    </a:stretch>
+                  </a:blipFill>
+                </p:spPr>
+                <p:txBody>
+                  <a:bodyPr/>
+                  <a:lstStyle/>
+                  <a:p>
+                    <a:r>
+                      <a:rPr lang="ja-JP" altLang="en-US">
+                        <a:noFill/>
+                      </a:rPr>
+                      <a:t> </a:t>
+                    </a:r>
+                  </a:p>
+                </p:txBody>
+              </p:sp>
+            </mc:Fallback>
+          </mc:AlternateContent>
+          <mc:AlternateContent xmlns:mc="http://schemas.openxmlformats.org/markup-compatibility/2006">
+            <mc:Choice xmlns:a14="http://schemas.microsoft.com/office/drawing/2010/main" Requires="a14">
+              <p:sp>
+                <p:nvSpPr>
+                  <p:cNvPr id="103" name="テキスト ボックス 102">
+                    <a:extLst>
+                      <a:ext uri="{FF2B5EF4-FFF2-40B4-BE49-F238E27FC236}">
+                        <a16:creationId xmlns:a16="http://schemas.microsoft.com/office/drawing/2014/main" id="{0647B45C-6064-4697-8F8F-3B19DE1B4F74}"/>
+                      </a:ext>
+                    </a:extLst>
+                  </p:cNvPr>
+                  <p:cNvSpPr txBox="1"/>
+                  <p:nvPr/>
+                </p:nvSpPr>
+                <p:spPr>
+                  <a:xfrm>
+                    <a:off x="7026046" y="1655059"/>
+                    <a:ext cx="146770" cy="276999"/>
+                  </a:xfrm>
+                  <a:prstGeom prst="rect">
+                    <a:avLst/>
+                  </a:prstGeom>
+                  <a:noFill/>
+                </p:spPr>
+                <p:txBody>
+                  <a:bodyPr wrap="none" lIns="0" tIns="0" rIns="0" bIns="0" rtlCol="0">
+                    <a:spAutoFit/>
+                  </a:bodyPr>
+                  <a:lstStyle/>
+                  <a:p>
+                    <a14:m>
+                      <m:oMathPara xmlns:m="http://schemas.openxmlformats.org/officeDocument/2006/math">
+                        <m:oMathParaPr>
+                          <m:jc m:val="centerGroup"/>
+                        </m:oMathParaPr>
+                        <m:oMath xmlns:m="http://schemas.openxmlformats.org/officeDocument/2006/math">
+                          <m:r>
+                            <a:rPr kumimoji="1" lang="en-US" altLang="ja-JP" b="0" i="1" smtClean="0">
+                              <a:latin typeface="Cambria Math" panose="02040503050406030204" pitchFamily="18" charset="0"/>
+                            </a:rPr>
+                            <m:t>𝑖</m:t>
+                          </m:r>
+                        </m:oMath>
+                      </m:oMathPara>
+                    </a14:m>
+                    <a:endParaRPr kumimoji="1" lang="ja-JP" altLang="en-US" dirty="0"/>
+                  </a:p>
+                </p:txBody>
+              </p:sp>
+            </mc:Choice>
+            <mc:Fallback>
+              <p:sp>
+                <p:nvSpPr>
+                  <p:cNvPr id="103" name="テキスト ボックス 102">
+                    <a:extLst>
+                      <a:ext uri="{FF2B5EF4-FFF2-40B4-BE49-F238E27FC236}">
+                        <a16:creationId xmlns:a16="http://schemas.microsoft.com/office/drawing/2014/main" id="{0647B45C-6064-4697-8F8F-3B19DE1B4F74}"/>
+                      </a:ext>
+                    </a:extLst>
+                  </p:cNvPr>
+                  <p:cNvSpPr txBox="1">
+                    <a:spLocks noRot="1" noChangeAspect="1" noMove="1" noResize="1" noEditPoints="1" noAdjustHandles="1" noChangeArrowheads="1" noChangeShapeType="1" noTextEdit="1"/>
+                  </p:cNvSpPr>
+                  <p:nvPr/>
+                </p:nvSpPr>
+                <p:spPr>
+                  <a:xfrm>
+                    <a:off x="7026046" y="1655059"/>
+                    <a:ext cx="146770" cy="276999"/>
+                  </a:xfrm>
+                  <a:prstGeom prst="rect">
+                    <a:avLst/>
+                  </a:prstGeom>
+                  <a:blipFill>
+                    <a:blip r:embed="rId12"/>
+                    <a:stretch>
+                      <a:fillRect l="-37500" r="-29167" b="-6522"/>
+                    </a:stretch>
+                  </a:blipFill>
+                </p:spPr>
+                <p:txBody>
+                  <a:bodyPr/>
+                  <a:lstStyle/>
+                  <a:p>
+                    <a:r>
+                      <a:rPr lang="ja-JP" altLang="en-US">
+                        <a:noFill/>
+                      </a:rPr>
+                      <a:t> </a:t>
+                    </a:r>
+                  </a:p>
+                </p:txBody>
+              </p:sp>
+            </mc:Fallback>
+          </mc:AlternateContent>
+          <mc:AlternateContent xmlns:mc="http://schemas.openxmlformats.org/markup-compatibility/2006">
+            <mc:Choice xmlns:a14="http://schemas.microsoft.com/office/drawing/2010/main" Requires="a14">
+              <p:sp>
+                <p:nvSpPr>
+                  <p:cNvPr id="104" name="テキスト ボックス 103">
+                    <a:extLst>
+                      <a:ext uri="{FF2B5EF4-FFF2-40B4-BE49-F238E27FC236}">
+                        <a16:creationId xmlns:a16="http://schemas.microsoft.com/office/drawing/2014/main" id="{FD52564A-2151-41E8-A714-6BA42653656C}"/>
+                      </a:ext>
+                    </a:extLst>
+                  </p:cNvPr>
+                  <p:cNvSpPr txBox="1"/>
+                  <p:nvPr/>
+                </p:nvSpPr>
+                <p:spPr>
+                  <a:xfrm>
+                    <a:off x="7812403" y="1873151"/>
+                    <a:ext cx="177869" cy="276999"/>
+                  </a:xfrm>
+                  <a:prstGeom prst="rect">
+                    <a:avLst/>
+                  </a:prstGeom>
+                  <a:noFill/>
+                </p:spPr>
+                <p:txBody>
+                  <a:bodyPr wrap="none" lIns="0" tIns="0" rIns="0" bIns="0" rtlCol="0">
+                    <a:spAutoFit/>
+                  </a:bodyPr>
+                  <a:lstStyle/>
+                  <a:p>
+                    <a14:m>
+                      <m:oMathPara xmlns:m="http://schemas.openxmlformats.org/officeDocument/2006/math">
+                        <m:oMathParaPr>
+                          <m:jc m:val="centerGroup"/>
+                        </m:oMathParaPr>
+                        <m:oMath xmlns:m="http://schemas.openxmlformats.org/officeDocument/2006/math">
+                          <m:r>
+                            <a:rPr kumimoji="1" lang="en-US" altLang="ja-JP" b="0" i="1" smtClean="0">
+                              <a:latin typeface="Cambria Math" panose="02040503050406030204" pitchFamily="18" charset="0"/>
+                            </a:rPr>
+                            <m:t>𝑠</m:t>
+                          </m:r>
+                        </m:oMath>
+                      </m:oMathPara>
+                    </a14:m>
+                    <a:endParaRPr kumimoji="1" lang="ja-JP" altLang="en-US" dirty="0"/>
+                  </a:p>
+                </p:txBody>
+              </p:sp>
+            </mc:Choice>
+            <mc:Fallback>
+              <p:sp>
+                <p:nvSpPr>
+                  <p:cNvPr id="104" name="テキスト ボックス 103">
+                    <a:extLst>
+                      <a:ext uri="{FF2B5EF4-FFF2-40B4-BE49-F238E27FC236}">
+                        <a16:creationId xmlns:a16="http://schemas.microsoft.com/office/drawing/2014/main" id="{FD52564A-2151-41E8-A714-6BA42653656C}"/>
+                      </a:ext>
+                    </a:extLst>
+                  </p:cNvPr>
+                  <p:cNvSpPr txBox="1">
+                    <a:spLocks noRot="1" noChangeAspect="1" noMove="1" noResize="1" noEditPoints="1" noAdjustHandles="1" noChangeArrowheads="1" noChangeShapeType="1" noTextEdit="1"/>
+                  </p:cNvSpPr>
+                  <p:nvPr/>
+                </p:nvSpPr>
+                <p:spPr>
+                  <a:xfrm>
+                    <a:off x="7812403" y="1873151"/>
+                    <a:ext cx="177869" cy="276999"/>
+                  </a:xfrm>
+                  <a:prstGeom prst="rect">
+                    <a:avLst/>
+                  </a:prstGeom>
+                  <a:blipFill>
+                    <a:blip r:embed="rId13"/>
+                    <a:stretch>
+                      <a:fillRect l="-17241" r="-13793"/>
+                    </a:stretch>
+                  </a:blipFill>
+                </p:spPr>
+                <p:txBody>
+                  <a:bodyPr/>
+                  <a:lstStyle/>
+                  <a:p>
+                    <a:r>
+                      <a:rPr lang="ja-JP" altLang="en-US">
+                        <a:noFill/>
+                      </a:rPr>
+                      <a:t> </a:t>
+                    </a:r>
+                  </a:p>
+                </p:txBody>
+              </p:sp>
+            </mc:Fallback>
+          </mc:AlternateContent>
+          <mc:AlternateContent xmlns:mc="http://schemas.openxmlformats.org/markup-compatibility/2006">
+            <mc:Choice xmlns:a14="http://schemas.microsoft.com/office/drawing/2010/main" Requires="a14">
+              <p:sp>
+                <p:nvSpPr>
+                  <p:cNvPr id="105" name="テキスト ボックス 104">
+                    <a:extLst>
+                      <a:ext uri="{FF2B5EF4-FFF2-40B4-BE49-F238E27FC236}">
+                        <a16:creationId xmlns:a16="http://schemas.microsoft.com/office/drawing/2014/main" id="{7E607295-8D12-4A3A-BA42-D0940A08F755}"/>
+                      </a:ext>
+                    </a:extLst>
+                  </p:cNvPr>
+                  <p:cNvSpPr txBox="1"/>
+                  <p:nvPr/>
+                </p:nvSpPr>
+                <p:spPr>
+                  <a:xfrm>
+                    <a:off x="7596658" y="1645398"/>
+                    <a:ext cx="194220" cy="276999"/>
+                  </a:xfrm>
+                  <a:prstGeom prst="rect">
+                    <a:avLst/>
+                  </a:prstGeom>
+                  <a:noFill/>
+                </p:spPr>
+                <p:txBody>
+                  <a:bodyPr wrap="none" lIns="0" tIns="0" rIns="0" bIns="0" rtlCol="0">
+                    <a:spAutoFit/>
+                  </a:bodyPr>
+                  <a:lstStyle/>
+                  <a:p>
+                    <a14:m>
+                      <m:oMathPara xmlns:m="http://schemas.openxmlformats.org/officeDocument/2006/math">
+                        <m:oMathParaPr>
+                          <m:jc m:val="centerGroup"/>
+                        </m:oMathParaPr>
+                        <m:oMath xmlns:m="http://schemas.openxmlformats.org/officeDocument/2006/math">
+                          <m:r>
+                            <a:rPr kumimoji="1" lang="en-US" altLang="ja-JP" b="0" i="1" smtClean="0">
+                              <a:latin typeface="Cambria Math" panose="02040503050406030204" pitchFamily="18" charset="0"/>
+                            </a:rPr>
+                            <m:t>𝑜</m:t>
+                          </m:r>
+                        </m:oMath>
+                      </m:oMathPara>
+                    </a14:m>
+                    <a:endParaRPr kumimoji="1" lang="ja-JP" altLang="en-US" dirty="0"/>
+                  </a:p>
+                </p:txBody>
+              </p:sp>
+            </mc:Choice>
+            <mc:Fallback>
+              <p:sp>
+                <p:nvSpPr>
+                  <p:cNvPr id="105" name="テキスト ボックス 104">
+                    <a:extLst>
+                      <a:ext uri="{FF2B5EF4-FFF2-40B4-BE49-F238E27FC236}">
+                        <a16:creationId xmlns:a16="http://schemas.microsoft.com/office/drawing/2014/main" id="{7E607295-8D12-4A3A-BA42-D0940A08F755}"/>
+                      </a:ext>
+                    </a:extLst>
+                  </p:cNvPr>
+                  <p:cNvSpPr txBox="1">
+                    <a:spLocks noRot="1" noChangeAspect="1" noMove="1" noResize="1" noEditPoints="1" noAdjustHandles="1" noChangeArrowheads="1" noChangeShapeType="1" noTextEdit="1"/>
+                  </p:cNvSpPr>
+                  <p:nvPr/>
+                </p:nvSpPr>
+                <p:spPr>
+                  <a:xfrm>
+                    <a:off x="7596658" y="1645398"/>
+                    <a:ext cx="194220" cy="276999"/>
+                  </a:xfrm>
+                  <a:prstGeom prst="rect">
+                    <a:avLst/>
+                  </a:prstGeom>
+                  <a:blipFill>
+                    <a:blip r:embed="rId14"/>
+                    <a:stretch>
+                      <a:fillRect l="-15625" r="-9375"/>
+                    </a:stretch>
+                  </a:blipFill>
+                </p:spPr>
+                <p:txBody>
+                  <a:bodyPr/>
+                  <a:lstStyle/>
+                  <a:p>
+                    <a:r>
+                      <a:rPr lang="ja-JP" altLang="en-US">
+                        <a:noFill/>
+                      </a:rPr>
+                      <a:t> </a:t>
+                    </a:r>
+                  </a:p>
+                </p:txBody>
+              </p:sp>
+            </mc:Fallback>
+          </mc:AlternateContent>
+          <mc:AlternateContent xmlns:mc="http://schemas.openxmlformats.org/markup-compatibility/2006">
+            <mc:Choice xmlns:a14="http://schemas.microsoft.com/office/drawing/2010/main" Requires="a14">
+              <p:sp>
+                <p:nvSpPr>
+                  <p:cNvPr id="106" name="テキスト ボックス 105">
+                    <a:extLst>
+                      <a:ext uri="{FF2B5EF4-FFF2-40B4-BE49-F238E27FC236}">
+                        <a16:creationId xmlns:a16="http://schemas.microsoft.com/office/drawing/2014/main" id="{7AC2C735-45C6-476A-AA60-FDD3BBA8E119}"/>
+                      </a:ext>
+                    </a:extLst>
+                  </p:cNvPr>
+                  <p:cNvSpPr txBox="1"/>
+                  <p:nvPr/>
+                </p:nvSpPr>
+                <p:spPr>
+                  <a:xfrm>
+                    <a:off x="8027831" y="1652241"/>
+                    <a:ext cx="146770" cy="276999"/>
+                  </a:xfrm>
+                  <a:prstGeom prst="rect">
+                    <a:avLst/>
+                  </a:prstGeom>
+                  <a:noFill/>
+                </p:spPr>
+                <p:txBody>
+                  <a:bodyPr wrap="none" lIns="0" tIns="0" rIns="0" bIns="0" rtlCol="0">
+                    <a:spAutoFit/>
+                  </a:bodyPr>
+                  <a:lstStyle/>
+                  <a:p>
+                    <a14:m>
+                      <m:oMathPara xmlns:m="http://schemas.openxmlformats.org/officeDocument/2006/math">
+                        <m:oMathParaPr>
+                          <m:jc m:val="centerGroup"/>
+                        </m:oMathParaPr>
+                        <m:oMath xmlns:m="http://schemas.openxmlformats.org/officeDocument/2006/math">
+                          <m:r>
+                            <a:rPr kumimoji="1" lang="en-US" altLang="ja-JP" b="0" i="1" smtClean="0">
+                              <a:latin typeface="Cambria Math" panose="02040503050406030204" pitchFamily="18" charset="0"/>
+                            </a:rPr>
+                            <m:t>𝑖</m:t>
+                          </m:r>
+                        </m:oMath>
+                      </m:oMathPara>
+                    </a14:m>
+                    <a:endParaRPr kumimoji="1" lang="ja-JP" altLang="en-US" dirty="0"/>
+                  </a:p>
+                </p:txBody>
+              </p:sp>
+            </mc:Choice>
+            <mc:Fallback>
+              <p:sp>
+                <p:nvSpPr>
+                  <p:cNvPr id="106" name="テキスト ボックス 105">
+                    <a:extLst>
+                      <a:ext uri="{FF2B5EF4-FFF2-40B4-BE49-F238E27FC236}">
+                        <a16:creationId xmlns:a16="http://schemas.microsoft.com/office/drawing/2014/main" id="{7AC2C735-45C6-476A-AA60-FDD3BBA8E119}"/>
+                      </a:ext>
+                    </a:extLst>
+                  </p:cNvPr>
+                  <p:cNvSpPr txBox="1">
+                    <a:spLocks noRot="1" noChangeAspect="1" noMove="1" noResize="1" noEditPoints="1" noAdjustHandles="1" noChangeArrowheads="1" noChangeShapeType="1" noTextEdit="1"/>
+                  </p:cNvSpPr>
+                  <p:nvPr/>
+                </p:nvSpPr>
+                <p:spPr>
+                  <a:xfrm>
+                    <a:off x="8027831" y="1652241"/>
+                    <a:ext cx="146770" cy="276999"/>
+                  </a:xfrm>
+                  <a:prstGeom prst="rect">
+                    <a:avLst/>
+                  </a:prstGeom>
+                  <a:blipFill>
+                    <a:blip r:embed="rId15"/>
+                    <a:stretch>
+                      <a:fillRect l="-37500" r="-29167" b="-8889"/>
+                    </a:stretch>
+                  </a:blipFill>
+                </p:spPr>
+                <p:txBody>
+                  <a:bodyPr/>
+                  <a:lstStyle/>
+                  <a:p>
+                    <a:r>
+                      <a:rPr lang="ja-JP" altLang="en-US">
+                        <a:noFill/>
+                      </a:rPr>
+                      <a:t> </a:t>
+                    </a:r>
+                  </a:p>
+                </p:txBody>
+              </p:sp>
+            </mc:Fallback>
+          </mc:AlternateContent>
+        </p:grpSp>
+        <p:grpSp>
+          <p:nvGrpSpPr>
+            <p:cNvPr id="38" name="グループ化 37">
+              <a:extLst>
+                <a:ext uri="{FF2B5EF4-FFF2-40B4-BE49-F238E27FC236}">
+                  <a16:creationId xmlns:a16="http://schemas.microsoft.com/office/drawing/2014/main" id="{42B01DF2-064D-44A2-ACD7-9631483A2D11}"/>
+                </a:ext>
+              </a:extLst>
+            </p:cNvPr>
+            <p:cNvGrpSpPr/>
+            <p:nvPr/>
+          </p:nvGrpSpPr>
+          <p:grpSpPr>
+            <a:xfrm>
+              <a:off x="5593643" y="1239590"/>
+              <a:ext cx="654755" cy="1151465"/>
+              <a:chOff x="4605867" y="1241778"/>
+              <a:chExt cx="654755" cy="1151465"/>
+            </a:xfrm>
+          </p:grpSpPr>
+          <p:sp>
+            <p:nvSpPr>
+              <p:cNvPr id="39" name="正方形/長方形 38">
+                <a:extLst>
+                  <a:ext uri="{FF2B5EF4-FFF2-40B4-BE49-F238E27FC236}">
+                    <a16:creationId xmlns:a16="http://schemas.microsoft.com/office/drawing/2014/main" id="{053F1B54-DBD9-403B-98A0-CF2CE8F57A59}"/>
+                  </a:ext>
+                </a:extLst>
+              </p:cNvPr>
+              <p:cNvSpPr/>
+              <p:nvPr/>
+            </p:nvSpPr>
+            <p:spPr>
+              <a:xfrm>
+                <a:off x="4605867" y="1490133"/>
+                <a:ext cx="654755" cy="654755"/>
+              </a:xfrm>
+              <a:prstGeom prst="rect">
+                <a:avLst/>
+              </a:prstGeom>
+              <a:noFill/>
+              <a:ln>
+                <a:solidFill>
+                  <a:schemeClr val="tx1"/>
+                </a:solidFill>
+              </a:ln>
+            </p:spPr>
+            <p:style>
+              <a:lnRef idx="2">
+                <a:schemeClr val="accent1">
+                  <a:shade val="50000"/>
+                </a:schemeClr>
+              </a:lnRef>
+              <a:fillRef idx="1">
+                <a:schemeClr val="accent1"/>
+              </a:fillRef>
+              <a:effectRef idx="0">
+                <a:schemeClr val="accent1"/>
+              </a:effectRef>
+              <a:fontRef idx="minor">
+                <a:schemeClr val="lt1"/>
+              </a:fontRef>
+            </p:style>
+            <p:txBody>
+              <a:bodyPr rtlCol="0" anchor="ctr"/>
+              <a:lstStyle/>
+              <a:p>
+                <a:pPr algn="ctr"/>
+                <a:endParaRPr kumimoji="1" lang="ja-JP" altLang="en-US"/>
+              </a:p>
+            </p:txBody>
+          </p:sp>
+          <p:cxnSp>
+            <p:nvCxnSpPr>
+              <p:cNvPr id="40" name="直線コネクタ 39">
+                <a:extLst>
+                  <a:ext uri="{FF2B5EF4-FFF2-40B4-BE49-F238E27FC236}">
+                    <a16:creationId xmlns:a16="http://schemas.microsoft.com/office/drawing/2014/main" id="{0F9218B5-D5E7-4E10-A1AD-D870103A403C}"/>
+                  </a:ext>
+                </a:extLst>
+              </p:cNvPr>
+              <p:cNvCxnSpPr/>
+              <p:nvPr/>
+            </p:nvCxnSpPr>
+            <p:spPr>
+              <a:xfrm flipV="1">
+                <a:off x="4797777" y="1241778"/>
+                <a:ext cx="0" cy="248355"/>
+              </a:xfrm>
+              <a:prstGeom prst="line">
+                <a:avLst/>
+              </a:prstGeom>
+              <a:ln>
+                <a:solidFill>
+                  <a:schemeClr val="tx1"/>
+                </a:solidFill>
+              </a:ln>
+            </p:spPr>
+            <p:style>
+              <a:lnRef idx="1">
+                <a:schemeClr val="accent1"/>
+              </a:lnRef>
+              <a:fillRef idx="0">
+                <a:schemeClr val="accent1"/>
+              </a:fillRef>
+              <a:effectRef idx="0">
+                <a:schemeClr val="accent1"/>
+              </a:effectRef>
+              <a:fontRef idx="minor">
+                <a:schemeClr val="tx1"/>
+              </a:fontRef>
+            </p:style>
+          </p:cxnSp>
+          <p:cxnSp>
+            <p:nvCxnSpPr>
+              <p:cNvPr id="41" name="直線コネクタ 40">
+                <a:extLst>
+                  <a:ext uri="{FF2B5EF4-FFF2-40B4-BE49-F238E27FC236}">
+                    <a16:creationId xmlns:a16="http://schemas.microsoft.com/office/drawing/2014/main" id="{02B9871A-81C7-4F2A-A779-3782979CE778}"/>
+                  </a:ext>
+                </a:extLst>
+              </p:cNvPr>
+              <p:cNvCxnSpPr/>
+              <p:nvPr/>
+            </p:nvCxnSpPr>
+            <p:spPr>
+              <a:xfrm flipV="1">
+                <a:off x="5130799" y="1241778"/>
+                <a:ext cx="0" cy="248355"/>
+              </a:xfrm>
+              <a:prstGeom prst="line">
+                <a:avLst/>
+              </a:prstGeom>
+              <a:ln>
+                <a:solidFill>
+                  <a:schemeClr val="tx1"/>
+                </a:solidFill>
+              </a:ln>
+            </p:spPr>
+            <p:style>
+              <a:lnRef idx="1">
+                <a:schemeClr val="accent1"/>
+              </a:lnRef>
+              <a:fillRef idx="0">
+                <a:schemeClr val="accent1"/>
+              </a:fillRef>
+              <a:effectRef idx="0">
+                <a:schemeClr val="accent1"/>
+              </a:effectRef>
+              <a:fontRef idx="minor">
+                <a:schemeClr val="tx1"/>
+              </a:fontRef>
+            </p:style>
+          </p:cxnSp>
+          <mc:AlternateContent xmlns:mc="http://schemas.openxmlformats.org/markup-compatibility/2006">
+            <mc:Choice xmlns:a14="http://schemas.microsoft.com/office/drawing/2010/main" Requires="a14">
+              <p:sp>
+                <p:nvSpPr>
+                  <p:cNvPr id="42" name="テキスト ボックス 41">
+                    <a:extLst>
+                      <a:ext uri="{FF2B5EF4-FFF2-40B4-BE49-F238E27FC236}">
+                        <a16:creationId xmlns:a16="http://schemas.microsoft.com/office/drawing/2014/main" id="{C5E8382A-0CEE-474F-B5E1-CF67269D07B6}"/>
+                      </a:ext>
+                    </a:extLst>
+                  </p:cNvPr>
+                  <p:cNvSpPr txBox="1"/>
+                  <p:nvPr/>
+                </p:nvSpPr>
+                <p:spPr>
+                  <a:xfrm>
+                    <a:off x="4697974" y="1461489"/>
+                    <a:ext cx="199606" cy="276999"/>
+                  </a:xfrm>
+                  <a:prstGeom prst="rect">
+                    <a:avLst/>
+                  </a:prstGeom>
+                  <a:noFill/>
+                </p:spPr>
+                <p:txBody>
+                  <a:bodyPr wrap="none" lIns="0" tIns="0" rIns="0" bIns="0" rtlCol="0">
+                    <a:spAutoFit/>
+                  </a:bodyPr>
+                  <a:lstStyle/>
+                  <a:p>
+                    <a14:m>
+                      <m:oMathPara xmlns:m="http://schemas.openxmlformats.org/officeDocument/2006/math">
+                        <m:oMathParaPr>
+                          <m:jc m:val="centerGroup"/>
+                        </m:oMathParaPr>
+                        <m:oMath xmlns:m="http://schemas.openxmlformats.org/officeDocument/2006/math">
+                          <m:r>
+                            <a:rPr kumimoji="1" lang="en-US" altLang="ja-JP" b="0" i="1" smtClean="0">
+                              <a:latin typeface="Cambria Math" panose="02040503050406030204" pitchFamily="18" charset="0"/>
+                            </a:rPr>
+                            <m:t>𝑎</m:t>
+                          </m:r>
+                        </m:oMath>
+                      </m:oMathPara>
+                    </a14:m>
+                    <a:endParaRPr kumimoji="1" lang="ja-JP" altLang="en-US" dirty="0"/>
+                  </a:p>
+                </p:txBody>
+              </p:sp>
+            </mc:Choice>
+            <mc:Fallback>
+              <p:sp>
+                <p:nvSpPr>
+                  <p:cNvPr id="42" name="テキスト ボックス 41">
+                    <a:extLst>
+                      <a:ext uri="{FF2B5EF4-FFF2-40B4-BE49-F238E27FC236}">
+                        <a16:creationId xmlns:a16="http://schemas.microsoft.com/office/drawing/2014/main" id="{C5E8382A-0CEE-474F-B5E1-CF67269D07B6}"/>
+                      </a:ext>
+                    </a:extLst>
+                  </p:cNvPr>
+                  <p:cNvSpPr txBox="1">
+                    <a:spLocks noRot="1" noChangeAspect="1" noMove="1" noResize="1" noEditPoints="1" noAdjustHandles="1" noChangeArrowheads="1" noChangeShapeType="1" noTextEdit="1"/>
+                  </p:cNvSpPr>
+                  <p:nvPr/>
+                </p:nvSpPr>
+                <p:spPr>
+                  <a:xfrm>
+                    <a:off x="4697974" y="1461489"/>
+                    <a:ext cx="199606" cy="276999"/>
+                  </a:xfrm>
+                  <a:prstGeom prst="rect">
+                    <a:avLst/>
+                  </a:prstGeom>
+                  <a:blipFill>
+                    <a:blip r:embed="rId16"/>
+                    <a:stretch>
+                      <a:fillRect l="-15625" r="-12500"/>
+                    </a:stretch>
+                  </a:blipFill>
+                </p:spPr>
+                <p:txBody>
+                  <a:bodyPr/>
+                  <a:lstStyle/>
+                  <a:p>
+                    <a:r>
+                      <a:rPr lang="ja-JP" altLang="en-US">
+                        <a:noFill/>
+                      </a:rPr>
+                      <a:t> </a:t>
+                    </a:r>
+                  </a:p>
+                </p:txBody>
+              </p:sp>
+            </mc:Fallback>
+          </mc:AlternateContent>
+          <mc:AlternateContent xmlns:mc="http://schemas.openxmlformats.org/markup-compatibility/2006">
+            <mc:Choice xmlns:a14="http://schemas.microsoft.com/office/drawing/2010/main" Requires="a14">
+              <p:sp>
+                <p:nvSpPr>
+                  <p:cNvPr id="43" name="テキスト ボックス 42">
+                    <a:extLst>
+                      <a:ext uri="{FF2B5EF4-FFF2-40B4-BE49-F238E27FC236}">
+                        <a16:creationId xmlns:a16="http://schemas.microsoft.com/office/drawing/2014/main" id="{ED444454-2CAB-4E8E-9150-21FAF938F4A0}"/>
+                      </a:ext>
+                    </a:extLst>
+                  </p:cNvPr>
+                  <p:cNvSpPr txBox="1"/>
+                  <p:nvPr/>
+                </p:nvSpPr>
+                <p:spPr>
+                  <a:xfrm>
+                    <a:off x="5030996" y="1461488"/>
+                    <a:ext cx="199606" cy="276999"/>
+                  </a:xfrm>
+                  <a:prstGeom prst="rect">
+                    <a:avLst/>
+                  </a:prstGeom>
+                  <a:noFill/>
+                </p:spPr>
+                <p:txBody>
+                  <a:bodyPr wrap="none" lIns="0" tIns="0" rIns="0" bIns="0" rtlCol="0">
+                    <a:spAutoFit/>
+                  </a:bodyPr>
+                  <a:lstStyle/>
+                  <a:p>
+                    <a14:m>
+                      <m:oMathPara xmlns:m="http://schemas.openxmlformats.org/officeDocument/2006/math">
+                        <m:oMathParaPr>
+                          <m:jc m:val="centerGroup"/>
+                        </m:oMathParaPr>
+                        <m:oMath xmlns:m="http://schemas.openxmlformats.org/officeDocument/2006/math">
+                          <m:r>
+                            <a:rPr kumimoji="1" lang="en-US" altLang="ja-JP" b="0" i="1" smtClean="0">
+                              <a:latin typeface="Cambria Math" panose="02040503050406030204" pitchFamily="18" charset="0"/>
+                            </a:rPr>
+                            <m:t>𝑏</m:t>
+                          </m:r>
+                        </m:oMath>
+                      </m:oMathPara>
+                    </a14:m>
+                    <a:endParaRPr kumimoji="1" lang="ja-JP" altLang="en-US" dirty="0"/>
+                  </a:p>
+                </p:txBody>
+              </p:sp>
+            </mc:Choice>
+            <mc:Fallback>
+              <p:sp>
+                <p:nvSpPr>
+                  <p:cNvPr id="43" name="テキスト ボックス 42">
+                    <a:extLst>
+                      <a:ext uri="{FF2B5EF4-FFF2-40B4-BE49-F238E27FC236}">
+                        <a16:creationId xmlns:a16="http://schemas.microsoft.com/office/drawing/2014/main" id="{ED444454-2CAB-4E8E-9150-21FAF938F4A0}"/>
+                      </a:ext>
+                    </a:extLst>
+                  </p:cNvPr>
+                  <p:cNvSpPr txBox="1">
+                    <a:spLocks noRot="1" noChangeAspect="1" noMove="1" noResize="1" noEditPoints="1" noAdjustHandles="1" noChangeArrowheads="1" noChangeShapeType="1" noTextEdit="1"/>
+                  </p:cNvSpPr>
+                  <p:nvPr/>
+                </p:nvSpPr>
+                <p:spPr>
+                  <a:xfrm>
+                    <a:off x="5030996" y="1461488"/>
+                    <a:ext cx="199606" cy="276999"/>
+                  </a:xfrm>
+                  <a:prstGeom prst="rect">
+                    <a:avLst/>
+                  </a:prstGeom>
+                  <a:blipFill>
+                    <a:blip r:embed="rId17"/>
+                    <a:stretch>
+                      <a:fillRect l="-24242" r="-21212" b="-6522"/>
+                    </a:stretch>
+                  </a:blipFill>
+                </p:spPr>
+                <p:txBody>
+                  <a:bodyPr/>
+                  <a:lstStyle/>
+                  <a:p>
+                    <a:r>
+                      <a:rPr lang="ja-JP" altLang="en-US">
+                        <a:noFill/>
+                      </a:rPr>
+                      <a:t> </a:t>
+                    </a:r>
+                  </a:p>
+                </p:txBody>
+              </p:sp>
+            </mc:Fallback>
+          </mc:AlternateContent>
+          <p:cxnSp>
+            <p:nvCxnSpPr>
+              <p:cNvPr id="45" name="直線コネクタ 44">
+                <a:extLst>
+                  <a:ext uri="{FF2B5EF4-FFF2-40B4-BE49-F238E27FC236}">
+                    <a16:creationId xmlns:a16="http://schemas.microsoft.com/office/drawing/2014/main" id="{59A3F15F-4836-466B-BEE1-3ECC210371E9}"/>
+                  </a:ext>
+                </a:extLst>
+              </p:cNvPr>
+              <p:cNvCxnSpPr/>
+              <p:nvPr/>
+            </p:nvCxnSpPr>
+            <p:spPr>
+              <a:xfrm flipV="1">
+                <a:off x="4921953" y="2144888"/>
+                <a:ext cx="0" cy="248355"/>
+              </a:xfrm>
+              <a:prstGeom prst="line">
+                <a:avLst/>
+              </a:prstGeom>
+              <a:ln>
+                <a:solidFill>
+                  <a:schemeClr val="tx1"/>
+                </a:solidFill>
+              </a:ln>
+            </p:spPr>
+            <p:style>
+              <a:lnRef idx="1">
+                <a:schemeClr val="accent1"/>
+              </a:lnRef>
+              <a:fillRef idx="0">
+                <a:schemeClr val="accent1"/>
+              </a:fillRef>
+              <a:effectRef idx="0">
+                <a:schemeClr val="accent1"/>
+              </a:effectRef>
+              <a:fontRef idx="minor">
+                <a:schemeClr val="tx1"/>
+              </a:fontRef>
+            </p:style>
+          </p:cxnSp>
+        </p:grpSp>
+        <p:grpSp>
+          <p:nvGrpSpPr>
+            <p:cNvPr id="48" name="グループ化 47">
+              <a:extLst>
+                <a:ext uri="{FF2B5EF4-FFF2-40B4-BE49-F238E27FC236}">
+                  <a16:creationId xmlns:a16="http://schemas.microsoft.com/office/drawing/2014/main" id="{CDE1661E-E0A7-493D-94EA-FDD5CF1EFB3F}"/>
+                </a:ext>
+              </a:extLst>
+            </p:cNvPr>
+            <p:cNvGrpSpPr/>
+            <p:nvPr/>
+          </p:nvGrpSpPr>
+          <p:grpSpPr>
+            <a:xfrm>
+              <a:off x="6581419" y="1237402"/>
+              <a:ext cx="654755" cy="1151465"/>
+              <a:chOff x="4605867" y="1241778"/>
+              <a:chExt cx="654755" cy="1151465"/>
+            </a:xfrm>
+          </p:grpSpPr>
+          <p:sp>
+            <p:nvSpPr>
+              <p:cNvPr id="49" name="正方形/長方形 48">
+                <a:extLst>
+                  <a:ext uri="{FF2B5EF4-FFF2-40B4-BE49-F238E27FC236}">
+                    <a16:creationId xmlns:a16="http://schemas.microsoft.com/office/drawing/2014/main" id="{C3DFBC27-E53F-4A19-A063-F31529B73BB3}"/>
+                  </a:ext>
+                </a:extLst>
+              </p:cNvPr>
+              <p:cNvSpPr/>
+              <p:nvPr/>
+            </p:nvSpPr>
+            <p:spPr>
+              <a:xfrm>
+                <a:off x="4605867" y="1490133"/>
+                <a:ext cx="654755" cy="654755"/>
+              </a:xfrm>
+              <a:prstGeom prst="rect">
+                <a:avLst/>
+              </a:prstGeom>
+              <a:noFill/>
+              <a:ln>
+                <a:solidFill>
+                  <a:schemeClr val="tx1"/>
+                </a:solidFill>
+              </a:ln>
+            </p:spPr>
+            <p:style>
+              <a:lnRef idx="2">
+                <a:schemeClr val="accent1">
+                  <a:shade val="50000"/>
+                </a:schemeClr>
+              </a:lnRef>
+              <a:fillRef idx="1">
+                <a:schemeClr val="accent1"/>
+              </a:fillRef>
+              <a:effectRef idx="0">
+                <a:schemeClr val="accent1"/>
+              </a:effectRef>
+              <a:fontRef idx="minor">
+                <a:schemeClr val="lt1"/>
+              </a:fontRef>
+            </p:style>
+            <p:txBody>
+              <a:bodyPr rtlCol="0" anchor="ctr"/>
+              <a:lstStyle/>
+              <a:p>
+                <a:pPr algn="ctr"/>
+                <a:endParaRPr kumimoji="1" lang="ja-JP" altLang="en-US"/>
+              </a:p>
+            </p:txBody>
+          </p:sp>
+          <p:cxnSp>
+            <p:nvCxnSpPr>
+              <p:cNvPr id="50" name="直線コネクタ 49">
+                <a:extLst>
+                  <a:ext uri="{FF2B5EF4-FFF2-40B4-BE49-F238E27FC236}">
+                    <a16:creationId xmlns:a16="http://schemas.microsoft.com/office/drawing/2014/main" id="{327680CB-6453-4A4E-82AB-25B843DE96F7}"/>
+                  </a:ext>
+                </a:extLst>
+              </p:cNvPr>
+              <p:cNvCxnSpPr/>
+              <p:nvPr/>
+            </p:nvCxnSpPr>
+            <p:spPr>
+              <a:xfrm flipV="1">
+                <a:off x="4797777" y="1241778"/>
+                <a:ext cx="0" cy="248355"/>
+              </a:xfrm>
+              <a:prstGeom prst="line">
+                <a:avLst/>
+              </a:prstGeom>
+              <a:ln>
+                <a:solidFill>
+                  <a:schemeClr val="tx1"/>
+                </a:solidFill>
+              </a:ln>
+            </p:spPr>
+            <p:style>
+              <a:lnRef idx="1">
+                <a:schemeClr val="accent1"/>
+              </a:lnRef>
+              <a:fillRef idx="0">
+                <a:schemeClr val="accent1"/>
+              </a:fillRef>
+              <a:effectRef idx="0">
+                <a:schemeClr val="accent1"/>
+              </a:effectRef>
+              <a:fontRef idx="minor">
+                <a:schemeClr val="tx1"/>
+              </a:fontRef>
+            </p:style>
+          </p:cxnSp>
+          <p:cxnSp>
+            <p:nvCxnSpPr>
+              <p:cNvPr id="51" name="直線コネクタ 50">
+                <a:extLst>
+                  <a:ext uri="{FF2B5EF4-FFF2-40B4-BE49-F238E27FC236}">
+                    <a16:creationId xmlns:a16="http://schemas.microsoft.com/office/drawing/2014/main" id="{BFC8C094-0190-4163-B1DB-F8D546E849F7}"/>
+                  </a:ext>
+                </a:extLst>
+              </p:cNvPr>
+              <p:cNvCxnSpPr/>
+              <p:nvPr/>
+            </p:nvCxnSpPr>
+            <p:spPr>
+              <a:xfrm flipV="1">
+                <a:off x="5130799" y="1241778"/>
+                <a:ext cx="0" cy="248355"/>
+              </a:xfrm>
+              <a:prstGeom prst="line">
+                <a:avLst/>
+              </a:prstGeom>
+              <a:ln>
+                <a:solidFill>
+                  <a:schemeClr val="tx1"/>
+                </a:solidFill>
+              </a:ln>
+            </p:spPr>
+            <p:style>
+              <a:lnRef idx="1">
+                <a:schemeClr val="accent1"/>
+              </a:lnRef>
+              <a:fillRef idx="0">
+                <a:schemeClr val="accent1"/>
+              </a:fillRef>
+              <a:effectRef idx="0">
+                <a:schemeClr val="accent1"/>
+              </a:effectRef>
+              <a:fontRef idx="minor">
+                <a:schemeClr val="tx1"/>
+              </a:fontRef>
+            </p:style>
+          </p:cxnSp>
+          <mc:AlternateContent xmlns:mc="http://schemas.openxmlformats.org/markup-compatibility/2006">
+            <mc:Choice xmlns:a14="http://schemas.microsoft.com/office/drawing/2010/main" Requires="a14">
+              <p:sp>
+                <p:nvSpPr>
+                  <p:cNvPr id="52" name="テキスト ボックス 51">
+                    <a:extLst>
+                      <a:ext uri="{FF2B5EF4-FFF2-40B4-BE49-F238E27FC236}">
+                        <a16:creationId xmlns:a16="http://schemas.microsoft.com/office/drawing/2014/main" id="{93F4E2D6-121D-44C3-B22D-F908E57BB69C}"/>
+                      </a:ext>
+                    </a:extLst>
+                  </p:cNvPr>
+                  <p:cNvSpPr txBox="1"/>
+                  <p:nvPr/>
+                </p:nvSpPr>
+                <p:spPr>
+                  <a:xfrm>
+                    <a:off x="4697974" y="1461489"/>
+                    <a:ext cx="199606" cy="276999"/>
+                  </a:xfrm>
+                  <a:prstGeom prst="rect">
+                    <a:avLst/>
+                  </a:prstGeom>
+                  <a:noFill/>
+                </p:spPr>
+                <p:txBody>
+                  <a:bodyPr wrap="none" lIns="0" tIns="0" rIns="0" bIns="0" rtlCol="0">
+                    <a:spAutoFit/>
+                  </a:bodyPr>
+                  <a:lstStyle/>
+                  <a:p>
+                    <a14:m>
+                      <m:oMathPara xmlns:m="http://schemas.openxmlformats.org/officeDocument/2006/math">
+                        <m:oMathParaPr>
+                          <m:jc m:val="centerGroup"/>
+                        </m:oMathParaPr>
+                        <m:oMath xmlns:m="http://schemas.openxmlformats.org/officeDocument/2006/math">
+                          <m:r>
+                            <a:rPr kumimoji="1" lang="en-US" altLang="ja-JP" b="0" i="1" smtClean="0">
+                              <a:latin typeface="Cambria Math" panose="02040503050406030204" pitchFamily="18" charset="0"/>
+                            </a:rPr>
+                            <m:t>𝑎</m:t>
+                          </m:r>
+                        </m:oMath>
+                      </m:oMathPara>
+                    </a14:m>
+                    <a:endParaRPr kumimoji="1" lang="ja-JP" altLang="en-US" dirty="0"/>
+                  </a:p>
+                </p:txBody>
+              </p:sp>
+            </mc:Choice>
+            <mc:Fallback>
+              <p:sp>
+                <p:nvSpPr>
+                  <p:cNvPr id="52" name="テキスト ボックス 51">
+                    <a:extLst>
+                      <a:ext uri="{FF2B5EF4-FFF2-40B4-BE49-F238E27FC236}">
+                        <a16:creationId xmlns:a16="http://schemas.microsoft.com/office/drawing/2014/main" id="{93F4E2D6-121D-44C3-B22D-F908E57BB69C}"/>
+                      </a:ext>
+                    </a:extLst>
+                  </p:cNvPr>
+                  <p:cNvSpPr txBox="1">
+                    <a:spLocks noRot="1" noChangeAspect="1" noMove="1" noResize="1" noEditPoints="1" noAdjustHandles="1" noChangeArrowheads="1" noChangeShapeType="1" noTextEdit="1"/>
+                  </p:cNvSpPr>
+                  <p:nvPr/>
+                </p:nvSpPr>
+                <p:spPr>
+                  <a:xfrm>
+                    <a:off x="4697974" y="1461489"/>
+                    <a:ext cx="199606" cy="276999"/>
+                  </a:xfrm>
+                  <a:prstGeom prst="rect">
+                    <a:avLst/>
+                  </a:prstGeom>
+                  <a:blipFill>
+                    <a:blip r:embed="rId18"/>
+                    <a:stretch>
+                      <a:fillRect l="-15625" r="-12500"/>
+                    </a:stretch>
+                  </a:blipFill>
+                </p:spPr>
+                <p:txBody>
+                  <a:bodyPr/>
+                  <a:lstStyle/>
+                  <a:p>
+                    <a:r>
+                      <a:rPr lang="ja-JP" altLang="en-US">
+                        <a:noFill/>
+                      </a:rPr>
+                      <a:t> </a:t>
+                    </a:r>
+                  </a:p>
+                </p:txBody>
+              </p:sp>
+            </mc:Fallback>
+          </mc:AlternateContent>
+          <mc:AlternateContent xmlns:mc="http://schemas.openxmlformats.org/markup-compatibility/2006">
+            <mc:Choice xmlns:a14="http://schemas.microsoft.com/office/drawing/2010/main" Requires="a14">
+              <p:sp>
+                <p:nvSpPr>
+                  <p:cNvPr id="53" name="テキスト ボックス 52">
+                    <a:extLst>
+                      <a:ext uri="{FF2B5EF4-FFF2-40B4-BE49-F238E27FC236}">
+                        <a16:creationId xmlns:a16="http://schemas.microsoft.com/office/drawing/2014/main" id="{47C8D55E-0BD1-4889-B238-36D99C1D3005}"/>
+                      </a:ext>
+                    </a:extLst>
+                  </p:cNvPr>
+                  <p:cNvSpPr txBox="1"/>
+                  <p:nvPr/>
+                </p:nvSpPr>
+                <p:spPr>
+                  <a:xfrm>
+                    <a:off x="5030996" y="1461488"/>
+                    <a:ext cx="199606" cy="276999"/>
+                  </a:xfrm>
+                  <a:prstGeom prst="rect">
+                    <a:avLst/>
+                  </a:prstGeom>
+                  <a:noFill/>
+                </p:spPr>
+                <p:txBody>
+                  <a:bodyPr wrap="none" lIns="0" tIns="0" rIns="0" bIns="0" rtlCol="0">
+                    <a:spAutoFit/>
+                  </a:bodyPr>
+                  <a:lstStyle/>
+                  <a:p>
+                    <a14:m>
+                      <m:oMathPara xmlns:m="http://schemas.openxmlformats.org/officeDocument/2006/math">
+                        <m:oMathParaPr>
+                          <m:jc m:val="centerGroup"/>
+                        </m:oMathParaPr>
+                        <m:oMath xmlns:m="http://schemas.openxmlformats.org/officeDocument/2006/math">
+                          <m:r>
+                            <a:rPr kumimoji="1" lang="en-US" altLang="ja-JP" b="0" i="1" smtClean="0">
+                              <a:latin typeface="Cambria Math" panose="02040503050406030204" pitchFamily="18" charset="0"/>
+                            </a:rPr>
+                            <m:t>𝑏</m:t>
+                          </m:r>
+                        </m:oMath>
+                      </m:oMathPara>
+                    </a14:m>
+                    <a:endParaRPr kumimoji="1" lang="ja-JP" altLang="en-US" dirty="0"/>
+                  </a:p>
+                </p:txBody>
+              </p:sp>
+            </mc:Choice>
+            <mc:Fallback>
+              <p:sp>
+                <p:nvSpPr>
+                  <p:cNvPr id="53" name="テキスト ボックス 52">
+                    <a:extLst>
+                      <a:ext uri="{FF2B5EF4-FFF2-40B4-BE49-F238E27FC236}">
+                        <a16:creationId xmlns:a16="http://schemas.microsoft.com/office/drawing/2014/main" id="{47C8D55E-0BD1-4889-B238-36D99C1D3005}"/>
+                      </a:ext>
+                    </a:extLst>
+                  </p:cNvPr>
+                  <p:cNvSpPr txBox="1">
+                    <a:spLocks noRot="1" noChangeAspect="1" noMove="1" noResize="1" noEditPoints="1" noAdjustHandles="1" noChangeArrowheads="1" noChangeShapeType="1" noTextEdit="1"/>
+                  </p:cNvSpPr>
+                  <p:nvPr/>
+                </p:nvSpPr>
+                <p:spPr>
+                  <a:xfrm>
+                    <a:off x="5030996" y="1461488"/>
+                    <a:ext cx="199606" cy="276999"/>
+                  </a:xfrm>
+                  <a:prstGeom prst="rect">
+                    <a:avLst/>
+                  </a:prstGeom>
+                  <a:blipFill>
+                    <a:blip r:embed="rId19"/>
+                    <a:stretch>
+                      <a:fillRect l="-24242" r="-21212" b="-8889"/>
+                    </a:stretch>
+                  </a:blipFill>
+                </p:spPr>
+                <p:txBody>
+                  <a:bodyPr/>
+                  <a:lstStyle/>
+                  <a:p>
+                    <a:r>
+                      <a:rPr lang="ja-JP" altLang="en-US">
+                        <a:noFill/>
+                      </a:rPr>
+                      <a:t> </a:t>
+                    </a:r>
+                  </a:p>
+                </p:txBody>
+              </p:sp>
+            </mc:Fallback>
+          </mc:AlternateContent>
+          <p:cxnSp>
+            <p:nvCxnSpPr>
+              <p:cNvPr id="55" name="直線コネクタ 54">
+                <a:extLst>
+                  <a:ext uri="{FF2B5EF4-FFF2-40B4-BE49-F238E27FC236}">
+                    <a16:creationId xmlns:a16="http://schemas.microsoft.com/office/drawing/2014/main" id="{473320C0-DF15-4A92-9519-1298BDB58B9D}"/>
+                  </a:ext>
+                </a:extLst>
+              </p:cNvPr>
+              <p:cNvCxnSpPr/>
+              <p:nvPr/>
+            </p:nvCxnSpPr>
+            <p:spPr>
+              <a:xfrm flipV="1">
+                <a:off x="4921953" y="2144888"/>
+                <a:ext cx="0" cy="248355"/>
+              </a:xfrm>
+              <a:prstGeom prst="line">
+                <a:avLst/>
+              </a:prstGeom>
+              <a:ln>
+                <a:solidFill>
+                  <a:schemeClr val="tx1"/>
+                </a:solidFill>
+              </a:ln>
+            </p:spPr>
+            <p:style>
+              <a:lnRef idx="1">
+                <a:schemeClr val="accent1"/>
+              </a:lnRef>
+              <a:fillRef idx="0">
+                <a:schemeClr val="accent1"/>
+              </a:fillRef>
+              <a:effectRef idx="0">
+                <a:schemeClr val="accent1"/>
+              </a:effectRef>
+              <a:fontRef idx="minor">
+                <a:schemeClr val="tx1"/>
+              </a:fontRef>
+            </p:style>
+          </p:cxnSp>
+        </p:grpSp>
+        <p:grpSp>
+          <p:nvGrpSpPr>
+            <p:cNvPr id="58" name="グループ化 57">
+              <a:extLst>
+                <a:ext uri="{FF2B5EF4-FFF2-40B4-BE49-F238E27FC236}">
+                  <a16:creationId xmlns:a16="http://schemas.microsoft.com/office/drawing/2014/main" id="{161A77F3-31F1-48B4-A2B3-0B672D410D9F}"/>
+                </a:ext>
+              </a:extLst>
+            </p:cNvPr>
+            <p:cNvGrpSpPr/>
+            <p:nvPr/>
+          </p:nvGrpSpPr>
+          <p:grpSpPr>
+            <a:xfrm>
+              <a:off x="7569195" y="1235214"/>
+              <a:ext cx="654755" cy="1151465"/>
+              <a:chOff x="4605867" y="1241778"/>
+              <a:chExt cx="654755" cy="1151465"/>
+            </a:xfrm>
+          </p:grpSpPr>
+          <p:sp>
+            <p:nvSpPr>
+              <p:cNvPr id="59" name="正方形/長方形 58">
+                <a:extLst>
+                  <a:ext uri="{FF2B5EF4-FFF2-40B4-BE49-F238E27FC236}">
+                    <a16:creationId xmlns:a16="http://schemas.microsoft.com/office/drawing/2014/main" id="{949B84A8-70E2-47DD-9374-EA015B43EDA0}"/>
+                  </a:ext>
+                </a:extLst>
+              </p:cNvPr>
+              <p:cNvSpPr/>
+              <p:nvPr/>
+            </p:nvSpPr>
+            <p:spPr>
+              <a:xfrm>
+                <a:off x="4605867" y="1490133"/>
+                <a:ext cx="654755" cy="654755"/>
+              </a:xfrm>
+              <a:prstGeom prst="rect">
+                <a:avLst/>
+              </a:prstGeom>
+              <a:noFill/>
+              <a:ln>
+                <a:solidFill>
+                  <a:schemeClr val="tx1"/>
+                </a:solidFill>
+              </a:ln>
+            </p:spPr>
+            <p:style>
+              <a:lnRef idx="2">
+                <a:schemeClr val="accent1">
+                  <a:shade val="50000"/>
+                </a:schemeClr>
+              </a:lnRef>
+              <a:fillRef idx="1">
+                <a:schemeClr val="accent1"/>
+              </a:fillRef>
+              <a:effectRef idx="0">
+                <a:schemeClr val="accent1"/>
+              </a:effectRef>
+              <a:fontRef idx="minor">
+                <a:schemeClr val="lt1"/>
+              </a:fontRef>
+            </p:style>
+            <p:txBody>
+              <a:bodyPr rtlCol="0" anchor="ctr"/>
+              <a:lstStyle/>
+              <a:p>
+                <a:pPr algn="ctr"/>
+                <a:endParaRPr kumimoji="1" lang="ja-JP" altLang="en-US"/>
+              </a:p>
+            </p:txBody>
+          </p:sp>
+          <p:cxnSp>
+            <p:nvCxnSpPr>
+              <p:cNvPr id="60" name="直線コネクタ 59">
+                <a:extLst>
+                  <a:ext uri="{FF2B5EF4-FFF2-40B4-BE49-F238E27FC236}">
+                    <a16:creationId xmlns:a16="http://schemas.microsoft.com/office/drawing/2014/main" id="{7DF835C5-EDEE-4FA9-B40F-A1F8ACFB54F0}"/>
+                  </a:ext>
+                </a:extLst>
+              </p:cNvPr>
+              <p:cNvCxnSpPr/>
+              <p:nvPr/>
+            </p:nvCxnSpPr>
+            <p:spPr>
+              <a:xfrm flipV="1">
+                <a:off x="4797777" y="1241778"/>
+                <a:ext cx="0" cy="248355"/>
+              </a:xfrm>
+              <a:prstGeom prst="line">
+                <a:avLst/>
+              </a:prstGeom>
+              <a:ln>
+                <a:solidFill>
+                  <a:schemeClr val="tx1"/>
+                </a:solidFill>
+              </a:ln>
+            </p:spPr>
+            <p:style>
+              <a:lnRef idx="1">
+                <a:schemeClr val="accent1"/>
+              </a:lnRef>
+              <a:fillRef idx="0">
+                <a:schemeClr val="accent1"/>
+              </a:fillRef>
+              <a:effectRef idx="0">
+                <a:schemeClr val="accent1"/>
+              </a:effectRef>
+              <a:fontRef idx="minor">
+                <a:schemeClr val="tx1"/>
+              </a:fontRef>
+            </p:style>
+          </p:cxnSp>
+          <p:cxnSp>
+            <p:nvCxnSpPr>
+              <p:cNvPr id="61" name="直線コネクタ 60">
+                <a:extLst>
+                  <a:ext uri="{FF2B5EF4-FFF2-40B4-BE49-F238E27FC236}">
+                    <a16:creationId xmlns:a16="http://schemas.microsoft.com/office/drawing/2014/main" id="{6952DAC3-C9B3-446E-AC54-66588CFB7A9F}"/>
+                  </a:ext>
+                </a:extLst>
+              </p:cNvPr>
+              <p:cNvCxnSpPr/>
+              <p:nvPr/>
+            </p:nvCxnSpPr>
+            <p:spPr>
+              <a:xfrm flipV="1">
+                <a:off x="5130799" y="1241778"/>
+                <a:ext cx="0" cy="248355"/>
+              </a:xfrm>
+              <a:prstGeom prst="line">
+                <a:avLst/>
+              </a:prstGeom>
+              <a:ln>
+                <a:solidFill>
+                  <a:schemeClr val="tx1"/>
+                </a:solidFill>
+              </a:ln>
+            </p:spPr>
+            <p:style>
+              <a:lnRef idx="1">
+                <a:schemeClr val="accent1"/>
+              </a:lnRef>
+              <a:fillRef idx="0">
+                <a:schemeClr val="accent1"/>
+              </a:fillRef>
+              <a:effectRef idx="0">
+                <a:schemeClr val="accent1"/>
+              </a:effectRef>
+              <a:fontRef idx="minor">
+                <a:schemeClr val="tx1"/>
+              </a:fontRef>
+            </p:style>
+          </p:cxnSp>
+          <mc:AlternateContent xmlns:mc="http://schemas.openxmlformats.org/markup-compatibility/2006">
+            <mc:Choice xmlns:a14="http://schemas.microsoft.com/office/drawing/2010/main" Requires="a14">
+              <p:sp>
+                <p:nvSpPr>
+                  <p:cNvPr id="62" name="テキスト ボックス 61">
+                    <a:extLst>
+                      <a:ext uri="{FF2B5EF4-FFF2-40B4-BE49-F238E27FC236}">
+                        <a16:creationId xmlns:a16="http://schemas.microsoft.com/office/drawing/2014/main" id="{115CA2C1-7110-44F3-AE85-88A8B06174FB}"/>
+                      </a:ext>
+                    </a:extLst>
+                  </p:cNvPr>
+                  <p:cNvSpPr txBox="1"/>
+                  <p:nvPr/>
+                </p:nvSpPr>
+                <p:spPr>
+                  <a:xfrm>
+                    <a:off x="4697974" y="1461489"/>
+                    <a:ext cx="199606" cy="276999"/>
+                  </a:xfrm>
+                  <a:prstGeom prst="rect">
+                    <a:avLst/>
+                  </a:prstGeom>
+                  <a:noFill/>
+                </p:spPr>
+                <p:txBody>
+                  <a:bodyPr wrap="none" lIns="0" tIns="0" rIns="0" bIns="0" rtlCol="0">
+                    <a:spAutoFit/>
+                  </a:bodyPr>
+                  <a:lstStyle/>
+                  <a:p>
+                    <a14:m>
+                      <m:oMathPara xmlns:m="http://schemas.openxmlformats.org/officeDocument/2006/math">
+                        <m:oMathParaPr>
+                          <m:jc m:val="centerGroup"/>
+                        </m:oMathParaPr>
+                        <m:oMath xmlns:m="http://schemas.openxmlformats.org/officeDocument/2006/math">
+                          <m:r>
+                            <a:rPr kumimoji="1" lang="en-US" altLang="ja-JP" b="0" i="1" smtClean="0">
+                              <a:latin typeface="Cambria Math" panose="02040503050406030204" pitchFamily="18" charset="0"/>
+                            </a:rPr>
+                            <m:t>𝑎</m:t>
+                          </m:r>
+                        </m:oMath>
+                      </m:oMathPara>
+                    </a14:m>
+                    <a:endParaRPr kumimoji="1" lang="ja-JP" altLang="en-US" dirty="0"/>
+                  </a:p>
+                </p:txBody>
+              </p:sp>
+            </mc:Choice>
+            <mc:Fallback>
+              <p:sp>
+                <p:nvSpPr>
+                  <p:cNvPr id="62" name="テキスト ボックス 61">
+                    <a:extLst>
+                      <a:ext uri="{FF2B5EF4-FFF2-40B4-BE49-F238E27FC236}">
+                        <a16:creationId xmlns:a16="http://schemas.microsoft.com/office/drawing/2014/main" id="{115CA2C1-7110-44F3-AE85-88A8B06174FB}"/>
+                      </a:ext>
+                    </a:extLst>
+                  </p:cNvPr>
+                  <p:cNvSpPr txBox="1">
+                    <a:spLocks noRot="1" noChangeAspect="1" noMove="1" noResize="1" noEditPoints="1" noAdjustHandles="1" noChangeArrowheads="1" noChangeShapeType="1" noTextEdit="1"/>
+                  </p:cNvSpPr>
+                  <p:nvPr/>
+                </p:nvSpPr>
+                <p:spPr>
+                  <a:xfrm>
+                    <a:off x="4697974" y="1461489"/>
+                    <a:ext cx="199606" cy="276999"/>
+                  </a:xfrm>
+                  <a:prstGeom prst="rect">
+                    <a:avLst/>
+                  </a:prstGeom>
+                  <a:blipFill>
+                    <a:blip r:embed="rId20"/>
+                    <a:stretch>
+                      <a:fillRect l="-15152" r="-9091"/>
+                    </a:stretch>
+                  </a:blipFill>
+                </p:spPr>
+                <p:txBody>
+                  <a:bodyPr/>
+                  <a:lstStyle/>
+                  <a:p>
+                    <a:r>
+                      <a:rPr lang="ja-JP" altLang="en-US">
+                        <a:noFill/>
+                      </a:rPr>
+                      <a:t> </a:t>
+                    </a:r>
+                  </a:p>
+                </p:txBody>
+              </p:sp>
+            </mc:Fallback>
+          </mc:AlternateContent>
+          <mc:AlternateContent xmlns:mc="http://schemas.openxmlformats.org/markup-compatibility/2006">
+            <mc:Choice xmlns:a14="http://schemas.microsoft.com/office/drawing/2010/main" Requires="a14">
+              <p:sp>
+                <p:nvSpPr>
+                  <p:cNvPr id="63" name="テキスト ボックス 62">
+                    <a:extLst>
+                      <a:ext uri="{FF2B5EF4-FFF2-40B4-BE49-F238E27FC236}">
+                        <a16:creationId xmlns:a16="http://schemas.microsoft.com/office/drawing/2014/main" id="{51CBBAB2-C33C-492F-92C8-B35A6BC463CF}"/>
+                      </a:ext>
+                    </a:extLst>
+                  </p:cNvPr>
+                  <p:cNvSpPr txBox="1"/>
+                  <p:nvPr/>
+                </p:nvSpPr>
+                <p:spPr>
+                  <a:xfrm>
+                    <a:off x="5030996" y="1461488"/>
+                    <a:ext cx="199606" cy="276999"/>
+                  </a:xfrm>
+                  <a:prstGeom prst="rect">
+                    <a:avLst/>
+                  </a:prstGeom>
+                  <a:noFill/>
+                </p:spPr>
+                <p:txBody>
+                  <a:bodyPr wrap="none" lIns="0" tIns="0" rIns="0" bIns="0" rtlCol="0">
+                    <a:spAutoFit/>
+                  </a:bodyPr>
+                  <a:lstStyle/>
+                  <a:p>
+                    <a14:m>
+                      <m:oMathPara xmlns:m="http://schemas.openxmlformats.org/officeDocument/2006/math">
+                        <m:oMathParaPr>
+                          <m:jc m:val="centerGroup"/>
+                        </m:oMathParaPr>
+                        <m:oMath xmlns:m="http://schemas.openxmlformats.org/officeDocument/2006/math">
+                          <m:r>
+                            <a:rPr kumimoji="1" lang="en-US" altLang="ja-JP" b="0" i="1" smtClean="0">
+                              <a:latin typeface="Cambria Math" panose="02040503050406030204" pitchFamily="18" charset="0"/>
+                            </a:rPr>
+                            <m:t>𝑏</m:t>
+                          </m:r>
+                        </m:oMath>
+                      </m:oMathPara>
+                    </a14:m>
+                    <a:endParaRPr kumimoji="1" lang="ja-JP" altLang="en-US" dirty="0"/>
+                  </a:p>
+                </p:txBody>
+              </p:sp>
+            </mc:Choice>
+            <mc:Fallback>
+              <p:sp>
+                <p:nvSpPr>
+                  <p:cNvPr id="63" name="テキスト ボックス 62">
+                    <a:extLst>
+                      <a:ext uri="{FF2B5EF4-FFF2-40B4-BE49-F238E27FC236}">
+                        <a16:creationId xmlns:a16="http://schemas.microsoft.com/office/drawing/2014/main" id="{51CBBAB2-C33C-492F-92C8-B35A6BC463CF}"/>
+                      </a:ext>
+                    </a:extLst>
+                  </p:cNvPr>
+                  <p:cNvSpPr txBox="1">
+                    <a:spLocks noRot="1" noChangeAspect="1" noMove="1" noResize="1" noEditPoints="1" noAdjustHandles="1" noChangeArrowheads="1" noChangeShapeType="1" noTextEdit="1"/>
+                  </p:cNvSpPr>
+                  <p:nvPr/>
+                </p:nvSpPr>
+                <p:spPr>
+                  <a:xfrm>
+                    <a:off x="5030996" y="1461488"/>
+                    <a:ext cx="199606" cy="276999"/>
+                  </a:xfrm>
+                  <a:prstGeom prst="rect">
+                    <a:avLst/>
+                  </a:prstGeom>
+                  <a:blipFill>
+                    <a:blip r:embed="rId21"/>
+                    <a:stretch>
+                      <a:fillRect l="-24242" r="-21212" b="-8889"/>
+                    </a:stretch>
+                  </a:blipFill>
+                </p:spPr>
+                <p:txBody>
+                  <a:bodyPr/>
+                  <a:lstStyle/>
+                  <a:p>
+                    <a:r>
+                      <a:rPr lang="ja-JP" altLang="en-US">
+                        <a:noFill/>
+                      </a:rPr>
+                      <a:t> </a:t>
+                    </a:r>
+                  </a:p>
+                </p:txBody>
+              </p:sp>
+            </mc:Fallback>
+          </mc:AlternateContent>
+          <p:cxnSp>
+            <p:nvCxnSpPr>
+              <p:cNvPr id="65" name="直線コネクタ 64">
+                <a:extLst>
+                  <a:ext uri="{FF2B5EF4-FFF2-40B4-BE49-F238E27FC236}">
+                    <a16:creationId xmlns:a16="http://schemas.microsoft.com/office/drawing/2014/main" id="{C3037EEF-9CE5-4AF8-AED6-851630044CD3}"/>
+                  </a:ext>
+                </a:extLst>
+              </p:cNvPr>
+              <p:cNvCxnSpPr/>
+              <p:nvPr/>
+            </p:nvCxnSpPr>
+            <p:spPr>
+              <a:xfrm flipV="1">
+                <a:off x="4921953" y="2144888"/>
+                <a:ext cx="0" cy="248355"/>
+              </a:xfrm>
+              <a:prstGeom prst="line">
+                <a:avLst/>
+              </a:prstGeom>
+              <a:ln>
+                <a:solidFill>
+                  <a:schemeClr val="tx1"/>
+                </a:solidFill>
+              </a:ln>
+            </p:spPr>
+            <p:style>
+              <a:lnRef idx="1">
+                <a:schemeClr val="accent1"/>
+              </a:lnRef>
+              <a:fillRef idx="0">
+                <a:schemeClr val="accent1"/>
+              </a:fillRef>
+              <a:effectRef idx="0">
+                <a:schemeClr val="accent1"/>
+              </a:effectRef>
+              <a:fontRef idx="minor">
+                <a:schemeClr val="tx1"/>
+              </a:fontRef>
+            </p:style>
+          </p:cxnSp>
+        </p:grpSp>
+        <p:cxnSp>
+          <p:nvCxnSpPr>
+            <p:cNvPr id="72" name="直線コネクタ 71">
+              <a:extLst>
+                <a:ext uri="{FF2B5EF4-FFF2-40B4-BE49-F238E27FC236}">
+                  <a16:creationId xmlns:a16="http://schemas.microsoft.com/office/drawing/2014/main" id="{CFCF0D79-1369-40BB-88B6-A6674A90B47D}"/>
+                </a:ext>
+              </a:extLst>
+            </p:cNvPr>
+            <p:cNvCxnSpPr>
+              <a:cxnSpLocks/>
+              <a:stCxn id="4" idx="3"/>
+              <a:endCxn id="39" idx="1"/>
+            </p:cNvCxnSpPr>
+            <p:nvPr/>
+          </p:nvCxnSpPr>
+          <p:spPr>
+            <a:xfrm flipV="1">
+              <a:off x="5260622" y="1815323"/>
+              <a:ext cx="333021" cy="2188"/>
+            </a:xfrm>
+            <a:prstGeom prst="line">
+              <a:avLst/>
+            </a:prstGeom>
+            <a:ln>
+              <a:solidFill>
+                <a:schemeClr val="tx1"/>
+              </a:solidFill>
+            </a:ln>
+          </p:spPr>
+          <p:style>
+            <a:lnRef idx="1">
+              <a:schemeClr val="accent1"/>
+            </a:lnRef>
+            <a:fillRef idx="0">
+              <a:schemeClr val="accent1"/>
+            </a:fillRef>
+            <a:effectRef idx="0">
+              <a:schemeClr val="accent1"/>
+            </a:effectRef>
+            <a:fontRef idx="minor">
+              <a:schemeClr val="tx1"/>
+            </a:fontRef>
+          </p:style>
+        </p:cxnSp>
+        <p:cxnSp>
+          <p:nvCxnSpPr>
+            <p:cNvPr id="73" name="直線コネクタ 72">
+              <a:extLst>
+                <a:ext uri="{FF2B5EF4-FFF2-40B4-BE49-F238E27FC236}">
+                  <a16:creationId xmlns:a16="http://schemas.microsoft.com/office/drawing/2014/main" id="{3336D87D-EC42-499F-BA1C-412951BC5F58}"/>
+                </a:ext>
+              </a:extLst>
+            </p:cNvPr>
+            <p:cNvCxnSpPr/>
+            <p:nvPr/>
+          </p:nvCxnSpPr>
+          <p:spPr>
+            <a:xfrm flipV="1">
+              <a:off x="6253393" y="1808759"/>
+              <a:ext cx="333021" cy="2188"/>
+            </a:xfrm>
+            <a:prstGeom prst="line">
+              <a:avLst/>
+            </a:prstGeom>
+            <a:ln>
+              <a:solidFill>
+                <a:schemeClr val="tx1"/>
+              </a:solidFill>
+            </a:ln>
+          </p:spPr>
+          <p:style>
+            <a:lnRef idx="1">
+              <a:schemeClr val="accent1"/>
+            </a:lnRef>
+            <a:fillRef idx="0">
+              <a:schemeClr val="accent1"/>
+            </a:fillRef>
+            <a:effectRef idx="0">
+              <a:schemeClr val="accent1"/>
+            </a:effectRef>
+            <a:fontRef idx="minor">
+              <a:schemeClr val="tx1"/>
+            </a:fontRef>
+          </p:style>
+        </p:cxnSp>
+        <p:cxnSp>
+          <p:nvCxnSpPr>
+            <p:cNvPr id="74" name="直線コネクタ 73">
+              <a:extLst>
+                <a:ext uri="{FF2B5EF4-FFF2-40B4-BE49-F238E27FC236}">
+                  <a16:creationId xmlns:a16="http://schemas.microsoft.com/office/drawing/2014/main" id="{81A72B20-B60A-496C-A383-0AD100082729}"/>
+                </a:ext>
+              </a:extLst>
+            </p:cNvPr>
+            <p:cNvCxnSpPr/>
+            <p:nvPr/>
+          </p:nvCxnSpPr>
+          <p:spPr>
+            <a:xfrm flipV="1">
+              <a:off x="7246164" y="1802195"/>
+              <a:ext cx="333021" cy="2188"/>
+            </a:xfrm>
+            <a:prstGeom prst="line">
+              <a:avLst/>
+            </a:prstGeom>
+            <a:ln>
+              <a:solidFill>
+                <a:schemeClr val="tx1"/>
+              </a:solidFill>
+            </a:ln>
+          </p:spPr>
+          <p:style>
+            <a:lnRef idx="1">
+              <a:schemeClr val="accent1"/>
+            </a:lnRef>
+            <a:fillRef idx="0">
+              <a:schemeClr val="accent1"/>
+            </a:fillRef>
+            <a:effectRef idx="0">
+              <a:schemeClr val="accent1"/>
+            </a:effectRef>
+            <a:fontRef idx="minor">
+              <a:schemeClr val="tx1"/>
+            </a:fontRef>
+          </p:style>
+        </p:cxnSp>
+        <p:cxnSp>
+          <p:nvCxnSpPr>
+            <p:cNvPr id="75" name="直線コネクタ 74">
+              <a:extLst>
+                <a:ext uri="{FF2B5EF4-FFF2-40B4-BE49-F238E27FC236}">
+                  <a16:creationId xmlns:a16="http://schemas.microsoft.com/office/drawing/2014/main" id="{F0BA8A1D-CD56-4DED-94F1-E3E5B506472D}"/>
+                </a:ext>
+              </a:extLst>
+            </p:cNvPr>
+            <p:cNvCxnSpPr/>
+            <p:nvPr/>
+          </p:nvCxnSpPr>
+          <p:spPr>
+            <a:xfrm flipV="1">
+              <a:off x="8238935" y="1795631"/>
+              <a:ext cx="333021" cy="2188"/>
+            </a:xfrm>
+            <a:prstGeom prst="line">
+              <a:avLst/>
+            </a:prstGeom>
+            <a:ln>
+              <a:solidFill>
+                <a:schemeClr val="tx1"/>
+              </a:solidFill>
+            </a:ln>
+          </p:spPr>
+          <p:style>
+            <a:lnRef idx="1">
+              <a:schemeClr val="accent1"/>
+            </a:lnRef>
+            <a:fillRef idx="0">
+              <a:schemeClr val="accent1"/>
+            </a:fillRef>
+            <a:effectRef idx="0">
+              <a:schemeClr val="accent1"/>
+            </a:effectRef>
+            <a:fontRef idx="minor">
+              <a:schemeClr val="tx1"/>
+            </a:fontRef>
+          </p:style>
+        </p:cxnSp>
+        <p:cxnSp>
+          <p:nvCxnSpPr>
+            <p:cNvPr id="76" name="直線コネクタ 75">
+              <a:extLst>
+                <a:ext uri="{FF2B5EF4-FFF2-40B4-BE49-F238E27FC236}">
+                  <a16:creationId xmlns:a16="http://schemas.microsoft.com/office/drawing/2014/main" id="{5BE5B2E3-D0EE-4D0B-A384-620652AD4857}"/>
+                </a:ext>
+              </a:extLst>
+            </p:cNvPr>
+            <p:cNvCxnSpPr>
+              <a:cxnSpLocks/>
+            </p:cNvCxnSpPr>
+            <p:nvPr/>
+          </p:nvCxnSpPr>
+          <p:spPr>
+            <a:xfrm flipV="1">
+              <a:off x="4257836" y="1814228"/>
+              <a:ext cx="333021" cy="2188"/>
+            </a:xfrm>
+            <a:prstGeom prst="line">
+              <a:avLst/>
+            </a:prstGeom>
+            <a:ln>
+              <a:solidFill>
+                <a:schemeClr val="tx1"/>
+              </a:solidFill>
+            </a:ln>
+          </p:spPr>
+          <p:style>
+            <a:lnRef idx="1">
+              <a:schemeClr val="accent1"/>
+            </a:lnRef>
+            <a:fillRef idx="0">
+              <a:schemeClr val="accent1"/>
+            </a:fillRef>
+            <a:effectRef idx="0">
+              <a:schemeClr val="accent1"/>
+            </a:effectRef>
+            <a:fontRef idx="minor">
+              <a:schemeClr val="tx1"/>
+            </a:fontRef>
+          </p:style>
+        </p:cxnSp>
+        <mc:AlternateContent xmlns:mc="http://schemas.openxmlformats.org/markup-compatibility/2006">
+          <mc:Choice xmlns:a14="http://schemas.microsoft.com/office/drawing/2010/main" Requires="a14">
+            <p:sp>
+              <p:nvSpPr>
+                <p:cNvPr id="78" name="テキスト ボックス 77">
+                  <a:extLst>
+                    <a:ext uri="{FF2B5EF4-FFF2-40B4-BE49-F238E27FC236}">
+                      <a16:creationId xmlns:a16="http://schemas.microsoft.com/office/drawing/2014/main" id="{3F3CAFBE-10B5-41C8-BF7D-484453D3A0E6}"/>
+                    </a:ext>
+                  </a:extLst>
+                </p:cNvPr>
+                <p:cNvSpPr txBox="1"/>
+                <p:nvPr/>
+              </p:nvSpPr>
+              <p:spPr>
+                <a:xfrm>
+                  <a:off x="7515137" y="932960"/>
+                  <a:ext cx="478913" cy="369332"/>
+                </a:xfrm>
+                <a:prstGeom prst="rect">
+                  <a:avLst/>
+                </a:prstGeom>
+                <a:noFill/>
+              </p:spPr>
+              <p:txBody>
+                <a:bodyPr wrap="none" rtlCol="0">
+                  <a:spAutoFit/>
+                </a:bodyPr>
+                <a:lstStyle/>
+                <a:p>
+                  <a14:m>
+                    <m:oMathPara xmlns:m="http://schemas.openxmlformats.org/officeDocument/2006/math">
+                      <m:oMathParaPr>
+                        <m:jc m:val="centerGroup"/>
+                      </m:oMathParaPr>
+                      <m:oMath xmlns:m="http://schemas.openxmlformats.org/officeDocument/2006/math">
+                        <m:sSub>
+                          <m:sSubPr>
+                            <m:ctrlPr>
+                              <a:rPr kumimoji="1" lang="en-US" altLang="ja-JP" b="0" i="1" smtClean="0">
+                                <a:latin typeface="Cambria Math" panose="02040503050406030204" pitchFamily="18" charset="0"/>
+                              </a:rPr>
+                            </m:ctrlPr>
+                          </m:sSubPr>
+                          <m:e>
+                            <m:r>
+                              <a:rPr kumimoji="1" lang="en-US" altLang="ja-JP" b="0" i="1" smtClean="0">
+                                <a:latin typeface="Cambria Math" panose="02040503050406030204" pitchFamily="18" charset="0"/>
+                              </a:rPr>
+                              <m:t>𝑥</m:t>
+                            </m:r>
+                          </m:e>
+                          <m:sub>
+                            <m:r>
+                              <a:rPr kumimoji="1" lang="en-US" altLang="ja-JP" b="0" i="1" smtClean="0">
+                                <a:latin typeface="Cambria Math" panose="02040503050406030204" pitchFamily="18" charset="0"/>
+                              </a:rPr>
+                              <m:t>0</m:t>
+                            </m:r>
+                          </m:sub>
+                        </m:sSub>
+                      </m:oMath>
+                    </m:oMathPara>
+                  </a14:m>
+                  <a:endParaRPr kumimoji="1" lang="ja-JP" altLang="en-US" dirty="0"/>
+                </a:p>
+              </p:txBody>
+            </p:sp>
+          </mc:Choice>
+          <mc:Fallback>
+            <p:sp>
+              <p:nvSpPr>
+                <p:cNvPr id="78" name="テキスト ボックス 77">
+                  <a:extLst>
+                    <a:ext uri="{FF2B5EF4-FFF2-40B4-BE49-F238E27FC236}">
+                      <a16:creationId xmlns:a16="http://schemas.microsoft.com/office/drawing/2014/main" id="{3F3CAFBE-10B5-41C8-BF7D-484453D3A0E6}"/>
+                    </a:ext>
+                  </a:extLst>
+                </p:cNvPr>
+                <p:cNvSpPr txBox="1">
+                  <a:spLocks noRot="1" noChangeAspect="1" noMove="1" noResize="1" noEditPoints="1" noAdjustHandles="1" noChangeArrowheads="1" noChangeShapeType="1" noTextEdit="1"/>
+                </p:cNvSpPr>
+                <p:nvPr/>
+              </p:nvSpPr>
+              <p:spPr>
+                <a:xfrm>
+                  <a:off x="7515137" y="932960"/>
+                  <a:ext cx="478913" cy="369332"/>
+                </a:xfrm>
+                <a:prstGeom prst="rect">
+                  <a:avLst/>
+                </a:prstGeom>
+                <a:blipFill>
+                  <a:blip r:embed="rId22"/>
+                  <a:stretch>
+                    <a:fillRect/>
+                  </a:stretch>
+                </a:blipFill>
+              </p:spPr>
+              <p:txBody>
+                <a:bodyPr/>
+                <a:lstStyle/>
+                <a:p>
+                  <a:r>
+                    <a:rPr lang="ja-JP" altLang="en-US">
+                      <a:noFill/>
+                    </a:rPr>
+                    <a:t> </a:t>
+                  </a:r>
+                </a:p>
+              </p:txBody>
+            </p:sp>
+          </mc:Fallback>
+        </mc:AlternateContent>
+        <mc:AlternateContent xmlns:mc="http://schemas.openxmlformats.org/markup-compatibility/2006">
+          <mc:Choice xmlns:a14="http://schemas.microsoft.com/office/drawing/2010/main" Requires="a14">
+            <p:sp>
+              <p:nvSpPr>
+                <p:cNvPr id="80" name="テキスト ボックス 79">
+                  <a:extLst>
+                    <a:ext uri="{FF2B5EF4-FFF2-40B4-BE49-F238E27FC236}">
+                      <a16:creationId xmlns:a16="http://schemas.microsoft.com/office/drawing/2014/main" id="{BD7365A1-C841-49E4-8FEB-3CB8F3E8067D}"/>
+                    </a:ext>
+                  </a:extLst>
+                </p:cNvPr>
+                <p:cNvSpPr txBox="1"/>
+                <p:nvPr/>
+              </p:nvSpPr>
+              <p:spPr>
+                <a:xfrm>
+                  <a:off x="6534613" y="932960"/>
+                  <a:ext cx="478913" cy="369332"/>
+                </a:xfrm>
+                <a:prstGeom prst="rect">
+                  <a:avLst/>
+                </a:prstGeom>
+                <a:noFill/>
+              </p:spPr>
+              <p:txBody>
+                <a:bodyPr wrap="none" rtlCol="0">
+                  <a:spAutoFit/>
+                </a:bodyPr>
+                <a:lstStyle/>
+                <a:p>
+                  <a14:m>
+                    <m:oMathPara xmlns:m="http://schemas.openxmlformats.org/officeDocument/2006/math">
+                      <m:oMathParaPr>
+                        <m:jc m:val="centerGroup"/>
+                      </m:oMathParaPr>
+                      <m:oMath xmlns:m="http://schemas.openxmlformats.org/officeDocument/2006/math">
+                        <m:sSub>
+                          <m:sSubPr>
+                            <m:ctrlPr>
+                              <a:rPr kumimoji="1" lang="en-US" altLang="ja-JP" b="0" i="1" smtClean="0">
+                                <a:latin typeface="Cambria Math" panose="02040503050406030204" pitchFamily="18" charset="0"/>
+                              </a:rPr>
+                            </m:ctrlPr>
+                          </m:sSubPr>
+                          <m:e>
+                            <m:r>
+                              <a:rPr kumimoji="1" lang="en-US" altLang="ja-JP" b="0" i="1" smtClean="0">
+                                <a:latin typeface="Cambria Math" panose="02040503050406030204" pitchFamily="18" charset="0"/>
+                              </a:rPr>
+                              <m:t>𝑥</m:t>
+                            </m:r>
+                          </m:e>
+                          <m:sub>
+                            <m:r>
+                              <a:rPr kumimoji="1" lang="en-US" altLang="ja-JP" b="0" i="1" smtClean="0">
+                                <a:latin typeface="Cambria Math" panose="02040503050406030204" pitchFamily="18" charset="0"/>
+                              </a:rPr>
+                              <m:t>1</m:t>
+                            </m:r>
+                          </m:sub>
+                        </m:sSub>
+                      </m:oMath>
+                    </m:oMathPara>
+                  </a14:m>
+                  <a:endParaRPr kumimoji="1" lang="ja-JP" altLang="en-US" dirty="0"/>
+                </a:p>
+              </p:txBody>
+            </p:sp>
+          </mc:Choice>
+          <mc:Fallback>
+            <p:sp>
+              <p:nvSpPr>
+                <p:cNvPr id="80" name="テキスト ボックス 79">
+                  <a:extLst>
+                    <a:ext uri="{FF2B5EF4-FFF2-40B4-BE49-F238E27FC236}">
+                      <a16:creationId xmlns:a16="http://schemas.microsoft.com/office/drawing/2014/main" id="{BD7365A1-C841-49E4-8FEB-3CB8F3E8067D}"/>
+                    </a:ext>
+                  </a:extLst>
+                </p:cNvPr>
+                <p:cNvSpPr txBox="1">
+                  <a:spLocks noRot="1" noChangeAspect="1" noMove="1" noResize="1" noEditPoints="1" noAdjustHandles="1" noChangeArrowheads="1" noChangeShapeType="1" noTextEdit="1"/>
+                </p:cNvSpPr>
+                <p:nvPr/>
+              </p:nvSpPr>
+              <p:spPr>
+                <a:xfrm>
+                  <a:off x="6534613" y="932960"/>
+                  <a:ext cx="478913" cy="369332"/>
+                </a:xfrm>
+                <a:prstGeom prst="rect">
+                  <a:avLst/>
+                </a:prstGeom>
+                <a:blipFill>
+                  <a:blip r:embed="rId23"/>
+                  <a:stretch>
+                    <a:fillRect/>
+                  </a:stretch>
+                </a:blipFill>
+              </p:spPr>
+              <p:txBody>
+                <a:bodyPr/>
+                <a:lstStyle/>
+                <a:p>
+                  <a:r>
+                    <a:rPr lang="ja-JP" altLang="en-US">
+                      <a:noFill/>
+                    </a:rPr>
+                    <a:t> </a:t>
+                  </a:r>
+                </a:p>
+              </p:txBody>
+            </p:sp>
+          </mc:Fallback>
+        </mc:AlternateContent>
+        <mc:AlternateContent xmlns:mc="http://schemas.openxmlformats.org/markup-compatibility/2006">
+          <mc:Choice xmlns:a14="http://schemas.microsoft.com/office/drawing/2010/main" Requires="a14">
+            <p:sp>
+              <p:nvSpPr>
+                <p:cNvPr id="81" name="テキスト ボックス 80">
+                  <a:extLst>
+                    <a:ext uri="{FF2B5EF4-FFF2-40B4-BE49-F238E27FC236}">
+                      <a16:creationId xmlns:a16="http://schemas.microsoft.com/office/drawing/2014/main" id="{0A6892FF-1B22-4E2E-A3DE-1EB3E71FF042}"/>
+                    </a:ext>
+                  </a:extLst>
+                </p:cNvPr>
+                <p:cNvSpPr txBox="1"/>
+                <p:nvPr/>
+              </p:nvSpPr>
+              <p:spPr>
+                <a:xfrm>
+                  <a:off x="5554090" y="932960"/>
+                  <a:ext cx="478913" cy="369332"/>
+                </a:xfrm>
+                <a:prstGeom prst="rect">
+                  <a:avLst/>
+                </a:prstGeom>
+                <a:noFill/>
+              </p:spPr>
+              <p:txBody>
+                <a:bodyPr wrap="none" rtlCol="0">
+                  <a:spAutoFit/>
+                </a:bodyPr>
+                <a:lstStyle/>
+                <a:p>
+                  <a14:m>
+                    <m:oMathPara xmlns:m="http://schemas.openxmlformats.org/officeDocument/2006/math">
+                      <m:oMathParaPr>
+                        <m:jc m:val="centerGroup"/>
+                      </m:oMathParaPr>
+                      <m:oMath xmlns:m="http://schemas.openxmlformats.org/officeDocument/2006/math">
+                        <m:sSub>
+                          <m:sSubPr>
+                            <m:ctrlPr>
+                              <a:rPr kumimoji="1" lang="en-US" altLang="ja-JP" b="0" i="1" smtClean="0">
+                                <a:latin typeface="Cambria Math" panose="02040503050406030204" pitchFamily="18" charset="0"/>
+                              </a:rPr>
+                            </m:ctrlPr>
+                          </m:sSubPr>
+                          <m:e>
+                            <m:r>
+                              <a:rPr kumimoji="1" lang="en-US" altLang="ja-JP" b="0" i="1" smtClean="0">
+                                <a:latin typeface="Cambria Math" panose="02040503050406030204" pitchFamily="18" charset="0"/>
+                              </a:rPr>
+                              <m:t>𝑥</m:t>
+                            </m:r>
+                          </m:e>
+                          <m:sub>
+                            <m:r>
+                              <a:rPr kumimoji="1" lang="en-US" altLang="ja-JP" b="0" i="1" smtClean="0">
+                                <a:latin typeface="Cambria Math" panose="02040503050406030204" pitchFamily="18" charset="0"/>
+                              </a:rPr>
+                              <m:t>2</m:t>
+                            </m:r>
+                          </m:sub>
+                        </m:sSub>
+                      </m:oMath>
+                    </m:oMathPara>
+                  </a14:m>
+                  <a:endParaRPr kumimoji="1" lang="ja-JP" altLang="en-US" dirty="0"/>
+                </a:p>
+              </p:txBody>
+            </p:sp>
+          </mc:Choice>
+          <mc:Fallback>
+            <p:sp>
+              <p:nvSpPr>
+                <p:cNvPr id="81" name="テキスト ボックス 80">
+                  <a:extLst>
+                    <a:ext uri="{FF2B5EF4-FFF2-40B4-BE49-F238E27FC236}">
+                      <a16:creationId xmlns:a16="http://schemas.microsoft.com/office/drawing/2014/main" id="{0A6892FF-1B22-4E2E-A3DE-1EB3E71FF042}"/>
+                    </a:ext>
+                  </a:extLst>
+                </p:cNvPr>
+                <p:cNvSpPr txBox="1">
+                  <a:spLocks noRot="1" noChangeAspect="1" noMove="1" noResize="1" noEditPoints="1" noAdjustHandles="1" noChangeArrowheads="1" noChangeShapeType="1" noTextEdit="1"/>
+                </p:cNvSpPr>
+                <p:nvPr/>
+              </p:nvSpPr>
+              <p:spPr>
+                <a:xfrm>
+                  <a:off x="5554090" y="932960"/>
+                  <a:ext cx="478913" cy="369332"/>
+                </a:xfrm>
+                <a:prstGeom prst="rect">
+                  <a:avLst/>
+                </a:prstGeom>
+                <a:blipFill>
+                  <a:blip r:embed="rId24"/>
+                  <a:stretch>
+                    <a:fillRect/>
+                  </a:stretch>
+                </a:blipFill>
+              </p:spPr>
+              <p:txBody>
+                <a:bodyPr/>
+                <a:lstStyle/>
+                <a:p>
+                  <a:r>
+                    <a:rPr lang="ja-JP" altLang="en-US">
+                      <a:noFill/>
+                    </a:rPr>
+                    <a:t> </a:t>
+                  </a:r>
+                </a:p>
+              </p:txBody>
+            </p:sp>
+          </mc:Fallback>
+        </mc:AlternateContent>
+        <mc:AlternateContent xmlns:mc="http://schemas.openxmlformats.org/markup-compatibility/2006">
+          <mc:Choice xmlns:a14="http://schemas.microsoft.com/office/drawing/2010/main" Requires="a14">
+            <p:sp>
+              <p:nvSpPr>
+                <p:cNvPr id="82" name="テキスト ボックス 81">
+                  <a:extLst>
+                    <a:ext uri="{FF2B5EF4-FFF2-40B4-BE49-F238E27FC236}">
+                      <a16:creationId xmlns:a16="http://schemas.microsoft.com/office/drawing/2014/main" id="{5C466D95-311A-4965-B6C1-4B2496823AC3}"/>
+                    </a:ext>
+                  </a:extLst>
+                </p:cNvPr>
+                <p:cNvSpPr txBox="1"/>
+                <p:nvPr/>
+              </p:nvSpPr>
+              <p:spPr>
+                <a:xfrm>
+                  <a:off x="4573567" y="932960"/>
+                  <a:ext cx="478913" cy="369332"/>
+                </a:xfrm>
+                <a:prstGeom prst="rect">
+                  <a:avLst/>
+                </a:prstGeom>
+                <a:noFill/>
+              </p:spPr>
+              <p:txBody>
+                <a:bodyPr wrap="none" rtlCol="0">
+                  <a:spAutoFit/>
+                </a:bodyPr>
+                <a:lstStyle/>
+                <a:p>
+                  <a14:m>
+                    <m:oMathPara xmlns:m="http://schemas.openxmlformats.org/officeDocument/2006/math">
+                      <m:oMathParaPr>
+                        <m:jc m:val="centerGroup"/>
+                      </m:oMathParaPr>
+                      <m:oMath xmlns:m="http://schemas.openxmlformats.org/officeDocument/2006/math">
+                        <m:sSub>
+                          <m:sSubPr>
+                            <m:ctrlPr>
+                              <a:rPr kumimoji="1" lang="en-US" altLang="ja-JP" b="0" i="1" smtClean="0">
+                                <a:latin typeface="Cambria Math" panose="02040503050406030204" pitchFamily="18" charset="0"/>
+                              </a:rPr>
+                            </m:ctrlPr>
+                          </m:sSubPr>
+                          <m:e>
+                            <m:r>
+                              <a:rPr kumimoji="1" lang="en-US" altLang="ja-JP" b="0" i="1" smtClean="0">
+                                <a:latin typeface="Cambria Math" panose="02040503050406030204" pitchFamily="18" charset="0"/>
+                              </a:rPr>
+                              <m:t>𝑥</m:t>
+                            </m:r>
+                          </m:e>
+                          <m:sub>
+                            <m:r>
+                              <a:rPr kumimoji="1" lang="en-US" altLang="ja-JP" b="0" i="1" smtClean="0">
+                                <a:latin typeface="Cambria Math" panose="02040503050406030204" pitchFamily="18" charset="0"/>
+                              </a:rPr>
+                              <m:t>3</m:t>
+                            </m:r>
+                          </m:sub>
+                        </m:sSub>
+                      </m:oMath>
+                    </m:oMathPara>
+                  </a14:m>
+                  <a:endParaRPr kumimoji="1" lang="ja-JP" altLang="en-US" dirty="0"/>
+                </a:p>
+              </p:txBody>
+            </p:sp>
+          </mc:Choice>
+          <mc:Fallback>
+            <p:sp>
+              <p:nvSpPr>
+                <p:cNvPr id="82" name="テキスト ボックス 81">
+                  <a:extLst>
+                    <a:ext uri="{FF2B5EF4-FFF2-40B4-BE49-F238E27FC236}">
+                      <a16:creationId xmlns:a16="http://schemas.microsoft.com/office/drawing/2014/main" id="{5C466D95-311A-4965-B6C1-4B2496823AC3}"/>
+                    </a:ext>
+                  </a:extLst>
+                </p:cNvPr>
+                <p:cNvSpPr txBox="1">
+                  <a:spLocks noRot="1" noChangeAspect="1" noMove="1" noResize="1" noEditPoints="1" noAdjustHandles="1" noChangeArrowheads="1" noChangeShapeType="1" noTextEdit="1"/>
+                </p:cNvSpPr>
+                <p:nvPr/>
+              </p:nvSpPr>
+              <p:spPr>
+                <a:xfrm>
+                  <a:off x="4573567" y="932960"/>
+                  <a:ext cx="478913" cy="369332"/>
+                </a:xfrm>
+                <a:prstGeom prst="rect">
+                  <a:avLst/>
+                </a:prstGeom>
+                <a:blipFill>
+                  <a:blip r:embed="rId25"/>
+                  <a:stretch>
+                    <a:fillRect/>
+                  </a:stretch>
+                </a:blipFill>
+              </p:spPr>
+              <p:txBody>
+                <a:bodyPr/>
+                <a:lstStyle/>
+                <a:p>
+                  <a:r>
+                    <a:rPr lang="ja-JP" altLang="en-US">
+                      <a:noFill/>
+                    </a:rPr>
+                    <a:t> </a:t>
+                  </a:r>
+                </a:p>
+              </p:txBody>
+            </p:sp>
+          </mc:Fallback>
+        </mc:AlternateContent>
+        <mc:AlternateContent xmlns:mc="http://schemas.openxmlformats.org/markup-compatibility/2006">
+          <mc:Choice xmlns:a14="http://schemas.microsoft.com/office/drawing/2010/main" Requires="a14">
+            <p:sp>
+              <p:nvSpPr>
+                <p:cNvPr id="83" name="テキスト ボックス 82">
+                  <a:extLst>
+                    <a:ext uri="{FF2B5EF4-FFF2-40B4-BE49-F238E27FC236}">
+                      <a16:creationId xmlns:a16="http://schemas.microsoft.com/office/drawing/2014/main" id="{52CCFE32-55AC-4FF7-9419-2156A290764F}"/>
+                    </a:ext>
+                  </a:extLst>
+                </p:cNvPr>
+                <p:cNvSpPr txBox="1"/>
+                <p:nvPr/>
+              </p:nvSpPr>
+              <p:spPr>
+                <a:xfrm>
+                  <a:off x="7854670" y="930675"/>
+                  <a:ext cx="478913" cy="369332"/>
+                </a:xfrm>
+                <a:prstGeom prst="rect">
+                  <a:avLst/>
+                </a:prstGeom>
+                <a:noFill/>
+              </p:spPr>
+              <p:txBody>
+                <a:bodyPr wrap="none" rtlCol="0">
+                  <a:spAutoFit/>
+                </a:bodyPr>
+                <a:lstStyle/>
+                <a:p>
+                  <a14:m>
+                    <m:oMathPara xmlns:m="http://schemas.openxmlformats.org/officeDocument/2006/math">
+                      <m:oMathParaPr>
+                        <m:jc m:val="centerGroup"/>
+                      </m:oMathParaPr>
+                      <m:oMath xmlns:m="http://schemas.openxmlformats.org/officeDocument/2006/math">
+                        <m:sSub>
+                          <m:sSubPr>
+                            <m:ctrlPr>
+                              <a:rPr kumimoji="1" lang="en-US" altLang="ja-JP" b="0" i="1" smtClean="0">
+                                <a:latin typeface="Cambria Math" panose="02040503050406030204" pitchFamily="18" charset="0"/>
+                              </a:rPr>
+                            </m:ctrlPr>
+                          </m:sSubPr>
+                          <m:e>
+                            <m:r>
+                              <a:rPr kumimoji="1" lang="en-US" altLang="ja-JP" b="0" i="1" smtClean="0">
+                                <a:latin typeface="Cambria Math" panose="02040503050406030204" pitchFamily="18" charset="0"/>
+                              </a:rPr>
+                              <m:t>𝑦</m:t>
+                            </m:r>
+                          </m:e>
+                          <m:sub>
+                            <m:r>
+                              <a:rPr kumimoji="1" lang="en-US" altLang="ja-JP" b="0" i="1" smtClean="0">
+                                <a:latin typeface="Cambria Math" panose="02040503050406030204" pitchFamily="18" charset="0"/>
+                              </a:rPr>
+                              <m:t>0</m:t>
+                            </m:r>
+                          </m:sub>
+                        </m:sSub>
+                      </m:oMath>
+                    </m:oMathPara>
+                  </a14:m>
+                  <a:endParaRPr kumimoji="1" lang="ja-JP" altLang="en-US" dirty="0"/>
+                </a:p>
+              </p:txBody>
+            </p:sp>
+          </mc:Choice>
+          <mc:Fallback>
+            <p:sp>
+              <p:nvSpPr>
+                <p:cNvPr id="83" name="テキスト ボックス 82">
+                  <a:extLst>
+                    <a:ext uri="{FF2B5EF4-FFF2-40B4-BE49-F238E27FC236}">
+                      <a16:creationId xmlns:a16="http://schemas.microsoft.com/office/drawing/2014/main" id="{52CCFE32-55AC-4FF7-9419-2156A290764F}"/>
+                    </a:ext>
+                  </a:extLst>
+                </p:cNvPr>
+                <p:cNvSpPr txBox="1">
+                  <a:spLocks noRot="1" noChangeAspect="1" noMove="1" noResize="1" noEditPoints="1" noAdjustHandles="1" noChangeArrowheads="1" noChangeShapeType="1" noTextEdit="1"/>
+                </p:cNvSpPr>
+                <p:nvPr/>
+              </p:nvSpPr>
+              <p:spPr>
+                <a:xfrm>
+                  <a:off x="7854670" y="930675"/>
+                  <a:ext cx="478913" cy="369332"/>
+                </a:xfrm>
+                <a:prstGeom prst="rect">
+                  <a:avLst/>
+                </a:prstGeom>
+                <a:blipFill>
+                  <a:blip r:embed="rId26"/>
+                  <a:stretch>
+                    <a:fillRect b="-6667"/>
+                  </a:stretch>
+                </a:blipFill>
+              </p:spPr>
+              <p:txBody>
+                <a:bodyPr/>
+                <a:lstStyle/>
+                <a:p>
+                  <a:r>
+                    <a:rPr lang="ja-JP" altLang="en-US">
+                      <a:noFill/>
+                    </a:rPr>
+                    <a:t> </a:t>
+                  </a:r>
+                </a:p>
+              </p:txBody>
+            </p:sp>
+          </mc:Fallback>
+        </mc:AlternateContent>
+        <mc:AlternateContent xmlns:mc="http://schemas.openxmlformats.org/markup-compatibility/2006">
+          <mc:Choice xmlns:a14="http://schemas.microsoft.com/office/drawing/2010/main" Requires="a14">
+            <p:sp>
+              <p:nvSpPr>
+                <p:cNvPr id="84" name="テキスト ボックス 83">
+                  <a:extLst>
+                    <a:ext uri="{FF2B5EF4-FFF2-40B4-BE49-F238E27FC236}">
+                      <a16:creationId xmlns:a16="http://schemas.microsoft.com/office/drawing/2014/main" id="{91E00282-BAA4-47CE-87E6-33DC21EA21DE}"/>
+                    </a:ext>
+                  </a:extLst>
+                </p:cNvPr>
+                <p:cNvSpPr txBox="1"/>
+                <p:nvPr/>
+              </p:nvSpPr>
+              <p:spPr>
+                <a:xfrm>
+                  <a:off x="6874146" y="930675"/>
+                  <a:ext cx="478913" cy="369332"/>
+                </a:xfrm>
+                <a:prstGeom prst="rect">
+                  <a:avLst/>
+                </a:prstGeom>
+                <a:noFill/>
+              </p:spPr>
+              <p:txBody>
+                <a:bodyPr wrap="none" rtlCol="0">
+                  <a:spAutoFit/>
+                </a:bodyPr>
+                <a:lstStyle/>
+                <a:p>
+                  <a14:m>
+                    <m:oMathPara xmlns:m="http://schemas.openxmlformats.org/officeDocument/2006/math">
+                      <m:oMathParaPr>
+                        <m:jc m:val="centerGroup"/>
+                      </m:oMathParaPr>
+                      <m:oMath xmlns:m="http://schemas.openxmlformats.org/officeDocument/2006/math">
+                        <m:sSub>
+                          <m:sSubPr>
+                            <m:ctrlPr>
+                              <a:rPr kumimoji="1" lang="en-US" altLang="ja-JP" b="0" i="1" smtClean="0">
+                                <a:latin typeface="Cambria Math" panose="02040503050406030204" pitchFamily="18" charset="0"/>
+                              </a:rPr>
+                            </m:ctrlPr>
+                          </m:sSubPr>
+                          <m:e>
+                            <m:r>
+                              <a:rPr kumimoji="1" lang="en-US" altLang="ja-JP" b="0" i="1" smtClean="0">
+                                <a:latin typeface="Cambria Math" panose="02040503050406030204" pitchFamily="18" charset="0"/>
+                              </a:rPr>
+                              <m:t>𝑦</m:t>
+                            </m:r>
+                          </m:e>
+                          <m:sub>
+                            <m:r>
+                              <a:rPr kumimoji="1" lang="en-US" altLang="ja-JP" b="0" i="1" smtClean="0">
+                                <a:latin typeface="Cambria Math" panose="02040503050406030204" pitchFamily="18" charset="0"/>
+                              </a:rPr>
+                              <m:t>1</m:t>
+                            </m:r>
+                          </m:sub>
+                        </m:sSub>
+                      </m:oMath>
+                    </m:oMathPara>
+                  </a14:m>
+                  <a:endParaRPr kumimoji="1" lang="ja-JP" altLang="en-US" dirty="0"/>
+                </a:p>
+              </p:txBody>
+            </p:sp>
+          </mc:Choice>
+          <mc:Fallback>
+            <p:sp>
+              <p:nvSpPr>
+                <p:cNvPr id="84" name="テキスト ボックス 83">
+                  <a:extLst>
+                    <a:ext uri="{FF2B5EF4-FFF2-40B4-BE49-F238E27FC236}">
+                      <a16:creationId xmlns:a16="http://schemas.microsoft.com/office/drawing/2014/main" id="{91E00282-BAA4-47CE-87E6-33DC21EA21DE}"/>
+                    </a:ext>
+                  </a:extLst>
+                </p:cNvPr>
+                <p:cNvSpPr txBox="1">
+                  <a:spLocks noRot="1" noChangeAspect="1" noMove="1" noResize="1" noEditPoints="1" noAdjustHandles="1" noChangeArrowheads="1" noChangeShapeType="1" noTextEdit="1"/>
+                </p:cNvSpPr>
+                <p:nvPr/>
+              </p:nvSpPr>
+              <p:spPr>
+                <a:xfrm>
+                  <a:off x="6874146" y="930675"/>
+                  <a:ext cx="478913" cy="369332"/>
+                </a:xfrm>
+                <a:prstGeom prst="rect">
+                  <a:avLst/>
+                </a:prstGeom>
+                <a:blipFill>
+                  <a:blip r:embed="rId27"/>
+                  <a:stretch>
+                    <a:fillRect b="-6667"/>
+                  </a:stretch>
+                </a:blipFill>
+              </p:spPr>
+              <p:txBody>
+                <a:bodyPr/>
+                <a:lstStyle/>
+                <a:p>
+                  <a:r>
+                    <a:rPr lang="ja-JP" altLang="en-US">
+                      <a:noFill/>
+                    </a:rPr>
+                    <a:t> </a:t>
+                  </a:r>
+                </a:p>
+              </p:txBody>
+            </p:sp>
+          </mc:Fallback>
+        </mc:AlternateContent>
+        <mc:AlternateContent xmlns:mc="http://schemas.openxmlformats.org/markup-compatibility/2006">
+          <mc:Choice xmlns:a14="http://schemas.microsoft.com/office/drawing/2010/main" Requires="a14">
+            <p:sp>
+              <p:nvSpPr>
+                <p:cNvPr id="85" name="テキスト ボックス 84">
+                  <a:extLst>
+                    <a:ext uri="{FF2B5EF4-FFF2-40B4-BE49-F238E27FC236}">
+                      <a16:creationId xmlns:a16="http://schemas.microsoft.com/office/drawing/2014/main" id="{4B7BBFF8-24CC-4284-89C3-BC8B4781AF6A}"/>
+                    </a:ext>
+                  </a:extLst>
+                </p:cNvPr>
+                <p:cNvSpPr txBox="1"/>
+                <p:nvPr/>
+              </p:nvSpPr>
+              <p:spPr>
+                <a:xfrm>
+                  <a:off x="5893623" y="930675"/>
+                  <a:ext cx="478913" cy="369332"/>
+                </a:xfrm>
+                <a:prstGeom prst="rect">
+                  <a:avLst/>
+                </a:prstGeom>
+                <a:noFill/>
+              </p:spPr>
+              <p:txBody>
+                <a:bodyPr wrap="none" rtlCol="0">
+                  <a:spAutoFit/>
+                </a:bodyPr>
+                <a:lstStyle/>
+                <a:p>
+                  <a14:m>
+                    <m:oMathPara xmlns:m="http://schemas.openxmlformats.org/officeDocument/2006/math">
+                      <m:oMathParaPr>
+                        <m:jc m:val="centerGroup"/>
+                      </m:oMathParaPr>
+                      <m:oMath xmlns:m="http://schemas.openxmlformats.org/officeDocument/2006/math">
+                        <m:sSub>
+                          <m:sSubPr>
+                            <m:ctrlPr>
+                              <a:rPr kumimoji="1" lang="en-US" altLang="ja-JP" b="0" i="1" smtClean="0">
+                                <a:latin typeface="Cambria Math" panose="02040503050406030204" pitchFamily="18" charset="0"/>
+                              </a:rPr>
+                            </m:ctrlPr>
+                          </m:sSubPr>
+                          <m:e>
+                            <m:r>
+                              <a:rPr kumimoji="1" lang="en-US" altLang="ja-JP" b="0" i="1" smtClean="0">
+                                <a:latin typeface="Cambria Math" panose="02040503050406030204" pitchFamily="18" charset="0"/>
+                              </a:rPr>
+                              <m:t>𝑦</m:t>
+                            </m:r>
+                          </m:e>
+                          <m:sub>
+                            <m:r>
+                              <a:rPr kumimoji="1" lang="en-US" altLang="ja-JP" b="0" i="1" smtClean="0">
+                                <a:latin typeface="Cambria Math" panose="02040503050406030204" pitchFamily="18" charset="0"/>
+                              </a:rPr>
+                              <m:t>2</m:t>
+                            </m:r>
+                          </m:sub>
+                        </m:sSub>
+                      </m:oMath>
+                    </m:oMathPara>
+                  </a14:m>
+                  <a:endParaRPr kumimoji="1" lang="ja-JP" altLang="en-US" dirty="0"/>
+                </a:p>
+              </p:txBody>
+            </p:sp>
+          </mc:Choice>
+          <mc:Fallback>
+            <p:sp>
+              <p:nvSpPr>
+                <p:cNvPr id="85" name="テキスト ボックス 84">
+                  <a:extLst>
+                    <a:ext uri="{FF2B5EF4-FFF2-40B4-BE49-F238E27FC236}">
+                      <a16:creationId xmlns:a16="http://schemas.microsoft.com/office/drawing/2014/main" id="{4B7BBFF8-24CC-4284-89C3-BC8B4781AF6A}"/>
+                    </a:ext>
+                  </a:extLst>
+                </p:cNvPr>
+                <p:cNvSpPr txBox="1">
+                  <a:spLocks noRot="1" noChangeAspect="1" noMove="1" noResize="1" noEditPoints="1" noAdjustHandles="1" noChangeArrowheads="1" noChangeShapeType="1" noTextEdit="1"/>
+                </p:cNvSpPr>
+                <p:nvPr/>
+              </p:nvSpPr>
+              <p:spPr>
+                <a:xfrm>
+                  <a:off x="5893623" y="930675"/>
+                  <a:ext cx="478913" cy="369332"/>
+                </a:xfrm>
+                <a:prstGeom prst="rect">
+                  <a:avLst/>
+                </a:prstGeom>
+                <a:blipFill>
+                  <a:blip r:embed="rId28"/>
+                  <a:stretch>
+                    <a:fillRect b="-6667"/>
+                  </a:stretch>
+                </a:blipFill>
+              </p:spPr>
+              <p:txBody>
+                <a:bodyPr/>
+                <a:lstStyle/>
+                <a:p>
+                  <a:r>
+                    <a:rPr lang="ja-JP" altLang="en-US">
+                      <a:noFill/>
+                    </a:rPr>
+                    <a:t> </a:t>
+                  </a:r>
+                </a:p>
+              </p:txBody>
+            </p:sp>
+          </mc:Fallback>
+        </mc:AlternateContent>
+        <mc:AlternateContent xmlns:mc="http://schemas.openxmlformats.org/markup-compatibility/2006">
+          <mc:Choice xmlns:a14="http://schemas.microsoft.com/office/drawing/2010/main" Requires="a14">
+            <p:sp>
+              <p:nvSpPr>
+                <p:cNvPr id="86" name="テキスト ボックス 85">
+                  <a:extLst>
+                    <a:ext uri="{FF2B5EF4-FFF2-40B4-BE49-F238E27FC236}">
+                      <a16:creationId xmlns:a16="http://schemas.microsoft.com/office/drawing/2014/main" id="{3F2AA1DE-E7AA-4C05-A49A-790384B79B52}"/>
+                    </a:ext>
+                  </a:extLst>
+                </p:cNvPr>
+                <p:cNvSpPr txBox="1"/>
+                <p:nvPr/>
+              </p:nvSpPr>
+              <p:spPr>
+                <a:xfrm>
+                  <a:off x="4913100" y="930675"/>
+                  <a:ext cx="480581" cy="369332"/>
+                </a:xfrm>
+                <a:prstGeom prst="rect">
+                  <a:avLst/>
+                </a:prstGeom>
+                <a:noFill/>
+              </p:spPr>
+              <p:txBody>
+                <a:bodyPr wrap="none" rtlCol="0">
+                  <a:spAutoFit/>
+                </a:bodyPr>
+                <a:lstStyle/>
+                <a:p>
+                  <a14:m>
+                    <m:oMathPara xmlns:m="http://schemas.openxmlformats.org/officeDocument/2006/math">
+                      <m:oMathParaPr>
+                        <m:jc m:val="centerGroup"/>
+                      </m:oMathParaPr>
+                      <m:oMath xmlns:m="http://schemas.openxmlformats.org/officeDocument/2006/math">
+                        <m:sSub>
+                          <m:sSubPr>
+                            <m:ctrlPr>
+                              <a:rPr kumimoji="1" lang="en-US" altLang="ja-JP" b="0" i="1" smtClean="0">
+                                <a:latin typeface="Cambria Math" panose="02040503050406030204" pitchFamily="18" charset="0"/>
+                              </a:rPr>
+                            </m:ctrlPr>
+                          </m:sSubPr>
+                          <m:e>
+                            <m:r>
+                              <a:rPr kumimoji="1" lang="en-US" altLang="ja-JP" b="0" i="1" smtClean="0">
+                                <a:latin typeface="Cambria Math" panose="02040503050406030204" pitchFamily="18" charset="0"/>
+                              </a:rPr>
+                              <m:t>𝑦</m:t>
+                            </m:r>
+                          </m:e>
+                          <m:sub>
+                            <m:r>
+                              <a:rPr kumimoji="1" lang="en-US" altLang="ja-JP" b="0" i="1" smtClean="0">
+                                <a:latin typeface="Cambria Math" panose="02040503050406030204" pitchFamily="18" charset="0"/>
+                              </a:rPr>
+                              <m:t>3</m:t>
+                            </m:r>
+                          </m:sub>
+                        </m:sSub>
+                      </m:oMath>
+                    </m:oMathPara>
+                  </a14:m>
+                  <a:endParaRPr kumimoji="1" lang="ja-JP" altLang="en-US" dirty="0"/>
+                </a:p>
+              </p:txBody>
+            </p:sp>
+          </mc:Choice>
+          <mc:Fallback>
+            <p:sp>
+              <p:nvSpPr>
+                <p:cNvPr id="86" name="テキスト ボックス 85">
+                  <a:extLst>
+                    <a:ext uri="{FF2B5EF4-FFF2-40B4-BE49-F238E27FC236}">
+                      <a16:creationId xmlns:a16="http://schemas.microsoft.com/office/drawing/2014/main" id="{3F2AA1DE-E7AA-4C05-A49A-790384B79B52}"/>
+                    </a:ext>
+                  </a:extLst>
+                </p:cNvPr>
+                <p:cNvSpPr txBox="1">
+                  <a:spLocks noRot="1" noChangeAspect="1" noMove="1" noResize="1" noEditPoints="1" noAdjustHandles="1" noChangeArrowheads="1" noChangeShapeType="1" noTextEdit="1"/>
+                </p:cNvSpPr>
+                <p:nvPr/>
+              </p:nvSpPr>
+              <p:spPr>
+                <a:xfrm>
+                  <a:off x="4913100" y="930675"/>
+                  <a:ext cx="480581" cy="369332"/>
+                </a:xfrm>
+                <a:prstGeom prst="rect">
+                  <a:avLst/>
+                </a:prstGeom>
+                <a:blipFill>
+                  <a:blip r:embed="rId29"/>
+                  <a:stretch>
+                    <a:fillRect b="-6667"/>
+                  </a:stretch>
+                </a:blipFill>
+              </p:spPr>
+              <p:txBody>
+                <a:bodyPr/>
+                <a:lstStyle/>
+                <a:p>
+                  <a:r>
+                    <a:rPr lang="ja-JP" altLang="en-US">
+                      <a:noFill/>
+                    </a:rPr>
+                    <a:t> </a:t>
+                  </a:r>
+                </a:p>
+              </p:txBody>
+            </p:sp>
+          </mc:Fallback>
+        </mc:AlternateContent>
+        <mc:AlternateContent xmlns:mc="http://schemas.openxmlformats.org/markup-compatibility/2006">
+          <mc:Choice xmlns:a14="http://schemas.microsoft.com/office/drawing/2010/main" Requires="a14">
+            <p:sp>
+              <p:nvSpPr>
+                <p:cNvPr id="87" name="テキスト ボックス 86">
+                  <a:extLst>
+                    <a:ext uri="{FF2B5EF4-FFF2-40B4-BE49-F238E27FC236}">
+                      <a16:creationId xmlns:a16="http://schemas.microsoft.com/office/drawing/2014/main" id="{5F91F447-3866-4539-9C4D-413E397997B3}"/>
+                    </a:ext>
+                  </a:extLst>
+                </p:cNvPr>
+                <p:cNvSpPr txBox="1"/>
+                <p:nvPr/>
+              </p:nvSpPr>
+              <p:spPr>
+                <a:xfrm>
+                  <a:off x="8168332" y="1464121"/>
+                  <a:ext cx="457881" cy="369332"/>
+                </a:xfrm>
+                <a:prstGeom prst="rect">
+                  <a:avLst/>
+                </a:prstGeom>
+                <a:noFill/>
+              </p:spPr>
+              <p:txBody>
+                <a:bodyPr wrap="none" rtlCol="0">
+                  <a:spAutoFit/>
+                </a:bodyPr>
+                <a:lstStyle/>
+                <a:p>
+                  <a14:m>
+                    <m:oMathPara xmlns:m="http://schemas.openxmlformats.org/officeDocument/2006/math">
+                      <m:oMathParaPr>
+                        <m:jc m:val="centerGroup"/>
+                      </m:oMathParaPr>
+                      <m:oMath xmlns:m="http://schemas.openxmlformats.org/officeDocument/2006/math">
+                        <m:sSub>
+                          <m:sSubPr>
+                            <m:ctrlPr>
+                              <a:rPr kumimoji="1" lang="en-US" altLang="ja-JP" b="0" i="1" smtClean="0">
+                                <a:latin typeface="Cambria Math" panose="02040503050406030204" pitchFamily="18" charset="0"/>
+                              </a:rPr>
+                            </m:ctrlPr>
+                          </m:sSubPr>
+                          <m:e>
+                            <m:r>
+                              <a:rPr kumimoji="1" lang="en-US" altLang="ja-JP" b="0" i="1" smtClean="0">
+                                <a:latin typeface="Cambria Math" panose="02040503050406030204" pitchFamily="18" charset="0"/>
+                              </a:rPr>
+                              <m:t>𝑐</m:t>
+                            </m:r>
+                          </m:e>
+                          <m:sub>
+                            <m:r>
+                              <a:rPr kumimoji="1" lang="en-US" altLang="ja-JP" b="0" i="1" smtClean="0">
+                                <a:latin typeface="Cambria Math" panose="02040503050406030204" pitchFamily="18" charset="0"/>
+                              </a:rPr>
+                              <m:t>0</m:t>
+                            </m:r>
+                          </m:sub>
+                        </m:sSub>
+                      </m:oMath>
+                    </m:oMathPara>
+                  </a14:m>
+                  <a:endParaRPr kumimoji="1" lang="ja-JP" altLang="en-US" dirty="0"/>
+                </a:p>
+              </p:txBody>
+            </p:sp>
+          </mc:Choice>
+          <mc:Fallback>
+            <p:sp>
+              <p:nvSpPr>
+                <p:cNvPr id="87" name="テキスト ボックス 86">
+                  <a:extLst>
+                    <a:ext uri="{FF2B5EF4-FFF2-40B4-BE49-F238E27FC236}">
+                      <a16:creationId xmlns:a16="http://schemas.microsoft.com/office/drawing/2014/main" id="{5F91F447-3866-4539-9C4D-413E397997B3}"/>
+                    </a:ext>
+                  </a:extLst>
+                </p:cNvPr>
+                <p:cNvSpPr txBox="1">
+                  <a:spLocks noRot="1" noChangeAspect="1" noMove="1" noResize="1" noEditPoints="1" noAdjustHandles="1" noChangeArrowheads="1" noChangeShapeType="1" noTextEdit="1"/>
+                </p:cNvSpPr>
+                <p:nvPr/>
+              </p:nvSpPr>
+              <p:spPr>
+                <a:xfrm>
+                  <a:off x="8168332" y="1464121"/>
+                  <a:ext cx="457881" cy="369332"/>
+                </a:xfrm>
+                <a:prstGeom prst="rect">
+                  <a:avLst/>
+                </a:prstGeom>
+                <a:blipFill>
+                  <a:blip r:embed="rId30"/>
+                  <a:stretch>
+                    <a:fillRect/>
+                  </a:stretch>
+                </a:blipFill>
+              </p:spPr>
+              <p:txBody>
+                <a:bodyPr/>
+                <a:lstStyle/>
+                <a:p>
+                  <a:r>
+                    <a:rPr lang="ja-JP" altLang="en-US">
+                      <a:noFill/>
+                    </a:rPr>
+                    <a:t> </a:t>
+                  </a:r>
+                </a:p>
+              </p:txBody>
+            </p:sp>
+          </mc:Fallback>
+        </mc:AlternateContent>
+        <mc:AlternateContent xmlns:mc="http://schemas.openxmlformats.org/markup-compatibility/2006">
+          <mc:Choice xmlns:a14="http://schemas.microsoft.com/office/drawing/2010/main" Requires="a14">
+            <p:sp>
+              <p:nvSpPr>
+                <p:cNvPr id="88" name="テキスト ボックス 87">
+                  <a:extLst>
+                    <a:ext uri="{FF2B5EF4-FFF2-40B4-BE49-F238E27FC236}">
+                      <a16:creationId xmlns:a16="http://schemas.microsoft.com/office/drawing/2014/main" id="{5800F669-DF54-4BE0-B365-5A0586458345}"/>
+                    </a:ext>
+                  </a:extLst>
+                </p:cNvPr>
+                <p:cNvSpPr txBox="1"/>
+                <p:nvPr/>
+              </p:nvSpPr>
+              <p:spPr>
+                <a:xfrm>
+                  <a:off x="7187808" y="1464121"/>
+                  <a:ext cx="452560" cy="369332"/>
+                </a:xfrm>
+                <a:prstGeom prst="rect">
+                  <a:avLst/>
+                </a:prstGeom>
+                <a:noFill/>
+              </p:spPr>
+              <p:txBody>
+                <a:bodyPr wrap="none" rtlCol="0">
+                  <a:spAutoFit/>
+                </a:bodyPr>
+                <a:lstStyle/>
+                <a:p>
+                  <a14:m>
+                    <m:oMathPara xmlns:m="http://schemas.openxmlformats.org/officeDocument/2006/math">
+                      <m:oMathParaPr>
+                        <m:jc m:val="centerGroup"/>
+                      </m:oMathParaPr>
+                      <m:oMath xmlns:m="http://schemas.openxmlformats.org/officeDocument/2006/math">
+                        <m:sSub>
+                          <m:sSubPr>
+                            <m:ctrlPr>
+                              <a:rPr kumimoji="1" lang="en-US" altLang="ja-JP" b="0" i="1" smtClean="0">
+                                <a:latin typeface="Cambria Math" panose="02040503050406030204" pitchFamily="18" charset="0"/>
+                              </a:rPr>
+                            </m:ctrlPr>
+                          </m:sSubPr>
+                          <m:e>
+                            <m:r>
+                              <a:rPr kumimoji="1" lang="en-US" altLang="ja-JP" b="0" i="1" smtClean="0">
+                                <a:latin typeface="Cambria Math" panose="02040503050406030204" pitchFamily="18" charset="0"/>
+                              </a:rPr>
+                              <m:t>𝑐</m:t>
+                            </m:r>
+                          </m:e>
+                          <m:sub>
+                            <m:r>
+                              <a:rPr kumimoji="1" lang="en-US" altLang="ja-JP" b="0" i="1" smtClean="0">
+                                <a:latin typeface="Cambria Math" panose="02040503050406030204" pitchFamily="18" charset="0"/>
+                              </a:rPr>
+                              <m:t>1</m:t>
+                            </m:r>
+                          </m:sub>
+                        </m:sSub>
+                      </m:oMath>
+                    </m:oMathPara>
+                  </a14:m>
+                  <a:endParaRPr kumimoji="1" lang="ja-JP" altLang="en-US" dirty="0"/>
+                </a:p>
+              </p:txBody>
+            </p:sp>
+          </mc:Choice>
+          <mc:Fallback>
+            <p:sp>
+              <p:nvSpPr>
+                <p:cNvPr id="88" name="テキスト ボックス 87">
+                  <a:extLst>
+                    <a:ext uri="{FF2B5EF4-FFF2-40B4-BE49-F238E27FC236}">
+                      <a16:creationId xmlns:a16="http://schemas.microsoft.com/office/drawing/2014/main" id="{5800F669-DF54-4BE0-B365-5A0586458345}"/>
+                    </a:ext>
+                  </a:extLst>
+                </p:cNvPr>
+                <p:cNvSpPr txBox="1">
+                  <a:spLocks noRot="1" noChangeAspect="1" noMove="1" noResize="1" noEditPoints="1" noAdjustHandles="1" noChangeArrowheads="1" noChangeShapeType="1" noTextEdit="1"/>
+                </p:cNvSpPr>
+                <p:nvPr/>
+              </p:nvSpPr>
+              <p:spPr>
+                <a:xfrm>
+                  <a:off x="7187808" y="1464121"/>
+                  <a:ext cx="452560" cy="369332"/>
+                </a:xfrm>
+                <a:prstGeom prst="rect">
+                  <a:avLst/>
+                </a:prstGeom>
+                <a:blipFill>
+                  <a:blip r:embed="rId31"/>
+                  <a:stretch>
+                    <a:fillRect/>
+                  </a:stretch>
+                </a:blipFill>
+              </p:spPr>
+              <p:txBody>
+                <a:bodyPr/>
+                <a:lstStyle/>
+                <a:p>
+                  <a:r>
+                    <a:rPr lang="ja-JP" altLang="en-US">
+                      <a:noFill/>
+                    </a:rPr>
+                    <a:t> </a:t>
+                  </a:r>
+                </a:p>
+              </p:txBody>
+            </p:sp>
+          </mc:Fallback>
+        </mc:AlternateContent>
+        <mc:AlternateContent xmlns:mc="http://schemas.openxmlformats.org/markup-compatibility/2006">
+          <mc:Choice xmlns:a14="http://schemas.microsoft.com/office/drawing/2010/main" Requires="a14">
+            <p:sp>
+              <p:nvSpPr>
+                <p:cNvPr id="89" name="テキスト ボックス 88">
+                  <a:extLst>
+                    <a:ext uri="{FF2B5EF4-FFF2-40B4-BE49-F238E27FC236}">
+                      <a16:creationId xmlns:a16="http://schemas.microsoft.com/office/drawing/2014/main" id="{01271BC5-A40E-4541-AFCC-F5F131AE23CF}"/>
+                    </a:ext>
+                  </a:extLst>
+                </p:cNvPr>
+                <p:cNvSpPr txBox="1"/>
+                <p:nvPr/>
+              </p:nvSpPr>
+              <p:spPr>
+                <a:xfrm>
+                  <a:off x="6207285" y="1464121"/>
+                  <a:ext cx="457881" cy="369332"/>
+                </a:xfrm>
+                <a:prstGeom prst="rect">
+                  <a:avLst/>
+                </a:prstGeom>
+                <a:noFill/>
+              </p:spPr>
+              <p:txBody>
+                <a:bodyPr wrap="none" rtlCol="0">
+                  <a:spAutoFit/>
+                </a:bodyPr>
+                <a:lstStyle/>
+                <a:p>
+                  <a14:m>
+                    <m:oMathPara xmlns:m="http://schemas.openxmlformats.org/officeDocument/2006/math">
+                      <m:oMathParaPr>
+                        <m:jc m:val="centerGroup"/>
+                      </m:oMathParaPr>
+                      <m:oMath xmlns:m="http://schemas.openxmlformats.org/officeDocument/2006/math">
+                        <m:sSub>
+                          <m:sSubPr>
+                            <m:ctrlPr>
+                              <a:rPr kumimoji="1" lang="en-US" altLang="ja-JP" b="0" i="1" smtClean="0">
+                                <a:latin typeface="Cambria Math" panose="02040503050406030204" pitchFamily="18" charset="0"/>
+                              </a:rPr>
+                            </m:ctrlPr>
+                          </m:sSubPr>
+                          <m:e>
+                            <m:r>
+                              <a:rPr kumimoji="1" lang="en-US" altLang="ja-JP" b="0" i="1" smtClean="0">
+                                <a:latin typeface="Cambria Math" panose="02040503050406030204" pitchFamily="18" charset="0"/>
+                              </a:rPr>
+                              <m:t>𝑐</m:t>
+                            </m:r>
+                          </m:e>
+                          <m:sub>
+                            <m:r>
+                              <a:rPr kumimoji="1" lang="en-US" altLang="ja-JP" b="0" i="1" smtClean="0">
+                                <a:latin typeface="Cambria Math" panose="02040503050406030204" pitchFamily="18" charset="0"/>
+                              </a:rPr>
+                              <m:t>2</m:t>
+                            </m:r>
+                          </m:sub>
+                        </m:sSub>
+                      </m:oMath>
+                    </m:oMathPara>
+                  </a14:m>
+                  <a:endParaRPr kumimoji="1" lang="ja-JP" altLang="en-US" dirty="0"/>
+                </a:p>
+              </p:txBody>
+            </p:sp>
+          </mc:Choice>
+          <mc:Fallback>
+            <p:sp>
+              <p:nvSpPr>
+                <p:cNvPr id="89" name="テキスト ボックス 88">
+                  <a:extLst>
+                    <a:ext uri="{FF2B5EF4-FFF2-40B4-BE49-F238E27FC236}">
+                      <a16:creationId xmlns:a16="http://schemas.microsoft.com/office/drawing/2014/main" id="{01271BC5-A40E-4541-AFCC-F5F131AE23CF}"/>
+                    </a:ext>
+                  </a:extLst>
+                </p:cNvPr>
+                <p:cNvSpPr txBox="1">
+                  <a:spLocks noRot="1" noChangeAspect="1" noMove="1" noResize="1" noEditPoints="1" noAdjustHandles="1" noChangeArrowheads="1" noChangeShapeType="1" noTextEdit="1"/>
+                </p:cNvSpPr>
+                <p:nvPr/>
+              </p:nvSpPr>
+              <p:spPr>
+                <a:xfrm>
+                  <a:off x="6207285" y="1464121"/>
+                  <a:ext cx="457881" cy="369332"/>
+                </a:xfrm>
+                <a:prstGeom prst="rect">
+                  <a:avLst/>
+                </a:prstGeom>
+                <a:blipFill>
+                  <a:blip r:embed="rId32"/>
+                  <a:stretch>
+                    <a:fillRect/>
+                  </a:stretch>
+                </a:blipFill>
+              </p:spPr>
+              <p:txBody>
+                <a:bodyPr/>
+                <a:lstStyle/>
+                <a:p>
+                  <a:r>
+                    <a:rPr lang="ja-JP" altLang="en-US">
+                      <a:noFill/>
+                    </a:rPr>
+                    <a:t> </a:t>
+                  </a:r>
+                </a:p>
+              </p:txBody>
+            </p:sp>
+          </mc:Fallback>
+        </mc:AlternateContent>
+        <mc:AlternateContent xmlns:mc="http://schemas.openxmlformats.org/markup-compatibility/2006">
+          <mc:Choice xmlns:a14="http://schemas.microsoft.com/office/drawing/2010/main" Requires="a14">
+            <p:sp>
+              <p:nvSpPr>
+                <p:cNvPr id="90" name="テキスト ボックス 89">
+                  <a:extLst>
+                    <a:ext uri="{FF2B5EF4-FFF2-40B4-BE49-F238E27FC236}">
+                      <a16:creationId xmlns:a16="http://schemas.microsoft.com/office/drawing/2014/main" id="{FB35C9F2-BA5B-4EA0-962C-C84EBCFF1155}"/>
+                    </a:ext>
+                  </a:extLst>
+                </p:cNvPr>
+                <p:cNvSpPr txBox="1"/>
+                <p:nvPr/>
+              </p:nvSpPr>
+              <p:spPr>
+                <a:xfrm>
+                  <a:off x="5226762" y="1464121"/>
+                  <a:ext cx="457881" cy="369332"/>
+                </a:xfrm>
+                <a:prstGeom prst="rect">
+                  <a:avLst/>
+                </a:prstGeom>
+                <a:noFill/>
+              </p:spPr>
+              <p:txBody>
+                <a:bodyPr wrap="none" rtlCol="0">
+                  <a:spAutoFit/>
+                </a:bodyPr>
+                <a:lstStyle/>
+                <a:p>
+                  <a14:m>
+                    <m:oMathPara xmlns:m="http://schemas.openxmlformats.org/officeDocument/2006/math">
+                      <m:oMathParaPr>
+                        <m:jc m:val="centerGroup"/>
+                      </m:oMathParaPr>
+                      <m:oMath xmlns:m="http://schemas.openxmlformats.org/officeDocument/2006/math">
+                        <m:sSub>
+                          <m:sSubPr>
+                            <m:ctrlPr>
+                              <a:rPr kumimoji="1" lang="en-US" altLang="ja-JP" b="0" i="1" smtClean="0">
+                                <a:latin typeface="Cambria Math" panose="02040503050406030204" pitchFamily="18" charset="0"/>
+                              </a:rPr>
+                            </m:ctrlPr>
+                          </m:sSubPr>
+                          <m:e>
+                            <m:r>
+                              <a:rPr kumimoji="1" lang="en-US" altLang="ja-JP" b="0" i="1" smtClean="0">
+                                <a:latin typeface="Cambria Math" panose="02040503050406030204" pitchFamily="18" charset="0"/>
+                              </a:rPr>
+                              <m:t>𝑐</m:t>
+                            </m:r>
+                          </m:e>
+                          <m:sub>
+                            <m:r>
+                              <a:rPr kumimoji="1" lang="en-US" altLang="ja-JP" b="0" i="1" smtClean="0">
+                                <a:latin typeface="Cambria Math" panose="02040503050406030204" pitchFamily="18" charset="0"/>
+                              </a:rPr>
+                              <m:t>3</m:t>
+                            </m:r>
+                          </m:sub>
+                        </m:sSub>
+                      </m:oMath>
+                    </m:oMathPara>
+                  </a14:m>
+                  <a:endParaRPr kumimoji="1" lang="ja-JP" altLang="en-US" dirty="0"/>
+                </a:p>
+              </p:txBody>
+            </p:sp>
+          </mc:Choice>
+          <mc:Fallback>
+            <p:sp>
+              <p:nvSpPr>
+                <p:cNvPr id="90" name="テキスト ボックス 89">
+                  <a:extLst>
+                    <a:ext uri="{FF2B5EF4-FFF2-40B4-BE49-F238E27FC236}">
+                      <a16:creationId xmlns:a16="http://schemas.microsoft.com/office/drawing/2014/main" id="{FB35C9F2-BA5B-4EA0-962C-C84EBCFF1155}"/>
+                    </a:ext>
+                  </a:extLst>
+                </p:cNvPr>
+                <p:cNvSpPr txBox="1">
+                  <a:spLocks noRot="1" noChangeAspect="1" noMove="1" noResize="1" noEditPoints="1" noAdjustHandles="1" noChangeArrowheads="1" noChangeShapeType="1" noTextEdit="1"/>
+                </p:cNvSpPr>
+                <p:nvPr/>
+              </p:nvSpPr>
+              <p:spPr>
+                <a:xfrm>
+                  <a:off x="5226762" y="1464121"/>
+                  <a:ext cx="457881" cy="369332"/>
+                </a:xfrm>
+                <a:prstGeom prst="rect">
+                  <a:avLst/>
+                </a:prstGeom>
+                <a:blipFill>
+                  <a:blip r:embed="rId33"/>
+                  <a:stretch>
+                    <a:fillRect/>
+                  </a:stretch>
+                </a:blipFill>
+              </p:spPr>
+              <p:txBody>
+                <a:bodyPr/>
+                <a:lstStyle/>
+                <a:p>
+                  <a:r>
+                    <a:rPr lang="ja-JP" altLang="en-US">
+                      <a:noFill/>
+                    </a:rPr>
+                    <a:t> </a:t>
+                  </a:r>
+                </a:p>
+              </p:txBody>
+            </p:sp>
+          </mc:Fallback>
+        </mc:AlternateContent>
+        <mc:AlternateContent xmlns:mc="http://schemas.openxmlformats.org/markup-compatibility/2006">
+          <mc:Choice xmlns:a14="http://schemas.microsoft.com/office/drawing/2010/main" Requires="a14">
+            <p:sp>
+              <p:nvSpPr>
+                <p:cNvPr id="91" name="テキスト ボックス 90">
+                  <a:extLst>
+                    <a:ext uri="{FF2B5EF4-FFF2-40B4-BE49-F238E27FC236}">
+                      <a16:creationId xmlns:a16="http://schemas.microsoft.com/office/drawing/2014/main" id="{C6395C4A-D99E-4206-849D-77E6EA3B30DC}"/>
+                    </a:ext>
+                  </a:extLst>
+                </p:cNvPr>
+                <p:cNvSpPr txBox="1"/>
+                <p:nvPr/>
+              </p:nvSpPr>
+              <p:spPr>
+                <a:xfrm>
+                  <a:off x="4216574" y="1475977"/>
+                  <a:ext cx="457882" cy="369332"/>
+                </a:xfrm>
+                <a:prstGeom prst="rect">
+                  <a:avLst/>
+                </a:prstGeom>
+                <a:noFill/>
+              </p:spPr>
+              <p:txBody>
+                <a:bodyPr wrap="none" rtlCol="0">
+                  <a:spAutoFit/>
+                </a:bodyPr>
+                <a:lstStyle/>
+                <a:p>
+                  <a14:m>
+                    <m:oMathPara xmlns:m="http://schemas.openxmlformats.org/officeDocument/2006/math">
+                      <m:oMathParaPr>
+                        <m:jc m:val="centerGroup"/>
+                      </m:oMathParaPr>
+                      <m:oMath xmlns:m="http://schemas.openxmlformats.org/officeDocument/2006/math">
+                        <m:sSub>
+                          <m:sSubPr>
+                            <m:ctrlPr>
+                              <a:rPr kumimoji="1" lang="en-US" altLang="ja-JP" b="0" i="1" smtClean="0">
+                                <a:latin typeface="Cambria Math" panose="02040503050406030204" pitchFamily="18" charset="0"/>
+                              </a:rPr>
+                            </m:ctrlPr>
+                          </m:sSubPr>
+                          <m:e>
+                            <m:r>
+                              <a:rPr kumimoji="1" lang="en-US" altLang="ja-JP" b="0" i="1" smtClean="0">
+                                <a:latin typeface="Cambria Math" panose="02040503050406030204" pitchFamily="18" charset="0"/>
+                              </a:rPr>
+                              <m:t>𝑐</m:t>
+                            </m:r>
+                          </m:e>
+                          <m:sub>
+                            <m:r>
+                              <a:rPr kumimoji="1" lang="en-US" altLang="ja-JP" b="0" i="1" smtClean="0">
+                                <a:latin typeface="Cambria Math" panose="02040503050406030204" pitchFamily="18" charset="0"/>
+                              </a:rPr>
+                              <m:t>4</m:t>
+                            </m:r>
+                          </m:sub>
+                        </m:sSub>
+                      </m:oMath>
+                    </m:oMathPara>
+                  </a14:m>
+                  <a:endParaRPr kumimoji="1" lang="ja-JP" altLang="en-US" dirty="0"/>
+                </a:p>
+              </p:txBody>
+            </p:sp>
+          </mc:Choice>
+          <mc:Fallback>
+            <p:sp>
+              <p:nvSpPr>
+                <p:cNvPr id="91" name="テキスト ボックス 90">
+                  <a:extLst>
+                    <a:ext uri="{FF2B5EF4-FFF2-40B4-BE49-F238E27FC236}">
+                      <a16:creationId xmlns:a16="http://schemas.microsoft.com/office/drawing/2014/main" id="{C6395C4A-D99E-4206-849D-77E6EA3B30DC}"/>
+                    </a:ext>
+                  </a:extLst>
+                </p:cNvPr>
+                <p:cNvSpPr txBox="1">
+                  <a:spLocks noRot="1" noChangeAspect="1" noMove="1" noResize="1" noEditPoints="1" noAdjustHandles="1" noChangeArrowheads="1" noChangeShapeType="1" noTextEdit="1"/>
+                </p:cNvSpPr>
+                <p:nvPr/>
+              </p:nvSpPr>
+              <p:spPr>
+                <a:xfrm>
+                  <a:off x="4216574" y="1475977"/>
+                  <a:ext cx="457882" cy="369332"/>
+                </a:xfrm>
+                <a:prstGeom prst="rect">
+                  <a:avLst/>
+                </a:prstGeom>
+                <a:blipFill>
+                  <a:blip r:embed="rId34"/>
+                  <a:stretch>
+                    <a:fillRect/>
+                  </a:stretch>
+                </a:blipFill>
+              </p:spPr>
+              <p:txBody>
+                <a:bodyPr/>
+                <a:lstStyle/>
+                <a:p>
+                  <a:r>
+                    <a:rPr lang="ja-JP" altLang="en-US">
+                      <a:noFill/>
+                    </a:rPr>
+                    <a:t> </a:t>
+                  </a:r>
+                </a:p>
+              </p:txBody>
+            </p:sp>
+          </mc:Fallback>
+        </mc:AlternateContent>
+        <mc:AlternateContent xmlns:mc="http://schemas.openxmlformats.org/markup-compatibility/2006">
+          <mc:Choice xmlns:a14="http://schemas.microsoft.com/office/drawing/2010/main" Requires="a14">
+            <p:sp>
+              <p:nvSpPr>
+                <p:cNvPr id="92" name="テキスト ボックス 91">
+                  <a:extLst>
+                    <a:ext uri="{FF2B5EF4-FFF2-40B4-BE49-F238E27FC236}">
+                      <a16:creationId xmlns:a16="http://schemas.microsoft.com/office/drawing/2014/main" id="{1A7ACE39-80D5-4082-9CE5-3D27F37CA15C}"/>
+                    </a:ext>
+                  </a:extLst>
+                </p:cNvPr>
+                <p:cNvSpPr txBox="1"/>
+                <p:nvPr/>
+              </p:nvSpPr>
+              <p:spPr>
+                <a:xfrm>
+                  <a:off x="7670585" y="2296408"/>
+                  <a:ext cx="478913" cy="369332"/>
+                </a:xfrm>
+                <a:prstGeom prst="rect">
+                  <a:avLst/>
+                </a:prstGeom>
+                <a:noFill/>
+              </p:spPr>
+              <p:txBody>
+                <a:bodyPr wrap="none" rtlCol="0">
+                  <a:spAutoFit/>
+                </a:bodyPr>
+                <a:lstStyle/>
+                <a:p>
+                  <a14:m>
+                    <m:oMathPara xmlns:m="http://schemas.openxmlformats.org/officeDocument/2006/math">
+                      <m:oMathParaPr>
+                        <m:jc m:val="centerGroup"/>
+                      </m:oMathParaPr>
+                      <m:oMath xmlns:m="http://schemas.openxmlformats.org/officeDocument/2006/math">
+                        <m:sSub>
+                          <m:sSubPr>
+                            <m:ctrlPr>
+                              <a:rPr kumimoji="1" lang="en-US" altLang="ja-JP" b="0" i="1" smtClean="0">
+                                <a:latin typeface="Cambria Math" panose="02040503050406030204" pitchFamily="18" charset="0"/>
+                              </a:rPr>
+                            </m:ctrlPr>
+                          </m:sSubPr>
+                          <m:e>
+                            <m:r>
+                              <a:rPr kumimoji="1" lang="en-US" altLang="ja-JP" b="0" i="1" smtClean="0">
+                                <a:latin typeface="Cambria Math" panose="02040503050406030204" pitchFamily="18" charset="0"/>
+                              </a:rPr>
+                              <m:t>𝑧</m:t>
+                            </m:r>
+                          </m:e>
+                          <m:sub>
+                            <m:r>
+                              <a:rPr kumimoji="1" lang="en-US" altLang="ja-JP" b="0" i="1" smtClean="0">
+                                <a:latin typeface="Cambria Math" panose="02040503050406030204" pitchFamily="18" charset="0"/>
+                              </a:rPr>
+                              <m:t>0</m:t>
+                            </m:r>
+                          </m:sub>
+                        </m:sSub>
+                      </m:oMath>
+                    </m:oMathPara>
+                  </a14:m>
+                  <a:endParaRPr kumimoji="1" lang="ja-JP" altLang="en-US" dirty="0"/>
+                </a:p>
+              </p:txBody>
+            </p:sp>
+          </mc:Choice>
+          <mc:Fallback>
+            <p:sp>
+              <p:nvSpPr>
+                <p:cNvPr id="92" name="テキスト ボックス 91">
+                  <a:extLst>
+                    <a:ext uri="{FF2B5EF4-FFF2-40B4-BE49-F238E27FC236}">
+                      <a16:creationId xmlns:a16="http://schemas.microsoft.com/office/drawing/2014/main" id="{1A7ACE39-80D5-4082-9CE5-3D27F37CA15C}"/>
+                    </a:ext>
+                  </a:extLst>
+                </p:cNvPr>
+                <p:cNvSpPr txBox="1">
+                  <a:spLocks noRot="1" noChangeAspect="1" noMove="1" noResize="1" noEditPoints="1" noAdjustHandles="1" noChangeArrowheads="1" noChangeShapeType="1" noTextEdit="1"/>
+                </p:cNvSpPr>
+                <p:nvPr/>
+              </p:nvSpPr>
+              <p:spPr>
+                <a:xfrm>
+                  <a:off x="7670585" y="2296408"/>
+                  <a:ext cx="478913" cy="369332"/>
+                </a:xfrm>
+                <a:prstGeom prst="rect">
+                  <a:avLst/>
+                </a:prstGeom>
+                <a:blipFill>
+                  <a:blip r:embed="rId35"/>
+                  <a:stretch>
+                    <a:fillRect/>
+                  </a:stretch>
+                </a:blipFill>
+              </p:spPr>
+              <p:txBody>
+                <a:bodyPr/>
+                <a:lstStyle/>
+                <a:p>
+                  <a:r>
+                    <a:rPr lang="ja-JP" altLang="en-US">
+                      <a:noFill/>
+                    </a:rPr>
+                    <a:t> </a:t>
+                  </a:r>
+                </a:p>
+              </p:txBody>
+            </p:sp>
+          </mc:Fallback>
+        </mc:AlternateContent>
+        <mc:AlternateContent xmlns:mc="http://schemas.openxmlformats.org/markup-compatibility/2006">
+          <mc:Choice xmlns:a14="http://schemas.microsoft.com/office/drawing/2010/main" Requires="a14">
+            <p:sp>
+              <p:nvSpPr>
+                <p:cNvPr id="93" name="テキスト ボックス 92">
+                  <a:extLst>
+                    <a:ext uri="{FF2B5EF4-FFF2-40B4-BE49-F238E27FC236}">
+                      <a16:creationId xmlns:a16="http://schemas.microsoft.com/office/drawing/2014/main" id="{C86F138D-306F-40E3-BDA9-7FC512173B00}"/>
+                    </a:ext>
+                  </a:extLst>
+                </p:cNvPr>
+                <p:cNvSpPr txBox="1"/>
+                <p:nvPr/>
+              </p:nvSpPr>
+              <p:spPr>
+                <a:xfrm>
+                  <a:off x="6690061" y="2296408"/>
+                  <a:ext cx="458972" cy="369332"/>
+                </a:xfrm>
+                <a:prstGeom prst="rect">
+                  <a:avLst/>
+                </a:prstGeom>
+                <a:noFill/>
+              </p:spPr>
+              <p:txBody>
+                <a:bodyPr wrap="none" rtlCol="0">
+                  <a:spAutoFit/>
+                </a:bodyPr>
+                <a:lstStyle/>
+                <a:p>
+                  <a14:m>
+                    <m:oMathPara xmlns:m="http://schemas.openxmlformats.org/officeDocument/2006/math">
+                      <m:oMathParaPr>
+                        <m:jc m:val="centerGroup"/>
+                      </m:oMathParaPr>
+                      <m:oMath xmlns:m="http://schemas.openxmlformats.org/officeDocument/2006/math">
+                        <m:sSub>
+                          <m:sSubPr>
+                            <m:ctrlPr>
+                              <a:rPr kumimoji="1" lang="en-US" altLang="ja-JP" b="0" i="1" smtClean="0">
+                                <a:latin typeface="Cambria Math" panose="02040503050406030204" pitchFamily="18" charset="0"/>
+                              </a:rPr>
+                            </m:ctrlPr>
+                          </m:sSubPr>
+                          <m:e>
+                            <m:r>
+                              <a:rPr kumimoji="1" lang="en-US" altLang="ja-JP" b="0" i="1" smtClean="0">
+                                <a:latin typeface="Cambria Math" panose="02040503050406030204" pitchFamily="18" charset="0"/>
+                              </a:rPr>
+                              <m:t>𝑧</m:t>
+                            </m:r>
+                          </m:e>
+                          <m:sub>
+                            <m:r>
+                              <a:rPr kumimoji="1" lang="en-US" altLang="ja-JP" b="0" i="1" smtClean="0">
+                                <a:latin typeface="Cambria Math" panose="02040503050406030204" pitchFamily="18" charset="0"/>
+                              </a:rPr>
+                              <m:t>1</m:t>
+                            </m:r>
+                          </m:sub>
+                        </m:sSub>
+                      </m:oMath>
+                    </m:oMathPara>
+                  </a14:m>
+                  <a:endParaRPr kumimoji="1" lang="ja-JP" altLang="en-US" dirty="0"/>
+                </a:p>
+              </p:txBody>
+            </p:sp>
+          </mc:Choice>
+          <mc:Fallback>
+            <p:sp>
+              <p:nvSpPr>
+                <p:cNvPr id="93" name="テキスト ボックス 92">
+                  <a:extLst>
+                    <a:ext uri="{FF2B5EF4-FFF2-40B4-BE49-F238E27FC236}">
+                      <a16:creationId xmlns:a16="http://schemas.microsoft.com/office/drawing/2014/main" id="{C86F138D-306F-40E3-BDA9-7FC512173B00}"/>
+                    </a:ext>
+                  </a:extLst>
+                </p:cNvPr>
+                <p:cNvSpPr txBox="1">
+                  <a:spLocks noRot="1" noChangeAspect="1" noMove="1" noResize="1" noEditPoints="1" noAdjustHandles="1" noChangeArrowheads="1" noChangeShapeType="1" noTextEdit="1"/>
+                </p:cNvSpPr>
+                <p:nvPr/>
+              </p:nvSpPr>
+              <p:spPr>
+                <a:xfrm>
+                  <a:off x="6690061" y="2296408"/>
+                  <a:ext cx="458972" cy="369332"/>
+                </a:xfrm>
+                <a:prstGeom prst="rect">
+                  <a:avLst/>
+                </a:prstGeom>
+                <a:blipFill>
+                  <a:blip r:embed="rId36"/>
+                  <a:stretch>
+                    <a:fillRect/>
+                  </a:stretch>
+                </a:blipFill>
+              </p:spPr>
+              <p:txBody>
+                <a:bodyPr/>
+                <a:lstStyle/>
+                <a:p>
+                  <a:r>
+                    <a:rPr lang="ja-JP" altLang="en-US">
+                      <a:noFill/>
+                    </a:rPr>
+                    <a:t> </a:t>
+                  </a:r>
+                </a:p>
+              </p:txBody>
+            </p:sp>
+          </mc:Fallback>
+        </mc:AlternateContent>
+        <mc:AlternateContent xmlns:mc="http://schemas.openxmlformats.org/markup-compatibility/2006">
+          <mc:Choice xmlns:a14="http://schemas.microsoft.com/office/drawing/2010/main" Requires="a14">
+            <p:sp>
+              <p:nvSpPr>
+                <p:cNvPr id="94" name="テキスト ボックス 93">
+                  <a:extLst>
+                    <a:ext uri="{FF2B5EF4-FFF2-40B4-BE49-F238E27FC236}">
+                      <a16:creationId xmlns:a16="http://schemas.microsoft.com/office/drawing/2014/main" id="{C6964BD8-96B1-4928-9EEA-03CBD32C94FC}"/>
+                    </a:ext>
+                  </a:extLst>
+                </p:cNvPr>
+                <p:cNvSpPr txBox="1"/>
+                <p:nvPr/>
+              </p:nvSpPr>
+              <p:spPr>
+                <a:xfrm>
+                  <a:off x="5709538" y="2296408"/>
+                  <a:ext cx="478913" cy="369332"/>
+                </a:xfrm>
+                <a:prstGeom prst="rect">
+                  <a:avLst/>
+                </a:prstGeom>
+                <a:noFill/>
+              </p:spPr>
+              <p:txBody>
+                <a:bodyPr wrap="none" rtlCol="0">
+                  <a:spAutoFit/>
+                </a:bodyPr>
+                <a:lstStyle/>
+                <a:p>
+                  <a14:m>
+                    <m:oMathPara xmlns:m="http://schemas.openxmlformats.org/officeDocument/2006/math">
+                      <m:oMathParaPr>
+                        <m:jc m:val="centerGroup"/>
+                      </m:oMathParaPr>
+                      <m:oMath xmlns:m="http://schemas.openxmlformats.org/officeDocument/2006/math">
+                        <m:sSub>
+                          <m:sSubPr>
+                            <m:ctrlPr>
+                              <a:rPr kumimoji="1" lang="en-US" altLang="ja-JP" b="0" i="1" smtClean="0">
+                                <a:latin typeface="Cambria Math" panose="02040503050406030204" pitchFamily="18" charset="0"/>
+                              </a:rPr>
+                            </m:ctrlPr>
+                          </m:sSubPr>
+                          <m:e>
+                            <m:r>
+                              <a:rPr kumimoji="1" lang="en-US" altLang="ja-JP" b="0" i="1" smtClean="0">
+                                <a:latin typeface="Cambria Math" panose="02040503050406030204" pitchFamily="18" charset="0"/>
+                              </a:rPr>
+                              <m:t>𝑧</m:t>
+                            </m:r>
+                          </m:e>
+                          <m:sub>
+                            <m:r>
+                              <a:rPr kumimoji="1" lang="en-US" altLang="ja-JP" b="0" i="1" smtClean="0">
+                                <a:latin typeface="Cambria Math" panose="02040503050406030204" pitchFamily="18" charset="0"/>
+                              </a:rPr>
+                              <m:t>2</m:t>
+                            </m:r>
+                          </m:sub>
+                        </m:sSub>
+                      </m:oMath>
+                    </m:oMathPara>
+                  </a14:m>
+                  <a:endParaRPr kumimoji="1" lang="ja-JP" altLang="en-US" dirty="0"/>
+                </a:p>
+              </p:txBody>
+            </p:sp>
+          </mc:Choice>
+          <mc:Fallback>
+            <p:sp>
+              <p:nvSpPr>
+                <p:cNvPr id="94" name="テキスト ボックス 93">
+                  <a:extLst>
+                    <a:ext uri="{FF2B5EF4-FFF2-40B4-BE49-F238E27FC236}">
+                      <a16:creationId xmlns:a16="http://schemas.microsoft.com/office/drawing/2014/main" id="{C6964BD8-96B1-4928-9EEA-03CBD32C94FC}"/>
+                    </a:ext>
+                  </a:extLst>
+                </p:cNvPr>
+                <p:cNvSpPr txBox="1">
+                  <a:spLocks noRot="1" noChangeAspect="1" noMove="1" noResize="1" noEditPoints="1" noAdjustHandles="1" noChangeArrowheads="1" noChangeShapeType="1" noTextEdit="1"/>
+                </p:cNvSpPr>
+                <p:nvPr/>
+              </p:nvSpPr>
+              <p:spPr>
+                <a:xfrm>
+                  <a:off x="5709538" y="2296408"/>
+                  <a:ext cx="478913" cy="369332"/>
+                </a:xfrm>
+                <a:prstGeom prst="rect">
+                  <a:avLst/>
+                </a:prstGeom>
+                <a:blipFill>
+                  <a:blip r:embed="rId37"/>
+                  <a:stretch>
+                    <a:fillRect/>
+                  </a:stretch>
+                </a:blipFill>
+              </p:spPr>
+              <p:txBody>
+                <a:bodyPr/>
+                <a:lstStyle/>
+                <a:p>
+                  <a:r>
+                    <a:rPr lang="ja-JP" altLang="en-US">
+                      <a:noFill/>
+                    </a:rPr>
+                    <a:t> </a:t>
+                  </a:r>
+                </a:p>
+              </p:txBody>
+            </p:sp>
+          </mc:Fallback>
+        </mc:AlternateContent>
+        <mc:AlternateContent xmlns:mc="http://schemas.openxmlformats.org/markup-compatibility/2006">
+          <mc:Choice xmlns:a14="http://schemas.microsoft.com/office/drawing/2010/main" Requires="a14">
+            <p:sp>
+              <p:nvSpPr>
+                <p:cNvPr id="95" name="テキスト ボックス 94">
+                  <a:extLst>
+                    <a:ext uri="{FF2B5EF4-FFF2-40B4-BE49-F238E27FC236}">
+                      <a16:creationId xmlns:a16="http://schemas.microsoft.com/office/drawing/2014/main" id="{4F32589D-E732-4609-9BE4-7F25D4D1F4BF}"/>
+                    </a:ext>
+                  </a:extLst>
+                </p:cNvPr>
+                <p:cNvSpPr txBox="1"/>
+                <p:nvPr/>
+              </p:nvSpPr>
+              <p:spPr>
+                <a:xfrm>
+                  <a:off x="4729015" y="2296408"/>
+                  <a:ext cx="480581" cy="369332"/>
+                </a:xfrm>
+                <a:prstGeom prst="rect">
+                  <a:avLst/>
+                </a:prstGeom>
+                <a:noFill/>
+              </p:spPr>
+              <p:txBody>
+                <a:bodyPr wrap="none" rtlCol="0">
+                  <a:spAutoFit/>
+                </a:bodyPr>
+                <a:lstStyle/>
+                <a:p>
+                  <a14:m>
+                    <m:oMathPara xmlns:m="http://schemas.openxmlformats.org/officeDocument/2006/math">
+                      <m:oMathParaPr>
+                        <m:jc m:val="centerGroup"/>
+                      </m:oMathParaPr>
+                      <m:oMath xmlns:m="http://schemas.openxmlformats.org/officeDocument/2006/math">
+                        <m:sSub>
+                          <m:sSubPr>
+                            <m:ctrlPr>
+                              <a:rPr kumimoji="1" lang="en-US" altLang="ja-JP" b="0" i="1" smtClean="0">
+                                <a:latin typeface="Cambria Math" panose="02040503050406030204" pitchFamily="18" charset="0"/>
+                              </a:rPr>
+                            </m:ctrlPr>
+                          </m:sSubPr>
+                          <m:e>
+                            <m:r>
+                              <a:rPr kumimoji="1" lang="en-US" altLang="ja-JP" b="0" i="1" smtClean="0">
+                                <a:latin typeface="Cambria Math" panose="02040503050406030204" pitchFamily="18" charset="0"/>
+                              </a:rPr>
+                              <m:t>𝑧</m:t>
+                            </m:r>
+                          </m:e>
+                          <m:sub>
+                            <m:r>
+                              <a:rPr kumimoji="1" lang="en-US" altLang="ja-JP" b="0" i="1" smtClean="0">
+                                <a:latin typeface="Cambria Math" panose="02040503050406030204" pitchFamily="18" charset="0"/>
+                              </a:rPr>
+                              <m:t>3</m:t>
+                            </m:r>
+                          </m:sub>
+                        </m:sSub>
+                      </m:oMath>
+                    </m:oMathPara>
+                  </a14:m>
+                  <a:endParaRPr kumimoji="1" lang="ja-JP" altLang="en-US" dirty="0"/>
+                </a:p>
+              </p:txBody>
+            </p:sp>
+          </mc:Choice>
+          <mc:Fallback>
+            <p:sp>
+              <p:nvSpPr>
+                <p:cNvPr id="95" name="テキスト ボックス 94">
+                  <a:extLst>
+                    <a:ext uri="{FF2B5EF4-FFF2-40B4-BE49-F238E27FC236}">
+                      <a16:creationId xmlns:a16="http://schemas.microsoft.com/office/drawing/2014/main" id="{4F32589D-E732-4609-9BE4-7F25D4D1F4BF}"/>
+                    </a:ext>
+                  </a:extLst>
+                </p:cNvPr>
+                <p:cNvSpPr txBox="1">
+                  <a:spLocks noRot="1" noChangeAspect="1" noMove="1" noResize="1" noEditPoints="1" noAdjustHandles="1" noChangeArrowheads="1" noChangeShapeType="1" noTextEdit="1"/>
+                </p:cNvSpPr>
+                <p:nvPr/>
+              </p:nvSpPr>
+              <p:spPr>
+                <a:xfrm>
+                  <a:off x="4729015" y="2296408"/>
+                  <a:ext cx="480581" cy="369332"/>
+                </a:xfrm>
+                <a:prstGeom prst="rect">
+                  <a:avLst/>
+                </a:prstGeom>
+                <a:blipFill>
+                  <a:blip r:embed="rId38"/>
+                  <a:stretch>
+                    <a:fillRect/>
+                  </a:stretch>
+                </a:blipFill>
+              </p:spPr>
+              <p:txBody>
+                <a:bodyPr/>
+                <a:lstStyle/>
+                <a:p>
+                  <a:r>
+                    <a:rPr lang="ja-JP" altLang="en-US">
+                      <a:noFill/>
+                    </a:rPr>
+                    <a:t> </a:t>
+                  </a:r>
+                </a:p>
+              </p:txBody>
+            </p:sp>
+          </mc:Fallback>
+        </mc:AlternateContent>
+      </p:grpSp>
+    </p:spTree>
+    <p:extLst>
+      <p:ext uri="{BB962C8B-B14F-4D97-AF65-F5344CB8AC3E}">
+        <p14:creationId xmlns:p14="http://schemas.microsoft.com/office/powerpoint/2010/main" val="3713559356"/>
+      </p:ext>
+    </p:extLst>
+  </p:cSld>
+  <p:clrMapOvr>
+    <a:masterClrMapping/>
+  </p:clrMapOvr>
+</p:sld>
+</file>
+
 <file path=ppt/theme/theme1.xml><?xml version="1.0" encoding="utf-8"?>
 <a:theme xmlns:a="http://schemas.openxmlformats.org/drawingml/2006/main" name="Office テーマ">
   <a:themeElements>

--- a/docs/images/QUBO++images.pptx
+++ b/docs/images/QUBO++images.pptx
@@ -9,6 +9,7 @@
     <p:sldId id="257" r:id="rId3"/>
     <p:sldId id="258" r:id="rId4"/>
     <p:sldId id="259" r:id="rId5"/>
+    <p:sldId id="260" r:id="rId6"/>
   </p:sldIdLst>
   <p:sldSz cx="12192000" cy="6858000"/>
   <p:notesSz cx="6858000" cy="9144000"/>
@@ -262,7 +263,7 @@
           <a:p>
             <a:fld id="{F9749A5A-0767-4D13-9CC0-3A8774588994}" type="datetimeFigureOut">
               <a:rPr kumimoji="1" lang="ja-JP" altLang="en-US" smtClean="0"/>
-              <a:t>2026/1/6</a:t>
+              <a:t>2026/1/14</a:t>
             </a:fld>
             <a:endParaRPr kumimoji="1" lang="ja-JP" altLang="en-US"/>
           </a:p>
@@ -492,7 +493,7 @@
           <a:p>
             <a:fld id="{F9749A5A-0767-4D13-9CC0-3A8774588994}" type="datetimeFigureOut">
               <a:rPr kumimoji="1" lang="ja-JP" altLang="en-US" smtClean="0"/>
-              <a:t>2026/1/6</a:t>
+              <a:t>2026/1/14</a:t>
             </a:fld>
             <a:endParaRPr kumimoji="1" lang="ja-JP" altLang="en-US"/>
           </a:p>
@@ -732,7 +733,7 @@
           <a:p>
             <a:fld id="{F9749A5A-0767-4D13-9CC0-3A8774588994}" type="datetimeFigureOut">
               <a:rPr kumimoji="1" lang="ja-JP" altLang="en-US" smtClean="0"/>
-              <a:t>2026/1/6</a:t>
+              <a:t>2026/1/14</a:t>
             </a:fld>
             <a:endParaRPr kumimoji="1" lang="ja-JP" altLang="en-US"/>
           </a:p>
@@ -962,7 +963,7 @@
           <a:p>
             <a:fld id="{F9749A5A-0767-4D13-9CC0-3A8774588994}" type="datetimeFigureOut">
               <a:rPr kumimoji="1" lang="ja-JP" altLang="en-US" smtClean="0"/>
-              <a:t>2026/1/6</a:t>
+              <a:t>2026/1/14</a:t>
             </a:fld>
             <a:endParaRPr kumimoji="1" lang="ja-JP" altLang="en-US"/>
           </a:p>
@@ -1237,7 +1238,7 @@
           <a:p>
             <a:fld id="{F9749A5A-0767-4D13-9CC0-3A8774588994}" type="datetimeFigureOut">
               <a:rPr kumimoji="1" lang="ja-JP" altLang="en-US" smtClean="0"/>
-              <a:t>2026/1/6</a:t>
+              <a:t>2026/1/14</a:t>
             </a:fld>
             <a:endParaRPr kumimoji="1" lang="ja-JP" altLang="en-US"/>
           </a:p>
@@ -1566,7 +1567,7 @@
           <a:p>
             <a:fld id="{F9749A5A-0767-4D13-9CC0-3A8774588994}" type="datetimeFigureOut">
               <a:rPr kumimoji="1" lang="ja-JP" altLang="en-US" smtClean="0"/>
-              <a:t>2026/1/6</a:t>
+              <a:t>2026/1/14</a:t>
             </a:fld>
             <a:endParaRPr kumimoji="1" lang="ja-JP" altLang="en-US"/>
           </a:p>
@@ -2042,7 +2043,7 @@
           <a:p>
             <a:fld id="{F9749A5A-0767-4D13-9CC0-3A8774588994}" type="datetimeFigureOut">
               <a:rPr kumimoji="1" lang="ja-JP" altLang="en-US" smtClean="0"/>
-              <a:t>2026/1/6</a:t>
+              <a:t>2026/1/14</a:t>
             </a:fld>
             <a:endParaRPr kumimoji="1" lang="ja-JP" altLang="en-US"/>
           </a:p>
@@ -2183,7 +2184,7 @@
           <a:p>
             <a:fld id="{F9749A5A-0767-4D13-9CC0-3A8774588994}" type="datetimeFigureOut">
               <a:rPr kumimoji="1" lang="ja-JP" altLang="en-US" smtClean="0"/>
-              <a:t>2026/1/6</a:t>
+              <a:t>2026/1/14</a:t>
             </a:fld>
             <a:endParaRPr kumimoji="1" lang="ja-JP" altLang="en-US"/>
           </a:p>
@@ -2296,7 +2297,7 @@
           <a:p>
             <a:fld id="{F9749A5A-0767-4D13-9CC0-3A8774588994}" type="datetimeFigureOut">
               <a:rPr kumimoji="1" lang="ja-JP" altLang="en-US" smtClean="0"/>
-              <a:t>2026/1/6</a:t>
+              <a:t>2026/1/14</a:t>
             </a:fld>
             <a:endParaRPr kumimoji="1" lang="ja-JP" altLang="en-US"/>
           </a:p>
@@ -2639,7 +2640,7 @@
           <a:p>
             <a:fld id="{F9749A5A-0767-4D13-9CC0-3A8774588994}" type="datetimeFigureOut">
               <a:rPr kumimoji="1" lang="ja-JP" altLang="en-US" smtClean="0"/>
-              <a:t>2026/1/6</a:t>
+              <a:t>2026/1/14</a:t>
             </a:fld>
             <a:endParaRPr kumimoji="1" lang="ja-JP" altLang="en-US"/>
           </a:p>
@@ -2927,7 +2928,7 @@
           <a:p>
             <a:fld id="{F9749A5A-0767-4D13-9CC0-3A8774588994}" type="datetimeFigureOut">
               <a:rPr kumimoji="1" lang="ja-JP" altLang="en-US" smtClean="0"/>
-              <a:t>2026/1/6</a:t>
+              <a:t>2026/1/14</a:t>
             </a:fld>
             <a:endParaRPr kumimoji="1" lang="ja-JP" altLang="en-US"/>
           </a:p>
@@ -3200,7 +3201,7 @@
           <a:p>
             <a:fld id="{F9749A5A-0767-4D13-9CC0-3A8774588994}" type="datetimeFigureOut">
               <a:rPr kumimoji="1" lang="ja-JP" altLang="en-US" smtClean="0"/>
-              <a:t>2026/1/6</a:t>
+              <a:t>2026/1/14</a:t>
             </a:fld>
             <a:endParaRPr kumimoji="1" lang="ja-JP" altLang="en-US"/>
           </a:p>
@@ -27114,6 +27115,3852 @@
 </p:sld>
 </file>
 
+<file path=ppt/slides/slide5.xml><?xml version="1.0" encoding="utf-8"?>
+<p:sld xmlns:a="http://schemas.openxmlformats.org/drawingml/2006/main" xmlns:r="http://schemas.openxmlformats.org/officeDocument/2006/relationships" xmlns:p="http://schemas.openxmlformats.org/presentationml/2006/main">
+  <p:cSld>
+    <p:spTree>
+      <p:nvGrpSpPr>
+        <p:cNvPr id="1" name=""/>
+        <p:cNvGrpSpPr/>
+        <p:nvPr/>
+      </p:nvGrpSpPr>
+      <p:grpSpPr>
+        <a:xfrm>
+          <a:off x="0" y="0"/>
+          <a:ext cx="0" cy="0"/>
+          <a:chOff x="0" y="0"/>
+          <a:chExt cx="0" cy="0"/>
+        </a:xfrm>
+      </p:grpSpPr>
+      <p:grpSp>
+        <p:nvGrpSpPr>
+          <p:cNvPr id="45" name="グループ化 44">
+            <a:extLst>
+              <a:ext uri="{FF2B5EF4-FFF2-40B4-BE49-F238E27FC236}">
+                <a16:creationId xmlns:a16="http://schemas.microsoft.com/office/drawing/2014/main" id="{EADE8C82-E29E-4088-9704-CDA72A945685}"/>
+              </a:ext>
+            </a:extLst>
+          </p:cNvPr>
+          <p:cNvGrpSpPr/>
+          <p:nvPr/>
+        </p:nvGrpSpPr>
+        <p:grpSpPr>
+          <a:xfrm>
+            <a:off x="6289658" y="2936243"/>
+            <a:ext cx="2301239" cy="1342662"/>
+            <a:chOff x="2337263" y="1928553"/>
+            <a:chExt cx="2301239" cy="1342662"/>
+          </a:xfrm>
+        </p:grpSpPr>
+        <mc:AlternateContent xmlns:mc="http://schemas.openxmlformats.org/markup-compatibility/2006">
+          <mc:Choice xmlns:a14="http://schemas.microsoft.com/office/drawing/2010/main" Requires="a14">
+            <p:sp>
+              <p:nvSpPr>
+                <p:cNvPr id="4" name="楕円 3">
+                  <a:extLst>
+                    <a:ext uri="{FF2B5EF4-FFF2-40B4-BE49-F238E27FC236}">
+                      <a16:creationId xmlns:a16="http://schemas.microsoft.com/office/drawing/2014/main" id="{1A322D9E-5541-4162-B3B5-2D4F952EE257}"/>
+                    </a:ext>
+                  </a:extLst>
+                </p:cNvPr>
+                <p:cNvSpPr/>
+                <p:nvPr/>
+              </p:nvSpPr>
+              <p:spPr>
+                <a:xfrm>
+                  <a:off x="2820074" y="2411106"/>
+                  <a:ext cx="377556" cy="377556"/>
+                </a:xfrm>
+                <a:prstGeom prst="ellipse">
+                  <a:avLst/>
+                </a:prstGeom>
+                <a:solidFill>
+                  <a:schemeClr val="accent5">
+                    <a:lumMod val="60000"/>
+                    <a:lumOff val="40000"/>
+                  </a:schemeClr>
+                </a:solidFill>
+                <a:ln>
+                  <a:solidFill>
+                    <a:schemeClr val="tx1"/>
+                  </a:solidFill>
+                </a:ln>
+              </p:spPr>
+              <p:style>
+                <a:lnRef idx="2">
+                  <a:schemeClr val="accent1">
+                    <a:shade val="50000"/>
+                  </a:schemeClr>
+                </a:lnRef>
+                <a:fillRef idx="1">
+                  <a:schemeClr val="accent1"/>
+                </a:fillRef>
+                <a:effectRef idx="0">
+                  <a:schemeClr val="accent1"/>
+                </a:effectRef>
+                <a:fontRef idx="minor">
+                  <a:schemeClr val="lt1"/>
+                </a:fontRef>
+              </p:style>
+              <p:txBody>
+                <a:bodyPr rtlCol="0" anchor="ctr"/>
+                <a:lstStyle/>
+                <a:p>
+                  <a:pPr algn="ctr"/>
+                  <a14:m>
+                    <m:oMathPara xmlns:m="http://schemas.openxmlformats.org/officeDocument/2006/math">
+                      <m:oMathParaPr>
+                        <m:jc m:val="center"/>
+                      </m:oMathParaPr>
+                      <m:oMath xmlns:m="http://schemas.openxmlformats.org/officeDocument/2006/math">
+                        <m:r>
+                          <a:rPr kumimoji="1" lang="en-US" altLang="ja-JP" b="0" i="1" smtClean="0">
+                            <a:solidFill>
+                              <a:schemeClr val="tx1"/>
+                            </a:solidFill>
+                            <a:latin typeface="Cambria Math" panose="02040503050406030204" pitchFamily="18" charset="0"/>
+                          </a:rPr>
+                          <m:t>𝑢</m:t>
+                        </m:r>
+                      </m:oMath>
+                    </m:oMathPara>
+                  </a14:m>
+                  <a:endParaRPr kumimoji="1" lang="ja-JP" altLang="en-US" dirty="0">
+                    <a:solidFill>
+                      <a:schemeClr val="tx1"/>
+                    </a:solidFill>
+                  </a:endParaRPr>
+                </a:p>
+              </p:txBody>
+            </p:sp>
+          </mc:Choice>
+          <mc:Fallback>
+            <p:sp>
+              <p:nvSpPr>
+                <p:cNvPr id="4" name="楕円 3">
+                  <a:extLst>
+                    <a:ext uri="{FF2B5EF4-FFF2-40B4-BE49-F238E27FC236}">
+                      <a16:creationId xmlns:a16="http://schemas.microsoft.com/office/drawing/2014/main" id="{1A322D9E-5541-4162-B3B5-2D4F952EE257}"/>
+                    </a:ext>
+                  </a:extLst>
+                </p:cNvPr>
+                <p:cNvSpPr>
+                  <a:spLocks noRot="1" noChangeAspect="1" noMove="1" noResize="1" noEditPoints="1" noAdjustHandles="1" noChangeArrowheads="1" noChangeShapeType="1" noTextEdit="1"/>
+                </p:cNvSpPr>
+                <p:nvPr/>
+              </p:nvSpPr>
+              <p:spPr>
+                <a:xfrm>
+                  <a:off x="2820074" y="2411106"/>
+                  <a:ext cx="377556" cy="377556"/>
+                </a:xfrm>
+                <a:prstGeom prst="ellipse">
+                  <a:avLst/>
+                </a:prstGeom>
+                <a:blipFill>
+                  <a:blip r:embed="rId2"/>
+                  <a:stretch>
+                    <a:fillRect/>
+                  </a:stretch>
+                </a:blipFill>
+                <a:ln>
+                  <a:solidFill>
+                    <a:schemeClr val="tx1"/>
+                  </a:solidFill>
+                </a:ln>
+              </p:spPr>
+              <p:txBody>
+                <a:bodyPr/>
+                <a:lstStyle/>
+                <a:p>
+                  <a:r>
+                    <a:rPr lang="ja-JP" altLang="en-US">
+                      <a:noFill/>
+                    </a:rPr>
+                    <a:t> </a:t>
+                  </a:r>
+                </a:p>
+              </p:txBody>
+            </p:sp>
+          </mc:Fallback>
+        </mc:AlternateContent>
+        <mc:AlternateContent xmlns:mc="http://schemas.openxmlformats.org/markup-compatibility/2006">
+          <mc:Choice xmlns:a14="http://schemas.microsoft.com/office/drawing/2010/main" Requires="a14">
+            <p:sp>
+              <p:nvSpPr>
+                <p:cNvPr id="5" name="楕円 4">
+                  <a:extLst>
+                    <a:ext uri="{FF2B5EF4-FFF2-40B4-BE49-F238E27FC236}">
+                      <a16:creationId xmlns:a16="http://schemas.microsoft.com/office/drawing/2014/main" id="{4D8EC5E4-FFE4-4A28-95F1-A33C544D3AEE}"/>
+                    </a:ext>
+                  </a:extLst>
+                </p:cNvPr>
+                <p:cNvSpPr/>
+                <p:nvPr/>
+              </p:nvSpPr>
+              <p:spPr>
+                <a:xfrm>
+                  <a:off x="3813992" y="2411106"/>
+                  <a:ext cx="377556" cy="377556"/>
+                </a:xfrm>
+                <a:prstGeom prst="ellipse">
+                  <a:avLst/>
+                </a:prstGeom>
+                <a:solidFill>
+                  <a:schemeClr val="accent2">
+                    <a:lumMod val="60000"/>
+                    <a:lumOff val="40000"/>
+                  </a:schemeClr>
+                </a:solidFill>
+                <a:ln>
+                  <a:solidFill>
+                    <a:schemeClr val="tx1"/>
+                  </a:solidFill>
+                </a:ln>
+              </p:spPr>
+              <p:style>
+                <a:lnRef idx="2">
+                  <a:schemeClr val="accent1">
+                    <a:shade val="50000"/>
+                  </a:schemeClr>
+                </a:lnRef>
+                <a:fillRef idx="1">
+                  <a:schemeClr val="accent1"/>
+                </a:fillRef>
+                <a:effectRef idx="0">
+                  <a:schemeClr val="accent1"/>
+                </a:effectRef>
+                <a:fontRef idx="minor">
+                  <a:schemeClr val="lt1"/>
+                </a:fontRef>
+              </p:style>
+              <p:txBody>
+                <a:bodyPr rtlCol="0" anchor="ctr"/>
+                <a:lstStyle/>
+                <a:p>
+                  <a:pPr algn="ctr"/>
+                  <a14:m>
+                    <m:oMathPara xmlns:m="http://schemas.openxmlformats.org/officeDocument/2006/math">
+                      <m:oMathParaPr>
+                        <m:jc m:val="center"/>
+                      </m:oMathParaPr>
+                      <m:oMath xmlns:m="http://schemas.openxmlformats.org/officeDocument/2006/math">
+                        <m:r>
+                          <a:rPr kumimoji="1" lang="en-US" altLang="ja-JP" b="0" i="1" smtClean="0">
+                            <a:solidFill>
+                              <a:schemeClr val="tx1"/>
+                            </a:solidFill>
+                            <a:latin typeface="Cambria Math" panose="02040503050406030204" pitchFamily="18" charset="0"/>
+                          </a:rPr>
+                          <m:t>𝑣</m:t>
+                        </m:r>
+                      </m:oMath>
+                    </m:oMathPara>
+                  </a14:m>
+                  <a:endParaRPr kumimoji="1" lang="ja-JP" altLang="en-US" dirty="0">
+                    <a:solidFill>
+                      <a:schemeClr val="tx1"/>
+                    </a:solidFill>
+                  </a:endParaRPr>
+                </a:p>
+              </p:txBody>
+            </p:sp>
+          </mc:Choice>
+          <mc:Fallback>
+            <p:sp>
+              <p:nvSpPr>
+                <p:cNvPr id="5" name="楕円 4">
+                  <a:extLst>
+                    <a:ext uri="{FF2B5EF4-FFF2-40B4-BE49-F238E27FC236}">
+                      <a16:creationId xmlns:a16="http://schemas.microsoft.com/office/drawing/2014/main" id="{4D8EC5E4-FFE4-4A28-95F1-A33C544D3AEE}"/>
+                    </a:ext>
+                  </a:extLst>
+                </p:cNvPr>
+                <p:cNvSpPr>
+                  <a:spLocks noRot="1" noChangeAspect="1" noMove="1" noResize="1" noEditPoints="1" noAdjustHandles="1" noChangeArrowheads="1" noChangeShapeType="1" noTextEdit="1"/>
+                </p:cNvSpPr>
+                <p:nvPr/>
+              </p:nvSpPr>
+              <p:spPr>
+                <a:xfrm>
+                  <a:off x="3813992" y="2411106"/>
+                  <a:ext cx="377556" cy="377556"/>
+                </a:xfrm>
+                <a:prstGeom prst="ellipse">
+                  <a:avLst/>
+                </a:prstGeom>
+                <a:blipFill>
+                  <a:blip r:embed="rId3"/>
+                  <a:stretch>
+                    <a:fillRect/>
+                  </a:stretch>
+                </a:blipFill>
+                <a:ln>
+                  <a:solidFill>
+                    <a:schemeClr val="tx1"/>
+                  </a:solidFill>
+                </a:ln>
+              </p:spPr>
+              <p:txBody>
+                <a:bodyPr/>
+                <a:lstStyle/>
+                <a:p>
+                  <a:r>
+                    <a:rPr lang="ja-JP" altLang="en-US">
+                      <a:noFill/>
+                    </a:rPr>
+                    <a:t> </a:t>
+                  </a:r>
+                </a:p>
+              </p:txBody>
+            </p:sp>
+          </mc:Fallback>
+        </mc:AlternateContent>
+        <p:cxnSp>
+          <p:nvCxnSpPr>
+            <p:cNvPr id="7" name="直線コネクタ 6">
+              <a:extLst>
+                <a:ext uri="{FF2B5EF4-FFF2-40B4-BE49-F238E27FC236}">
+                  <a16:creationId xmlns:a16="http://schemas.microsoft.com/office/drawing/2014/main" id="{BC5157C5-960B-4462-82B7-9D3E8198A929}"/>
+                </a:ext>
+              </a:extLst>
+            </p:cNvPr>
+            <p:cNvCxnSpPr>
+              <a:stCxn id="4" idx="7"/>
+              <a:endCxn id="5" idx="1"/>
+            </p:cNvCxnSpPr>
+            <p:nvPr/>
+          </p:nvCxnSpPr>
+          <p:spPr>
+            <a:xfrm>
+              <a:off x="3142338" y="2466398"/>
+              <a:ext cx="726946" cy="0"/>
+            </a:xfrm>
+            <a:prstGeom prst="line">
+              <a:avLst/>
+            </a:prstGeom>
+            <a:ln w="19050"/>
+          </p:spPr>
+          <p:style>
+            <a:lnRef idx="1">
+              <a:schemeClr val="accent1"/>
+            </a:lnRef>
+            <a:fillRef idx="0">
+              <a:schemeClr val="accent1"/>
+            </a:fillRef>
+            <a:effectRef idx="0">
+              <a:schemeClr val="accent1"/>
+            </a:effectRef>
+            <a:fontRef idx="minor">
+              <a:schemeClr val="tx1"/>
+            </a:fontRef>
+          </p:style>
+        </p:cxnSp>
+        <p:cxnSp>
+          <p:nvCxnSpPr>
+            <p:cNvPr id="8" name="直線コネクタ 7">
+              <a:extLst>
+                <a:ext uri="{FF2B5EF4-FFF2-40B4-BE49-F238E27FC236}">
+                  <a16:creationId xmlns:a16="http://schemas.microsoft.com/office/drawing/2014/main" id="{72B7EADA-D465-43C5-A52C-39331E6A07BD}"/>
+                </a:ext>
+              </a:extLst>
+            </p:cNvPr>
+            <p:cNvCxnSpPr>
+              <a:cxnSpLocks/>
+              <a:stCxn id="4" idx="0"/>
+            </p:cNvCxnSpPr>
+            <p:nvPr/>
+          </p:nvCxnSpPr>
+          <p:spPr>
+            <a:xfrm flipV="1">
+              <a:off x="3008852" y="1928553"/>
+              <a:ext cx="0" cy="482553"/>
+            </a:xfrm>
+            <a:prstGeom prst="line">
+              <a:avLst/>
+            </a:prstGeom>
+            <a:ln w="19050"/>
+          </p:spPr>
+          <p:style>
+            <a:lnRef idx="1">
+              <a:schemeClr val="accent1"/>
+            </a:lnRef>
+            <a:fillRef idx="0">
+              <a:schemeClr val="accent1"/>
+            </a:fillRef>
+            <a:effectRef idx="0">
+              <a:schemeClr val="accent1"/>
+            </a:effectRef>
+            <a:fontRef idx="minor">
+              <a:schemeClr val="tx1"/>
+            </a:fontRef>
+          </p:style>
+        </p:cxnSp>
+        <p:cxnSp>
+          <p:nvCxnSpPr>
+            <p:cNvPr id="11" name="直線コネクタ 10">
+              <a:extLst>
+                <a:ext uri="{FF2B5EF4-FFF2-40B4-BE49-F238E27FC236}">
+                  <a16:creationId xmlns:a16="http://schemas.microsoft.com/office/drawing/2014/main" id="{E7495BAD-AF5B-4A6B-8B42-59171C117251}"/>
+                </a:ext>
+              </a:extLst>
+            </p:cNvPr>
+            <p:cNvCxnSpPr>
+              <a:cxnSpLocks/>
+              <a:stCxn id="4" idx="1"/>
+            </p:cNvCxnSpPr>
+            <p:nvPr/>
+          </p:nvCxnSpPr>
+          <p:spPr>
+            <a:xfrm flipH="1" flipV="1">
+              <a:off x="2470749" y="2056015"/>
+              <a:ext cx="404617" cy="410383"/>
+            </a:xfrm>
+            <a:prstGeom prst="line">
+              <a:avLst/>
+            </a:prstGeom>
+            <a:ln w="76200"/>
+          </p:spPr>
+          <p:style>
+            <a:lnRef idx="1">
+              <a:schemeClr val="accent1"/>
+            </a:lnRef>
+            <a:fillRef idx="0">
+              <a:schemeClr val="accent1"/>
+            </a:fillRef>
+            <a:effectRef idx="0">
+              <a:schemeClr val="accent1"/>
+            </a:effectRef>
+            <a:fontRef idx="minor">
+              <a:schemeClr val="tx1"/>
+            </a:fontRef>
+          </p:style>
+        </p:cxnSp>
+        <p:cxnSp>
+          <p:nvCxnSpPr>
+            <p:cNvPr id="14" name="直線コネクタ 13">
+              <a:extLst>
+                <a:ext uri="{FF2B5EF4-FFF2-40B4-BE49-F238E27FC236}">
+                  <a16:creationId xmlns:a16="http://schemas.microsoft.com/office/drawing/2014/main" id="{32ECD035-944F-459A-9A4B-3719B78D4B92}"/>
+                </a:ext>
+              </a:extLst>
+            </p:cNvPr>
+            <p:cNvCxnSpPr>
+              <a:cxnSpLocks/>
+              <a:stCxn id="4" idx="2"/>
+            </p:cNvCxnSpPr>
+            <p:nvPr/>
+          </p:nvCxnSpPr>
+          <p:spPr>
+            <a:xfrm flipH="1">
+              <a:off x="2337263" y="2599884"/>
+              <a:ext cx="482811" cy="0"/>
+            </a:xfrm>
+            <a:prstGeom prst="line">
+              <a:avLst/>
+            </a:prstGeom>
+            <a:ln w="19050"/>
+          </p:spPr>
+          <p:style>
+            <a:lnRef idx="1">
+              <a:schemeClr val="accent1"/>
+            </a:lnRef>
+            <a:fillRef idx="0">
+              <a:schemeClr val="accent1"/>
+            </a:fillRef>
+            <a:effectRef idx="0">
+              <a:schemeClr val="accent1"/>
+            </a:effectRef>
+            <a:fontRef idx="minor">
+              <a:schemeClr val="tx1"/>
+            </a:fontRef>
+          </p:style>
+        </p:cxnSp>
+        <p:cxnSp>
+          <p:nvCxnSpPr>
+            <p:cNvPr id="17" name="直線コネクタ 16">
+              <a:extLst>
+                <a:ext uri="{FF2B5EF4-FFF2-40B4-BE49-F238E27FC236}">
+                  <a16:creationId xmlns:a16="http://schemas.microsoft.com/office/drawing/2014/main" id="{4D7EC54B-FB2B-46B6-8337-045572A60C43}"/>
+                </a:ext>
+              </a:extLst>
+            </p:cNvPr>
+            <p:cNvCxnSpPr>
+              <a:cxnSpLocks/>
+              <a:stCxn id="4" idx="3"/>
+            </p:cNvCxnSpPr>
+            <p:nvPr/>
+          </p:nvCxnSpPr>
+          <p:spPr>
+            <a:xfrm flipH="1">
+              <a:off x="2510444" y="2733370"/>
+              <a:ext cx="364922" cy="410383"/>
+            </a:xfrm>
+            <a:prstGeom prst="line">
+              <a:avLst/>
+            </a:prstGeom>
+            <a:ln w="19050"/>
+          </p:spPr>
+          <p:style>
+            <a:lnRef idx="1">
+              <a:schemeClr val="accent1"/>
+            </a:lnRef>
+            <a:fillRef idx="0">
+              <a:schemeClr val="accent1"/>
+            </a:fillRef>
+            <a:effectRef idx="0">
+              <a:schemeClr val="accent1"/>
+            </a:effectRef>
+            <a:fontRef idx="minor">
+              <a:schemeClr val="tx1"/>
+            </a:fontRef>
+          </p:style>
+        </p:cxnSp>
+        <p:cxnSp>
+          <p:nvCxnSpPr>
+            <p:cNvPr id="20" name="直線コネクタ 19">
+              <a:extLst>
+                <a:ext uri="{FF2B5EF4-FFF2-40B4-BE49-F238E27FC236}">
+                  <a16:creationId xmlns:a16="http://schemas.microsoft.com/office/drawing/2014/main" id="{AABB946A-8314-4546-8614-78D41D11F2EB}"/>
+                </a:ext>
+              </a:extLst>
+            </p:cNvPr>
+            <p:cNvCxnSpPr>
+              <a:cxnSpLocks/>
+              <a:stCxn id="4" idx="4"/>
+            </p:cNvCxnSpPr>
+            <p:nvPr/>
+          </p:nvCxnSpPr>
+          <p:spPr>
+            <a:xfrm>
+              <a:off x="3008852" y="2788662"/>
+              <a:ext cx="0" cy="420051"/>
+            </a:xfrm>
+            <a:prstGeom prst="line">
+              <a:avLst/>
+            </a:prstGeom>
+            <a:ln w="19050"/>
+          </p:spPr>
+          <p:style>
+            <a:lnRef idx="1">
+              <a:schemeClr val="accent1"/>
+            </a:lnRef>
+            <a:fillRef idx="0">
+              <a:schemeClr val="accent1"/>
+            </a:fillRef>
+            <a:effectRef idx="0">
+              <a:schemeClr val="accent1"/>
+            </a:effectRef>
+            <a:fontRef idx="minor">
+              <a:schemeClr val="tx1"/>
+            </a:fontRef>
+          </p:style>
+        </p:cxnSp>
+        <p:cxnSp>
+          <p:nvCxnSpPr>
+            <p:cNvPr id="23" name="直線コネクタ 22">
+              <a:extLst>
+                <a:ext uri="{FF2B5EF4-FFF2-40B4-BE49-F238E27FC236}">
+                  <a16:creationId xmlns:a16="http://schemas.microsoft.com/office/drawing/2014/main" id="{BCF0211F-180F-4541-ADC8-C6450125068E}"/>
+                </a:ext>
+              </a:extLst>
+            </p:cNvPr>
+            <p:cNvCxnSpPr>
+              <a:cxnSpLocks/>
+              <a:stCxn id="4" idx="5"/>
+              <a:endCxn id="5" idx="3"/>
+            </p:cNvCxnSpPr>
+            <p:nvPr/>
+          </p:nvCxnSpPr>
+          <p:spPr>
+            <a:xfrm>
+              <a:off x="3142338" y="2733370"/>
+              <a:ext cx="726946" cy="0"/>
+            </a:xfrm>
+            <a:prstGeom prst="line">
+              <a:avLst/>
+            </a:prstGeom>
+            <a:ln w="19050">
+              <a:solidFill>
+                <a:schemeClr val="accent2">
+                  <a:lumMod val="75000"/>
+                </a:schemeClr>
+              </a:solidFill>
+            </a:ln>
+          </p:spPr>
+          <p:style>
+            <a:lnRef idx="1">
+              <a:schemeClr val="accent1"/>
+            </a:lnRef>
+            <a:fillRef idx="0">
+              <a:schemeClr val="accent1"/>
+            </a:fillRef>
+            <a:effectRef idx="0">
+              <a:schemeClr val="accent1"/>
+            </a:effectRef>
+            <a:fontRef idx="minor">
+              <a:schemeClr val="tx1"/>
+            </a:fontRef>
+          </p:style>
+        </p:cxnSp>
+        <p:cxnSp>
+          <p:nvCxnSpPr>
+            <p:cNvPr id="28" name="直線コネクタ 27">
+              <a:extLst>
+                <a:ext uri="{FF2B5EF4-FFF2-40B4-BE49-F238E27FC236}">
+                  <a16:creationId xmlns:a16="http://schemas.microsoft.com/office/drawing/2014/main" id="{78DB24DF-B656-48D8-B56B-205BB3D38B5B}"/>
+                </a:ext>
+              </a:extLst>
+            </p:cNvPr>
+            <p:cNvCxnSpPr>
+              <a:cxnSpLocks/>
+              <a:stCxn id="5" idx="0"/>
+            </p:cNvCxnSpPr>
+            <p:nvPr/>
+          </p:nvCxnSpPr>
+          <p:spPr>
+            <a:xfrm flipV="1">
+              <a:off x="4002770" y="1928553"/>
+              <a:ext cx="0" cy="482553"/>
+            </a:xfrm>
+            <a:prstGeom prst="line">
+              <a:avLst/>
+            </a:prstGeom>
+            <a:ln w="19050">
+              <a:solidFill>
+                <a:schemeClr val="accent2">
+                  <a:lumMod val="75000"/>
+                </a:schemeClr>
+              </a:solidFill>
+            </a:ln>
+          </p:spPr>
+          <p:style>
+            <a:lnRef idx="1">
+              <a:schemeClr val="accent1"/>
+            </a:lnRef>
+            <a:fillRef idx="0">
+              <a:schemeClr val="accent1"/>
+            </a:fillRef>
+            <a:effectRef idx="0">
+              <a:schemeClr val="accent1"/>
+            </a:effectRef>
+            <a:fontRef idx="minor">
+              <a:schemeClr val="tx1"/>
+            </a:fontRef>
+          </p:style>
+        </p:cxnSp>
+        <p:cxnSp>
+          <p:nvCxnSpPr>
+            <p:cNvPr id="34" name="直線コネクタ 33">
+              <a:extLst>
+                <a:ext uri="{FF2B5EF4-FFF2-40B4-BE49-F238E27FC236}">
+                  <a16:creationId xmlns:a16="http://schemas.microsoft.com/office/drawing/2014/main" id="{48CA5126-055C-4D4B-BD3E-F15FC6CBF019}"/>
+                </a:ext>
+              </a:extLst>
+            </p:cNvPr>
+            <p:cNvCxnSpPr>
+              <a:cxnSpLocks/>
+            </p:cNvCxnSpPr>
+            <p:nvPr/>
+          </p:nvCxnSpPr>
+          <p:spPr>
+            <a:xfrm flipV="1">
+              <a:off x="4002770" y="2788662"/>
+              <a:ext cx="0" cy="482553"/>
+            </a:xfrm>
+            <a:prstGeom prst="line">
+              <a:avLst/>
+            </a:prstGeom>
+            <a:ln w="19050">
+              <a:solidFill>
+                <a:schemeClr val="accent2">
+                  <a:lumMod val="75000"/>
+                </a:schemeClr>
+              </a:solidFill>
+            </a:ln>
+          </p:spPr>
+          <p:style>
+            <a:lnRef idx="1">
+              <a:schemeClr val="accent1"/>
+            </a:lnRef>
+            <a:fillRef idx="0">
+              <a:schemeClr val="accent1"/>
+            </a:fillRef>
+            <a:effectRef idx="0">
+              <a:schemeClr val="accent1"/>
+            </a:effectRef>
+            <a:fontRef idx="minor">
+              <a:schemeClr val="tx1"/>
+            </a:fontRef>
+          </p:style>
+        </p:cxnSp>
+        <p:cxnSp>
+          <p:nvCxnSpPr>
+            <p:cNvPr id="35" name="直線コネクタ 34">
+              <a:extLst>
+                <a:ext uri="{FF2B5EF4-FFF2-40B4-BE49-F238E27FC236}">
+                  <a16:creationId xmlns:a16="http://schemas.microsoft.com/office/drawing/2014/main" id="{87EDB124-0611-4646-AF60-458AEACBA088}"/>
+                </a:ext>
+              </a:extLst>
+            </p:cNvPr>
+            <p:cNvCxnSpPr>
+              <a:cxnSpLocks/>
+              <a:endCxn id="5" idx="5"/>
+            </p:cNvCxnSpPr>
+            <p:nvPr/>
+          </p:nvCxnSpPr>
+          <p:spPr>
+            <a:xfrm flipH="1" flipV="1">
+              <a:off x="4136256" y="2733370"/>
+              <a:ext cx="349390" cy="537845"/>
+            </a:xfrm>
+            <a:prstGeom prst="line">
+              <a:avLst/>
+            </a:prstGeom>
+            <a:ln w="19050">
+              <a:solidFill>
+                <a:schemeClr val="accent2">
+                  <a:lumMod val="75000"/>
+                </a:schemeClr>
+              </a:solidFill>
+            </a:ln>
+          </p:spPr>
+          <p:style>
+            <a:lnRef idx="1">
+              <a:schemeClr val="accent1"/>
+            </a:lnRef>
+            <a:fillRef idx="0">
+              <a:schemeClr val="accent1"/>
+            </a:fillRef>
+            <a:effectRef idx="0">
+              <a:schemeClr val="accent1"/>
+            </a:effectRef>
+            <a:fontRef idx="minor">
+              <a:schemeClr val="tx1"/>
+            </a:fontRef>
+          </p:style>
+        </p:cxnSp>
+        <p:cxnSp>
+          <p:nvCxnSpPr>
+            <p:cNvPr id="39" name="直線コネクタ 38">
+              <a:extLst>
+                <a:ext uri="{FF2B5EF4-FFF2-40B4-BE49-F238E27FC236}">
+                  <a16:creationId xmlns:a16="http://schemas.microsoft.com/office/drawing/2014/main" id="{80E3813B-F149-4CC4-B403-58CE11E6647E}"/>
+                </a:ext>
+              </a:extLst>
+            </p:cNvPr>
+            <p:cNvCxnSpPr>
+              <a:cxnSpLocks/>
+              <a:stCxn id="5" idx="6"/>
+            </p:cNvCxnSpPr>
+            <p:nvPr/>
+          </p:nvCxnSpPr>
+          <p:spPr>
+            <a:xfrm>
+              <a:off x="4191548" y="2599884"/>
+              <a:ext cx="446954" cy="0"/>
+            </a:xfrm>
+            <a:prstGeom prst="line">
+              <a:avLst/>
+            </a:prstGeom>
+            <a:ln w="19050">
+              <a:solidFill>
+                <a:schemeClr val="accent2">
+                  <a:lumMod val="75000"/>
+                </a:schemeClr>
+              </a:solidFill>
+            </a:ln>
+          </p:spPr>
+          <p:style>
+            <a:lnRef idx="1">
+              <a:schemeClr val="accent1"/>
+            </a:lnRef>
+            <a:fillRef idx="0">
+              <a:schemeClr val="accent1"/>
+            </a:fillRef>
+            <a:effectRef idx="0">
+              <a:schemeClr val="accent1"/>
+            </a:effectRef>
+            <a:fontRef idx="minor">
+              <a:schemeClr val="tx1"/>
+            </a:fontRef>
+          </p:style>
+        </p:cxnSp>
+        <p:cxnSp>
+          <p:nvCxnSpPr>
+            <p:cNvPr id="42" name="直線コネクタ 41">
+              <a:extLst>
+                <a:ext uri="{FF2B5EF4-FFF2-40B4-BE49-F238E27FC236}">
+                  <a16:creationId xmlns:a16="http://schemas.microsoft.com/office/drawing/2014/main" id="{C1BE0359-1F34-4D6B-BC28-AEE147337561}"/>
+                </a:ext>
+              </a:extLst>
+            </p:cNvPr>
+            <p:cNvCxnSpPr>
+              <a:cxnSpLocks/>
+              <a:endCxn id="5" idx="7"/>
+            </p:cNvCxnSpPr>
+            <p:nvPr/>
+          </p:nvCxnSpPr>
+          <p:spPr>
+            <a:xfrm flipH="1">
+              <a:off x="4136256" y="2105891"/>
+              <a:ext cx="432848" cy="360507"/>
+            </a:xfrm>
+            <a:prstGeom prst="line">
+              <a:avLst/>
+            </a:prstGeom>
+            <a:ln w="76200">
+              <a:solidFill>
+                <a:schemeClr val="accent2">
+                  <a:lumMod val="75000"/>
+                </a:schemeClr>
+              </a:solidFill>
+            </a:ln>
+          </p:spPr>
+          <p:style>
+            <a:lnRef idx="1">
+              <a:schemeClr val="accent1"/>
+            </a:lnRef>
+            <a:fillRef idx="0">
+              <a:schemeClr val="accent1"/>
+            </a:fillRef>
+            <a:effectRef idx="0">
+              <a:schemeClr val="accent1"/>
+            </a:effectRef>
+            <a:fontRef idx="minor">
+              <a:schemeClr val="tx1"/>
+            </a:fontRef>
+          </p:style>
+        </p:cxnSp>
+      </p:grpSp>
+      <p:grpSp>
+        <p:nvGrpSpPr>
+          <p:cNvPr id="61" name="グループ化 60">
+            <a:extLst>
+              <a:ext uri="{FF2B5EF4-FFF2-40B4-BE49-F238E27FC236}">
+                <a16:creationId xmlns:a16="http://schemas.microsoft.com/office/drawing/2014/main" id="{0B4029F2-0DFB-4B81-9B65-F0511C576183}"/>
+              </a:ext>
+            </a:extLst>
+          </p:cNvPr>
+          <p:cNvGrpSpPr/>
+          <p:nvPr/>
+        </p:nvGrpSpPr>
+        <p:grpSpPr>
+          <a:xfrm>
+            <a:off x="9013956" y="845127"/>
+            <a:ext cx="2301239" cy="1342662"/>
+            <a:chOff x="2337263" y="1928553"/>
+            <a:chExt cx="2301239" cy="1342662"/>
+          </a:xfrm>
+        </p:grpSpPr>
+        <mc:AlternateContent xmlns:mc="http://schemas.openxmlformats.org/markup-compatibility/2006">
+          <mc:Choice xmlns:a14="http://schemas.microsoft.com/office/drawing/2010/main" Requires="a14">
+            <p:sp>
+              <p:nvSpPr>
+                <p:cNvPr id="62" name="楕円 61">
+                  <a:extLst>
+                    <a:ext uri="{FF2B5EF4-FFF2-40B4-BE49-F238E27FC236}">
+                      <a16:creationId xmlns:a16="http://schemas.microsoft.com/office/drawing/2014/main" id="{9D46B732-05ED-429D-9A5D-ACE1D2982FE4}"/>
+                    </a:ext>
+                  </a:extLst>
+                </p:cNvPr>
+                <p:cNvSpPr/>
+                <p:nvPr/>
+              </p:nvSpPr>
+              <p:spPr>
+                <a:xfrm>
+                  <a:off x="2820074" y="2411106"/>
+                  <a:ext cx="377556" cy="377556"/>
+                </a:xfrm>
+                <a:prstGeom prst="ellipse">
+                  <a:avLst/>
+                </a:prstGeom>
+                <a:solidFill>
+                  <a:schemeClr val="accent5">
+                    <a:lumMod val="60000"/>
+                    <a:lumOff val="40000"/>
+                  </a:schemeClr>
+                </a:solidFill>
+                <a:ln>
+                  <a:solidFill>
+                    <a:schemeClr val="tx1"/>
+                  </a:solidFill>
+                </a:ln>
+              </p:spPr>
+              <p:style>
+                <a:lnRef idx="2">
+                  <a:schemeClr val="accent1">
+                    <a:shade val="50000"/>
+                  </a:schemeClr>
+                </a:lnRef>
+                <a:fillRef idx="1">
+                  <a:schemeClr val="accent1"/>
+                </a:fillRef>
+                <a:effectRef idx="0">
+                  <a:schemeClr val="accent1"/>
+                </a:effectRef>
+                <a:fontRef idx="minor">
+                  <a:schemeClr val="lt1"/>
+                </a:fontRef>
+              </p:style>
+              <p:txBody>
+                <a:bodyPr rtlCol="0" anchor="ctr"/>
+                <a:lstStyle/>
+                <a:p>
+                  <a:pPr algn="ctr"/>
+                  <a14:m>
+                    <m:oMathPara xmlns:m="http://schemas.openxmlformats.org/officeDocument/2006/math">
+                      <m:oMathParaPr>
+                        <m:jc m:val="center"/>
+                      </m:oMathParaPr>
+                      <m:oMath xmlns:m="http://schemas.openxmlformats.org/officeDocument/2006/math">
+                        <m:r>
+                          <a:rPr kumimoji="1" lang="en-US" altLang="ja-JP" b="0" i="1" smtClean="0">
+                            <a:solidFill>
+                              <a:schemeClr val="tx1"/>
+                            </a:solidFill>
+                            <a:latin typeface="Cambria Math" panose="02040503050406030204" pitchFamily="18" charset="0"/>
+                          </a:rPr>
+                          <m:t>𝑢</m:t>
+                        </m:r>
+                      </m:oMath>
+                    </m:oMathPara>
+                  </a14:m>
+                  <a:endParaRPr kumimoji="1" lang="ja-JP" altLang="en-US" dirty="0">
+                    <a:solidFill>
+                      <a:schemeClr val="tx1"/>
+                    </a:solidFill>
+                  </a:endParaRPr>
+                </a:p>
+              </p:txBody>
+            </p:sp>
+          </mc:Choice>
+          <mc:Fallback>
+            <p:sp>
+              <p:nvSpPr>
+                <p:cNvPr id="62" name="楕円 61">
+                  <a:extLst>
+                    <a:ext uri="{FF2B5EF4-FFF2-40B4-BE49-F238E27FC236}">
+                      <a16:creationId xmlns:a16="http://schemas.microsoft.com/office/drawing/2014/main" id="{9D46B732-05ED-429D-9A5D-ACE1D2982FE4}"/>
+                    </a:ext>
+                  </a:extLst>
+                </p:cNvPr>
+                <p:cNvSpPr>
+                  <a:spLocks noRot="1" noChangeAspect="1" noMove="1" noResize="1" noEditPoints="1" noAdjustHandles="1" noChangeArrowheads="1" noChangeShapeType="1" noTextEdit="1"/>
+                </p:cNvSpPr>
+                <p:nvPr/>
+              </p:nvSpPr>
+              <p:spPr>
+                <a:xfrm>
+                  <a:off x="2820074" y="2411106"/>
+                  <a:ext cx="377556" cy="377556"/>
+                </a:xfrm>
+                <a:prstGeom prst="ellipse">
+                  <a:avLst/>
+                </a:prstGeom>
+                <a:blipFill>
+                  <a:blip r:embed="rId4"/>
+                  <a:stretch>
+                    <a:fillRect/>
+                  </a:stretch>
+                </a:blipFill>
+                <a:ln>
+                  <a:solidFill>
+                    <a:schemeClr val="tx1"/>
+                  </a:solidFill>
+                </a:ln>
+              </p:spPr>
+              <p:txBody>
+                <a:bodyPr/>
+                <a:lstStyle/>
+                <a:p>
+                  <a:r>
+                    <a:rPr lang="ja-JP" altLang="en-US">
+                      <a:noFill/>
+                    </a:rPr>
+                    <a:t> </a:t>
+                  </a:r>
+                </a:p>
+              </p:txBody>
+            </p:sp>
+          </mc:Fallback>
+        </mc:AlternateContent>
+        <mc:AlternateContent xmlns:mc="http://schemas.openxmlformats.org/markup-compatibility/2006">
+          <mc:Choice xmlns:a14="http://schemas.microsoft.com/office/drawing/2010/main" Requires="a14">
+            <p:sp>
+              <p:nvSpPr>
+                <p:cNvPr id="63" name="楕円 62">
+                  <a:extLst>
+                    <a:ext uri="{FF2B5EF4-FFF2-40B4-BE49-F238E27FC236}">
+                      <a16:creationId xmlns:a16="http://schemas.microsoft.com/office/drawing/2014/main" id="{7B9E253D-687C-4B1E-BDC9-9B5DCA307B5F}"/>
+                    </a:ext>
+                  </a:extLst>
+                </p:cNvPr>
+                <p:cNvSpPr/>
+                <p:nvPr/>
+              </p:nvSpPr>
+              <p:spPr>
+                <a:xfrm>
+                  <a:off x="3813992" y="2411106"/>
+                  <a:ext cx="377556" cy="377556"/>
+                </a:xfrm>
+                <a:prstGeom prst="ellipse">
+                  <a:avLst/>
+                </a:prstGeom>
+                <a:solidFill>
+                  <a:schemeClr val="accent2">
+                    <a:lumMod val="60000"/>
+                    <a:lumOff val="40000"/>
+                  </a:schemeClr>
+                </a:solidFill>
+                <a:ln>
+                  <a:solidFill>
+                    <a:schemeClr val="tx1"/>
+                  </a:solidFill>
+                </a:ln>
+              </p:spPr>
+              <p:style>
+                <a:lnRef idx="2">
+                  <a:schemeClr val="accent1">
+                    <a:shade val="50000"/>
+                  </a:schemeClr>
+                </a:lnRef>
+                <a:fillRef idx="1">
+                  <a:schemeClr val="accent1"/>
+                </a:fillRef>
+                <a:effectRef idx="0">
+                  <a:schemeClr val="accent1"/>
+                </a:effectRef>
+                <a:fontRef idx="minor">
+                  <a:schemeClr val="lt1"/>
+                </a:fontRef>
+              </p:style>
+              <p:txBody>
+                <a:bodyPr rtlCol="0" anchor="ctr"/>
+                <a:lstStyle/>
+                <a:p>
+                  <a:pPr algn="ctr"/>
+                  <a14:m>
+                    <m:oMathPara xmlns:m="http://schemas.openxmlformats.org/officeDocument/2006/math">
+                      <m:oMathParaPr>
+                        <m:jc m:val="center"/>
+                      </m:oMathParaPr>
+                      <m:oMath xmlns:m="http://schemas.openxmlformats.org/officeDocument/2006/math">
+                        <m:r>
+                          <a:rPr kumimoji="1" lang="en-US" altLang="ja-JP" b="0" i="1" smtClean="0">
+                            <a:solidFill>
+                              <a:schemeClr val="tx1"/>
+                            </a:solidFill>
+                            <a:latin typeface="Cambria Math" panose="02040503050406030204" pitchFamily="18" charset="0"/>
+                          </a:rPr>
+                          <m:t>𝑣</m:t>
+                        </m:r>
+                      </m:oMath>
+                    </m:oMathPara>
+                  </a14:m>
+                  <a:endParaRPr kumimoji="1" lang="ja-JP" altLang="en-US" dirty="0">
+                    <a:solidFill>
+                      <a:schemeClr val="tx1"/>
+                    </a:solidFill>
+                  </a:endParaRPr>
+                </a:p>
+              </p:txBody>
+            </p:sp>
+          </mc:Choice>
+          <mc:Fallback>
+            <p:sp>
+              <p:nvSpPr>
+                <p:cNvPr id="63" name="楕円 62">
+                  <a:extLst>
+                    <a:ext uri="{FF2B5EF4-FFF2-40B4-BE49-F238E27FC236}">
+                      <a16:creationId xmlns:a16="http://schemas.microsoft.com/office/drawing/2014/main" id="{7B9E253D-687C-4B1E-BDC9-9B5DCA307B5F}"/>
+                    </a:ext>
+                  </a:extLst>
+                </p:cNvPr>
+                <p:cNvSpPr>
+                  <a:spLocks noRot="1" noChangeAspect="1" noMove="1" noResize="1" noEditPoints="1" noAdjustHandles="1" noChangeArrowheads="1" noChangeShapeType="1" noTextEdit="1"/>
+                </p:cNvSpPr>
+                <p:nvPr/>
+              </p:nvSpPr>
+              <p:spPr>
+                <a:xfrm>
+                  <a:off x="3813992" y="2411106"/>
+                  <a:ext cx="377556" cy="377556"/>
+                </a:xfrm>
+                <a:prstGeom prst="ellipse">
+                  <a:avLst/>
+                </a:prstGeom>
+                <a:blipFill>
+                  <a:blip r:embed="rId5"/>
+                  <a:stretch>
+                    <a:fillRect/>
+                  </a:stretch>
+                </a:blipFill>
+                <a:ln>
+                  <a:solidFill>
+                    <a:schemeClr val="tx1"/>
+                  </a:solidFill>
+                </a:ln>
+              </p:spPr>
+              <p:txBody>
+                <a:bodyPr/>
+                <a:lstStyle/>
+                <a:p>
+                  <a:r>
+                    <a:rPr lang="ja-JP" altLang="en-US">
+                      <a:noFill/>
+                    </a:rPr>
+                    <a:t> </a:t>
+                  </a:r>
+                </a:p>
+              </p:txBody>
+            </p:sp>
+          </mc:Fallback>
+        </mc:AlternateContent>
+        <p:cxnSp>
+          <p:nvCxnSpPr>
+            <p:cNvPr id="64" name="直線コネクタ 63">
+              <a:extLst>
+                <a:ext uri="{FF2B5EF4-FFF2-40B4-BE49-F238E27FC236}">
+                  <a16:creationId xmlns:a16="http://schemas.microsoft.com/office/drawing/2014/main" id="{C05609D9-2906-4481-B223-94D62C19A114}"/>
+                </a:ext>
+              </a:extLst>
+            </p:cNvPr>
+            <p:cNvCxnSpPr>
+              <a:stCxn id="62" idx="7"/>
+              <a:endCxn id="63" idx="1"/>
+            </p:cNvCxnSpPr>
+            <p:nvPr/>
+          </p:nvCxnSpPr>
+          <p:spPr>
+            <a:xfrm>
+              <a:off x="3142338" y="2466398"/>
+              <a:ext cx="726946" cy="0"/>
+            </a:xfrm>
+            <a:prstGeom prst="line">
+              <a:avLst/>
+            </a:prstGeom>
+            <a:ln w="19050"/>
+          </p:spPr>
+          <p:style>
+            <a:lnRef idx="1">
+              <a:schemeClr val="accent1"/>
+            </a:lnRef>
+            <a:fillRef idx="0">
+              <a:schemeClr val="accent1"/>
+            </a:fillRef>
+            <a:effectRef idx="0">
+              <a:schemeClr val="accent1"/>
+            </a:effectRef>
+            <a:fontRef idx="minor">
+              <a:schemeClr val="tx1"/>
+            </a:fontRef>
+          </p:style>
+        </p:cxnSp>
+        <p:cxnSp>
+          <p:nvCxnSpPr>
+            <p:cNvPr id="65" name="直線コネクタ 64">
+              <a:extLst>
+                <a:ext uri="{FF2B5EF4-FFF2-40B4-BE49-F238E27FC236}">
+                  <a16:creationId xmlns:a16="http://schemas.microsoft.com/office/drawing/2014/main" id="{6A5FB342-48F9-4A3D-8D58-288EF230E4FD}"/>
+                </a:ext>
+              </a:extLst>
+            </p:cNvPr>
+            <p:cNvCxnSpPr>
+              <a:cxnSpLocks/>
+              <a:stCxn id="62" idx="0"/>
+            </p:cNvCxnSpPr>
+            <p:nvPr/>
+          </p:nvCxnSpPr>
+          <p:spPr>
+            <a:xfrm flipV="1">
+              <a:off x="3008852" y="1928553"/>
+              <a:ext cx="0" cy="482553"/>
+            </a:xfrm>
+            <a:prstGeom prst="line">
+              <a:avLst/>
+            </a:prstGeom>
+            <a:ln w="19050"/>
+          </p:spPr>
+          <p:style>
+            <a:lnRef idx="1">
+              <a:schemeClr val="accent1"/>
+            </a:lnRef>
+            <a:fillRef idx="0">
+              <a:schemeClr val="accent1"/>
+            </a:fillRef>
+            <a:effectRef idx="0">
+              <a:schemeClr val="accent1"/>
+            </a:effectRef>
+            <a:fontRef idx="minor">
+              <a:schemeClr val="tx1"/>
+            </a:fontRef>
+          </p:style>
+        </p:cxnSp>
+        <p:cxnSp>
+          <p:nvCxnSpPr>
+            <p:cNvPr id="66" name="直線コネクタ 65">
+              <a:extLst>
+                <a:ext uri="{FF2B5EF4-FFF2-40B4-BE49-F238E27FC236}">
+                  <a16:creationId xmlns:a16="http://schemas.microsoft.com/office/drawing/2014/main" id="{072BF263-25BE-4888-89D1-19CA7268A2DF}"/>
+                </a:ext>
+              </a:extLst>
+            </p:cNvPr>
+            <p:cNvCxnSpPr>
+              <a:cxnSpLocks/>
+              <a:stCxn id="62" idx="1"/>
+            </p:cNvCxnSpPr>
+            <p:nvPr/>
+          </p:nvCxnSpPr>
+          <p:spPr>
+            <a:xfrm flipH="1" flipV="1">
+              <a:off x="2470749" y="2056015"/>
+              <a:ext cx="404617" cy="410383"/>
+            </a:xfrm>
+            <a:prstGeom prst="line">
+              <a:avLst/>
+            </a:prstGeom>
+            <a:ln w="76200"/>
+          </p:spPr>
+          <p:style>
+            <a:lnRef idx="1">
+              <a:schemeClr val="accent1"/>
+            </a:lnRef>
+            <a:fillRef idx="0">
+              <a:schemeClr val="accent1"/>
+            </a:fillRef>
+            <a:effectRef idx="0">
+              <a:schemeClr val="accent1"/>
+            </a:effectRef>
+            <a:fontRef idx="minor">
+              <a:schemeClr val="tx1"/>
+            </a:fontRef>
+          </p:style>
+        </p:cxnSp>
+        <p:cxnSp>
+          <p:nvCxnSpPr>
+            <p:cNvPr id="67" name="直線コネクタ 66">
+              <a:extLst>
+                <a:ext uri="{FF2B5EF4-FFF2-40B4-BE49-F238E27FC236}">
+                  <a16:creationId xmlns:a16="http://schemas.microsoft.com/office/drawing/2014/main" id="{2D74594E-0FC5-42F7-A20F-BCD649F81887}"/>
+                </a:ext>
+              </a:extLst>
+            </p:cNvPr>
+            <p:cNvCxnSpPr>
+              <a:cxnSpLocks/>
+              <a:stCxn id="62" idx="2"/>
+            </p:cNvCxnSpPr>
+            <p:nvPr/>
+          </p:nvCxnSpPr>
+          <p:spPr>
+            <a:xfrm flipH="1">
+              <a:off x="2337263" y="2599884"/>
+              <a:ext cx="482811" cy="0"/>
+            </a:xfrm>
+            <a:prstGeom prst="line">
+              <a:avLst/>
+            </a:prstGeom>
+            <a:ln w="19050"/>
+          </p:spPr>
+          <p:style>
+            <a:lnRef idx="1">
+              <a:schemeClr val="accent1"/>
+            </a:lnRef>
+            <a:fillRef idx="0">
+              <a:schemeClr val="accent1"/>
+            </a:fillRef>
+            <a:effectRef idx="0">
+              <a:schemeClr val="accent1"/>
+            </a:effectRef>
+            <a:fontRef idx="minor">
+              <a:schemeClr val="tx1"/>
+            </a:fontRef>
+          </p:style>
+        </p:cxnSp>
+        <p:cxnSp>
+          <p:nvCxnSpPr>
+            <p:cNvPr id="68" name="直線コネクタ 67">
+              <a:extLst>
+                <a:ext uri="{FF2B5EF4-FFF2-40B4-BE49-F238E27FC236}">
+                  <a16:creationId xmlns:a16="http://schemas.microsoft.com/office/drawing/2014/main" id="{828D19FC-1467-4862-978A-05EF066B0E86}"/>
+                </a:ext>
+              </a:extLst>
+            </p:cNvPr>
+            <p:cNvCxnSpPr>
+              <a:cxnSpLocks/>
+              <a:stCxn id="62" idx="3"/>
+            </p:cNvCxnSpPr>
+            <p:nvPr/>
+          </p:nvCxnSpPr>
+          <p:spPr>
+            <a:xfrm flipH="1">
+              <a:off x="2510444" y="2733370"/>
+              <a:ext cx="364922" cy="410383"/>
+            </a:xfrm>
+            <a:prstGeom prst="line">
+              <a:avLst/>
+            </a:prstGeom>
+            <a:ln w="19050"/>
+          </p:spPr>
+          <p:style>
+            <a:lnRef idx="1">
+              <a:schemeClr val="accent1"/>
+            </a:lnRef>
+            <a:fillRef idx="0">
+              <a:schemeClr val="accent1"/>
+            </a:fillRef>
+            <a:effectRef idx="0">
+              <a:schemeClr val="accent1"/>
+            </a:effectRef>
+            <a:fontRef idx="minor">
+              <a:schemeClr val="tx1"/>
+            </a:fontRef>
+          </p:style>
+        </p:cxnSp>
+        <p:cxnSp>
+          <p:nvCxnSpPr>
+            <p:cNvPr id="69" name="直線コネクタ 68">
+              <a:extLst>
+                <a:ext uri="{FF2B5EF4-FFF2-40B4-BE49-F238E27FC236}">
+                  <a16:creationId xmlns:a16="http://schemas.microsoft.com/office/drawing/2014/main" id="{B792FB7A-D1AE-4108-B03F-2F69DF23F0A1}"/>
+                </a:ext>
+              </a:extLst>
+            </p:cNvPr>
+            <p:cNvCxnSpPr>
+              <a:cxnSpLocks/>
+              <a:stCxn id="62" idx="4"/>
+            </p:cNvCxnSpPr>
+            <p:nvPr/>
+          </p:nvCxnSpPr>
+          <p:spPr>
+            <a:xfrm>
+              <a:off x="3008852" y="2788662"/>
+              <a:ext cx="0" cy="420051"/>
+            </a:xfrm>
+            <a:prstGeom prst="line">
+              <a:avLst/>
+            </a:prstGeom>
+            <a:ln w="19050"/>
+          </p:spPr>
+          <p:style>
+            <a:lnRef idx="1">
+              <a:schemeClr val="accent1"/>
+            </a:lnRef>
+            <a:fillRef idx="0">
+              <a:schemeClr val="accent1"/>
+            </a:fillRef>
+            <a:effectRef idx="0">
+              <a:schemeClr val="accent1"/>
+            </a:effectRef>
+            <a:fontRef idx="minor">
+              <a:schemeClr val="tx1"/>
+            </a:fontRef>
+          </p:style>
+        </p:cxnSp>
+        <p:cxnSp>
+          <p:nvCxnSpPr>
+            <p:cNvPr id="70" name="直線コネクタ 69">
+              <a:extLst>
+                <a:ext uri="{FF2B5EF4-FFF2-40B4-BE49-F238E27FC236}">
+                  <a16:creationId xmlns:a16="http://schemas.microsoft.com/office/drawing/2014/main" id="{F1851485-70B8-474F-9BF6-27426F6C7481}"/>
+                </a:ext>
+              </a:extLst>
+            </p:cNvPr>
+            <p:cNvCxnSpPr>
+              <a:cxnSpLocks/>
+              <a:stCxn id="62" idx="5"/>
+              <a:endCxn id="63" idx="3"/>
+            </p:cNvCxnSpPr>
+            <p:nvPr/>
+          </p:nvCxnSpPr>
+          <p:spPr>
+            <a:xfrm>
+              <a:off x="3142338" y="2733370"/>
+              <a:ext cx="726946" cy="0"/>
+            </a:xfrm>
+            <a:prstGeom prst="line">
+              <a:avLst/>
+            </a:prstGeom>
+            <a:ln w="19050">
+              <a:solidFill>
+                <a:schemeClr val="accent2">
+                  <a:lumMod val="75000"/>
+                </a:schemeClr>
+              </a:solidFill>
+            </a:ln>
+          </p:spPr>
+          <p:style>
+            <a:lnRef idx="1">
+              <a:schemeClr val="accent1"/>
+            </a:lnRef>
+            <a:fillRef idx="0">
+              <a:schemeClr val="accent1"/>
+            </a:fillRef>
+            <a:effectRef idx="0">
+              <a:schemeClr val="accent1"/>
+            </a:effectRef>
+            <a:fontRef idx="minor">
+              <a:schemeClr val="tx1"/>
+            </a:fontRef>
+          </p:style>
+        </p:cxnSp>
+        <p:cxnSp>
+          <p:nvCxnSpPr>
+            <p:cNvPr id="71" name="直線コネクタ 70">
+              <a:extLst>
+                <a:ext uri="{FF2B5EF4-FFF2-40B4-BE49-F238E27FC236}">
+                  <a16:creationId xmlns:a16="http://schemas.microsoft.com/office/drawing/2014/main" id="{507D4590-9AEE-492D-AC65-85747A10709B}"/>
+                </a:ext>
+              </a:extLst>
+            </p:cNvPr>
+            <p:cNvCxnSpPr>
+              <a:cxnSpLocks/>
+              <a:stCxn id="63" idx="0"/>
+            </p:cNvCxnSpPr>
+            <p:nvPr/>
+          </p:nvCxnSpPr>
+          <p:spPr>
+            <a:xfrm flipV="1">
+              <a:off x="4002770" y="1928553"/>
+              <a:ext cx="0" cy="482553"/>
+            </a:xfrm>
+            <a:prstGeom prst="line">
+              <a:avLst/>
+            </a:prstGeom>
+            <a:ln w="19050">
+              <a:solidFill>
+                <a:schemeClr val="accent2">
+                  <a:lumMod val="75000"/>
+                </a:schemeClr>
+              </a:solidFill>
+            </a:ln>
+          </p:spPr>
+          <p:style>
+            <a:lnRef idx="1">
+              <a:schemeClr val="accent1"/>
+            </a:lnRef>
+            <a:fillRef idx="0">
+              <a:schemeClr val="accent1"/>
+            </a:fillRef>
+            <a:effectRef idx="0">
+              <a:schemeClr val="accent1"/>
+            </a:effectRef>
+            <a:fontRef idx="minor">
+              <a:schemeClr val="tx1"/>
+            </a:fontRef>
+          </p:style>
+        </p:cxnSp>
+        <p:cxnSp>
+          <p:nvCxnSpPr>
+            <p:cNvPr id="72" name="直線コネクタ 71">
+              <a:extLst>
+                <a:ext uri="{FF2B5EF4-FFF2-40B4-BE49-F238E27FC236}">
+                  <a16:creationId xmlns:a16="http://schemas.microsoft.com/office/drawing/2014/main" id="{EE9242CC-F119-4455-9E2D-12E0A773DA9E}"/>
+                </a:ext>
+              </a:extLst>
+            </p:cNvPr>
+            <p:cNvCxnSpPr>
+              <a:cxnSpLocks/>
+            </p:cNvCxnSpPr>
+            <p:nvPr/>
+          </p:nvCxnSpPr>
+          <p:spPr>
+            <a:xfrm flipV="1">
+              <a:off x="4002770" y="2788662"/>
+              <a:ext cx="0" cy="482553"/>
+            </a:xfrm>
+            <a:prstGeom prst="line">
+              <a:avLst/>
+            </a:prstGeom>
+            <a:ln w="19050">
+              <a:solidFill>
+                <a:schemeClr val="accent2">
+                  <a:lumMod val="75000"/>
+                </a:schemeClr>
+              </a:solidFill>
+            </a:ln>
+          </p:spPr>
+          <p:style>
+            <a:lnRef idx="1">
+              <a:schemeClr val="accent1"/>
+            </a:lnRef>
+            <a:fillRef idx="0">
+              <a:schemeClr val="accent1"/>
+            </a:fillRef>
+            <a:effectRef idx="0">
+              <a:schemeClr val="accent1"/>
+            </a:effectRef>
+            <a:fontRef idx="minor">
+              <a:schemeClr val="tx1"/>
+            </a:fontRef>
+          </p:style>
+        </p:cxnSp>
+        <p:cxnSp>
+          <p:nvCxnSpPr>
+            <p:cNvPr id="73" name="直線コネクタ 72">
+              <a:extLst>
+                <a:ext uri="{FF2B5EF4-FFF2-40B4-BE49-F238E27FC236}">
+                  <a16:creationId xmlns:a16="http://schemas.microsoft.com/office/drawing/2014/main" id="{CA088469-0F5C-4549-AFCD-4EB218CB0B27}"/>
+                </a:ext>
+              </a:extLst>
+            </p:cNvPr>
+            <p:cNvCxnSpPr>
+              <a:cxnSpLocks/>
+              <a:endCxn id="63" idx="5"/>
+            </p:cNvCxnSpPr>
+            <p:nvPr/>
+          </p:nvCxnSpPr>
+          <p:spPr>
+            <a:xfrm flipH="1" flipV="1">
+              <a:off x="4136256" y="2733370"/>
+              <a:ext cx="349390" cy="537845"/>
+            </a:xfrm>
+            <a:prstGeom prst="line">
+              <a:avLst/>
+            </a:prstGeom>
+            <a:ln w="19050">
+              <a:solidFill>
+                <a:schemeClr val="accent2">
+                  <a:lumMod val="75000"/>
+                </a:schemeClr>
+              </a:solidFill>
+            </a:ln>
+          </p:spPr>
+          <p:style>
+            <a:lnRef idx="1">
+              <a:schemeClr val="accent1"/>
+            </a:lnRef>
+            <a:fillRef idx="0">
+              <a:schemeClr val="accent1"/>
+            </a:fillRef>
+            <a:effectRef idx="0">
+              <a:schemeClr val="accent1"/>
+            </a:effectRef>
+            <a:fontRef idx="minor">
+              <a:schemeClr val="tx1"/>
+            </a:fontRef>
+          </p:style>
+        </p:cxnSp>
+        <p:cxnSp>
+          <p:nvCxnSpPr>
+            <p:cNvPr id="74" name="直線コネクタ 73">
+              <a:extLst>
+                <a:ext uri="{FF2B5EF4-FFF2-40B4-BE49-F238E27FC236}">
+                  <a16:creationId xmlns:a16="http://schemas.microsoft.com/office/drawing/2014/main" id="{DC39D38B-1C4E-4591-B879-30034C585586}"/>
+                </a:ext>
+              </a:extLst>
+            </p:cNvPr>
+            <p:cNvCxnSpPr>
+              <a:cxnSpLocks/>
+              <a:stCxn id="63" idx="6"/>
+            </p:cNvCxnSpPr>
+            <p:nvPr/>
+          </p:nvCxnSpPr>
+          <p:spPr>
+            <a:xfrm>
+              <a:off x="4191548" y="2599884"/>
+              <a:ext cx="446954" cy="0"/>
+            </a:xfrm>
+            <a:prstGeom prst="line">
+              <a:avLst/>
+            </a:prstGeom>
+            <a:ln w="19050">
+              <a:solidFill>
+                <a:schemeClr val="accent2">
+                  <a:lumMod val="75000"/>
+                </a:schemeClr>
+              </a:solidFill>
+            </a:ln>
+          </p:spPr>
+          <p:style>
+            <a:lnRef idx="1">
+              <a:schemeClr val="accent1"/>
+            </a:lnRef>
+            <a:fillRef idx="0">
+              <a:schemeClr val="accent1"/>
+            </a:fillRef>
+            <a:effectRef idx="0">
+              <a:schemeClr val="accent1"/>
+            </a:effectRef>
+            <a:fontRef idx="minor">
+              <a:schemeClr val="tx1"/>
+            </a:fontRef>
+          </p:style>
+        </p:cxnSp>
+        <p:cxnSp>
+          <p:nvCxnSpPr>
+            <p:cNvPr id="75" name="直線コネクタ 74">
+              <a:extLst>
+                <a:ext uri="{FF2B5EF4-FFF2-40B4-BE49-F238E27FC236}">
+                  <a16:creationId xmlns:a16="http://schemas.microsoft.com/office/drawing/2014/main" id="{2C3B657A-9C20-49B3-9D7A-91EEFB7D3A6A}"/>
+                </a:ext>
+              </a:extLst>
+            </p:cNvPr>
+            <p:cNvCxnSpPr>
+              <a:cxnSpLocks/>
+              <a:endCxn id="63" idx="7"/>
+            </p:cNvCxnSpPr>
+            <p:nvPr/>
+          </p:nvCxnSpPr>
+          <p:spPr>
+            <a:xfrm flipH="1">
+              <a:off x="4136256" y="2105891"/>
+              <a:ext cx="432848" cy="360507"/>
+            </a:xfrm>
+            <a:prstGeom prst="line">
+              <a:avLst/>
+            </a:prstGeom>
+            <a:ln w="19050">
+              <a:solidFill>
+                <a:schemeClr val="accent2">
+                  <a:lumMod val="75000"/>
+                </a:schemeClr>
+              </a:solidFill>
+            </a:ln>
+          </p:spPr>
+          <p:style>
+            <a:lnRef idx="1">
+              <a:schemeClr val="accent1"/>
+            </a:lnRef>
+            <a:fillRef idx="0">
+              <a:schemeClr val="accent1"/>
+            </a:fillRef>
+            <a:effectRef idx="0">
+              <a:schemeClr val="accent1"/>
+            </a:effectRef>
+            <a:fontRef idx="minor">
+              <a:schemeClr val="tx1"/>
+            </a:fontRef>
+          </p:style>
+        </p:cxnSp>
+      </p:grpSp>
+      <p:grpSp>
+        <p:nvGrpSpPr>
+          <p:cNvPr id="91" name="グループ化 90">
+            <a:extLst>
+              <a:ext uri="{FF2B5EF4-FFF2-40B4-BE49-F238E27FC236}">
+                <a16:creationId xmlns:a16="http://schemas.microsoft.com/office/drawing/2014/main" id="{CFA9077A-8948-4B6C-A033-FE0232C0325B}"/>
+              </a:ext>
+            </a:extLst>
+          </p:cNvPr>
+          <p:cNvGrpSpPr/>
+          <p:nvPr/>
+        </p:nvGrpSpPr>
+        <p:grpSpPr>
+          <a:xfrm>
+            <a:off x="9014312" y="2954385"/>
+            <a:ext cx="2301239" cy="1342662"/>
+            <a:chOff x="2337263" y="1928553"/>
+            <a:chExt cx="2301239" cy="1342662"/>
+          </a:xfrm>
+        </p:grpSpPr>
+        <mc:AlternateContent xmlns:mc="http://schemas.openxmlformats.org/markup-compatibility/2006">
+          <mc:Choice xmlns:a14="http://schemas.microsoft.com/office/drawing/2010/main" Requires="a14">
+            <p:sp>
+              <p:nvSpPr>
+                <p:cNvPr id="92" name="楕円 91">
+                  <a:extLst>
+                    <a:ext uri="{FF2B5EF4-FFF2-40B4-BE49-F238E27FC236}">
+                      <a16:creationId xmlns:a16="http://schemas.microsoft.com/office/drawing/2014/main" id="{9D379CEE-DE85-46DC-9899-ACD0B8D5EEC9}"/>
+                    </a:ext>
+                  </a:extLst>
+                </p:cNvPr>
+                <p:cNvSpPr/>
+                <p:nvPr/>
+              </p:nvSpPr>
+              <p:spPr>
+                <a:xfrm>
+                  <a:off x="2820074" y="2411106"/>
+                  <a:ext cx="377556" cy="377556"/>
+                </a:xfrm>
+                <a:prstGeom prst="ellipse">
+                  <a:avLst/>
+                </a:prstGeom>
+                <a:solidFill>
+                  <a:schemeClr val="accent5">
+                    <a:lumMod val="60000"/>
+                    <a:lumOff val="40000"/>
+                  </a:schemeClr>
+                </a:solidFill>
+                <a:ln>
+                  <a:solidFill>
+                    <a:schemeClr val="tx1"/>
+                  </a:solidFill>
+                </a:ln>
+              </p:spPr>
+              <p:style>
+                <a:lnRef idx="2">
+                  <a:schemeClr val="accent1">
+                    <a:shade val="50000"/>
+                  </a:schemeClr>
+                </a:lnRef>
+                <a:fillRef idx="1">
+                  <a:schemeClr val="accent1"/>
+                </a:fillRef>
+                <a:effectRef idx="0">
+                  <a:schemeClr val="accent1"/>
+                </a:effectRef>
+                <a:fontRef idx="minor">
+                  <a:schemeClr val="lt1"/>
+                </a:fontRef>
+              </p:style>
+              <p:txBody>
+                <a:bodyPr rtlCol="0" anchor="ctr"/>
+                <a:lstStyle/>
+                <a:p>
+                  <a:pPr algn="ctr"/>
+                  <a14:m>
+                    <m:oMathPara xmlns:m="http://schemas.openxmlformats.org/officeDocument/2006/math">
+                      <m:oMathParaPr>
+                        <m:jc m:val="center"/>
+                      </m:oMathParaPr>
+                      <m:oMath xmlns:m="http://schemas.openxmlformats.org/officeDocument/2006/math">
+                        <m:r>
+                          <a:rPr kumimoji="1" lang="en-US" altLang="ja-JP" b="0" i="1" smtClean="0">
+                            <a:solidFill>
+                              <a:schemeClr val="tx1"/>
+                            </a:solidFill>
+                            <a:latin typeface="Cambria Math" panose="02040503050406030204" pitchFamily="18" charset="0"/>
+                          </a:rPr>
+                          <m:t>𝑢</m:t>
+                        </m:r>
+                      </m:oMath>
+                    </m:oMathPara>
+                  </a14:m>
+                  <a:endParaRPr kumimoji="1" lang="ja-JP" altLang="en-US" dirty="0">
+                    <a:solidFill>
+                      <a:schemeClr val="tx1"/>
+                    </a:solidFill>
+                  </a:endParaRPr>
+                </a:p>
+              </p:txBody>
+            </p:sp>
+          </mc:Choice>
+          <mc:Fallback>
+            <p:sp>
+              <p:nvSpPr>
+                <p:cNvPr id="92" name="楕円 91">
+                  <a:extLst>
+                    <a:ext uri="{FF2B5EF4-FFF2-40B4-BE49-F238E27FC236}">
+                      <a16:creationId xmlns:a16="http://schemas.microsoft.com/office/drawing/2014/main" id="{9D379CEE-DE85-46DC-9899-ACD0B8D5EEC9}"/>
+                    </a:ext>
+                  </a:extLst>
+                </p:cNvPr>
+                <p:cNvSpPr>
+                  <a:spLocks noRot="1" noChangeAspect="1" noMove="1" noResize="1" noEditPoints="1" noAdjustHandles="1" noChangeArrowheads="1" noChangeShapeType="1" noTextEdit="1"/>
+                </p:cNvSpPr>
+                <p:nvPr/>
+              </p:nvSpPr>
+              <p:spPr>
+                <a:xfrm>
+                  <a:off x="2820074" y="2411106"/>
+                  <a:ext cx="377556" cy="377556"/>
+                </a:xfrm>
+                <a:prstGeom prst="ellipse">
+                  <a:avLst/>
+                </a:prstGeom>
+                <a:blipFill>
+                  <a:blip r:embed="rId6"/>
+                  <a:stretch>
+                    <a:fillRect/>
+                  </a:stretch>
+                </a:blipFill>
+                <a:ln>
+                  <a:solidFill>
+                    <a:schemeClr val="tx1"/>
+                  </a:solidFill>
+                </a:ln>
+              </p:spPr>
+              <p:txBody>
+                <a:bodyPr/>
+                <a:lstStyle/>
+                <a:p>
+                  <a:r>
+                    <a:rPr lang="ja-JP" altLang="en-US">
+                      <a:noFill/>
+                    </a:rPr>
+                    <a:t> </a:t>
+                  </a:r>
+                </a:p>
+              </p:txBody>
+            </p:sp>
+          </mc:Fallback>
+        </mc:AlternateContent>
+        <mc:AlternateContent xmlns:mc="http://schemas.openxmlformats.org/markup-compatibility/2006">
+          <mc:Choice xmlns:a14="http://schemas.microsoft.com/office/drawing/2010/main" Requires="a14">
+            <p:sp>
+              <p:nvSpPr>
+                <p:cNvPr id="93" name="楕円 92">
+                  <a:extLst>
+                    <a:ext uri="{FF2B5EF4-FFF2-40B4-BE49-F238E27FC236}">
+                      <a16:creationId xmlns:a16="http://schemas.microsoft.com/office/drawing/2014/main" id="{23C45CB3-0633-4A3B-A05D-A6F998C12356}"/>
+                    </a:ext>
+                  </a:extLst>
+                </p:cNvPr>
+                <p:cNvSpPr/>
+                <p:nvPr/>
+              </p:nvSpPr>
+              <p:spPr>
+                <a:xfrm>
+                  <a:off x="3813992" y="2411106"/>
+                  <a:ext cx="377556" cy="377556"/>
+                </a:xfrm>
+                <a:prstGeom prst="ellipse">
+                  <a:avLst/>
+                </a:prstGeom>
+                <a:solidFill>
+                  <a:schemeClr val="accent2">
+                    <a:lumMod val="60000"/>
+                    <a:lumOff val="40000"/>
+                  </a:schemeClr>
+                </a:solidFill>
+                <a:ln>
+                  <a:solidFill>
+                    <a:schemeClr val="tx1"/>
+                  </a:solidFill>
+                </a:ln>
+              </p:spPr>
+              <p:style>
+                <a:lnRef idx="2">
+                  <a:schemeClr val="accent1">
+                    <a:shade val="50000"/>
+                  </a:schemeClr>
+                </a:lnRef>
+                <a:fillRef idx="1">
+                  <a:schemeClr val="accent1"/>
+                </a:fillRef>
+                <a:effectRef idx="0">
+                  <a:schemeClr val="accent1"/>
+                </a:effectRef>
+                <a:fontRef idx="minor">
+                  <a:schemeClr val="lt1"/>
+                </a:fontRef>
+              </p:style>
+              <p:txBody>
+                <a:bodyPr rtlCol="0" anchor="ctr"/>
+                <a:lstStyle/>
+                <a:p>
+                  <a:pPr algn="ctr"/>
+                  <a14:m>
+                    <m:oMathPara xmlns:m="http://schemas.openxmlformats.org/officeDocument/2006/math">
+                      <m:oMathParaPr>
+                        <m:jc m:val="center"/>
+                      </m:oMathParaPr>
+                      <m:oMath xmlns:m="http://schemas.openxmlformats.org/officeDocument/2006/math">
+                        <m:r>
+                          <a:rPr kumimoji="1" lang="en-US" altLang="ja-JP" b="0" i="1" smtClean="0">
+                            <a:solidFill>
+                              <a:schemeClr val="tx1"/>
+                            </a:solidFill>
+                            <a:latin typeface="Cambria Math" panose="02040503050406030204" pitchFamily="18" charset="0"/>
+                          </a:rPr>
+                          <m:t>𝑣</m:t>
+                        </m:r>
+                      </m:oMath>
+                    </m:oMathPara>
+                  </a14:m>
+                  <a:endParaRPr kumimoji="1" lang="ja-JP" altLang="en-US" dirty="0">
+                    <a:solidFill>
+                      <a:schemeClr val="tx1"/>
+                    </a:solidFill>
+                  </a:endParaRPr>
+                </a:p>
+              </p:txBody>
+            </p:sp>
+          </mc:Choice>
+          <mc:Fallback>
+            <p:sp>
+              <p:nvSpPr>
+                <p:cNvPr id="93" name="楕円 92">
+                  <a:extLst>
+                    <a:ext uri="{FF2B5EF4-FFF2-40B4-BE49-F238E27FC236}">
+                      <a16:creationId xmlns:a16="http://schemas.microsoft.com/office/drawing/2014/main" id="{23C45CB3-0633-4A3B-A05D-A6F998C12356}"/>
+                    </a:ext>
+                  </a:extLst>
+                </p:cNvPr>
+                <p:cNvSpPr>
+                  <a:spLocks noRot="1" noChangeAspect="1" noMove="1" noResize="1" noEditPoints="1" noAdjustHandles="1" noChangeArrowheads="1" noChangeShapeType="1" noTextEdit="1"/>
+                </p:cNvSpPr>
+                <p:nvPr/>
+              </p:nvSpPr>
+              <p:spPr>
+                <a:xfrm>
+                  <a:off x="3813992" y="2411106"/>
+                  <a:ext cx="377556" cy="377556"/>
+                </a:xfrm>
+                <a:prstGeom prst="ellipse">
+                  <a:avLst/>
+                </a:prstGeom>
+                <a:blipFill>
+                  <a:blip r:embed="rId7"/>
+                  <a:stretch>
+                    <a:fillRect/>
+                  </a:stretch>
+                </a:blipFill>
+                <a:ln>
+                  <a:solidFill>
+                    <a:schemeClr val="tx1"/>
+                  </a:solidFill>
+                </a:ln>
+              </p:spPr>
+              <p:txBody>
+                <a:bodyPr/>
+                <a:lstStyle/>
+                <a:p>
+                  <a:r>
+                    <a:rPr lang="ja-JP" altLang="en-US">
+                      <a:noFill/>
+                    </a:rPr>
+                    <a:t> </a:t>
+                  </a:r>
+                </a:p>
+              </p:txBody>
+            </p:sp>
+          </mc:Fallback>
+        </mc:AlternateContent>
+        <p:cxnSp>
+          <p:nvCxnSpPr>
+            <p:cNvPr id="94" name="直線コネクタ 93">
+              <a:extLst>
+                <a:ext uri="{FF2B5EF4-FFF2-40B4-BE49-F238E27FC236}">
+                  <a16:creationId xmlns:a16="http://schemas.microsoft.com/office/drawing/2014/main" id="{5DC0DEAA-1039-4B1D-9046-BF7B4D58A24B}"/>
+                </a:ext>
+              </a:extLst>
+            </p:cNvPr>
+            <p:cNvCxnSpPr>
+              <a:stCxn id="92" idx="7"/>
+              <a:endCxn id="93" idx="1"/>
+            </p:cNvCxnSpPr>
+            <p:nvPr/>
+          </p:nvCxnSpPr>
+          <p:spPr>
+            <a:xfrm>
+              <a:off x="3142338" y="2466398"/>
+              <a:ext cx="726946" cy="0"/>
+            </a:xfrm>
+            <a:prstGeom prst="line">
+              <a:avLst/>
+            </a:prstGeom>
+            <a:ln w="19050"/>
+          </p:spPr>
+          <p:style>
+            <a:lnRef idx="1">
+              <a:schemeClr val="accent1"/>
+            </a:lnRef>
+            <a:fillRef idx="0">
+              <a:schemeClr val="accent1"/>
+            </a:fillRef>
+            <a:effectRef idx="0">
+              <a:schemeClr val="accent1"/>
+            </a:effectRef>
+            <a:fontRef idx="minor">
+              <a:schemeClr val="tx1"/>
+            </a:fontRef>
+          </p:style>
+        </p:cxnSp>
+        <p:cxnSp>
+          <p:nvCxnSpPr>
+            <p:cNvPr id="95" name="直線コネクタ 94">
+              <a:extLst>
+                <a:ext uri="{FF2B5EF4-FFF2-40B4-BE49-F238E27FC236}">
+                  <a16:creationId xmlns:a16="http://schemas.microsoft.com/office/drawing/2014/main" id="{35C1A6C4-C79E-47EC-9516-3E7591E73B68}"/>
+                </a:ext>
+              </a:extLst>
+            </p:cNvPr>
+            <p:cNvCxnSpPr>
+              <a:cxnSpLocks/>
+              <a:stCxn id="92" idx="0"/>
+            </p:cNvCxnSpPr>
+            <p:nvPr/>
+          </p:nvCxnSpPr>
+          <p:spPr>
+            <a:xfrm flipV="1">
+              <a:off x="3008852" y="1928553"/>
+              <a:ext cx="0" cy="482553"/>
+            </a:xfrm>
+            <a:prstGeom prst="line">
+              <a:avLst/>
+            </a:prstGeom>
+            <a:ln w="19050"/>
+          </p:spPr>
+          <p:style>
+            <a:lnRef idx="1">
+              <a:schemeClr val="accent1"/>
+            </a:lnRef>
+            <a:fillRef idx="0">
+              <a:schemeClr val="accent1"/>
+            </a:fillRef>
+            <a:effectRef idx="0">
+              <a:schemeClr val="accent1"/>
+            </a:effectRef>
+            <a:fontRef idx="minor">
+              <a:schemeClr val="tx1"/>
+            </a:fontRef>
+          </p:style>
+        </p:cxnSp>
+        <p:cxnSp>
+          <p:nvCxnSpPr>
+            <p:cNvPr id="96" name="直線コネクタ 95">
+              <a:extLst>
+                <a:ext uri="{FF2B5EF4-FFF2-40B4-BE49-F238E27FC236}">
+                  <a16:creationId xmlns:a16="http://schemas.microsoft.com/office/drawing/2014/main" id="{8CF94912-FCBD-4E67-8E1C-72204DD29F53}"/>
+                </a:ext>
+              </a:extLst>
+            </p:cNvPr>
+            <p:cNvCxnSpPr>
+              <a:cxnSpLocks/>
+              <a:stCxn id="92" idx="1"/>
+            </p:cNvCxnSpPr>
+            <p:nvPr/>
+          </p:nvCxnSpPr>
+          <p:spPr>
+            <a:xfrm flipH="1" flipV="1">
+              <a:off x="2470749" y="2056015"/>
+              <a:ext cx="404617" cy="410383"/>
+            </a:xfrm>
+            <a:prstGeom prst="line">
+              <a:avLst/>
+            </a:prstGeom>
+            <a:ln w="19050"/>
+          </p:spPr>
+          <p:style>
+            <a:lnRef idx="1">
+              <a:schemeClr val="accent1"/>
+            </a:lnRef>
+            <a:fillRef idx="0">
+              <a:schemeClr val="accent1"/>
+            </a:fillRef>
+            <a:effectRef idx="0">
+              <a:schemeClr val="accent1"/>
+            </a:effectRef>
+            <a:fontRef idx="minor">
+              <a:schemeClr val="tx1"/>
+            </a:fontRef>
+          </p:style>
+        </p:cxnSp>
+        <p:cxnSp>
+          <p:nvCxnSpPr>
+            <p:cNvPr id="97" name="直線コネクタ 96">
+              <a:extLst>
+                <a:ext uri="{FF2B5EF4-FFF2-40B4-BE49-F238E27FC236}">
+                  <a16:creationId xmlns:a16="http://schemas.microsoft.com/office/drawing/2014/main" id="{E4A7ADDC-618B-419B-8F3B-35DE391FD8F4}"/>
+                </a:ext>
+              </a:extLst>
+            </p:cNvPr>
+            <p:cNvCxnSpPr>
+              <a:cxnSpLocks/>
+              <a:stCxn id="92" idx="2"/>
+            </p:cNvCxnSpPr>
+            <p:nvPr/>
+          </p:nvCxnSpPr>
+          <p:spPr>
+            <a:xfrm flipH="1">
+              <a:off x="2337263" y="2599884"/>
+              <a:ext cx="482811" cy="0"/>
+            </a:xfrm>
+            <a:prstGeom prst="line">
+              <a:avLst/>
+            </a:prstGeom>
+            <a:ln w="19050"/>
+          </p:spPr>
+          <p:style>
+            <a:lnRef idx="1">
+              <a:schemeClr val="accent1"/>
+            </a:lnRef>
+            <a:fillRef idx="0">
+              <a:schemeClr val="accent1"/>
+            </a:fillRef>
+            <a:effectRef idx="0">
+              <a:schemeClr val="accent1"/>
+            </a:effectRef>
+            <a:fontRef idx="minor">
+              <a:schemeClr val="tx1"/>
+            </a:fontRef>
+          </p:style>
+        </p:cxnSp>
+        <p:cxnSp>
+          <p:nvCxnSpPr>
+            <p:cNvPr id="98" name="直線コネクタ 97">
+              <a:extLst>
+                <a:ext uri="{FF2B5EF4-FFF2-40B4-BE49-F238E27FC236}">
+                  <a16:creationId xmlns:a16="http://schemas.microsoft.com/office/drawing/2014/main" id="{088BB689-AC1E-4EE4-BB52-3DE2F8AD74D1}"/>
+                </a:ext>
+              </a:extLst>
+            </p:cNvPr>
+            <p:cNvCxnSpPr>
+              <a:cxnSpLocks/>
+              <a:stCxn id="92" idx="3"/>
+            </p:cNvCxnSpPr>
+            <p:nvPr/>
+          </p:nvCxnSpPr>
+          <p:spPr>
+            <a:xfrm flipH="1">
+              <a:off x="2510444" y="2733370"/>
+              <a:ext cx="364922" cy="410383"/>
+            </a:xfrm>
+            <a:prstGeom prst="line">
+              <a:avLst/>
+            </a:prstGeom>
+            <a:ln w="19050"/>
+          </p:spPr>
+          <p:style>
+            <a:lnRef idx="1">
+              <a:schemeClr val="accent1"/>
+            </a:lnRef>
+            <a:fillRef idx="0">
+              <a:schemeClr val="accent1"/>
+            </a:fillRef>
+            <a:effectRef idx="0">
+              <a:schemeClr val="accent1"/>
+            </a:effectRef>
+            <a:fontRef idx="minor">
+              <a:schemeClr val="tx1"/>
+            </a:fontRef>
+          </p:style>
+        </p:cxnSp>
+        <p:cxnSp>
+          <p:nvCxnSpPr>
+            <p:cNvPr id="99" name="直線コネクタ 98">
+              <a:extLst>
+                <a:ext uri="{FF2B5EF4-FFF2-40B4-BE49-F238E27FC236}">
+                  <a16:creationId xmlns:a16="http://schemas.microsoft.com/office/drawing/2014/main" id="{48CEF605-AC83-43D8-AF2A-80C8D493B03A}"/>
+                </a:ext>
+              </a:extLst>
+            </p:cNvPr>
+            <p:cNvCxnSpPr>
+              <a:cxnSpLocks/>
+              <a:stCxn id="92" idx="4"/>
+            </p:cNvCxnSpPr>
+            <p:nvPr/>
+          </p:nvCxnSpPr>
+          <p:spPr>
+            <a:xfrm>
+              <a:off x="3008852" y="2788662"/>
+              <a:ext cx="0" cy="420051"/>
+            </a:xfrm>
+            <a:prstGeom prst="line">
+              <a:avLst/>
+            </a:prstGeom>
+            <a:ln w="19050"/>
+          </p:spPr>
+          <p:style>
+            <a:lnRef idx="1">
+              <a:schemeClr val="accent1"/>
+            </a:lnRef>
+            <a:fillRef idx="0">
+              <a:schemeClr val="accent1"/>
+            </a:fillRef>
+            <a:effectRef idx="0">
+              <a:schemeClr val="accent1"/>
+            </a:effectRef>
+            <a:fontRef idx="minor">
+              <a:schemeClr val="tx1"/>
+            </a:fontRef>
+          </p:style>
+        </p:cxnSp>
+        <p:cxnSp>
+          <p:nvCxnSpPr>
+            <p:cNvPr id="100" name="直線コネクタ 99">
+              <a:extLst>
+                <a:ext uri="{FF2B5EF4-FFF2-40B4-BE49-F238E27FC236}">
+                  <a16:creationId xmlns:a16="http://schemas.microsoft.com/office/drawing/2014/main" id="{F4589089-E84B-4AE2-811F-C19FD4005F58}"/>
+                </a:ext>
+              </a:extLst>
+            </p:cNvPr>
+            <p:cNvCxnSpPr>
+              <a:cxnSpLocks/>
+              <a:stCxn id="92" idx="5"/>
+              <a:endCxn id="93" idx="3"/>
+            </p:cNvCxnSpPr>
+            <p:nvPr/>
+          </p:nvCxnSpPr>
+          <p:spPr>
+            <a:xfrm>
+              <a:off x="3142338" y="2733370"/>
+              <a:ext cx="726946" cy="0"/>
+            </a:xfrm>
+            <a:prstGeom prst="line">
+              <a:avLst/>
+            </a:prstGeom>
+            <a:ln w="19050">
+              <a:solidFill>
+                <a:schemeClr val="accent2">
+                  <a:lumMod val="75000"/>
+                </a:schemeClr>
+              </a:solidFill>
+            </a:ln>
+          </p:spPr>
+          <p:style>
+            <a:lnRef idx="1">
+              <a:schemeClr val="accent1"/>
+            </a:lnRef>
+            <a:fillRef idx="0">
+              <a:schemeClr val="accent1"/>
+            </a:fillRef>
+            <a:effectRef idx="0">
+              <a:schemeClr val="accent1"/>
+            </a:effectRef>
+            <a:fontRef idx="minor">
+              <a:schemeClr val="tx1"/>
+            </a:fontRef>
+          </p:style>
+        </p:cxnSp>
+        <p:cxnSp>
+          <p:nvCxnSpPr>
+            <p:cNvPr id="101" name="直線コネクタ 100">
+              <a:extLst>
+                <a:ext uri="{FF2B5EF4-FFF2-40B4-BE49-F238E27FC236}">
+                  <a16:creationId xmlns:a16="http://schemas.microsoft.com/office/drawing/2014/main" id="{1C8F2ED8-35C0-40B0-AB77-64F02B4CDA4A}"/>
+                </a:ext>
+              </a:extLst>
+            </p:cNvPr>
+            <p:cNvCxnSpPr>
+              <a:cxnSpLocks/>
+              <a:stCxn id="93" idx="0"/>
+            </p:cNvCxnSpPr>
+            <p:nvPr/>
+          </p:nvCxnSpPr>
+          <p:spPr>
+            <a:xfrm flipV="1">
+              <a:off x="4002770" y="1928553"/>
+              <a:ext cx="0" cy="482553"/>
+            </a:xfrm>
+            <a:prstGeom prst="line">
+              <a:avLst/>
+            </a:prstGeom>
+            <a:ln w="19050">
+              <a:solidFill>
+                <a:schemeClr val="accent2">
+                  <a:lumMod val="75000"/>
+                </a:schemeClr>
+              </a:solidFill>
+            </a:ln>
+          </p:spPr>
+          <p:style>
+            <a:lnRef idx="1">
+              <a:schemeClr val="accent1"/>
+            </a:lnRef>
+            <a:fillRef idx="0">
+              <a:schemeClr val="accent1"/>
+            </a:fillRef>
+            <a:effectRef idx="0">
+              <a:schemeClr val="accent1"/>
+            </a:effectRef>
+            <a:fontRef idx="minor">
+              <a:schemeClr val="tx1"/>
+            </a:fontRef>
+          </p:style>
+        </p:cxnSp>
+        <p:cxnSp>
+          <p:nvCxnSpPr>
+            <p:cNvPr id="102" name="直線コネクタ 101">
+              <a:extLst>
+                <a:ext uri="{FF2B5EF4-FFF2-40B4-BE49-F238E27FC236}">
+                  <a16:creationId xmlns:a16="http://schemas.microsoft.com/office/drawing/2014/main" id="{685C6861-CDF9-4047-B00A-5670AD7BC3E9}"/>
+                </a:ext>
+              </a:extLst>
+            </p:cNvPr>
+            <p:cNvCxnSpPr>
+              <a:cxnSpLocks/>
+            </p:cNvCxnSpPr>
+            <p:nvPr/>
+          </p:nvCxnSpPr>
+          <p:spPr>
+            <a:xfrm flipV="1">
+              <a:off x="4002770" y="2788662"/>
+              <a:ext cx="0" cy="482553"/>
+            </a:xfrm>
+            <a:prstGeom prst="line">
+              <a:avLst/>
+            </a:prstGeom>
+            <a:ln w="19050">
+              <a:solidFill>
+                <a:schemeClr val="accent2">
+                  <a:lumMod val="75000"/>
+                </a:schemeClr>
+              </a:solidFill>
+            </a:ln>
+          </p:spPr>
+          <p:style>
+            <a:lnRef idx="1">
+              <a:schemeClr val="accent1"/>
+            </a:lnRef>
+            <a:fillRef idx="0">
+              <a:schemeClr val="accent1"/>
+            </a:fillRef>
+            <a:effectRef idx="0">
+              <a:schemeClr val="accent1"/>
+            </a:effectRef>
+            <a:fontRef idx="minor">
+              <a:schemeClr val="tx1"/>
+            </a:fontRef>
+          </p:style>
+        </p:cxnSp>
+        <p:cxnSp>
+          <p:nvCxnSpPr>
+            <p:cNvPr id="103" name="直線コネクタ 102">
+              <a:extLst>
+                <a:ext uri="{FF2B5EF4-FFF2-40B4-BE49-F238E27FC236}">
+                  <a16:creationId xmlns:a16="http://schemas.microsoft.com/office/drawing/2014/main" id="{38CF91F2-AAC2-4977-98BC-3172C9384585}"/>
+                </a:ext>
+              </a:extLst>
+            </p:cNvPr>
+            <p:cNvCxnSpPr>
+              <a:cxnSpLocks/>
+              <a:endCxn id="93" idx="5"/>
+            </p:cNvCxnSpPr>
+            <p:nvPr/>
+          </p:nvCxnSpPr>
+          <p:spPr>
+            <a:xfrm flipH="1" flipV="1">
+              <a:off x="4136256" y="2733370"/>
+              <a:ext cx="349390" cy="537845"/>
+            </a:xfrm>
+            <a:prstGeom prst="line">
+              <a:avLst/>
+            </a:prstGeom>
+            <a:ln w="19050">
+              <a:solidFill>
+                <a:schemeClr val="accent2">
+                  <a:lumMod val="75000"/>
+                </a:schemeClr>
+              </a:solidFill>
+            </a:ln>
+          </p:spPr>
+          <p:style>
+            <a:lnRef idx="1">
+              <a:schemeClr val="accent1"/>
+            </a:lnRef>
+            <a:fillRef idx="0">
+              <a:schemeClr val="accent1"/>
+            </a:fillRef>
+            <a:effectRef idx="0">
+              <a:schemeClr val="accent1"/>
+            </a:effectRef>
+            <a:fontRef idx="minor">
+              <a:schemeClr val="tx1"/>
+            </a:fontRef>
+          </p:style>
+        </p:cxnSp>
+        <p:cxnSp>
+          <p:nvCxnSpPr>
+            <p:cNvPr id="104" name="直線コネクタ 103">
+              <a:extLst>
+                <a:ext uri="{FF2B5EF4-FFF2-40B4-BE49-F238E27FC236}">
+                  <a16:creationId xmlns:a16="http://schemas.microsoft.com/office/drawing/2014/main" id="{C8325489-91EF-4262-B556-CC74BAF74C81}"/>
+                </a:ext>
+              </a:extLst>
+            </p:cNvPr>
+            <p:cNvCxnSpPr>
+              <a:cxnSpLocks/>
+              <a:stCxn id="93" idx="6"/>
+            </p:cNvCxnSpPr>
+            <p:nvPr/>
+          </p:nvCxnSpPr>
+          <p:spPr>
+            <a:xfrm>
+              <a:off x="4191548" y="2599884"/>
+              <a:ext cx="446954" cy="0"/>
+            </a:xfrm>
+            <a:prstGeom prst="line">
+              <a:avLst/>
+            </a:prstGeom>
+            <a:ln w="19050">
+              <a:solidFill>
+                <a:schemeClr val="accent2">
+                  <a:lumMod val="75000"/>
+                </a:schemeClr>
+              </a:solidFill>
+            </a:ln>
+          </p:spPr>
+          <p:style>
+            <a:lnRef idx="1">
+              <a:schemeClr val="accent1"/>
+            </a:lnRef>
+            <a:fillRef idx="0">
+              <a:schemeClr val="accent1"/>
+            </a:fillRef>
+            <a:effectRef idx="0">
+              <a:schemeClr val="accent1"/>
+            </a:effectRef>
+            <a:fontRef idx="minor">
+              <a:schemeClr val="tx1"/>
+            </a:fontRef>
+          </p:style>
+        </p:cxnSp>
+        <p:cxnSp>
+          <p:nvCxnSpPr>
+            <p:cNvPr id="105" name="直線コネクタ 104">
+              <a:extLst>
+                <a:ext uri="{FF2B5EF4-FFF2-40B4-BE49-F238E27FC236}">
+                  <a16:creationId xmlns:a16="http://schemas.microsoft.com/office/drawing/2014/main" id="{BCBFAB2A-F433-4DB7-86A5-883BDE4C76F5}"/>
+                </a:ext>
+              </a:extLst>
+            </p:cNvPr>
+            <p:cNvCxnSpPr>
+              <a:cxnSpLocks/>
+              <a:endCxn id="93" idx="7"/>
+            </p:cNvCxnSpPr>
+            <p:nvPr/>
+          </p:nvCxnSpPr>
+          <p:spPr>
+            <a:xfrm flipH="1">
+              <a:off x="4136256" y="2105891"/>
+              <a:ext cx="432848" cy="360507"/>
+            </a:xfrm>
+            <a:prstGeom prst="line">
+              <a:avLst/>
+            </a:prstGeom>
+            <a:ln w="76200">
+              <a:solidFill>
+                <a:schemeClr val="accent2">
+                  <a:lumMod val="75000"/>
+                </a:schemeClr>
+              </a:solidFill>
+            </a:ln>
+          </p:spPr>
+          <p:style>
+            <a:lnRef idx="1">
+              <a:schemeClr val="accent1"/>
+            </a:lnRef>
+            <a:fillRef idx="0">
+              <a:schemeClr val="accent1"/>
+            </a:fillRef>
+            <a:effectRef idx="0">
+              <a:schemeClr val="accent1"/>
+            </a:effectRef>
+            <a:fontRef idx="minor">
+              <a:schemeClr val="tx1"/>
+            </a:fontRef>
+          </p:style>
+        </p:cxnSp>
+      </p:grpSp>
+      <p:grpSp>
+        <p:nvGrpSpPr>
+          <p:cNvPr id="106" name="グループ化 105">
+            <a:extLst>
+              <a:ext uri="{FF2B5EF4-FFF2-40B4-BE49-F238E27FC236}">
+                <a16:creationId xmlns:a16="http://schemas.microsoft.com/office/drawing/2014/main" id="{7A9769AC-6237-49A9-B61A-B0CB0445EDE0}"/>
+              </a:ext>
+            </a:extLst>
+          </p:cNvPr>
+          <p:cNvGrpSpPr/>
+          <p:nvPr/>
+        </p:nvGrpSpPr>
+        <p:grpSpPr>
+          <a:xfrm>
+            <a:off x="6311039" y="838091"/>
+            <a:ext cx="2301239" cy="1342662"/>
+            <a:chOff x="2337263" y="1928553"/>
+            <a:chExt cx="2301239" cy="1342662"/>
+          </a:xfrm>
+        </p:grpSpPr>
+        <mc:AlternateContent xmlns:mc="http://schemas.openxmlformats.org/markup-compatibility/2006">
+          <mc:Choice xmlns:a14="http://schemas.microsoft.com/office/drawing/2010/main" Requires="a14">
+            <p:sp>
+              <p:nvSpPr>
+                <p:cNvPr id="107" name="楕円 106">
+                  <a:extLst>
+                    <a:ext uri="{FF2B5EF4-FFF2-40B4-BE49-F238E27FC236}">
+                      <a16:creationId xmlns:a16="http://schemas.microsoft.com/office/drawing/2014/main" id="{22619C5A-8855-40D6-AFD2-3E2C4EFBC098}"/>
+                    </a:ext>
+                  </a:extLst>
+                </p:cNvPr>
+                <p:cNvSpPr/>
+                <p:nvPr/>
+              </p:nvSpPr>
+              <p:spPr>
+                <a:xfrm>
+                  <a:off x="2820074" y="2411106"/>
+                  <a:ext cx="377556" cy="377556"/>
+                </a:xfrm>
+                <a:prstGeom prst="ellipse">
+                  <a:avLst/>
+                </a:prstGeom>
+                <a:solidFill>
+                  <a:schemeClr val="accent5">
+                    <a:lumMod val="60000"/>
+                    <a:lumOff val="40000"/>
+                  </a:schemeClr>
+                </a:solidFill>
+                <a:ln>
+                  <a:solidFill>
+                    <a:schemeClr val="tx1"/>
+                  </a:solidFill>
+                </a:ln>
+              </p:spPr>
+              <p:style>
+                <a:lnRef idx="2">
+                  <a:schemeClr val="accent1">
+                    <a:shade val="50000"/>
+                  </a:schemeClr>
+                </a:lnRef>
+                <a:fillRef idx="1">
+                  <a:schemeClr val="accent1"/>
+                </a:fillRef>
+                <a:effectRef idx="0">
+                  <a:schemeClr val="accent1"/>
+                </a:effectRef>
+                <a:fontRef idx="minor">
+                  <a:schemeClr val="lt1"/>
+                </a:fontRef>
+              </p:style>
+              <p:txBody>
+                <a:bodyPr rtlCol="0" anchor="ctr"/>
+                <a:lstStyle/>
+                <a:p>
+                  <a:pPr algn="ctr"/>
+                  <a14:m>
+                    <m:oMathPara xmlns:m="http://schemas.openxmlformats.org/officeDocument/2006/math">
+                      <m:oMathParaPr>
+                        <m:jc m:val="center"/>
+                      </m:oMathParaPr>
+                      <m:oMath xmlns:m="http://schemas.openxmlformats.org/officeDocument/2006/math">
+                        <m:r>
+                          <a:rPr kumimoji="1" lang="en-US" altLang="ja-JP" b="0" i="1" smtClean="0">
+                            <a:solidFill>
+                              <a:schemeClr val="tx1"/>
+                            </a:solidFill>
+                            <a:latin typeface="Cambria Math" panose="02040503050406030204" pitchFamily="18" charset="0"/>
+                          </a:rPr>
+                          <m:t>𝑢</m:t>
+                        </m:r>
+                      </m:oMath>
+                    </m:oMathPara>
+                  </a14:m>
+                  <a:endParaRPr kumimoji="1" lang="ja-JP" altLang="en-US" dirty="0">
+                    <a:solidFill>
+                      <a:schemeClr val="tx1"/>
+                    </a:solidFill>
+                  </a:endParaRPr>
+                </a:p>
+              </p:txBody>
+            </p:sp>
+          </mc:Choice>
+          <mc:Fallback>
+            <p:sp>
+              <p:nvSpPr>
+                <p:cNvPr id="107" name="楕円 106">
+                  <a:extLst>
+                    <a:ext uri="{FF2B5EF4-FFF2-40B4-BE49-F238E27FC236}">
+                      <a16:creationId xmlns:a16="http://schemas.microsoft.com/office/drawing/2014/main" id="{22619C5A-8855-40D6-AFD2-3E2C4EFBC098}"/>
+                    </a:ext>
+                  </a:extLst>
+                </p:cNvPr>
+                <p:cNvSpPr>
+                  <a:spLocks noRot="1" noChangeAspect="1" noMove="1" noResize="1" noEditPoints="1" noAdjustHandles="1" noChangeArrowheads="1" noChangeShapeType="1" noTextEdit="1"/>
+                </p:cNvSpPr>
+                <p:nvPr/>
+              </p:nvSpPr>
+              <p:spPr>
+                <a:xfrm>
+                  <a:off x="2820074" y="2411106"/>
+                  <a:ext cx="377556" cy="377556"/>
+                </a:xfrm>
+                <a:prstGeom prst="ellipse">
+                  <a:avLst/>
+                </a:prstGeom>
+                <a:blipFill>
+                  <a:blip r:embed="rId8"/>
+                  <a:stretch>
+                    <a:fillRect/>
+                  </a:stretch>
+                </a:blipFill>
+                <a:ln>
+                  <a:solidFill>
+                    <a:schemeClr val="tx1"/>
+                  </a:solidFill>
+                </a:ln>
+              </p:spPr>
+              <p:txBody>
+                <a:bodyPr/>
+                <a:lstStyle/>
+                <a:p>
+                  <a:r>
+                    <a:rPr lang="ja-JP" altLang="en-US">
+                      <a:noFill/>
+                    </a:rPr>
+                    <a:t> </a:t>
+                  </a:r>
+                </a:p>
+              </p:txBody>
+            </p:sp>
+          </mc:Fallback>
+        </mc:AlternateContent>
+        <mc:AlternateContent xmlns:mc="http://schemas.openxmlformats.org/markup-compatibility/2006">
+          <mc:Choice xmlns:a14="http://schemas.microsoft.com/office/drawing/2010/main" Requires="a14">
+            <p:sp>
+              <p:nvSpPr>
+                <p:cNvPr id="108" name="楕円 107">
+                  <a:extLst>
+                    <a:ext uri="{FF2B5EF4-FFF2-40B4-BE49-F238E27FC236}">
+                      <a16:creationId xmlns:a16="http://schemas.microsoft.com/office/drawing/2014/main" id="{150D637B-A85E-4CFB-A0A4-589706746A6B}"/>
+                    </a:ext>
+                  </a:extLst>
+                </p:cNvPr>
+                <p:cNvSpPr/>
+                <p:nvPr/>
+              </p:nvSpPr>
+              <p:spPr>
+                <a:xfrm>
+                  <a:off x="3813992" y="2411106"/>
+                  <a:ext cx="377556" cy="377556"/>
+                </a:xfrm>
+                <a:prstGeom prst="ellipse">
+                  <a:avLst/>
+                </a:prstGeom>
+                <a:solidFill>
+                  <a:schemeClr val="accent2">
+                    <a:lumMod val="60000"/>
+                    <a:lumOff val="40000"/>
+                  </a:schemeClr>
+                </a:solidFill>
+                <a:ln>
+                  <a:solidFill>
+                    <a:schemeClr val="tx1"/>
+                  </a:solidFill>
+                </a:ln>
+              </p:spPr>
+              <p:style>
+                <a:lnRef idx="2">
+                  <a:schemeClr val="accent1">
+                    <a:shade val="50000"/>
+                  </a:schemeClr>
+                </a:lnRef>
+                <a:fillRef idx="1">
+                  <a:schemeClr val="accent1"/>
+                </a:fillRef>
+                <a:effectRef idx="0">
+                  <a:schemeClr val="accent1"/>
+                </a:effectRef>
+                <a:fontRef idx="minor">
+                  <a:schemeClr val="lt1"/>
+                </a:fontRef>
+              </p:style>
+              <p:txBody>
+                <a:bodyPr rtlCol="0" anchor="ctr"/>
+                <a:lstStyle/>
+                <a:p>
+                  <a:pPr algn="ctr"/>
+                  <a14:m>
+                    <m:oMathPara xmlns:m="http://schemas.openxmlformats.org/officeDocument/2006/math">
+                      <m:oMathParaPr>
+                        <m:jc m:val="center"/>
+                      </m:oMathParaPr>
+                      <m:oMath xmlns:m="http://schemas.openxmlformats.org/officeDocument/2006/math">
+                        <m:r>
+                          <a:rPr kumimoji="1" lang="en-US" altLang="ja-JP" b="0" i="1" smtClean="0">
+                            <a:solidFill>
+                              <a:schemeClr val="tx1"/>
+                            </a:solidFill>
+                            <a:latin typeface="Cambria Math" panose="02040503050406030204" pitchFamily="18" charset="0"/>
+                          </a:rPr>
+                          <m:t>𝑣</m:t>
+                        </m:r>
+                      </m:oMath>
+                    </m:oMathPara>
+                  </a14:m>
+                  <a:endParaRPr kumimoji="1" lang="ja-JP" altLang="en-US" dirty="0">
+                    <a:solidFill>
+                      <a:schemeClr val="tx1"/>
+                    </a:solidFill>
+                  </a:endParaRPr>
+                </a:p>
+              </p:txBody>
+            </p:sp>
+          </mc:Choice>
+          <mc:Fallback>
+            <p:sp>
+              <p:nvSpPr>
+                <p:cNvPr id="108" name="楕円 107">
+                  <a:extLst>
+                    <a:ext uri="{FF2B5EF4-FFF2-40B4-BE49-F238E27FC236}">
+                      <a16:creationId xmlns:a16="http://schemas.microsoft.com/office/drawing/2014/main" id="{150D637B-A85E-4CFB-A0A4-589706746A6B}"/>
+                    </a:ext>
+                  </a:extLst>
+                </p:cNvPr>
+                <p:cNvSpPr>
+                  <a:spLocks noRot="1" noChangeAspect="1" noMove="1" noResize="1" noEditPoints="1" noAdjustHandles="1" noChangeArrowheads="1" noChangeShapeType="1" noTextEdit="1"/>
+                </p:cNvSpPr>
+                <p:nvPr/>
+              </p:nvSpPr>
+              <p:spPr>
+                <a:xfrm>
+                  <a:off x="3813992" y="2411106"/>
+                  <a:ext cx="377556" cy="377556"/>
+                </a:xfrm>
+                <a:prstGeom prst="ellipse">
+                  <a:avLst/>
+                </a:prstGeom>
+                <a:blipFill>
+                  <a:blip r:embed="rId9"/>
+                  <a:stretch>
+                    <a:fillRect/>
+                  </a:stretch>
+                </a:blipFill>
+                <a:ln>
+                  <a:solidFill>
+                    <a:schemeClr val="tx1"/>
+                  </a:solidFill>
+                </a:ln>
+              </p:spPr>
+              <p:txBody>
+                <a:bodyPr/>
+                <a:lstStyle/>
+                <a:p>
+                  <a:r>
+                    <a:rPr lang="ja-JP" altLang="en-US">
+                      <a:noFill/>
+                    </a:rPr>
+                    <a:t> </a:t>
+                  </a:r>
+                </a:p>
+              </p:txBody>
+            </p:sp>
+          </mc:Fallback>
+        </mc:AlternateContent>
+        <p:cxnSp>
+          <p:nvCxnSpPr>
+            <p:cNvPr id="109" name="直線コネクタ 108">
+              <a:extLst>
+                <a:ext uri="{FF2B5EF4-FFF2-40B4-BE49-F238E27FC236}">
+                  <a16:creationId xmlns:a16="http://schemas.microsoft.com/office/drawing/2014/main" id="{3167860E-78C1-4E3D-A6D3-687F4A50E0EA}"/>
+                </a:ext>
+              </a:extLst>
+            </p:cNvPr>
+            <p:cNvCxnSpPr>
+              <a:stCxn id="107" idx="7"/>
+              <a:endCxn id="108" idx="1"/>
+            </p:cNvCxnSpPr>
+            <p:nvPr/>
+          </p:nvCxnSpPr>
+          <p:spPr>
+            <a:xfrm>
+              <a:off x="3142338" y="2466398"/>
+              <a:ext cx="726946" cy="0"/>
+            </a:xfrm>
+            <a:prstGeom prst="line">
+              <a:avLst/>
+            </a:prstGeom>
+            <a:ln w="76200"/>
+          </p:spPr>
+          <p:style>
+            <a:lnRef idx="1">
+              <a:schemeClr val="accent1"/>
+            </a:lnRef>
+            <a:fillRef idx="0">
+              <a:schemeClr val="accent1"/>
+            </a:fillRef>
+            <a:effectRef idx="0">
+              <a:schemeClr val="accent1"/>
+            </a:effectRef>
+            <a:fontRef idx="minor">
+              <a:schemeClr val="tx1"/>
+            </a:fontRef>
+          </p:style>
+        </p:cxnSp>
+        <p:cxnSp>
+          <p:nvCxnSpPr>
+            <p:cNvPr id="110" name="直線コネクタ 109">
+              <a:extLst>
+                <a:ext uri="{FF2B5EF4-FFF2-40B4-BE49-F238E27FC236}">
+                  <a16:creationId xmlns:a16="http://schemas.microsoft.com/office/drawing/2014/main" id="{D558E168-4E48-4486-9525-0639860D8AD4}"/>
+                </a:ext>
+              </a:extLst>
+            </p:cNvPr>
+            <p:cNvCxnSpPr>
+              <a:cxnSpLocks/>
+              <a:stCxn id="107" idx="0"/>
+            </p:cNvCxnSpPr>
+            <p:nvPr/>
+          </p:nvCxnSpPr>
+          <p:spPr>
+            <a:xfrm flipV="1">
+              <a:off x="3008852" y="1928553"/>
+              <a:ext cx="0" cy="482553"/>
+            </a:xfrm>
+            <a:prstGeom prst="line">
+              <a:avLst/>
+            </a:prstGeom>
+            <a:ln w="19050"/>
+          </p:spPr>
+          <p:style>
+            <a:lnRef idx="1">
+              <a:schemeClr val="accent1"/>
+            </a:lnRef>
+            <a:fillRef idx="0">
+              <a:schemeClr val="accent1"/>
+            </a:fillRef>
+            <a:effectRef idx="0">
+              <a:schemeClr val="accent1"/>
+            </a:effectRef>
+            <a:fontRef idx="minor">
+              <a:schemeClr val="tx1"/>
+            </a:fontRef>
+          </p:style>
+        </p:cxnSp>
+        <p:cxnSp>
+          <p:nvCxnSpPr>
+            <p:cNvPr id="111" name="直線コネクタ 110">
+              <a:extLst>
+                <a:ext uri="{FF2B5EF4-FFF2-40B4-BE49-F238E27FC236}">
+                  <a16:creationId xmlns:a16="http://schemas.microsoft.com/office/drawing/2014/main" id="{FB619F2F-541D-4741-8324-54600213493D}"/>
+                </a:ext>
+              </a:extLst>
+            </p:cNvPr>
+            <p:cNvCxnSpPr>
+              <a:cxnSpLocks/>
+              <a:stCxn id="107" idx="1"/>
+            </p:cNvCxnSpPr>
+            <p:nvPr/>
+          </p:nvCxnSpPr>
+          <p:spPr>
+            <a:xfrm flipH="1" flipV="1">
+              <a:off x="2470749" y="2056015"/>
+              <a:ext cx="404617" cy="410383"/>
+            </a:xfrm>
+            <a:prstGeom prst="line">
+              <a:avLst/>
+            </a:prstGeom>
+            <a:ln w="19050"/>
+          </p:spPr>
+          <p:style>
+            <a:lnRef idx="1">
+              <a:schemeClr val="accent1"/>
+            </a:lnRef>
+            <a:fillRef idx="0">
+              <a:schemeClr val="accent1"/>
+            </a:fillRef>
+            <a:effectRef idx="0">
+              <a:schemeClr val="accent1"/>
+            </a:effectRef>
+            <a:fontRef idx="minor">
+              <a:schemeClr val="tx1"/>
+            </a:fontRef>
+          </p:style>
+        </p:cxnSp>
+        <p:cxnSp>
+          <p:nvCxnSpPr>
+            <p:cNvPr id="112" name="直線コネクタ 111">
+              <a:extLst>
+                <a:ext uri="{FF2B5EF4-FFF2-40B4-BE49-F238E27FC236}">
+                  <a16:creationId xmlns:a16="http://schemas.microsoft.com/office/drawing/2014/main" id="{8170A9FE-3370-4F9C-9B92-03B16BC35473}"/>
+                </a:ext>
+              </a:extLst>
+            </p:cNvPr>
+            <p:cNvCxnSpPr>
+              <a:cxnSpLocks/>
+              <a:stCxn id="107" idx="2"/>
+            </p:cNvCxnSpPr>
+            <p:nvPr/>
+          </p:nvCxnSpPr>
+          <p:spPr>
+            <a:xfrm flipH="1">
+              <a:off x="2337263" y="2599884"/>
+              <a:ext cx="482811" cy="0"/>
+            </a:xfrm>
+            <a:prstGeom prst="line">
+              <a:avLst/>
+            </a:prstGeom>
+            <a:ln w="19050"/>
+          </p:spPr>
+          <p:style>
+            <a:lnRef idx="1">
+              <a:schemeClr val="accent1"/>
+            </a:lnRef>
+            <a:fillRef idx="0">
+              <a:schemeClr val="accent1"/>
+            </a:fillRef>
+            <a:effectRef idx="0">
+              <a:schemeClr val="accent1"/>
+            </a:effectRef>
+            <a:fontRef idx="minor">
+              <a:schemeClr val="tx1"/>
+            </a:fontRef>
+          </p:style>
+        </p:cxnSp>
+        <p:cxnSp>
+          <p:nvCxnSpPr>
+            <p:cNvPr id="113" name="直線コネクタ 112">
+              <a:extLst>
+                <a:ext uri="{FF2B5EF4-FFF2-40B4-BE49-F238E27FC236}">
+                  <a16:creationId xmlns:a16="http://schemas.microsoft.com/office/drawing/2014/main" id="{6DF6F0BC-3346-4BC3-B90C-84EB017D0036}"/>
+                </a:ext>
+              </a:extLst>
+            </p:cNvPr>
+            <p:cNvCxnSpPr>
+              <a:cxnSpLocks/>
+              <a:stCxn id="107" idx="3"/>
+            </p:cNvCxnSpPr>
+            <p:nvPr/>
+          </p:nvCxnSpPr>
+          <p:spPr>
+            <a:xfrm flipH="1">
+              <a:off x="2510444" y="2733370"/>
+              <a:ext cx="364922" cy="410383"/>
+            </a:xfrm>
+            <a:prstGeom prst="line">
+              <a:avLst/>
+            </a:prstGeom>
+            <a:ln w="19050"/>
+          </p:spPr>
+          <p:style>
+            <a:lnRef idx="1">
+              <a:schemeClr val="accent1"/>
+            </a:lnRef>
+            <a:fillRef idx="0">
+              <a:schemeClr val="accent1"/>
+            </a:fillRef>
+            <a:effectRef idx="0">
+              <a:schemeClr val="accent1"/>
+            </a:effectRef>
+            <a:fontRef idx="minor">
+              <a:schemeClr val="tx1"/>
+            </a:fontRef>
+          </p:style>
+        </p:cxnSp>
+        <p:cxnSp>
+          <p:nvCxnSpPr>
+            <p:cNvPr id="114" name="直線コネクタ 113">
+              <a:extLst>
+                <a:ext uri="{FF2B5EF4-FFF2-40B4-BE49-F238E27FC236}">
+                  <a16:creationId xmlns:a16="http://schemas.microsoft.com/office/drawing/2014/main" id="{335AACC3-1BB2-47CA-83AC-4FBE9C016180}"/>
+                </a:ext>
+              </a:extLst>
+            </p:cNvPr>
+            <p:cNvCxnSpPr>
+              <a:cxnSpLocks/>
+              <a:stCxn id="107" idx="4"/>
+            </p:cNvCxnSpPr>
+            <p:nvPr/>
+          </p:nvCxnSpPr>
+          <p:spPr>
+            <a:xfrm>
+              <a:off x="3008852" y="2788662"/>
+              <a:ext cx="0" cy="420051"/>
+            </a:xfrm>
+            <a:prstGeom prst="line">
+              <a:avLst/>
+            </a:prstGeom>
+            <a:ln w="19050"/>
+          </p:spPr>
+          <p:style>
+            <a:lnRef idx="1">
+              <a:schemeClr val="accent1"/>
+            </a:lnRef>
+            <a:fillRef idx="0">
+              <a:schemeClr val="accent1"/>
+            </a:fillRef>
+            <a:effectRef idx="0">
+              <a:schemeClr val="accent1"/>
+            </a:effectRef>
+            <a:fontRef idx="minor">
+              <a:schemeClr val="tx1"/>
+            </a:fontRef>
+          </p:style>
+        </p:cxnSp>
+        <p:cxnSp>
+          <p:nvCxnSpPr>
+            <p:cNvPr id="115" name="直線コネクタ 114">
+              <a:extLst>
+                <a:ext uri="{FF2B5EF4-FFF2-40B4-BE49-F238E27FC236}">
+                  <a16:creationId xmlns:a16="http://schemas.microsoft.com/office/drawing/2014/main" id="{AEE30B2F-E899-41FB-9F0A-6C07E7C02FAD}"/>
+                </a:ext>
+              </a:extLst>
+            </p:cNvPr>
+            <p:cNvCxnSpPr>
+              <a:cxnSpLocks/>
+              <a:stCxn id="107" idx="5"/>
+              <a:endCxn id="108" idx="3"/>
+            </p:cNvCxnSpPr>
+            <p:nvPr/>
+          </p:nvCxnSpPr>
+          <p:spPr>
+            <a:xfrm>
+              <a:off x="3142338" y="2733370"/>
+              <a:ext cx="726946" cy="0"/>
+            </a:xfrm>
+            <a:prstGeom prst="line">
+              <a:avLst/>
+            </a:prstGeom>
+            <a:ln w="76200">
+              <a:solidFill>
+                <a:schemeClr val="accent2">
+                  <a:lumMod val="75000"/>
+                </a:schemeClr>
+              </a:solidFill>
+            </a:ln>
+          </p:spPr>
+          <p:style>
+            <a:lnRef idx="1">
+              <a:schemeClr val="accent1"/>
+            </a:lnRef>
+            <a:fillRef idx="0">
+              <a:schemeClr val="accent1"/>
+            </a:fillRef>
+            <a:effectRef idx="0">
+              <a:schemeClr val="accent1"/>
+            </a:effectRef>
+            <a:fontRef idx="minor">
+              <a:schemeClr val="tx1"/>
+            </a:fontRef>
+          </p:style>
+        </p:cxnSp>
+        <p:cxnSp>
+          <p:nvCxnSpPr>
+            <p:cNvPr id="116" name="直線コネクタ 115">
+              <a:extLst>
+                <a:ext uri="{FF2B5EF4-FFF2-40B4-BE49-F238E27FC236}">
+                  <a16:creationId xmlns:a16="http://schemas.microsoft.com/office/drawing/2014/main" id="{1219B461-F58E-4DFC-BBD0-666771C6AE96}"/>
+                </a:ext>
+              </a:extLst>
+            </p:cNvPr>
+            <p:cNvCxnSpPr>
+              <a:cxnSpLocks/>
+              <a:stCxn id="108" idx="0"/>
+            </p:cNvCxnSpPr>
+            <p:nvPr/>
+          </p:nvCxnSpPr>
+          <p:spPr>
+            <a:xfrm flipV="1">
+              <a:off x="4002770" y="1928553"/>
+              <a:ext cx="0" cy="482553"/>
+            </a:xfrm>
+            <a:prstGeom prst="line">
+              <a:avLst/>
+            </a:prstGeom>
+            <a:ln w="19050">
+              <a:solidFill>
+                <a:schemeClr val="accent2">
+                  <a:lumMod val="75000"/>
+                </a:schemeClr>
+              </a:solidFill>
+            </a:ln>
+          </p:spPr>
+          <p:style>
+            <a:lnRef idx="1">
+              <a:schemeClr val="accent1"/>
+            </a:lnRef>
+            <a:fillRef idx="0">
+              <a:schemeClr val="accent1"/>
+            </a:fillRef>
+            <a:effectRef idx="0">
+              <a:schemeClr val="accent1"/>
+            </a:effectRef>
+            <a:fontRef idx="minor">
+              <a:schemeClr val="tx1"/>
+            </a:fontRef>
+          </p:style>
+        </p:cxnSp>
+        <p:cxnSp>
+          <p:nvCxnSpPr>
+            <p:cNvPr id="117" name="直線コネクタ 116">
+              <a:extLst>
+                <a:ext uri="{FF2B5EF4-FFF2-40B4-BE49-F238E27FC236}">
+                  <a16:creationId xmlns:a16="http://schemas.microsoft.com/office/drawing/2014/main" id="{EA7F57E1-028D-4064-B230-D2B9165E0CBD}"/>
+                </a:ext>
+              </a:extLst>
+            </p:cNvPr>
+            <p:cNvCxnSpPr>
+              <a:cxnSpLocks/>
+            </p:cNvCxnSpPr>
+            <p:nvPr/>
+          </p:nvCxnSpPr>
+          <p:spPr>
+            <a:xfrm flipV="1">
+              <a:off x="4002770" y="2788662"/>
+              <a:ext cx="0" cy="482553"/>
+            </a:xfrm>
+            <a:prstGeom prst="line">
+              <a:avLst/>
+            </a:prstGeom>
+            <a:ln w="19050">
+              <a:solidFill>
+                <a:schemeClr val="accent2">
+                  <a:lumMod val="75000"/>
+                </a:schemeClr>
+              </a:solidFill>
+            </a:ln>
+          </p:spPr>
+          <p:style>
+            <a:lnRef idx="1">
+              <a:schemeClr val="accent1"/>
+            </a:lnRef>
+            <a:fillRef idx="0">
+              <a:schemeClr val="accent1"/>
+            </a:fillRef>
+            <a:effectRef idx="0">
+              <a:schemeClr val="accent1"/>
+            </a:effectRef>
+            <a:fontRef idx="minor">
+              <a:schemeClr val="tx1"/>
+            </a:fontRef>
+          </p:style>
+        </p:cxnSp>
+        <p:cxnSp>
+          <p:nvCxnSpPr>
+            <p:cNvPr id="118" name="直線コネクタ 117">
+              <a:extLst>
+                <a:ext uri="{FF2B5EF4-FFF2-40B4-BE49-F238E27FC236}">
+                  <a16:creationId xmlns:a16="http://schemas.microsoft.com/office/drawing/2014/main" id="{DCD89F48-0320-485D-A57A-AA344F44DFFC}"/>
+                </a:ext>
+              </a:extLst>
+            </p:cNvPr>
+            <p:cNvCxnSpPr>
+              <a:cxnSpLocks/>
+              <a:endCxn id="108" idx="5"/>
+            </p:cNvCxnSpPr>
+            <p:nvPr/>
+          </p:nvCxnSpPr>
+          <p:spPr>
+            <a:xfrm flipH="1" flipV="1">
+              <a:off x="4136256" y="2733370"/>
+              <a:ext cx="349390" cy="537845"/>
+            </a:xfrm>
+            <a:prstGeom prst="line">
+              <a:avLst/>
+            </a:prstGeom>
+            <a:ln w="19050">
+              <a:solidFill>
+                <a:schemeClr val="accent2">
+                  <a:lumMod val="75000"/>
+                </a:schemeClr>
+              </a:solidFill>
+            </a:ln>
+          </p:spPr>
+          <p:style>
+            <a:lnRef idx="1">
+              <a:schemeClr val="accent1"/>
+            </a:lnRef>
+            <a:fillRef idx="0">
+              <a:schemeClr val="accent1"/>
+            </a:fillRef>
+            <a:effectRef idx="0">
+              <a:schemeClr val="accent1"/>
+            </a:effectRef>
+            <a:fontRef idx="minor">
+              <a:schemeClr val="tx1"/>
+            </a:fontRef>
+          </p:style>
+        </p:cxnSp>
+        <p:cxnSp>
+          <p:nvCxnSpPr>
+            <p:cNvPr id="119" name="直線コネクタ 118">
+              <a:extLst>
+                <a:ext uri="{FF2B5EF4-FFF2-40B4-BE49-F238E27FC236}">
+                  <a16:creationId xmlns:a16="http://schemas.microsoft.com/office/drawing/2014/main" id="{3A362E79-1664-42B3-9722-5C3BBB553879}"/>
+                </a:ext>
+              </a:extLst>
+            </p:cNvPr>
+            <p:cNvCxnSpPr>
+              <a:cxnSpLocks/>
+              <a:stCxn id="108" idx="6"/>
+            </p:cNvCxnSpPr>
+            <p:nvPr/>
+          </p:nvCxnSpPr>
+          <p:spPr>
+            <a:xfrm>
+              <a:off x="4191548" y="2599884"/>
+              <a:ext cx="446954" cy="0"/>
+            </a:xfrm>
+            <a:prstGeom prst="line">
+              <a:avLst/>
+            </a:prstGeom>
+            <a:ln w="19050">
+              <a:solidFill>
+                <a:schemeClr val="accent2">
+                  <a:lumMod val="75000"/>
+                </a:schemeClr>
+              </a:solidFill>
+            </a:ln>
+          </p:spPr>
+          <p:style>
+            <a:lnRef idx="1">
+              <a:schemeClr val="accent1"/>
+            </a:lnRef>
+            <a:fillRef idx="0">
+              <a:schemeClr val="accent1"/>
+            </a:fillRef>
+            <a:effectRef idx="0">
+              <a:schemeClr val="accent1"/>
+            </a:effectRef>
+            <a:fontRef idx="minor">
+              <a:schemeClr val="tx1"/>
+            </a:fontRef>
+          </p:style>
+        </p:cxnSp>
+        <p:cxnSp>
+          <p:nvCxnSpPr>
+            <p:cNvPr id="120" name="直線コネクタ 119">
+              <a:extLst>
+                <a:ext uri="{FF2B5EF4-FFF2-40B4-BE49-F238E27FC236}">
+                  <a16:creationId xmlns:a16="http://schemas.microsoft.com/office/drawing/2014/main" id="{A13597FB-C760-4C8F-9039-924BAF6585AF}"/>
+                </a:ext>
+              </a:extLst>
+            </p:cNvPr>
+            <p:cNvCxnSpPr>
+              <a:cxnSpLocks/>
+              <a:endCxn id="108" idx="7"/>
+            </p:cNvCxnSpPr>
+            <p:nvPr/>
+          </p:nvCxnSpPr>
+          <p:spPr>
+            <a:xfrm flipH="1">
+              <a:off x="4136256" y="2105891"/>
+              <a:ext cx="432848" cy="360507"/>
+            </a:xfrm>
+            <a:prstGeom prst="line">
+              <a:avLst/>
+            </a:prstGeom>
+            <a:ln w="19050">
+              <a:solidFill>
+                <a:schemeClr val="accent2">
+                  <a:lumMod val="75000"/>
+                </a:schemeClr>
+              </a:solidFill>
+            </a:ln>
+          </p:spPr>
+          <p:style>
+            <a:lnRef idx="1">
+              <a:schemeClr val="accent1"/>
+            </a:lnRef>
+            <a:fillRef idx="0">
+              <a:schemeClr val="accent1"/>
+            </a:fillRef>
+            <a:effectRef idx="0">
+              <a:schemeClr val="accent1"/>
+            </a:effectRef>
+            <a:fontRef idx="minor">
+              <a:schemeClr val="tx1"/>
+            </a:fontRef>
+          </p:style>
+        </p:cxnSp>
+      </p:grpSp>
+      <mc:AlternateContent xmlns:mc="http://schemas.openxmlformats.org/markup-compatibility/2006">
+        <mc:Choice xmlns:a14="http://schemas.microsoft.com/office/drawing/2010/main" Requires="a14">
+          <p:sp>
+            <p:nvSpPr>
+              <p:cNvPr id="151" name="テキスト ボックス 150">
+                <a:extLst>
+                  <a:ext uri="{FF2B5EF4-FFF2-40B4-BE49-F238E27FC236}">
+                    <a16:creationId xmlns:a16="http://schemas.microsoft.com/office/drawing/2014/main" id="{9917F550-8F20-44E2-9C63-CB21A6297184}"/>
+                  </a:ext>
+                </a:extLst>
+              </p:cNvPr>
+              <p:cNvSpPr txBox="1"/>
+              <p:nvPr/>
+            </p:nvSpPr>
+            <p:spPr>
+              <a:xfrm>
+                <a:off x="8969246" y="2334219"/>
+                <a:ext cx="2656368" cy="369332"/>
+              </a:xfrm>
+              <a:prstGeom prst="rect">
+                <a:avLst/>
+              </a:prstGeom>
+              <a:noFill/>
+            </p:spPr>
+            <p:txBody>
+              <a:bodyPr wrap="none" rtlCol="0">
+                <a:spAutoFit/>
+              </a:bodyPr>
+              <a:lstStyle/>
+              <a:p>
+                <a14:m>
+                  <m:oMathPara xmlns:m="http://schemas.openxmlformats.org/officeDocument/2006/math">
+                    <m:oMathParaPr>
+                      <m:jc m:val="centerGroup"/>
+                    </m:oMathParaPr>
+                    <m:oMath xmlns:m="http://schemas.openxmlformats.org/officeDocument/2006/math">
+                      <m:r>
+                        <a:rPr kumimoji="1" lang="en-US" altLang="ja-JP" b="0" i="1" smtClean="0">
+                          <a:latin typeface="Cambria Math" panose="02040503050406030204" pitchFamily="18" charset="0"/>
+                        </a:rPr>
+                        <m:t>|</m:t>
+                      </m:r>
+                      <m:r>
+                        <a:rPr kumimoji="1" lang="en-US" altLang="ja-JP" b="0" i="1" smtClean="0">
+                          <a:latin typeface="Cambria Math" panose="02040503050406030204" pitchFamily="18" charset="0"/>
+                        </a:rPr>
+                        <m:t>𝑁</m:t>
+                      </m:r>
+                      <m:d>
+                        <m:dPr>
+                          <m:ctrlPr>
+                            <a:rPr kumimoji="1" lang="en-US" altLang="ja-JP" b="0" i="1" smtClean="0">
+                              <a:latin typeface="Cambria Math" panose="02040503050406030204" pitchFamily="18" charset="0"/>
+                            </a:rPr>
+                          </m:ctrlPr>
+                        </m:dPr>
+                        <m:e>
+                          <m:r>
+                            <a:rPr kumimoji="1" lang="en-US" altLang="ja-JP" b="0" i="1" smtClean="0">
+                              <a:latin typeface="Cambria Math" panose="02040503050406030204" pitchFamily="18" charset="0"/>
+                            </a:rPr>
+                            <m:t>𝑢</m:t>
+                          </m:r>
+                        </m:e>
+                      </m:d>
+                      <m:r>
+                        <a:rPr kumimoji="1" lang="en-US" altLang="ja-JP" b="0" i="1" smtClean="0">
+                          <a:latin typeface="Cambria Math" panose="02040503050406030204" pitchFamily="18" charset="0"/>
+                        </a:rPr>
+                        <m:t>|+|</m:t>
+                      </m:r>
+                      <m:r>
+                        <a:rPr kumimoji="1" lang="en-US" altLang="ja-JP" b="0" i="1" smtClean="0">
+                          <a:latin typeface="Cambria Math" panose="02040503050406030204" pitchFamily="18" charset="0"/>
+                        </a:rPr>
+                        <m:t>𝑁</m:t>
+                      </m:r>
+                      <m:d>
+                        <m:dPr>
+                          <m:ctrlPr>
+                            <a:rPr kumimoji="1" lang="en-US" altLang="ja-JP" b="0" i="1" smtClean="0">
+                              <a:latin typeface="Cambria Math" panose="02040503050406030204" pitchFamily="18" charset="0"/>
+                            </a:rPr>
+                          </m:ctrlPr>
+                        </m:dPr>
+                        <m:e>
+                          <m:r>
+                            <a:rPr kumimoji="1" lang="en-US" altLang="ja-JP" b="0" i="1" smtClean="0">
+                              <a:latin typeface="Cambria Math" panose="02040503050406030204" pitchFamily="18" charset="0"/>
+                            </a:rPr>
+                            <m:t>𝑣</m:t>
+                          </m:r>
+                        </m:e>
+                      </m:d>
+                      <m:r>
+                        <a:rPr kumimoji="1" lang="en-US" altLang="ja-JP" b="0" i="1" smtClean="0">
+                          <a:latin typeface="Cambria Math" panose="02040503050406030204" pitchFamily="18" charset="0"/>
+                        </a:rPr>
+                        <m:t>|=1+0</m:t>
+                      </m:r>
+                    </m:oMath>
+                  </m:oMathPara>
+                </a14:m>
+                <a:endParaRPr kumimoji="1" lang="ja-JP" altLang="en-US" dirty="0"/>
+              </a:p>
+            </p:txBody>
+          </p:sp>
+        </mc:Choice>
+        <mc:Fallback>
+          <p:sp>
+            <p:nvSpPr>
+              <p:cNvPr id="151" name="テキスト ボックス 150">
+                <a:extLst>
+                  <a:ext uri="{FF2B5EF4-FFF2-40B4-BE49-F238E27FC236}">
+                    <a16:creationId xmlns:a16="http://schemas.microsoft.com/office/drawing/2014/main" id="{9917F550-8F20-44E2-9C63-CB21A6297184}"/>
+                  </a:ext>
+                </a:extLst>
+              </p:cNvPr>
+              <p:cNvSpPr txBox="1">
+                <a:spLocks noRot="1" noChangeAspect="1" noMove="1" noResize="1" noEditPoints="1" noAdjustHandles="1" noChangeArrowheads="1" noChangeShapeType="1" noTextEdit="1"/>
+              </p:cNvSpPr>
+              <p:nvPr/>
+            </p:nvSpPr>
+            <p:spPr>
+              <a:xfrm>
+                <a:off x="8969246" y="2334219"/>
+                <a:ext cx="2656368" cy="369332"/>
+              </a:xfrm>
+              <a:prstGeom prst="rect">
+                <a:avLst/>
+              </a:prstGeom>
+              <a:blipFill>
+                <a:blip r:embed="rId10"/>
+                <a:stretch>
+                  <a:fillRect b="-13333"/>
+                </a:stretch>
+              </a:blipFill>
+            </p:spPr>
+            <p:txBody>
+              <a:bodyPr/>
+              <a:lstStyle/>
+              <a:p>
+                <a:r>
+                  <a:rPr lang="ja-JP" altLang="en-US">
+                    <a:noFill/>
+                  </a:rPr>
+                  <a:t> </a:t>
+                </a:r>
+              </a:p>
+            </p:txBody>
+          </p:sp>
+        </mc:Fallback>
+      </mc:AlternateContent>
+      <mc:AlternateContent xmlns:mc="http://schemas.openxmlformats.org/markup-compatibility/2006">
+        <mc:Choice xmlns:a14="http://schemas.microsoft.com/office/drawing/2010/main" Requires="a14">
+          <p:sp>
+            <p:nvSpPr>
+              <p:cNvPr id="152" name="テキスト ボックス 151">
+                <a:extLst>
+                  <a:ext uri="{FF2B5EF4-FFF2-40B4-BE49-F238E27FC236}">
+                    <a16:creationId xmlns:a16="http://schemas.microsoft.com/office/drawing/2014/main" id="{6FA15BFB-BF9B-4116-B7A4-CC7EAC0C6F69}"/>
+                  </a:ext>
+                </a:extLst>
+              </p:cNvPr>
+              <p:cNvSpPr txBox="1"/>
+              <p:nvPr/>
+            </p:nvSpPr>
+            <p:spPr>
+              <a:xfrm>
+                <a:off x="8932729" y="4379353"/>
+                <a:ext cx="2656368" cy="369332"/>
+              </a:xfrm>
+              <a:prstGeom prst="rect">
+                <a:avLst/>
+              </a:prstGeom>
+              <a:noFill/>
+            </p:spPr>
+            <p:txBody>
+              <a:bodyPr wrap="none" rtlCol="0">
+                <a:spAutoFit/>
+              </a:bodyPr>
+              <a:lstStyle/>
+              <a:p>
+                <a14:m>
+                  <m:oMathPara xmlns:m="http://schemas.openxmlformats.org/officeDocument/2006/math">
+                    <m:oMathParaPr>
+                      <m:jc m:val="centerGroup"/>
+                    </m:oMathParaPr>
+                    <m:oMath xmlns:m="http://schemas.openxmlformats.org/officeDocument/2006/math">
+                      <m:r>
+                        <a:rPr kumimoji="1" lang="en-US" altLang="ja-JP" b="0" i="1" smtClean="0">
+                          <a:latin typeface="Cambria Math" panose="02040503050406030204" pitchFamily="18" charset="0"/>
+                        </a:rPr>
+                        <m:t>|</m:t>
+                      </m:r>
+                      <m:r>
+                        <a:rPr kumimoji="1" lang="en-US" altLang="ja-JP" b="0" i="1" smtClean="0">
+                          <a:latin typeface="Cambria Math" panose="02040503050406030204" pitchFamily="18" charset="0"/>
+                        </a:rPr>
+                        <m:t>𝑁</m:t>
+                      </m:r>
+                      <m:d>
+                        <m:dPr>
+                          <m:ctrlPr>
+                            <a:rPr kumimoji="1" lang="en-US" altLang="ja-JP" b="0" i="1" smtClean="0">
+                              <a:latin typeface="Cambria Math" panose="02040503050406030204" pitchFamily="18" charset="0"/>
+                            </a:rPr>
+                          </m:ctrlPr>
+                        </m:dPr>
+                        <m:e>
+                          <m:r>
+                            <a:rPr kumimoji="1" lang="en-US" altLang="ja-JP" b="0" i="1" smtClean="0">
+                              <a:latin typeface="Cambria Math" panose="02040503050406030204" pitchFamily="18" charset="0"/>
+                            </a:rPr>
+                            <m:t>𝑢</m:t>
+                          </m:r>
+                        </m:e>
+                      </m:d>
+                      <m:r>
+                        <a:rPr kumimoji="1" lang="en-US" altLang="ja-JP" b="0" i="1" smtClean="0">
+                          <a:latin typeface="Cambria Math" panose="02040503050406030204" pitchFamily="18" charset="0"/>
+                        </a:rPr>
+                        <m:t>|+|</m:t>
+                      </m:r>
+                      <m:r>
+                        <a:rPr kumimoji="1" lang="en-US" altLang="ja-JP" b="0" i="1" smtClean="0">
+                          <a:latin typeface="Cambria Math" panose="02040503050406030204" pitchFamily="18" charset="0"/>
+                        </a:rPr>
+                        <m:t>𝑁</m:t>
+                      </m:r>
+                      <m:d>
+                        <m:dPr>
+                          <m:ctrlPr>
+                            <a:rPr kumimoji="1" lang="en-US" altLang="ja-JP" b="0" i="1" smtClean="0">
+                              <a:latin typeface="Cambria Math" panose="02040503050406030204" pitchFamily="18" charset="0"/>
+                            </a:rPr>
+                          </m:ctrlPr>
+                        </m:dPr>
+                        <m:e>
+                          <m:r>
+                            <a:rPr kumimoji="1" lang="en-US" altLang="ja-JP" b="0" i="1" smtClean="0">
+                              <a:latin typeface="Cambria Math" panose="02040503050406030204" pitchFamily="18" charset="0"/>
+                            </a:rPr>
+                            <m:t>𝑣</m:t>
+                          </m:r>
+                        </m:e>
+                      </m:d>
+                      <m:r>
+                        <a:rPr kumimoji="1" lang="en-US" altLang="ja-JP" b="0" i="1" smtClean="0">
+                          <a:latin typeface="Cambria Math" panose="02040503050406030204" pitchFamily="18" charset="0"/>
+                        </a:rPr>
+                        <m:t>|=0+1</m:t>
+                      </m:r>
+                    </m:oMath>
+                  </m:oMathPara>
+                </a14:m>
+                <a:endParaRPr kumimoji="1" lang="ja-JP" altLang="en-US" dirty="0"/>
+              </a:p>
+            </p:txBody>
+          </p:sp>
+        </mc:Choice>
+        <mc:Fallback>
+          <p:sp>
+            <p:nvSpPr>
+              <p:cNvPr id="152" name="テキスト ボックス 151">
+                <a:extLst>
+                  <a:ext uri="{FF2B5EF4-FFF2-40B4-BE49-F238E27FC236}">
+                    <a16:creationId xmlns:a16="http://schemas.microsoft.com/office/drawing/2014/main" id="{6FA15BFB-BF9B-4116-B7A4-CC7EAC0C6F69}"/>
+                  </a:ext>
+                </a:extLst>
+              </p:cNvPr>
+              <p:cNvSpPr txBox="1">
+                <a:spLocks noRot="1" noChangeAspect="1" noMove="1" noResize="1" noEditPoints="1" noAdjustHandles="1" noChangeArrowheads="1" noChangeShapeType="1" noTextEdit="1"/>
+              </p:cNvSpPr>
+              <p:nvPr/>
+            </p:nvSpPr>
+            <p:spPr>
+              <a:xfrm>
+                <a:off x="8932729" y="4379353"/>
+                <a:ext cx="2656368" cy="369332"/>
+              </a:xfrm>
+              <a:prstGeom prst="rect">
+                <a:avLst/>
+              </a:prstGeom>
+              <a:blipFill>
+                <a:blip r:embed="rId11"/>
+                <a:stretch>
+                  <a:fillRect b="-13115"/>
+                </a:stretch>
+              </a:blipFill>
+            </p:spPr>
+            <p:txBody>
+              <a:bodyPr/>
+              <a:lstStyle/>
+              <a:p>
+                <a:r>
+                  <a:rPr lang="ja-JP" altLang="en-US">
+                    <a:noFill/>
+                  </a:rPr>
+                  <a:t> </a:t>
+                </a:r>
+              </a:p>
+            </p:txBody>
+          </p:sp>
+        </mc:Fallback>
+      </mc:AlternateContent>
+      <mc:AlternateContent xmlns:mc="http://schemas.openxmlformats.org/markup-compatibility/2006">
+        <mc:Choice xmlns:a14="http://schemas.microsoft.com/office/drawing/2010/main" Requires="a14">
+          <p:sp>
+            <p:nvSpPr>
+              <p:cNvPr id="153" name="テキスト ボックス 152">
+                <a:extLst>
+                  <a:ext uri="{FF2B5EF4-FFF2-40B4-BE49-F238E27FC236}">
+                    <a16:creationId xmlns:a16="http://schemas.microsoft.com/office/drawing/2014/main" id="{29FB8F65-2427-48A9-B166-9E01BF6F2507}"/>
+                  </a:ext>
+                </a:extLst>
+              </p:cNvPr>
+              <p:cNvSpPr txBox="1"/>
+              <p:nvPr/>
+            </p:nvSpPr>
+            <p:spPr>
+              <a:xfrm>
+                <a:off x="6229481" y="2342581"/>
+                <a:ext cx="2656368" cy="369332"/>
+              </a:xfrm>
+              <a:prstGeom prst="rect">
+                <a:avLst/>
+              </a:prstGeom>
+              <a:noFill/>
+            </p:spPr>
+            <p:txBody>
+              <a:bodyPr wrap="none" rtlCol="0">
+                <a:spAutoFit/>
+              </a:bodyPr>
+              <a:lstStyle/>
+              <a:p>
+                <a14:m>
+                  <m:oMathPara xmlns:m="http://schemas.openxmlformats.org/officeDocument/2006/math">
+                    <m:oMathParaPr>
+                      <m:jc m:val="centerGroup"/>
+                    </m:oMathParaPr>
+                    <m:oMath xmlns:m="http://schemas.openxmlformats.org/officeDocument/2006/math">
+                      <m:r>
+                        <a:rPr kumimoji="1" lang="en-US" altLang="ja-JP" b="0" i="1" smtClean="0">
+                          <a:latin typeface="Cambria Math" panose="02040503050406030204" pitchFamily="18" charset="0"/>
+                        </a:rPr>
+                        <m:t>|</m:t>
+                      </m:r>
+                      <m:r>
+                        <a:rPr kumimoji="1" lang="en-US" altLang="ja-JP" b="0" i="1" smtClean="0">
+                          <a:latin typeface="Cambria Math" panose="02040503050406030204" pitchFamily="18" charset="0"/>
+                        </a:rPr>
+                        <m:t>𝑁</m:t>
+                      </m:r>
+                      <m:d>
+                        <m:dPr>
+                          <m:ctrlPr>
+                            <a:rPr kumimoji="1" lang="en-US" altLang="ja-JP" b="0" i="1" smtClean="0">
+                              <a:latin typeface="Cambria Math" panose="02040503050406030204" pitchFamily="18" charset="0"/>
+                            </a:rPr>
+                          </m:ctrlPr>
+                        </m:dPr>
+                        <m:e>
+                          <m:r>
+                            <a:rPr kumimoji="1" lang="en-US" altLang="ja-JP" b="0" i="1" smtClean="0">
+                              <a:latin typeface="Cambria Math" panose="02040503050406030204" pitchFamily="18" charset="0"/>
+                            </a:rPr>
+                            <m:t>𝑢</m:t>
+                          </m:r>
+                        </m:e>
+                      </m:d>
+                      <m:r>
+                        <a:rPr kumimoji="1" lang="en-US" altLang="ja-JP" b="0" i="1" smtClean="0">
+                          <a:latin typeface="Cambria Math" panose="02040503050406030204" pitchFamily="18" charset="0"/>
+                        </a:rPr>
+                        <m:t>|+|</m:t>
+                      </m:r>
+                      <m:r>
+                        <a:rPr kumimoji="1" lang="en-US" altLang="ja-JP" b="0" i="1" smtClean="0">
+                          <a:latin typeface="Cambria Math" panose="02040503050406030204" pitchFamily="18" charset="0"/>
+                        </a:rPr>
+                        <m:t>𝑁</m:t>
+                      </m:r>
+                      <m:d>
+                        <m:dPr>
+                          <m:ctrlPr>
+                            <a:rPr kumimoji="1" lang="en-US" altLang="ja-JP" b="0" i="1" smtClean="0">
+                              <a:latin typeface="Cambria Math" panose="02040503050406030204" pitchFamily="18" charset="0"/>
+                            </a:rPr>
+                          </m:ctrlPr>
+                        </m:dPr>
+                        <m:e>
+                          <m:r>
+                            <a:rPr kumimoji="1" lang="en-US" altLang="ja-JP" b="0" i="1" smtClean="0">
+                              <a:latin typeface="Cambria Math" panose="02040503050406030204" pitchFamily="18" charset="0"/>
+                            </a:rPr>
+                            <m:t>𝑣</m:t>
+                          </m:r>
+                        </m:e>
+                      </m:d>
+                      <m:r>
+                        <a:rPr kumimoji="1" lang="en-US" altLang="ja-JP" b="0" i="1" smtClean="0">
+                          <a:latin typeface="Cambria Math" panose="02040503050406030204" pitchFamily="18" charset="0"/>
+                        </a:rPr>
+                        <m:t>|=1+1</m:t>
+                      </m:r>
+                    </m:oMath>
+                  </m:oMathPara>
+                </a14:m>
+                <a:endParaRPr kumimoji="1" lang="ja-JP" altLang="en-US" dirty="0"/>
+              </a:p>
+            </p:txBody>
+          </p:sp>
+        </mc:Choice>
+        <mc:Fallback>
+          <p:sp>
+            <p:nvSpPr>
+              <p:cNvPr id="153" name="テキスト ボックス 152">
+                <a:extLst>
+                  <a:ext uri="{FF2B5EF4-FFF2-40B4-BE49-F238E27FC236}">
+                    <a16:creationId xmlns:a16="http://schemas.microsoft.com/office/drawing/2014/main" id="{29FB8F65-2427-48A9-B166-9E01BF6F2507}"/>
+                  </a:ext>
+                </a:extLst>
+              </p:cNvPr>
+              <p:cNvSpPr txBox="1">
+                <a:spLocks noRot="1" noChangeAspect="1" noMove="1" noResize="1" noEditPoints="1" noAdjustHandles="1" noChangeArrowheads="1" noChangeShapeType="1" noTextEdit="1"/>
+              </p:cNvSpPr>
+              <p:nvPr/>
+            </p:nvSpPr>
+            <p:spPr>
+              <a:xfrm>
+                <a:off x="6229481" y="2342581"/>
+                <a:ext cx="2656368" cy="369332"/>
+              </a:xfrm>
+              <a:prstGeom prst="rect">
+                <a:avLst/>
+              </a:prstGeom>
+              <a:blipFill>
+                <a:blip r:embed="rId12"/>
+                <a:stretch>
+                  <a:fillRect b="-13115"/>
+                </a:stretch>
+              </a:blipFill>
+            </p:spPr>
+            <p:txBody>
+              <a:bodyPr/>
+              <a:lstStyle/>
+              <a:p>
+                <a:r>
+                  <a:rPr lang="ja-JP" altLang="en-US">
+                    <a:noFill/>
+                  </a:rPr>
+                  <a:t> </a:t>
+                </a:r>
+              </a:p>
+            </p:txBody>
+          </p:sp>
+        </mc:Fallback>
+      </mc:AlternateContent>
+      <mc:AlternateContent xmlns:mc="http://schemas.openxmlformats.org/markup-compatibility/2006">
+        <mc:Choice xmlns:a14="http://schemas.microsoft.com/office/drawing/2010/main" Requires="a14">
+          <p:sp>
+            <p:nvSpPr>
+              <p:cNvPr id="154" name="テキスト ボックス 153">
+                <a:extLst>
+                  <a:ext uri="{FF2B5EF4-FFF2-40B4-BE49-F238E27FC236}">
+                    <a16:creationId xmlns:a16="http://schemas.microsoft.com/office/drawing/2014/main" id="{D942FDBC-512A-482E-813B-E5A3C767C74D}"/>
+                  </a:ext>
+                </a:extLst>
+              </p:cNvPr>
+              <p:cNvSpPr txBox="1"/>
+              <p:nvPr/>
+            </p:nvSpPr>
+            <p:spPr>
+              <a:xfrm>
+                <a:off x="6229481" y="4379353"/>
+                <a:ext cx="2656368" cy="369332"/>
+              </a:xfrm>
+              <a:prstGeom prst="rect">
+                <a:avLst/>
+              </a:prstGeom>
+              <a:noFill/>
+            </p:spPr>
+            <p:txBody>
+              <a:bodyPr wrap="none" rtlCol="0">
+                <a:spAutoFit/>
+              </a:bodyPr>
+              <a:lstStyle/>
+              <a:p>
+                <a14:m>
+                  <m:oMathPara xmlns:m="http://schemas.openxmlformats.org/officeDocument/2006/math">
+                    <m:oMathParaPr>
+                      <m:jc m:val="centerGroup"/>
+                    </m:oMathParaPr>
+                    <m:oMath xmlns:m="http://schemas.openxmlformats.org/officeDocument/2006/math">
+                      <m:r>
+                        <a:rPr kumimoji="1" lang="en-US" altLang="ja-JP" b="0" i="1" smtClean="0">
+                          <a:latin typeface="Cambria Math" panose="02040503050406030204" pitchFamily="18" charset="0"/>
+                        </a:rPr>
+                        <m:t>|</m:t>
+                      </m:r>
+                      <m:r>
+                        <a:rPr kumimoji="1" lang="en-US" altLang="ja-JP" b="0" i="1" smtClean="0">
+                          <a:latin typeface="Cambria Math" panose="02040503050406030204" pitchFamily="18" charset="0"/>
+                        </a:rPr>
+                        <m:t>𝑁</m:t>
+                      </m:r>
+                      <m:d>
+                        <m:dPr>
+                          <m:ctrlPr>
+                            <a:rPr kumimoji="1" lang="en-US" altLang="ja-JP" b="0" i="1" smtClean="0">
+                              <a:latin typeface="Cambria Math" panose="02040503050406030204" pitchFamily="18" charset="0"/>
+                            </a:rPr>
+                          </m:ctrlPr>
+                        </m:dPr>
+                        <m:e>
+                          <m:r>
+                            <a:rPr kumimoji="1" lang="en-US" altLang="ja-JP" b="0" i="1" smtClean="0">
+                              <a:latin typeface="Cambria Math" panose="02040503050406030204" pitchFamily="18" charset="0"/>
+                            </a:rPr>
+                            <m:t>𝑢</m:t>
+                          </m:r>
+                        </m:e>
+                      </m:d>
+                      <m:r>
+                        <a:rPr kumimoji="1" lang="en-US" altLang="ja-JP" b="0" i="1" smtClean="0">
+                          <a:latin typeface="Cambria Math" panose="02040503050406030204" pitchFamily="18" charset="0"/>
+                        </a:rPr>
+                        <m:t>|+|</m:t>
+                      </m:r>
+                      <m:r>
+                        <a:rPr kumimoji="1" lang="en-US" altLang="ja-JP" b="0" i="1" smtClean="0">
+                          <a:latin typeface="Cambria Math" panose="02040503050406030204" pitchFamily="18" charset="0"/>
+                        </a:rPr>
+                        <m:t>𝑁</m:t>
+                      </m:r>
+                      <m:d>
+                        <m:dPr>
+                          <m:ctrlPr>
+                            <a:rPr kumimoji="1" lang="en-US" altLang="ja-JP" b="0" i="1" smtClean="0">
+                              <a:latin typeface="Cambria Math" panose="02040503050406030204" pitchFamily="18" charset="0"/>
+                            </a:rPr>
+                          </m:ctrlPr>
+                        </m:dPr>
+                        <m:e>
+                          <m:r>
+                            <a:rPr kumimoji="1" lang="en-US" altLang="ja-JP" b="0" i="1" smtClean="0">
+                              <a:latin typeface="Cambria Math" panose="02040503050406030204" pitchFamily="18" charset="0"/>
+                            </a:rPr>
+                            <m:t>𝑣</m:t>
+                          </m:r>
+                        </m:e>
+                      </m:d>
+                      <m:r>
+                        <a:rPr kumimoji="1" lang="en-US" altLang="ja-JP" b="0" i="1" smtClean="0">
+                          <a:latin typeface="Cambria Math" panose="02040503050406030204" pitchFamily="18" charset="0"/>
+                        </a:rPr>
+                        <m:t>|=1+1</m:t>
+                      </m:r>
+                    </m:oMath>
+                  </m:oMathPara>
+                </a14:m>
+                <a:endParaRPr kumimoji="1" lang="ja-JP" altLang="en-US" dirty="0"/>
+              </a:p>
+            </p:txBody>
+          </p:sp>
+        </mc:Choice>
+        <mc:Fallback>
+          <p:sp>
+            <p:nvSpPr>
+              <p:cNvPr id="154" name="テキスト ボックス 153">
+                <a:extLst>
+                  <a:ext uri="{FF2B5EF4-FFF2-40B4-BE49-F238E27FC236}">
+                    <a16:creationId xmlns:a16="http://schemas.microsoft.com/office/drawing/2014/main" id="{D942FDBC-512A-482E-813B-E5A3C767C74D}"/>
+                  </a:ext>
+                </a:extLst>
+              </p:cNvPr>
+              <p:cNvSpPr txBox="1">
+                <a:spLocks noRot="1" noChangeAspect="1" noMove="1" noResize="1" noEditPoints="1" noAdjustHandles="1" noChangeArrowheads="1" noChangeShapeType="1" noTextEdit="1"/>
+              </p:cNvSpPr>
+              <p:nvPr/>
+            </p:nvSpPr>
+            <p:spPr>
+              <a:xfrm>
+                <a:off x="6229481" y="4379353"/>
+                <a:ext cx="2656368" cy="369332"/>
+              </a:xfrm>
+              <a:prstGeom prst="rect">
+                <a:avLst/>
+              </a:prstGeom>
+              <a:blipFill>
+                <a:blip r:embed="rId13"/>
+                <a:stretch>
+                  <a:fillRect b="-13115"/>
+                </a:stretch>
+              </a:blipFill>
+            </p:spPr>
+            <p:txBody>
+              <a:bodyPr/>
+              <a:lstStyle/>
+              <a:p>
+                <a:r>
+                  <a:rPr lang="ja-JP" altLang="en-US">
+                    <a:noFill/>
+                  </a:rPr>
+                  <a:t> </a:t>
+                </a:r>
+              </a:p>
+            </p:txBody>
+          </p:sp>
+        </mc:Fallback>
+      </mc:AlternateContent>
+    </p:spTree>
+    <p:extLst>
+      <p:ext uri="{BB962C8B-B14F-4D97-AF65-F5344CB8AC3E}">
+        <p14:creationId xmlns:p14="http://schemas.microsoft.com/office/powerpoint/2010/main" val="937785226"/>
+      </p:ext>
+    </p:extLst>
+  </p:cSld>
+  <p:clrMapOvr>
+    <a:masterClrMapping/>
+  </p:clrMapOvr>
+</p:sld>
+</file>
+
 <file path=ppt/theme/theme1.xml><?xml version="1.0" encoding="utf-8"?>
 <a:theme xmlns:a="http://schemas.openxmlformats.org/drawingml/2006/main" name="Office テーマ">
   <a:themeElements>

--- a/docs/images/QUBO++images.pptx
+++ b/docs/images/QUBO++images.pptx
@@ -27146,14 +27146,14 @@
         </p:nvGrpSpPr>
         <p:grpSpPr>
           <a:xfrm>
-            <a:off x="6289658" y="2936243"/>
+            <a:off x="6126009" y="2943279"/>
             <a:ext cx="2301239" cy="1342662"/>
             <a:chOff x="2337263" y="1928553"/>
             <a:chExt cx="2301239" cy="1342662"/>
           </a:xfrm>
         </p:grpSpPr>
-        <mc:AlternateContent xmlns:mc="http://schemas.openxmlformats.org/markup-compatibility/2006">
-          <mc:Choice xmlns:a14="http://schemas.microsoft.com/office/drawing/2010/main" Requires="a14">
+        <mc:AlternateContent xmlns:mc="http://schemas.openxmlformats.org/markup-compatibility/2006" xmlns:a14="http://schemas.microsoft.com/office/drawing/2010/main">
+          <mc:Choice Requires="a14">
             <p:sp>
               <p:nvSpPr>
                 <p:cNvPr id="4" name="楕円 3">
@@ -27234,7 +27234,7 @@
               </p:txBody>
             </p:sp>
           </mc:Choice>
-          <mc:Fallback>
+          <mc:Fallback xmlns="">
             <p:sp>
               <p:nvSpPr>
                 <p:cNvPr id="4" name="楕円 3">
@@ -27284,8 +27284,8 @@
             </p:sp>
           </mc:Fallback>
         </mc:AlternateContent>
-        <mc:AlternateContent xmlns:mc="http://schemas.openxmlformats.org/markup-compatibility/2006">
-          <mc:Choice xmlns:a14="http://schemas.microsoft.com/office/drawing/2010/main" Requires="a14">
+        <mc:AlternateContent xmlns:mc="http://schemas.openxmlformats.org/markup-compatibility/2006" xmlns:a14="http://schemas.microsoft.com/office/drawing/2010/main">
+          <mc:Choice Requires="a14">
             <p:sp>
               <p:nvSpPr>
                 <p:cNvPr id="5" name="楕円 4">
@@ -27366,7 +27366,7 @@
               </p:txBody>
             </p:sp>
           </mc:Choice>
-          <mc:Fallback>
+          <mc:Fallback xmlns="">
             <p:sp>
               <p:nvSpPr>
                 <p:cNvPr id="5" name="楕円 4">
@@ -27953,8 +27953,8 @@
             <a:chExt cx="2301239" cy="1342662"/>
           </a:xfrm>
         </p:grpSpPr>
-        <mc:AlternateContent xmlns:mc="http://schemas.openxmlformats.org/markup-compatibility/2006">
-          <mc:Choice xmlns:a14="http://schemas.microsoft.com/office/drawing/2010/main" Requires="a14">
+        <mc:AlternateContent xmlns:mc="http://schemas.openxmlformats.org/markup-compatibility/2006" xmlns:a14="http://schemas.microsoft.com/office/drawing/2010/main">
+          <mc:Choice Requires="a14">
             <p:sp>
               <p:nvSpPr>
                 <p:cNvPr id="62" name="楕円 61">
@@ -28035,7 +28035,7 @@
               </p:txBody>
             </p:sp>
           </mc:Choice>
-          <mc:Fallback>
+          <mc:Fallback xmlns="">
             <p:sp>
               <p:nvSpPr>
                 <p:cNvPr id="62" name="楕円 61">
@@ -28085,8 +28085,8 @@
             </p:sp>
           </mc:Fallback>
         </mc:AlternateContent>
-        <mc:AlternateContent xmlns:mc="http://schemas.openxmlformats.org/markup-compatibility/2006">
-          <mc:Choice xmlns:a14="http://schemas.microsoft.com/office/drawing/2010/main" Requires="a14">
+        <mc:AlternateContent xmlns:mc="http://schemas.openxmlformats.org/markup-compatibility/2006" xmlns:a14="http://schemas.microsoft.com/office/drawing/2010/main">
+          <mc:Choice Requires="a14">
             <p:sp>
               <p:nvSpPr>
                 <p:cNvPr id="63" name="楕円 62">
@@ -28167,7 +28167,7 @@
               </p:txBody>
             </p:sp>
           </mc:Choice>
-          <mc:Fallback>
+          <mc:Fallback xmlns="">
             <p:sp>
               <p:nvSpPr>
                 <p:cNvPr id="63" name="楕円 62">
@@ -28754,8 +28754,8 @@
             <a:chExt cx="2301239" cy="1342662"/>
           </a:xfrm>
         </p:grpSpPr>
-        <mc:AlternateContent xmlns:mc="http://schemas.openxmlformats.org/markup-compatibility/2006">
-          <mc:Choice xmlns:a14="http://schemas.microsoft.com/office/drawing/2010/main" Requires="a14">
+        <mc:AlternateContent xmlns:mc="http://schemas.openxmlformats.org/markup-compatibility/2006" xmlns:a14="http://schemas.microsoft.com/office/drawing/2010/main">
+          <mc:Choice Requires="a14">
             <p:sp>
               <p:nvSpPr>
                 <p:cNvPr id="92" name="楕円 91">
@@ -28836,7 +28836,7 @@
               </p:txBody>
             </p:sp>
           </mc:Choice>
-          <mc:Fallback>
+          <mc:Fallback xmlns="">
             <p:sp>
               <p:nvSpPr>
                 <p:cNvPr id="92" name="楕円 91">
@@ -28886,8 +28886,8 @@
             </p:sp>
           </mc:Fallback>
         </mc:AlternateContent>
-        <mc:AlternateContent xmlns:mc="http://schemas.openxmlformats.org/markup-compatibility/2006">
-          <mc:Choice xmlns:a14="http://schemas.microsoft.com/office/drawing/2010/main" Requires="a14">
+        <mc:AlternateContent xmlns:mc="http://schemas.openxmlformats.org/markup-compatibility/2006" xmlns:a14="http://schemas.microsoft.com/office/drawing/2010/main">
+          <mc:Choice Requires="a14">
             <p:sp>
               <p:nvSpPr>
                 <p:cNvPr id="93" name="楕円 92">
@@ -28968,7 +28968,7 @@
               </p:txBody>
             </p:sp>
           </mc:Choice>
-          <mc:Fallback>
+          <mc:Fallback xmlns="">
             <p:sp>
               <p:nvSpPr>
                 <p:cNvPr id="93" name="楕円 92">
@@ -29549,14 +29549,14 @@
         </p:nvGrpSpPr>
         <p:grpSpPr>
           <a:xfrm>
-            <a:off x="6311039" y="838091"/>
+            <a:off x="6147390" y="845127"/>
             <a:ext cx="2301239" cy="1342662"/>
             <a:chOff x="2337263" y="1928553"/>
             <a:chExt cx="2301239" cy="1342662"/>
           </a:xfrm>
         </p:grpSpPr>
-        <mc:AlternateContent xmlns:mc="http://schemas.openxmlformats.org/markup-compatibility/2006">
-          <mc:Choice xmlns:a14="http://schemas.microsoft.com/office/drawing/2010/main" Requires="a14">
+        <mc:AlternateContent xmlns:mc="http://schemas.openxmlformats.org/markup-compatibility/2006" xmlns:a14="http://schemas.microsoft.com/office/drawing/2010/main">
+          <mc:Choice Requires="a14">
             <p:sp>
               <p:nvSpPr>
                 <p:cNvPr id="107" name="楕円 106">
@@ -29637,7 +29637,7 @@
               </p:txBody>
             </p:sp>
           </mc:Choice>
-          <mc:Fallback>
+          <mc:Fallback xmlns="">
             <p:sp>
               <p:nvSpPr>
                 <p:cNvPr id="107" name="楕円 106">
@@ -29687,8 +29687,8 @@
             </p:sp>
           </mc:Fallback>
         </mc:AlternateContent>
-        <mc:AlternateContent xmlns:mc="http://schemas.openxmlformats.org/markup-compatibility/2006">
-          <mc:Choice xmlns:a14="http://schemas.microsoft.com/office/drawing/2010/main" Requires="a14">
+        <mc:AlternateContent xmlns:mc="http://schemas.openxmlformats.org/markup-compatibility/2006" xmlns:a14="http://schemas.microsoft.com/office/drawing/2010/main">
+          <mc:Choice Requires="a14">
             <p:sp>
               <p:nvSpPr>
                 <p:cNvPr id="108" name="楕円 107">
@@ -29769,7 +29769,7 @@
               </p:txBody>
             </p:sp>
           </mc:Choice>
-          <mc:Fallback>
+          <mc:Fallback xmlns="">
             <p:sp>
               <p:nvSpPr>
                 <p:cNvPr id="108" name="楕円 107">
@@ -30352,8 +30352,8 @@
             </p:nvSpPr>
             <p:spPr>
               <a:xfrm>
-                <a:off x="8969246" y="2334219"/>
-                <a:ext cx="2656368" cy="369332"/>
+                <a:off x="8751523" y="2360360"/>
+                <a:ext cx="2871171" cy="369332"/>
               </a:xfrm>
               <a:prstGeom prst="rect">
                 <a:avLst/>
@@ -30366,12 +30366,25 @@
               </a:bodyPr>
               <a:lstStyle/>
               <a:p>
+                <a:pPr/>
                 <a14:m>
                   <m:oMathPara xmlns:m="http://schemas.openxmlformats.org/officeDocument/2006/math">
                     <m:oMathParaPr>
                       <m:jc m:val="centerGroup"/>
                     </m:oMathParaPr>
                     <m:oMath xmlns:m="http://schemas.openxmlformats.org/officeDocument/2006/math">
+                      <m:r>
+                        <a:rPr lang="en-US" altLang="ja-JP" i="1" smtClean="0">
+                          <a:latin typeface="Cambria Math" panose="02040503050406030204" pitchFamily="18" charset="0"/>
+                        </a:rPr>
+                        <m:t>3</m:t>
+                      </m:r>
+                      <m:r>
+                        <a:rPr lang="en-US" altLang="ja-JP" b="0" i="1" smtClean="0">
+                          <a:latin typeface="Cambria Math" panose="02040503050406030204" pitchFamily="18" charset="0"/>
+                        </a:rPr>
+                        <m:t>. </m:t>
+                      </m:r>
                       <m:r>
                         <a:rPr kumimoji="1" lang="en-US" altLang="ja-JP" b="0" i="1" smtClean="0">
                           <a:latin typeface="Cambria Math" panose="02040503050406030204" pitchFamily="18" charset="0"/>
@@ -30461,8 +30474,8 @@
             </p:nvSpPr>
             <p:spPr>
               <a:xfrm>
-                <a:off x="8969246" y="2334219"/>
-                <a:ext cx="2656368" cy="369332"/>
+                <a:off x="8751523" y="2360360"/>
+                <a:ext cx="2871171" cy="369332"/>
               </a:xfrm>
               <a:prstGeom prst="rect">
                 <a:avLst/>
@@ -30470,7 +30483,7 @@
               <a:blipFill>
                 <a:blip r:embed="rId10"/>
                 <a:stretch>
-                  <a:fillRect b="-13333"/>
+                  <a:fillRect b="-13115"/>
                 </a:stretch>
               </a:blipFill>
             </p:spPr>
@@ -30505,8 +30518,8 @@
             </p:nvSpPr>
             <p:spPr>
               <a:xfrm>
-                <a:off x="8932729" y="4379353"/>
-                <a:ext cx="2656368" cy="369332"/>
+                <a:off x="8777679" y="4392366"/>
+                <a:ext cx="2871171" cy="369332"/>
               </a:xfrm>
               <a:prstGeom prst="rect">
                 <a:avLst/>
@@ -30519,12 +30532,19 @@
               </a:bodyPr>
               <a:lstStyle/>
               <a:p>
+                <a:pPr/>
                 <a14:m>
                   <m:oMathPara xmlns:m="http://schemas.openxmlformats.org/officeDocument/2006/math">
                     <m:oMathParaPr>
                       <m:jc m:val="centerGroup"/>
                     </m:oMathParaPr>
                     <m:oMath xmlns:m="http://schemas.openxmlformats.org/officeDocument/2006/math">
+                      <m:r>
+                        <a:rPr kumimoji="1" lang="en-US" altLang="ja-JP" b="0" i="1" smtClean="0">
+                          <a:latin typeface="Cambria Math" panose="02040503050406030204" pitchFamily="18" charset="0"/>
+                        </a:rPr>
+                        <m:t>4. </m:t>
+                      </m:r>
                       <m:r>
                         <a:rPr kumimoji="1" lang="en-US" altLang="ja-JP" b="0" i="1" smtClean="0">
                           <a:latin typeface="Cambria Math" panose="02040503050406030204" pitchFamily="18" charset="0"/>
@@ -30614,8 +30634,8 @@
             </p:nvSpPr>
             <p:spPr>
               <a:xfrm>
-                <a:off x="8932729" y="4379353"/>
-                <a:ext cx="2656368" cy="369332"/>
+                <a:off x="8777679" y="4392366"/>
+                <a:ext cx="2871171" cy="369332"/>
               </a:xfrm>
               <a:prstGeom prst="rect">
                 <a:avLst/>
@@ -30623,7 +30643,7 @@
               <a:blipFill>
                 <a:blip r:embed="rId11"/>
                 <a:stretch>
-                  <a:fillRect b="-13115"/>
+                  <a:fillRect b="-13333"/>
                 </a:stretch>
               </a:blipFill>
             </p:spPr>
@@ -30658,8 +30678,8 @@
             </p:nvSpPr>
             <p:spPr>
               <a:xfrm>
-                <a:off x="6229481" y="2342581"/>
-                <a:ext cx="2656368" cy="369332"/>
+                <a:off x="5858971" y="2353440"/>
+                <a:ext cx="2871171" cy="369332"/>
               </a:xfrm>
               <a:prstGeom prst="rect">
                 <a:avLst/>
@@ -30672,12 +30692,19 @@
               </a:bodyPr>
               <a:lstStyle/>
               <a:p>
+                <a:pPr/>
                 <a14:m>
                   <m:oMathPara xmlns:m="http://schemas.openxmlformats.org/officeDocument/2006/math">
                     <m:oMathParaPr>
                       <m:jc m:val="centerGroup"/>
                     </m:oMathParaPr>
                     <m:oMath xmlns:m="http://schemas.openxmlformats.org/officeDocument/2006/math">
+                      <m:r>
+                        <a:rPr kumimoji="1" lang="en-US" altLang="ja-JP" b="0" i="1" smtClean="0">
+                          <a:latin typeface="Cambria Math" panose="02040503050406030204" pitchFamily="18" charset="0"/>
+                        </a:rPr>
+                        <m:t>1. </m:t>
+                      </m:r>
                       <m:r>
                         <a:rPr kumimoji="1" lang="en-US" altLang="ja-JP" b="0" i="1" smtClean="0">
                           <a:latin typeface="Cambria Math" panose="02040503050406030204" pitchFamily="18" charset="0"/>
@@ -30767,8 +30794,8 @@
             </p:nvSpPr>
             <p:spPr>
               <a:xfrm>
-                <a:off x="6229481" y="2342581"/>
-                <a:ext cx="2656368" cy="369332"/>
+                <a:off x="5858971" y="2353440"/>
+                <a:ext cx="2871171" cy="369332"/>
               </a:xfrm>
               <a:prstGeom prst="rect">
                 <a:avLst/>
@@ -30811,8 +30838,8 @@
             </p:nvSpPr>
             <p:spPr>
               <a:xfrm>
-                <a:off x="6229481" y="4379353"/>
-                <a:ext cx="2656368" cy="369332"/>
+                <a:off x="5880352" y="4381950"/>
+                <a:ext cx="2871171" cy="369332"/>
               </a:xfrm>
               <a:prstGeom prst="rect">
                 <a:avLst/>
@@ -30825,12 +30852,19 @@
               </a:bodyPr>
               <a:lstStyle/>
               <a:p>
+                <a:pPr/>
                 <a14:m>
                   <m:oMathPara xmlns:m="http://schemas.openxmlformats.org/officeDocument/2006/math">
                     <m:oMathParaPr>
                       <m:jc m:val="centerGroup"/>
                     </m:oMathParaPr>
                     <m:oMath xmlns:m="http://schemas.openxmlformats.org/officeDocument/2006/math">
+                      <m:r>
+                        <a:rPr kumimoji="1" lang="en-US" altLang="ja-JP" b="0" i="1" smtClean="0">
+                          <a:latin typeface="Cambria Math" panose="02040503050406030204" pitchFamily="18" charset="0"/>
+                        </a:rPr>
+                        <m:t>2.</m:t>
+                      </m:r>
                       <m:r>
                         <a:rPr kumimoji="1" lang="en-US" altLang="ja-JP" b="0" i="1" smtClean="0">
                           <a:latin typeface="Cambria Math" panose="02040503050406030204" pitchFamily="18" charset="0"/>
@@ -30920,8 +30954,8 @@
             </p:nvSpPr>
             <p:spPr>
               <a:xfrm>
-                <a:off x="6229481" y="4379353"/>
-                <a:ext cx="2656368" cy="369332"/>
+                <a:off x="5880352" y="4381950"/>
+                <a:ext cx="2871171" cy="369332"/>
               </a:xfrm>
               <a:prstGeom prst="rect">
                 <a:avLst/>
@@ -30929,7 +30963,7 @@
               <a:blipFill>
                 <a:blip r:embed="rId13"/>
                 <a:stretch>
-                  <a:fillRect b="-13115"/>
+                  <a:fillRect b="-13333"/>
                 </a:stretch>
               </a:blipFill>
             </p:spPr>

--- a/docs/images/QUBO++images.pptx
+++ b/docs/images/QUBO++images.pptx
@@ -8,8 +8,9 @@
     <p:sldId id="256" r:id="rId2"/>
     <p:sldId id="257" r:id="rId3"/>
     <p:sldId id="258" r:id="rId4"/>
-    <p:sldId id="259" r:id="rId5"/>
-    <p:sldId id="260" r:id="rId6"/>
+    <p:sldId id="261" r:id="rId5"/>
+    <p:sldId id="259" r:id="rId6"/>
+    <p:sldId id="260" r:id="rId7"/>
   </p:sldIdLst>
   <p:sldSz cx="12192000" cy="6858000"/>
   <p:notesSz cx="6858000" cy="9144000"/>
@@ -263,7 +264,7 @@
           <a:p>
             <a:fld id="{F9749A5A-0767-4D13-9CC0-3A8774588994}" type="datetimeFigureOut">
               <a:rPr kumimoji="1" lang="ja-JP" altLang="en-US" smtClean="0"/>
-              <a:t>2026/1/14</a:t>
+              <a:t>2026/1/22</a:t>
             </a:fld>
             <a:endParaRPr kumimoji="1" lang="ja-JP" altLang="en-US"/>
           </a:p>
@@ -493,7 +494,7 @@
           <a:p>
             <a:fld id="{F9749A5A-0767-4D13-9CC0-3A8774588994}" type="datetimeFigureOut">
               <a:rPr kumimoji="1" lang="ja-JP" altLang="en-US" smtClean="0"/>
-              <a:t>2026/1/14</a:t>
+              <a:t>2026/1/22</a:t>
             </a:fld>
             <a:endParaRPr kumimoji="1" lang="ja-JP" altLang="en-US"/>
           </a:p>
@@ -733,7 +734,7 @@
           <a:p>
             <a:fld id="{F9749A5A-0767-4D13-9CC0-3A8774588994}" type="datetimeFigureOut">
               <a:rPr kumimoji="1" lang="ja-JP" altLang="en-US" smtClean="0"/>
-              <a:t>2026/1/14</a:t>
+              <a:t>2026/1/22</a:t>
             </a:fld>
             <a:endParaRPr kumimoji="1" lang="ja-JP" altLang="en-US"/>
           </a:p>
@@ -963,7 +964,7 @@
           <a:p>
             <a:fld id="{F9749A5A-0767-4D13-9CC0-3A8774588994}" type="datetimeFigureOut">
               <a:rPr kumimoji="1" lang="ja-JP" altLang="en-US" smtClean="0"/>
-              <a:t>2026/1/14</a:t>
+              <a:t>2026/1/22</a:t>
             </a:fld>
             <a:endParaRPr kumimoji="1" lang="ja-JP" altLang="en-US"/>
           </a:p>
@@ -1238,7 +1239,7 @@
           <a:p>
             <a:fld id="{F9749A5A-0767-4D13-9CC0-3A8774588994}" type="datetimeFigureOut">
               <a:rPr kumimoji="1" lang="ja-JP" altLang="en-US" smtClean="0"/>
-              <a:t>2026/1/14</a:t>
+              <a:t>2026/1/22</a:t>
             </a:fld>
             <a:endParaRPr kumimoji="1" lang="ja-JP" altLang="en-US"/>
           </a:p>
@@ -1567,7 +1568,7 @@
           <a:p>
             <a:fld id="{F9749A5A-0767-4D13-9CC0-3A8774588994}" type="datetimeFigureOut">
               <a:rPr kumimoji="1" lang="ja-JP" altLang="en-US" smtClean="0"/>
-              <a:t>2026/1/14</a:t>
+              <a:t>2026/1/22</a:t>
             </a:fld>
             <a:endParaRPr kumimoji="1" lang="ja-JP" altLang="en-US"/>
           </a:p>
@@ -2043,7 +2044,7 @@
           <a:p>
             <a:fld id="{F9749A5A-0767-4D13-9CC0-3A8774588994}" type="datetimeFigureOut">
               <a:rPr kumimoji="1" lang="ja-JP" altLang="en-US" smtClean="0"/>
-              <a:t>2026/1/14</a:t>
+              <a:t>2026/1/22</a:t>
             </a:fld>
             <a:endParaRPr kumimoji="1" lang="ja-JP" altLang="en-US"/>
           </a:p>
@@ -2184,7 +2185,7 @@
           <a:p>
             <a:fld id="{F9749A5A-0767-4D13-9CC0-3A8774588994}" type="datetimeFigureOut">
               <a:rPr kumimoji="1" lang="ja-JP" altLang="en-US" smtClean="0"/>
-              <a:t>2026/1/14</a:t>
+              <a:t>2026/1/22</a:t>
             </a:fld>
             <a:endParaRPr kumimoji="1" lang="ja-JP" altLang="en-US"/>
           </a:p>
@@ -2297,7 +2298,7 @@
           <a:p>
             <a:fld id="{F9749A5A-0767-4D13-9CC0-3A8774588994}" type="datetimeFigureOut">
               <a:rPr kumimoji="1" lang="ja-JP" altLang="en-US" smtClean="0"/>
-              <a:t>2026/1/14</a:t>
+              <a:t>2026/1/22</a:t>
             </a:fld>
             <a:endParaRPr kumimoji="1" lang="ja-JP" altLang="en-US"/>
           </a:p>
@@ -2640,7 +2641,7 @@
           <a:p>
             <a:fld id="{F9749A5A-0767-4D13-9CC0-3A8774588994}" type="datetimeFigureOut">
               <a:rPr kumimoji="1" lang="ja-JP" altLang="en-US" smtClean="0"/>
-              <a:t>2026/1/14</a:t>
+              <a:t>2026/1/22</a:t>
             </a:fld>
             <a:endParaRPr kumimoji="1" lang="ja-JP" altLang="en-US"/>
           </a:p>
@@ -2928,7 +2929,7 @@
           <a:p>
             <a:fld id="{F9749A5A-0767-4D13-9CC0-3A8774588994}" type="datetimeFigureOut">
               <a:rPr kumimoji="1" lang="ja-JP" altLang="en-US" smtClean="0"/>
-              <a:t>2026/1/14</a:t>
+              <a:t>2026/1/22</a:t>
             </a:fld>
             <a:endParaRPr kumimoji="1" lang="ja-JP" altLang="en-US"/>
           </a:p>
@@ -3201,7 +3202,7 @@
           <a:p>
             <a:fld id="{F9749A5A-0767-4D13-9CC0-3A8774588994}" type="datetimeFigureOut">
               <a:rPr kumimoji="1" lang="ja-JP" altLang="en-US" smtClean="0"/>
-              <a:t>2026/1/14</a:t>
+              <a:t>2026/1/22</a:t>
             </a:fld>
             <a:endParaRPr kumimoji="1" lang="ja-JP" altLang="en-US"/>
           </a:p>
@@ -16295,6 +16296,3865 @@
           <a:chExt cx="0" cy="0"/>
         </a:xfrm>
       </p:grpSpPr>
+      <mc:AlternateContent xmlns:mc="http://schemas.openxmlformats.org/markup-compatibility/2006">
+        <mc:Choice xmlns:a14="http://schemas.microsoft.com/office/drawing/2010/main" Requires="a14">
+          <p:sp>
+            <p:nvSpPr>
+              <p:cNvPr id="4" name="テキスト ボックス 3">
+                <a:extLst>
+                  <a:ext uri="{FF2B5EF4-FFF2-40B4-BE49-F238E27FC236}">
+                    <a16:creationId xmlns:a16="http://schemas.microsoft.com/office/drawing/2014/main" id="{98CA21D7-EF28-4614-9D97-C7F858D80315}"/>
+                  </a:ext>
+                </a:extLst>
+              </p:cNvPr>
+              <p:cNvSpPr txBox="1"/>
+              <p:nvPr/>
+            </p:nvSpPr>
+            <p:spPr>
+              <a:xfrm>
+                <a:off x="4848225" y="1162050"/>
+                <a:ext cx="478913" cy="369332"/>
+              </a:xfrm>
+              <a:prstGeom prst="rect">
+                <a:avLst/>
+              </a:prstGeom>
+              <a:noFill/>
+            </p:spPr>
+            <p:txBody>
+              <a:bodyPr wrap="none" rtlCol="0">
+                <a:spAutoFit/>
+              </a:bodyPr>
+              <a:lstStyle/>
+              <a:p>
+                <a14:m>
+                  <m:oMathPara xmlns:m="http://schemas.openxmlformats.org/officeDocument/2006/math">
+                    <m:oMathParaPr>
+                      <m:jc m:val="centerGroup"/>
+                    </m:oMathParaPr>
+                    <m:oMath xmlns:m="http://schemas.openxmlformats.org/officeDocument/2006/math">
+                      <m:sSub>
+                        <m:sSubPr>
+                          <m:ctrlPr>
+                            <a:rPr kumimoji="1" lang="en-US" altLang="ja-JP" b="0" i="1" smtClean="0">
+                              <a:latin typeface="Cambria Math" panose="02040503050406030204" pitchFamily="18" charset="0"/>
+                            </a:rPr>
+                          </m:ctrlPr>
+                        </m:sSubPr>
+                        <m:e>
+                          <m:r>
+                            <a:rPr kumimoji="1" lang="en-US" altLang="ja-JP" b="0" i="1" smtClean="0">
+                              <a:latin typeface="Cambria Math" panose="02040503050406030204" pitchFamily="18" charset="0"/>
+                            </a:rPr>
+                            <m:t>𝑥</m:t>
+                          </m:r>
+                        </m:e>
+                        <m:sub>
+                          <m:r>
+                            <a:rPr kumimoji="1" lang="en-US" altLang="ja-JP" b="0" i="1" smtClean="0">
+                              <a:latin typeface="Cambria Math" panose="02040503050406030204" pitchFamily="18" charset="0"/>
+                            </a:rPr>
+                            <m:t>3</m:t>
+                          </m:r>
+                        </m:sub>
+                      </m:sSub>
+                    </m:oMath>
+                  </m:oMathPara>
+                </a14:m>
+                <a:endParaRPr kumimoji="1" lang="ja-JP" altLang="en-US" dirty="0"/>
+              </a:p>
+            </p:txBody>
+          </p:sp>
+        </mc:Choice>
+        <mc:Fallback>
+          <p:sp>
+            <p:nvSpPr>
+              <p:cNvPr id="4" name="テキスト ボックス 3">
+                <a:extLst>
+                  <a:ext uri="{FF2B5EF4-FFF2-40B4-BE49-F238E27FC236}">
+                    <a16:creationId xmlns:a16="http://schemas.microsoft.com/office/drawing/2014/main" id="{98CA21D7-EF28-4614-9D97-C7F858D80315}"/>
+                  </a:ext>
+                </a:extLst>
+              </p:cNvPr>
+              <p:cNvSpPr txBox="1">
+                <a:spLocks noRot="1" noChangeAspect="1" noMove="1" noResize="1" noEditPoints="1" noAdjustHandles="1" noChangeArrowheads="1" noChangeShapeType="1" noTextEdit="1"/>
+              </p:cNvSpPr>
+              <p:nvPr/>
+            </p:nvSpPr>
+            <p:spPr>
+              <a:xfrm>
+                <a:off x="4848225" y="1162050"/>
+                <a:ext cx="478913" cy="369332"/>
+              </a:xfrm>
+              <a:prstGeom prst="rect">
+                <a:avLst/>
+              </a:prstGeom>
+              <a:blipFill>
+                <a:blip r:embed="rId2"/>
+                <a:stretch>
+                  <a:fillRect/>
+                </a:stretch>
+              </a:blipFill>
+            </p:spPr>
+            <p:txBody>
+              <a:bodyPr/>
+              <a:lstStyle/>
+              <a:p>
+                <a:r>
+                  <a:rPr lang="ja-JP" altLang="en-US">
+                    <a:noFill/>
+                  </a:rPr>
+                  <a:t> </a:t>
+                </a:r>
+              </a:p>
+            </p:txBody>
+          </p:sp>
+        </mc:Fallback>
+      </mc:AlternateContent>
+      <mc:AlternateContent xmlns:mc="http://schemas.openxmlformats.org/markup-compatibility/2006">
+        <mc:Choice xmlns:a14="http://schemas.microsoft.com/office/drawing/2010/main" Requires="a14">
+          <p:sp>
+            <p:nvSpPr>
+              <p:cNvPr id="5" name="テキスト ボックス 4">
+                <a:extLst>
+                  <a:ext uri="{FF2B5EF4-FFF2-40B4-BE49-F238E27FC236}">
+                    <a16:creationId xmlns:a16="http://schemas.microsoft.com/office/drawing/2014/main" id="{7647BF5F-DA89-4D30-B399-15E8F14FFD8D}"/>
+                  </a:ext>
+                </a:extLst>
+              </p:cNvPr>
+              <p:cNvSpPr txBox="1"/>
+              <p:nvPr/>
+            </p:nvSpPr>
+            <p:spPr>
+              <a:xfrm>
+                <a:off x="5306126" y="1162050"/>
+                <a:ext cx="478913" cy="369332"/>
+              </a:xfrm>
+              <a:prstGeom prst="rect">
+                <a:avLst/>
+              </a:prstGeom>
+              <a:noFill/>
+            </p:spPr>
+            <p:txBody>
+              <a:bodyPr wrap="none" rtlCol="0">
+                <a:spAutoFit/>
+              </a:bodyPr>
+              <a:lstStyle/>
+              <a:p>
+                <a14:m>
+                  <m:oMathPara xmlns:m="http://schemas.openxmlformats.org/officeDocument/2006/math">
+                    <m:oMathParaPr>
+                      <m:jc m:val="centerGroup"/>
+                    </m:oMathParaPr>
+                    <m:oMath xmlns:m="http://schemas.openxmlformats.org/officeDocument/2006/math">
+                      <m:sSub>
+                        <m:sSubPr>
+                          <m:ctrlPr>
+                            <a:rPr kumimoji="1" lang="en-US" altLang="ja-JP" b="0" i="1" smtClean="0">
+                              <a:latin typeface="Cambria Math" panose="02040503050406030204" pitchFamily="18" charset="0"/>
+                            </a:rPr>
+                          </m:ctrlPr>
+                        </m:sSubPr>
+                        <m:e>
+                          <m:r>
+                            <a:rPr kumimoji="1" lang="en-US" altLang="ja-JP" b="0" i="1" smtClean="0">
+                              <a:latin typeface="Cambria Math" panose="02040503050406030204" pitchFamily="18" charset="0"/>
+                            </a:rPr>
+                            <m:t>𝑥</m:t>
+                          </m:r>
+                        </m:e>
+                        <m:sub>
+                          <m:r>
+                            <a:rPr kumimoji="1" lang="en-US" altLang="ja-JP" b="0" i="1" smtClean="0">
+                              <a:latin typeface="Cambria Math" panose="02040503050406030204" pitchFamily="18" charset="0"/>
+                            </a:rPr>
+                            <m:t>2</m:t>
+                          </m:r>
+                        </m:sub>
+                      </m:sSub>
+                    </m:oMath>
+                  </m:oMathPara>
+                </a14:m>
+                <a:endParaRPr kumimoji="1" lang="ja-JP" altLang="en-US" dirty="0"/>
+              </a:p>
+            </p:txBody>
+          </p:sp>
+        </mc:Choice>
+        <mc:Fallback>
+          <p:sp>
+            <p:nvSpPr>
+              <p:cNvPr id="5" name="テキスト ボックス 4">
+                <a:extLst>
+                  <a:ext uri="{FF2B5EF4-FFF2-40B4-BE49-F238E27FC236}">
+                    <a16:creationId xmlns:a16="http://schemas.microsoft.com/office/drawing/2014/main" id="{7647BF5F-DA89-4D30-B399-15E8F14FFD8D}"/>
+                  </a:ext>
+                </a:extLst>
+              </p:cNvPr>
+              <p:cNvSpPr txBox="1">
+                <a:spLocks noRot="1" noChangeAspect="1" noMove="1" noResize="1" noEditPoints="1" noAdjustHandles="1" noChangeArrowheads="1" noChangeShapeType="1" noTextEdit="1"/>
+              </p:cNvSpPr>
+              <p:nvPr/>
+            </p:nvSpPr>
+            <p:spPr>
+              <a:xfrm>
+                <a:off x="5306126" y="1162050"/>
+                <a:ext cx="478913" cy="369332"/>
+              </a:xfrm>
+              <a:prstGeom prst="rect">
+                <a:avLst/>
+              </a:prstGeom>
+              <a:blipFill>
+                <a:blip r:embed="rId3"/>
+                <a:stretch>
+                  <a:fillRect/>
+                </a:stretch>
+              </a:blipFill>
+            </p:spPr>
+            <p:txBody>
+              <a:bodyPr/>
+              <a:lstStyle/>
+              <a:p>
+                <a:r>
+                  <a:rPr lang="ja-JP" altLang="en-US">
+                    <a:noFill/>
+                  </a:rPr>
+                  <a:t> </a:t>
+                </a:r>
+              </a:p>
+            </p:txBody>
+          </p:sp>
+        </mc:Fallback>
+      </mc:AlternateContent>
+      <mc:AlternateContent xmlns:mc="http://schemas.openxmlformats.org/markup-compatibility/2006">
+        <mc:Choice xmlns:a14="http://schemas.microsoft.com/office/drawing/2010/main" Requires="a14">
+          <p:sp>
+            <p:nvSpPr>
+              <p:cNvPr id="6" name="テキスト ボックス 5">
+                <a:extLst>
+                  <a:ext uri="{FF2B5EF4-FFF2-40B4-BE49-F238E27FC236}">
+                    <a16:creationId xmlns:a16="http://schemas.microsoft.com/office/drawing/2014/main" id="{E4FA174A-D536-4844-818E-37B5241570D7}"/>
+                  </a:ext>
+                </a:extLst>
+              </p:cNvPr>
+              <p:cNvSpPr txBox="1"/>
+              <p:nvPr/>
+            </p:nvSpPr>
+            <p:spPr>
+              <a:xfrm>
+                <a:off x="5764027" y="1162050"/>
+                <a:ext cx="478913" cy="369332"/>
+              </a:xfrm>
+              <a:prstGeom prst="rect">
+                <a:avLst/>
+              </a:prstGeom>
+              <a:noFill/>
+            </p:spPr>
+            <p:txBody>
+              <a:bodyPr wrap="none" rtlCol="0">
+                <a:spAutoFit/>
+              </a:bodyPr>
+              <a:lstStyle/>
+              <a:p>
+                <a14:m>
+                  <m:oMathPara xmlns:m="http://schemas.openxmlformats.org/officeDocument/2006/math">
+                    <m:oMathParaPr>
+                      <m:jc m:val="centerGroup"/>
+                    </m:oMathParaPr>
+                    <m:oMath xmlns:m="http://schemas.openxmlformats.org/officeDocument/2006/math">
+                      <m:sSub>
+                        <m:sSubPr>
+                          <m:ctrlPr>
+                            <a:rPr kumimoji="1" lang="en-US" altLang="ja-JP" b="0" i="1" smtClean="0">
+                              <a:latin typeface="Cambria Math" panose="02040503050406030204" pitchFamily="18" charset="0"/>
+                            </a:rPr>
+                          </m:ctrlPr>
+                        </m:sSubPr>
+                        <m:e>
+                          <m:r>
+                            <a:rPr kumimoji="1" lang="en-US" altLang="ja-JP" b="0" i="1" smtClean="0">
+                              <a:latin typeface="Cambria Math" panose="02040503050406030204" pitchFamily="18" charset="0"/>
+                            </a:rPr>
+                            <m:t>𝑥</m:t>
+                          </m:r>
+                        </m:e>
+                        <m:sub>
+                          <m:r>
+                            <a:rPr kumimoji="1" lang="en-US" altLang="ja-JP" b="0" i="1" smtClean="0">
+                              <a:latin typeface="Cambria Math" panose="02040503050406030204" pitchFamily="18" charset="0"/>
+                            </a:rPr>
+                            <m:t>1</m:t>
+                          </m:r>
+                        </m:sub>
+                      </m:sSub>
+                    </m:oMath>
+                  </m:oMathPara>
+                </a14:m>
+                <a:endParaRPr kumimoji="1" lang="ja-JP" altLang="en-US" dirty="0"/>
+              </a:p>
+            </p:txBody>
+          </p:sp>
+        </mc:Choice>
+        <mc:Fallback>
+          <p:sp>
+            <p:nvSpPr>
+              <p:cNvPr id="6" name="テキスト ボックス 5">
+                <a:extLst>
+                  <a:ext uri="{FF2B5EF4-FFF2-40B4-BE49-F238E27FC236}">
+                    <a16:creationId xmlns:a16="http://schemas.microsoft.com/office/drawing/2014/main" id="{E4FA174A-D536-4844-818E-37B5241570D7}"/>
+                  </a:ext>
+                </a:extLst>
+              </p:cNvPr>
+              <p:cNvSpPr txBox="1">
+                <a:spLocks noRot="1" noChangeAspect="1" noMove="1" noResize="1" noEditPoints="1" noAdjustHandles="1" noChangeArrowheads="1" noChangeShapeType="1" noTextEdit="1"/>
+              </p:cNvSpPr>
+              <p:nvPr/>
+            </p:nvSpPr>
+            <p:spPr>
+              <a:xfrm>
+                <a:off x="5764027" y="1162050"/>
+                <a:ext cx="478913" cy="369332"/>
+              </a:xfrm>
+              <a:prstGeom prst="rect">
+                <a:avLst/>
+              </a:prstGeom>
+              <a:blipFill>
+                <a:blip r:embed="rId4"/>
+                <a:stretch>
+                  <a:fillRect/>
+                </a:stretch>
+              </a:blipFill>
+            </p:spPr>
+            <p:txBody>
+              <a:bodyPr/>
+              <a:lstStyle/>
+              <a:p>
+                <a:r>
+                  <a:rPr lang="ja-JP" altLang="en-US">
+                    <a:noFill/>
+                  </a:rPr>
+                  <a:t> </a:t>
+                </a:r>
+              </a:p>
+            </p:txBody>
+          </p:sp>
+        </mc:Fallback>
+      </mc:AlternateContent>
+      <mc:AlternateContent xmlns:mc="http://schemas.openxmlformats.org/markup-compatibility/2006">
+        <mc:Choice xmlns:a14="http://schemas.microsoft.com/office/drawing/2010/main" Requires="a14">
+          <p:sp>
+            <p:nvSpPr>
+              <p:cNvPr id="7" name="テキスト ボックス 6">
+                <a:extLst>
+                  <a:ext uri="{FF2B5EF4-FFF2-40B4-BE49-F238E27FC236}">
+                    <a16:creationId xmlns:a16="http://schemas.microsoft.com/office/drawing/2014/main" id="{BA9B2A58-DE78-45C6-A82C-B224DC9ABD2D}"/>
+                  </a:ext>
+                </a:extLst>
+              </p:cNvPr>
+              <p:cNvSpPr txBox="1"/>
+              <p:nvPr/>
+            </p:nvSpPr>
+            <p:spPr>
+              <a:xfrm>
+                <a:off x="6221927" y="1162050"/>
+                <a:ext cx="478913" cy="369332"/>
+              </a:xfrm>
+              <a:prstGeom prst="rect">
+                <a:avLst/>
+              </a:prstGeom>
+              <a:noFill/>
+            </p:spPr>
+            <p:txBody>
+              <a:bodyPr wrap="none" rtlCol="0">
+                <a:spAutoFit/>
+              </a:bodyPr>
+              <a:lstStyle/>
+              <a:p>
+                <a14:m>
+                  <m:oMathPara xmlns:m="http://schemas.openxmlformats.org/officeDocument/2006/math">
+                    <m:oMathParaPr>
+                      <m:jc m:val="centerGroup"/>
+                    </m:oMathParaPr>
+                    <m:oMath xmlns:m="http://schemas.openxmlformats.org/officeDocument/2006/math">
+                      <m:sSub>
+                        <m:sSubPr>
+                          <m:ctrlPr>
+                            <a:rPr kumimoji="1" lang="en-US" altLang="ja-JP" b="0" i="1" smtClean="0">
+                              <a:latin typeface="Cambria Math" panose="02040503050406030204" pitchFamily="18" charset="0"/>
+                            </a:rPr>
+                          </m:ctrlPr>
+                        </m:sSubPr>
+                        <m:e>
+                          <m:r>
+                            <a:rPr kumimoji="1" lang="en-US" altLang="ja-JP" b="0" i="1" smtClean="0">
+                              <a:latin typeface="Cambria Math" panose="02040503050406030204" pitchFamily="18" charset="0"/>
+                            </a:rPr>
+                            <m:t>𝑥</m:t>
+                          </m:r>
+                        </m:e>
+                        <m:sub>
+                          <m:r>
+                            <a:rPr kumimoji="1" lang="en-US" altLang="ja-JP" b="0" i="1" smtClean="0">
+                              <a:latin typeface="Cambria Math" panose="02040503050406030204" pitchFamily="18" charset="0"/>
+                            </a:rPr>
+                            <m:t>0</m:t>
+                          </m:r>
+                        </m:sub>
+                      </m:sSub>
+                    </m:oMath>
+                  </m:oMathPara>
+                </a14:m>
+                <a:endParaRPr kumimoji="1" lang="ja-JP" altLang="en-US" dirty="0"/>
+              </a:p>
+            </p:txBody>
+          </p:sp>
+        </mc:Choice>
+        <mc:Fallback>
+          <p:sp>
+            <p:nvSpPr>
+              <p:cNvPr id="7" name="テキスト ボックス 6">
+                <a:extLst>
+                  <a:ext uri="{FF2B5EF4-FFF2-40B4-BE49-F238E27FC236}">
+                    <a16:creationId xmlns:a16="http://schemas.microsoft.com/office/drawing/2014/main" id="{BA9B2A58-DE78-45C6-A82C-B224DC9ABD2D}"/>
+                  </a:ext>
+                </a:extLst>
+              </p:cNvPr>
+              <p:cNvSpPr txBox="1">
+                <a:spLocks noRot="1" noChangeAspect="1" noMove="1" noResize="1" noEditPoints="1" noAdjustHandles="1" noChangeArrowheads="1" noChangeShapeType="1" noTextEdit="1"/>
+              </p:cNvSpPr>
+              <p:nvPr/>
+            </p:nvSpPr>
+            <p:spPr>
+              <a:xfrm>
+                <a:off x="6221927" y="1162050"/>
+                <a:ext cx="478913" cy="369332"/>
+              </a:xfrm>
+              <a:prstGeom prst="rect">
+                <a:avLst/>
+              </a:prstGeom>
+              <a:blipFill>
+                <a:blip r:embed="rId5"/>
+                <a:stretch>
+                  <a:fillRect/>
+                </a:stretch>
+              </a:blipFill>
+            </p:spPr>
+            <p:txBody>
+              <a:bodyPr/>
+              <a:lstStyle/>
+              <a:p>
+                <a:r>
+                  <a:rPr lang="ja-JP" altLang="en-US">
+                    <a:noFill/>
+                  </a:rPr>
+                  <a:t> </a:t>
+                </a:r>
+              </a:p>
+            </p:txBody>
+          </p:sp>
+        </mc:Fallback>
+      </mc:AlternateContent>
+      <mc:AlternateContent xmlns:mc="http://schemas.openxmlformats.org/markup-compatibility/2006">
+        <mc:Choice xmlns:a14="http://schemas.microsoft.com/office/drawing/2010/main" Requires="a14">
+          <p:sp>
+            <p:nvSpPr>
+              <p:cNvPr id="8" name="テキスト ボックス 7">
+                <a:extLst>
+                  <a:ext uri="{FF2B5EF4-FFF2-40B4-BE49-F238E27FC236}">
+                    <a16:creationId xmlns:a16="http://schemas.microsoft.com/office/drawing/2014/main" id="{9DE05458-8FB7-450F-B398-3F36EE89DF6C}"/>
+                  </a:ext>
+                </a:extLst>
+              </p:cNvPr>
+              <p:cNvSpPr txBox="1"/>
+              <p:nvPr/>
+            </p:nvSpPr>
+            <p:spPr>
+              <a:xfrm>
+                <a:off x="4848225" y="1438275"/>
+                <a:ext cx="480581" cy="369332"/>
+              </a:xfrm>
+              <a:prstGeom prst="rect">
+                <a:avLst/>
+              </a:prstGeom>
+              <a:noFill/>
+            </p:spPr>
+            <p:txBody>
+              <a:bodyPr wrap="none" rtlCol="0">
+                <a:spAutoFit/>
+              </a:bodyPr>
+              <a:lstStyle/>
+              <a:p>
+                <a14:m>
+                  <m:oMathPara xmlns:m="http://schemas.openxmlformats.org/officeDocument/2006/math">
+                    <m:oMathParaPr>
+                      <m:jc m:val="centerGroup"/>
+                    </m:oMathParaPr>
+                    <m:oMath xmlns:m="http://schemas.openxmlformats.org/officeDocument/2006/math">
+                      <m:sSub>
+                        <m:sSubPr>
+                          <m:ctrlPr>
+                            <a:rPr kumimoji="1" lang="en-US" altLang="ja-JP" b="0" i="1" smtClean="0">
+                              <a:latin typeface="Cambria Math" panose="02040503050406030204" pitchFamily="18" charset="0"/>
+                            </a:rPr>
+                          </m:ctrlPr>
+                        </m:sSubPr>
+                        <m:e>
+                          <m:r>
+                            <a:rPr kumimoji="1" lang="en-US" altLang="ja-JP" b="0" i="1" smtClean="0">
+                              <a:latin typeface="Cambria Math" panose="02040503050406030204" pitchFamily="18" charset="0"/>
+                            </a:rPr>
+                            <m:t>𝑦</m:t>
+                          </m:r>
+                        </m:e>
+                        <m:sub>
+                          <m:r>
+                            <a:rPr kumimoji="1" lang="en-US" altLang="ja-JP" b="0" i="1" smtClean="0">
+                              <a:latin typeface="Cambria Math" panose="02040503050406030204" pitchFamily="18" charset="0"/>
+                            </a:rPr>
+                            <m:t>3</m:t>
+                          </m:r>
+                        </m:sub>
+                      </m:sSub>
+                    </m:oMath>
+                  </m:oMathPara>
+                </a14:m>
+                <a:endParaRPr kumimoji="1" lang="ja-JP" altLang="en-US" dirty="0"/>
+              </a:p>
+            </p:txBody>
+          </p:sp>
+        </mc:Choice>
+        <mc:Fallback>
+          <p:sp>
+            <p:nvSpPr>
+              <p:cNvPr id="8" name="テキスト ボックス 7">
+                <a:extLst>
+                  <a:ext uri="{FF2B5EF4-FFF2-40B4-BE49-F238E27FC236}">
+                    <a16:creationId xmlns:a16="http://schemas.microsoft.com/office/drawing/2014/main" id="{9DE05458-8FB7-450F-B398-3F36EE89DF6C}"/>
+                  </a:ext>
+                </a:extLst>
+              </p:cNvPr>
+              <p:cNvSpPr txBox="1">
+                <a:spLocks noRot="1" noChangeAspect="1" noMove="1" noResize="1" noEditPoints="1" noAdjustHandles="1" noChangeArrowheads="1" noChangeShapeType="1" noTextEdit="1"/>
+              </p:cNvSpPr>
+              <p:nvPr/>
+            </p:nvSpPr>
+            <p:spPr>
+              <a:xfrm>
+                <a:off x="4848225" y="1438275"/>
+                <a:ext cx="480581" cy="369332"/>
+              </a:xfrm>
+              <a:prstGeom prst="rect">
+                <a:avLst/>
+              </a:prstGeom>
+              <a:blipFill>
+                <a:blip r:embed="rId6"/>
+                <a:stretch>
+                  <a:fillRect b="-4918"/>
+                </a:stretch>
+              </a:blipFill>
+            </p:spPr>
+            <p:txBody>
+              <a:bodyPr/>
+              <a:lstStyle/>
+              <a:p>
+                <a:r>
+                  <a:rPr lang="ja-JP" altLang="en-US">
+                    <a:noFill/>
+                  </a:rPr>
+                  <a:t> </a:t>
+                </a:r>
+              </a:p>
+            </p:txBody>
+          </p:sp>
+        </mc:Fallback>
+      </mc:AlternateContent>
+      <mc:AlternateContent xmlns:mc="http://schemas.openxmlformats.org/markup-compatibility/2006">
+        <mc:Choice xmlns:a14="http://schemas.microsoft.com/office/drawing/2010/main" Requires="a14">
+          <p:sp>
+            <p:nvSpPr>
+              <p:cNvPr id="9" name="テキスト ボックス 8">
+                <a:extLst>
+                  <a:ext uri="{FF2B5EF4-FFF2-40B4-BE49-F238E27FC236}">
+                    <a16:creationId xmlns:a16="http://schemas.microsoft.com/office/drawing/2014/main" id="{B64845AE-00C5-47D0-AF46-ABA1CD30FA1F}"/>
+                  </a:ext>
+                </a:extLst>
+              </p:cNvPr>
+              <p:cNvSpPr txBox="1"/>
+              <p:nvPr/>
+            </p:nvSpPr>
+            <p:spPr>
+              <a:xfrm>
+                <a:off x="5307900" y="1438275"/>
+                <a:ext cx="480581" cy="369332"/>
+              </a:xfrm>
+              <a:prstGeom prst="rect">
+                <a:avLst/>
+              </a:prstGeom>
+              <a:noFill/>
+            </p:spPr>
+            <p:txBody>
+              <a:bodyPr wrap="none" rtlCol="0">
+                <a:spAutoFit/>
+              </a:bodyPr>
+              <a:lstStyle/>
+              <a:p>
+                <a14:m>
+                  <m:oMathPara xmlns:m="http://schemas.openxmlformats.org/officeDocument/2006/math">
+                    <m:oMathParaPr>
+                      <m:jc m:val="centerGroup"/>
+                    </m:oMathParaPr>
+                    <m:oMath xmlns:m="http://schemas.openxmlformats.org/officeDocument/2006/math">
+                      <m:sSub>
+                        <m:sSubPr>
+                          <m:ctrlPr>
+                            <a:rPr kumimoji="1" lang="en-US" altLang="ja-JP" b="0" i="1" smtClean="0">
+                              <a:latin typeface="Cambria Math" panose="02040503050406030204" pitchFamily="18" charset="0"/>
+                            </a:rPr>
+                          </m:ctrlPr>
+                        </m:sSubPr>
+                        <m:e>
+                          <m:r>
+                            <a:rPr kumimoji="1" lang="en-US" altLang="ja-JP" b="0" i="1" smtClean="0">
+                              <a:latin typeface="Cambria Math" panose="02040503050406030204" pitchFamily="18" charset="0"/>
+                            </a:rPr>
+                            <m:t>𝑦</m:t>
+                          </m:r>
+                        </m:e>
+                        <m:sub>
+                          <m:r>
+                            <a:rPr kumimoji="1" lang="en-US" altLang="ja-JP" b="0" i="1" smtClean="0">
+                              <a:latin typeface="Cambria Math" panose="02040503050406030204" pitchFamily="18" charset="0"/>
+                            </a:rPr>
+                            <m:t>2</m:t>
+                          </m:r>
+                        </m:sub>
+                      </m:sSub>
+                    </m:oMath>
+                  </m:oMathPara>
+                </a14:m>
+                <a:endParaRPr kumimoji="1" lang="ja-JP" altLang="en-US" dirty="0"/>
+              </a:p>
+            </p:txBody>
+          </p:sp>
+        </mc:Choice>
+        <mc:Fallback>
+          <p:sp>
+            <p:nvSpPr>
+              <p:cNvPr id="9" name="テキスト ボックス 8">
+                <a:extLst>
+                  <a:ext uri="{FF2B5EF4-FFF2-40B4-BE49-F238E27FC236}">
+                    <a16:creationId xmlns:a16="http://schemas.microsoft.com/office/drawing/2014/main" id="{B64845AE-00C5-47D0-AF46-ABA1CD30FA1F}"/>
+                  </a:ext>
+                </a:extLst>
+              </p:cNvPr>
+              <p:cNvSpPr txBox="1">
+                <a:spLocks noRot="1" noChangeAspect="1" noMove="1" noResize="1" noEditPoints="1" noAdjustHandles="1" noChangeArrowheads="1" noChangeShapeType="1" noTextEdit="1"/>
+              </p:cNvSpPr>
+              <p:nvPr/>
+            </p:nvSpPr>
+            <p:spPr>
+              <a:xfrm>
+                <a:off x="5307900" y="1438275"/>
+                <a:ext cx="480581" cy="369332"/>
+              </a:xfrm>
+              <a:prstGeom prst="rect">
+                <a:avLst/>
+              </a:prstGeom>
+              <a:blipFill>
+                <a:blip r:embed="rId7"/>
+                <a:stretch>
+                  <a:fillRect b="-4918"/>
+                </a:stretch>
+              </a:blipFill>
+            </p:spPr>
+            <p:txBody>
+              <a:bodyPr/>
+              <a:lstStyle/>
+              <a:p>
+                <a:r>
+                  <a:rPr lang="ja-JP" altLang="en-US">
+                    <a:noFill/>
+                  </a:rPr>
+                  <a:t> </a:t>
+                </a:r>
+              </a:p>
+            </p:txBody>
+          </p:sp>
+        </mc:Fallback>
+      </mc:AlternateContent>
+      <mc:AlternateContent xmlns:mc="http://schemas.openxmlformats.org/markup-compatibility/2006">
+        <mc:Choice xmlns:a14="http://schemas.microsoft.com/office/drawing/2010/main" Requires="a14">
+          <p:sp>
+            <p:nvSpPr>
+              <p:cNvPr id="10" name="テキスト ボックス 9">
+                <a:extLst>
+                  <a:ext uri="{FF2B5EF4-FFF2-40B4-BE49-F238E27FC236}">
+                    <a16:creationId xmlns:a16="http://schemas.microsoft.com/office/drawing/2014/main" id="{E847F99A-389B-4521-9C38-D6C2F759BDDE}"/>
+                  </a:ext>
+                </a:extLst>
+              </p:cNvPr>
+              <p:cNvSpPr txBox="1"/>
+              <p:nvPr/>
+            </p:nvSpPr>
+            <p:spPr>
+              <a:xfrm>
+                <a:off x="5767575" y="1438275"/>
+                <a:ext cx="475258" cy="369332"/>
+              </a:xfrm>
+              <a:prstGeom prst="rect">
+                <a:avLst/>
+              </a:prstGeom>
+              <a:noFill/>
+            </p:spPr>
+            <p:txBody>
+              <a:bodyPr wrap="none" rtlCol="0">
+                <a:spAutoFit/>
+              </a:bodyPr>
+              <a:lstStyle/>
+              <a:p>
+                <a14:m>
+                  <m:oMathPara xmlns:m="http://schemas.openxmlformats.org/officeDocument/2006/math">
+                    <m:oMathParaPr>
+                      <m:jc m:val="centerGroup"/>
+                    </m:oMathParaPr>
+                    <m:oMath xmlns:m="http://schemas.openxmlformats.org/officeDocument/2006/math">
+                      <m:sSub>
+                        <m:sSubPr>
+                          <m:ctrlPr>
+                            <a:rPr kumimoji="1" lang="en-US" altLang="ja-JP" b="0" i="1" smtClean="0">
+                              <a:latin typeface="Cambria Math" panose="02040503050406030204" pitchFamily="18" charset="0"/>
+                            </a:rPr>
+                          </m:ctrlPr>
+                        </m:sSubPr>
+                        <m:e>
+                          <m:r>
+                            <a:rPr kumimoji="1" lang="en-US" altLang="ja-JP" b="0" i="1" smtClean="0">
+                              <a:latin typeface="Cambria Math" panose="02040503050406030204" pitchFamily="18" charset="0"/>
+                            </a:rPr>
+                            <m:t>𝑦</m:t>
+                          </m:r>
+                        </m:e>
+                        <m:sub>
+                          <m:r>
+                            <a:rPr kumimoji="1" lang="en-US" altLang="ja-JP" b="0" i="1" smtClean="0">
+                              <a:latin typeface="Cambria Math" panose="02040503050406030204" pitchFamily="18" charset="0"/>
+                            </a:rPr>
+                            <m:t>1</m:t>
+                          </m:r>
+                        </m:sub>
+                      </m:sSub>
+                    </m:oMath>
+                  </m:oMathPara>
+                </a14:m>
+                <a:endParaRPr kumimoji="1" lang="ja-JP" altLang="en-US" dirty="0"/>
+              </a:p>
+            </p:txBody>
+          </p:sp>
+        </mc:Choice>
+        <mc:Fallback>
+          <p:sp>
+            <p:nvSpPr>
+              <p:cNvPr id="10" name="テキスト ボックス 9">
+                <a:extLst>
+                  <a:ext uri="{FF2B5EF4-FFF2-40B4-BE49-F238E27FC236}">
+                    <a16:creationId xmlns:a16="http://schemas.microsoft.com/office/drawing/2014/main" id="{E847F99A-389B-4521-9C38-D6C2F759BDDE}"/>
+                  </a:ext>
+                </a:extLst>
+              </p:cNvPr>
+              <p:cNvSpPr txBox="1">
+                <a:spLocks noRot="1" noChangeAspect="1" noMove="1" noResize="1" noEditPoints="1" noAdjustHandles="1" noChangeArrowheads="1" noChangeShapeType="1" noTextEdit="1"/>
+              </p:cNvSpPr>
+              <p:nvPr/>
+            </p:nvSpPr>
+            <p:spPr>
+              <a:xfrm>
+                <a:off x="5767575" y="1438275"/>
+                <a:ext cx="475258" cy="369332"/>
+              </a:xfrm>
+              <a:prstGeom prst="rect">
+                <a:avLst/>
+              </a:prstGeom>
+              <a:blipFill>
+                <a:blip r:embed="rId8"/>
+                <a:stretch>
+                  <a:fillRect b="-4918"/>
+                </a:stretch>
+              </a:blipFill>
+            </p:spPr>
+            <p:txBody>
+              <a:bodyPr/>
+              <a:lstStyle/>
+              <a:p>
+                <a:r>
+                  <a:rPr lang="ja-JP" altLang="en-US">
+                    <a:noFill/>
+                  </a:rPr>
+                  <a:t> </a:t>
+                </a:r>
+              </a:p>
+            </p:txBody>
+          </p:sp>
+        </mc:Fallback>
+      </mc:AlternateContent>
+      <mc:AlternateContent xmlns:mc="http://schemas.openxmlformats.org/markup-compatibility/2006">
+        <mc:Choice xmlns:a14="http://schemas.microsoft.com/office/drawing/2010/main" Requires="a14">
+          <p:sp>
+            <p:nvSpPr>
+              <p:cNvPr id="11" name="テキスト ボックス 10">
+                <a:extLst>
+                  <a:ext uri="{FF2B5EF4-FFF2-40B4-BE49-F238E27FC236}">
+                    <a16:creationId xmlns:a16="http://schemas.microsoft.com/office/drawing/2014/main" id="{93CE3989-E698-4329-BC37-F98CD64C2F94}"/>
+                  </a:ext>
+                </a:extLst>
+              </p:cNvPr>
+              <p:cNvSpPr txBox="1"/>
+              <p:nvPr/>
+            </p:nvSpPr>
+            <p:spPr>
+              <a:xfrm>
+                <a:off x="6221927" y="1438275"/>
+                <a:ext cx="480581" cy="369332"/>
+              </a:xfrm>
+              <a:prstGeom prst="rect">
+                <a:avLst/>
+              </a:prstGeom>
+              <a:noFill/>
+            </p:spPr>
+            <p:txBody>
+              <a:bodyPr wrap="none" rtlCol="0">
+                <a:spAutoFit/>
+              </a:bodyPr>
+              <a:lstStyle/>
+              <a:p>
+                <a14:m>
+                  <m:oMathPara xmlns:m="http://schemas.openxmlformats.org/officeDocument/2006/math">
+                    <m:oMathParaPr>
+                      <m:jc m:val="centerGroup"/>
+                    </m:oMathParaPr>
+                    <m:oMath xmlns:m="http://schemas.openxmlformats.org/officeDocument/2006/math">
+                      <m:sSub>
+                        <m:sSubPr>
+                          <m:ctrlPr>
+                            <a:rPr kumimoji="1" lang="en-US" altLang="ja-JP" b="0" i="1" smtClean="0">
+                              <a:latin typeface="Cambria Math" panose="02040503050406030204" pitchFamily="18" charset="0"/>
+                            </a:rPr>
+                          </m:ctrlPr>
+                        </m:sSubPr>
+                        <m:e>
+                          <m:r>
+                            <a:rPr kumimoji="1" lang="en-US" altLang="ja-JP" b="0" i="1" smtClean="0">
+                              <a:latin typeface="Cambria Math" panose="02040503050406030204" pitchFamily="18" charset="0"/>
+                            </a:rPr>
+                            <m:t>𝑦</m:t>
+                          </m:r>
+                        </m:e>
+                        <m:sub>
+                          <m:r>
+                            <a:rPr kumimoji="1" lang="en-US" altLang="ja-JP" b="0" i="1" smtClean="0">
+                              <a:latin typeface="Cambria Math" panose="02040503050406030204" pitchFamily="18" charset="0"/>
+                            </a:rPr>
+                            <m:t>0</m:t>
+                          </m:r>
+                        </m:sub>
+                      </m:sSub>
+                    </m:oMath>
+                  </m:oMathPara>
+                </a14:m>
+                <a:endParaRPr kumimoji="1" lang="ja-JP" altLang="en-US" dirty="0"/>
+              </a:p>
+            </p:txBody>
+          </p:sp>
+        </mc:Choice>
+        <mc:Fallback>
+          <p:sp>
+            <p:nvSpPr>
+              <p:cNvPr id="11" name="テキスト ボックス 10">
+                <a:extLst>
+                  <a:ext uri="{FF2B5EF4-FFF2-40B4-BE49-F238E27FC236}">
+                    <a16:creationId xmlns:a16="http://schemas.microsoft.com/office/drawing/2014/main" id="{93CE3989-E698-4329-BC37-F98CD64C2F94}"/>
+                  </a:ext>
+                </a:extLst>
+              </p:cNvPr>
+              <p:cNvSpPr txBox="1">
+                <a:spLocks noRot="1" noChangeAspect="1" noMove="1" noResize="1" noEditPoints="1" noAdjustHandles="1" noChangeArrowheads="1" noChangeShapeType="1" noTextEdit="1"/>
+              </p:cNvSpPr>
+              <p:nvPr/>
+            </p:nvSpPr>
+            <p:spPr>
+              <a:xfrm>
+                <a:off x="6221927" y="1438275"/>
+                <a:ext cx="480581" cy="369332"/>
+              </a:xfrm>
+              <a:prstGeom prst="rect">
+                <a:avLst/>
+              </a:prstGeom>
+              <a:blipFill>
+                <a:blip r:embed="rId9"/>
+                <a:stretch>
+                  <a:fillRect b="-4918"/>
+                </a:stretch>
+              </a:blipFill>
+            </p:spPr>
+            <p:txBody>
+              <a:bodyPr/>
+              <a:lstStyle/>
+              <a:p>
+                <a:r>
+                  <a:rPr lang="ja-JP" altLang="en-US">
+                    <a:noFill/>
+                  </a:rPr>
+                  <a:t> </a:t>
+                </a:r>
+              </a:p>
+            </p:txBody>
+          </p:sp>
+        </mc:Fallback>
+      </mc:AlternateContent>
+      <p:cxnSp>
+        <p:nvCxnSpPr>
+          <p:cNvPr id="13" name="直線コネクタ 12">
+            <a:extLst>
+              <a:ext uri="{FF2B5EF4-FFF2-40B4-BE49-F238E27FC236}">
+                <a16:creationId xmlns:a16="http://schemas.microsoft.com/office/drawing/2014/main" id="{CF179F98-113E-4D65-8629-5CB7A36646E4}"/>
+              </a:ext>
+            </a:extLst>
+          </p:cNvPr>
+          <p:cNvCxnSpPr>
+            <a:cxnSpLocks/>
+          </p:cNvCxnSpPr>
+          <p:nvPr/>
+        </p:nvCxnSpPr>
+        <p:spPr>
+          <a:xfrm flipH="1">
+            <a:off x="4305301" y="1886465"/>
+            <a:ext cx="2395539" cy="0"/>
+          </a:xfrm>
+          <a:prstGeom prst="line">
+            <a:avLst/>
+          </a:prstGeom>
+          <a:ln>
+            <a:solidFill>
+              <a:schemeClr val="tx1"/>
+            </a:solidFill>
+          </a:ln>
+        </p:spPr>
+        <p:style>
+          <a:lnRef idx="1">
+            <a:schemeClr val="accent1"/>
+          </a:lnRef>
+          <a:fillRef idx="0">
+            <a:schemeClr val="accent1"/>
+          </a:fillRef>
+          <a:effectRef idx="0">
+            <a:schemeClr val="accent1"/>
+          </a:effectRef>
+          <a:fontRef idx="minor">
+            <a:schemeClr val="tx1"/>
+          </a:fontRef>
+        </p:style>
+      </p:cxnSp>
+      <mc:AlternateContent xmlns:mc="http://schemas.openxmlformats.org/markup-compatibility/2006">
+        <mc:Choice xmlns:a14="http://schemas.microsoft.com/office/drawing/2010/main" Requires="a14">
+          <p:sp>
+            <p:nvSpPr>
+              <p:cNvPr id="14" name="テキスト ボックス 13">
+                <a:extLst>
+                  <a:ext uri="{FF2B5EF4-FFF2-40B4-BE49-F238E27FC236}">
+                    <a16:creationId xmlns:a16="http://schemas.microsoft.com/office/drawing/2014/main" id="{B1DF76ED-EFAF-462A-99AC-4BCBC3A9A368}"/>
+                  </a:ext>
+                </a:extLst>
+              </p:cNvPr>
+              <p:cNvSpPr txBox="1"/>
+              <p:nvPr/>
+            </p:nvSpPr>
+            <p:spPr>
+              <a:xfrm>
+                <a:off x="6155530" y="1886464"/>
+                <a:ext cx="611706" cy="381515"/>
+              </a:xfrm>
+              <a:prstGeom prst="rect">
+                <a:avLst/>
+              </a:prstGeom>
+              <a:noFill/>
+            </p:spPr>
+            <p:txBody>
+              <a:bodyPr wrap="none" rtlCol="0">
+                <a:spAutoFit/>
+              </a:bodyPr>
+              <a:lstStyle/>
+              <a:p>
+                <a14:m>
+                  <m:oMathPara xmlns:m="http://schemas.openxmlformats.org/officeDocument/2006/math">
+                    <m:oMathParaPr>
+                      <m:jc m:val="centerGroup"/>
+                    </m:oMathParaPr>
+                    <m:oMath xmlns:m="http://schemas.openxmlformats.org/officeDocument/2006/math">
+                      <m:sSub>
+                        <m:sSubPr>
+                          <m:ctrlPr>
+                            <a:rPr kumimoji="1" lang="en-US" altLang="ja-JP" b="0" i="1" smtClean="0">
+                              <a:latin typeface="Cambria Math" panose="02040503050406030204" pitchFamily="18" charset="0"/>
+                            </a:rPr>
+                          </m:ctrlPr>
+                        </m:sSubPr>
+                        <m:e>
+                          <m:r>
+                            <a:rPr kumimoji="1" lang="en-US" altLang="ja-JP" b="0" i="1" smtClean="0">
+                              <a:latin typeface="Cambria Math" panose="02040503050406030204" pitchFamily="18" charset="0"/>
+                            </a:rPr>
+                            <m:t>𝑝</m:t>
+                          </m:r>
+                        </m:e>
+                        <m:sub>
+                          <m:r>
+                            <a:rPr kumimoji="1" lang="en-US" altLang="ja-JP" b="0" i="1" smtClean="0">
+                              <a:latin typeface="Cambria Math" panose="02040503050406030204" pitchFamily="18" charset="0"/>
+                            </a:rPr>
+                            <m:t>0,0</m:t>
+                          </m:r>
+                        </m:sub>
+                      </m:sSub>
+                    </m:oMath>
+                  </m:oMathPara>
+                </a14:m>
+                <a:endParaRPr kumimoji="1" lang="ja-JP" altLang="en-US" dirty="0"/>
+              </a:p>
+            </p:txBody>
+          </p:sp>
+        </mc:Choice>
+        <mc:Fallback>
+          <p:sp>
+            <p:nvSpPr>
+              <p:cNvPr id="14" name="テキスト ボックス 13">
+                <a:extLst>
+                  <a:ext uri="{FF2B5EF4-FFF2-40B4-BE49-F238E27FC236}">
+                    <a16:creationId xmlns:a16="http://schemas.microsoft.com/office/drawing/2014/main" id="{B1DF76ED-EFAF-462A-99AC-4BCBC3A9A368}"/>
+                  </a:ext>
+                </a:extLst>
+              </p:cNvPr>
+              <p:cNvSpPr txBox="1">
+                <a:spLocks noRot="1" noChangeAspect="1" noMove="1" noResize="1" noEditPoints="1" noAdjustHandles="1" noChangeArrowheads="1" noChangeShapeType="1" noTextEdit="1"/>
+              </p:cNvSpPr>
+              <p:nvPr/>
+            </p:nvSpPr>
+            <p:spPr>
+              <a:xfrm>
+                <a:off x="6155530" y="1886464"/>
+                <a:ext cx="611706" cy="381515"/>
+              </a:xfrm>
+              <a:prstGeom prst="rect">
+                <a:avLst/>
+              </a:prstGeom>
+              <a:blipFill>
+                <a:blip r:embed="rId10"/>
+                <a:stretch>
+                  <a:fillRect b="-4762"/>
+                </a:stretch>
+              </a:blipFill>
+            </p:spPr>
+            <p:txBody>
+              <a:bodyPr/>
+              <a:lstStyle/>
+              <a:p>
+                <a:r>
+                  <a:rPr lang="ja-JP" altLang="en-US">
+                    <a:noFill/>
+                  </a:rPr>
+                  <a:t> </a:t>
+                </a:r>
+              </a:p>
+            </p:txBody>
+          </p:sp>
+        </mc:Fallback>
+      </mc:AlternateContent>
+      <mc:AlternateContent xmlns:mc="http://schemas.openxmlformats.org/markup-compatibility/2006">
+        <mc:Choice xmlns:a14="http://schemas.microsoft.com/office/drawing/2010/main" Requires="a14">
+          <p:sp>
+            <p:nvSpPr>
+              <p:cNvPr id="16" name="テキスト ボックス 15">
+                <a:extLst>
+                  <a:ext uri="{FF2B5EF4-FFF2-40B4-BE49-F238E27FC236}">
+                    <a16:creationId xmlns:a16="http://schemas.microsoft.com/office/drawing/2014/main" id="{1DB08F46-8BE1-4DB9-9D79-349BBC61532D}"/>
+                  </a:ext>
+                </a:extLst>
+              </p:cNvPr>
+              <p:cNvSpPr txBox="1"/>
+              <p:nvPr/>
+            </p:nvSpPr>
+            <p:spPr>
+              <a:xfrm>
+                <a:off x="5241503" y="1886464"/>
+                <a:ext cx="611706" cy="381515"/>
+              </a:xfrm>
+              <a:prstGeom prst="rect">
+                <a:avLst/>
+              </a:prstGeom>
+              <a:noFill/>
+            </p:spPr>
+            <p:txBody>
+              <a:bodyPr wrap="none" rtlCol="0">
+                <a:spAutoFit/>
+              </a:bodyPr>
+              <a:lstStyle/>
+              <a:p>
+                <a14:m>
+                  <m:oMathPara xmlns:m="http://schemas.openxmlformats.org/officeDocument/2006/math">
+                    <m:oMathParaPr>
+                      <m:jc m:val="centerGroup"/>
+                    </m:oMathParaPr>
+                    <m:oMath xmlns:m="http://schemas.openxmlformats.org/officeDocument/2006/math">
+                      <m:sSub>
+                        <m:sSubPr>
+                          <m:ctrlPr>
+                            <a:rPr kumimoji="1" lang="en-US" altLang="ja-JP" b="0" i="1" smtClean="0">
+                              <a:latin typeface="Cambria Math" panose="02040503050406030204" pitchFamily="18" charset="0"/>
+                            </a:rPr>
+                          </m:ctrlPr>
+                        </m:sSubPr>
+                        <m:e>
+                          <m:r>
+                            <a:rPr kumimoji="1" lang="en-US" altLang="ja-JP" b="0" i="1" smtClean="0">
+                              <a:latin typeface="Cambria Math" panose="02040503050406030204" pitchFamily="18" charset="0"/>
+                            </a:rPr>
+                            <m:t>𝑝</m:t>
+                          </m:r>
+                        </m:e>
+                        <m:sub>
+                          <m:r>
+                            <a:rPr kumimoji="1" lang="en-US" altLang="ja-JP" b="0" i="1" smtClean="0">
+                              <a:latin typeface="Cambria Math" panose="02040503050406030204" pitchFamily="18" charset="0"/>
+                            </a:rPr>
+                            <m:t>2,0</m:t>
+                          </m:r>
+                        </m:sub>
+                      </m:sSub>
+                    </m:oMath>
+                  </m:oMathPara>
+                </a14:m>
+                <a:endParaRPr kumimoji="1" lang="ja-JP" altLang="en-US" dirty="0"/>
+              </a:p>
+            </p:txBody>
+          </p:sp>
+        </mc:Choice>
+        <mc:Fallback>
+          <p:sp>
+            <p:nvSpPr>
+              <p:cNvPr id="16" name="テキスト ボックス 15">
+                <a:extLst>
+                  <a:ext uri="{FF2B5EF4-FFF2-40B4-BE49-F238E27FC236}">
+                    <a16:creationId xmlns:a16="http://schemas.microsoft.com/office/drawing/2014/main" id="{1DB08F46-8BE1-4DB9-9D79-349BBC61532D}"/>
+                  </a:ext>
+                </a:extLst>
+              </p:cNvPr>
+              <p:cNvSpPr txBox="1">
+                <a:spLocks noRot="1" noChangeAspect="1" noMove="1" noResize="1" noEditPoints="1" noAdjustHandles="1" noChangeArrowheads="1" noChangeShapeType="1" noTextEdit="1"/>
+              </p:cNvSpPr>
+              <p:nvPr/>
+            </p:nvSpPr>
+            <p:spPr>
+              <a:xfrm>
+                <a:off x="5241503" y="1886464"/>
+                <a:ext cx="611706" cy="381515"/>
+              </a:xfrm>
+              <a:prstGeom prst="rect">
+                <a:avLst/>
+              </a:prstGeom>
+              <a:blipFill>
+                <a:blip r:embed="rId11"/>
+                <a:stretch>
+                  <a:fillRect b="-4762"/>
+                </a:stretch>
+              </a:blipFill>
+            </p:spPr>
+            <p:txBody>
+              <a:bodyPr/>
+              <a:lstStyle/>
+              <a:p>
+                <a:r>
+                  <a:rPr lang="ja-JP" altLang="en-US">
+                    <a:noFill/>
+                  </a:rPr>
+                  <a:t> </a:t>
+                </a:r>
+              </a:p>
+            </p:txBody>
+          </p:sp>
+        </mc:Fallback>
+      </mc:AlternateContent>
+      <mc:AlternateContent xmlns:mc="http://schemas.openxmlformats.org/markup-compatibility/2006">
+        <mc:Choice xmlns:a14="http://schemas.microsoft.com/office/drawing/2010/main" Requires="a14">
+          <p:sp>
+            <p:nvSpPr>
+              <p:cNvPr id="17" name="テキスト ボックス 16">
+                <a:extLst>
+                  <a:ext uri="{FF2B5EF4-FFF2-40B4-BE49-F238E27FC236}">
+                    <a16:creationId xmlns:a16="http://schemas.microsoft.com/office/drawing/2014/main" id="{9E1FE733-42A3-4CBF-B1FB-A4BDB1B18575}"/>
+                  </a:ext>
+                </a:extLst>
+              </p:cNvPr>
+              <p:cNvSpPr txBox="1"/>
+              <p:nvPr/>
+            </p:nvSpPr>
+            <p:spPr>
+              <a:xfrm>
+                <a:off x="5701178" y="1893074"/>
+                <a:ext cx="606384" cy="381515"/>
+              </a:xfrm>
+              <a:prstGeom prst="rect">
+                <a:avLst/>
+              </a:prstGeom>
+              <a:noFill/>
+            </p:spPr>
+            <p:txBody>
+              <a:bodyPr wrap="none" rtlCol="0">
+                <a:spAutoFit/>
+              </a:bodyPr>
+              <a:lstStyle/>
+              <a:p>
+                <a14:m>
+                  <m:oMathPara xmlns:m="http://schemas.openxmlformats.org/officeDocument/2006/math">
+                    <m:oMathParaPr>
+                      <m:jc m:val="centerGroup"/>
+                    </m:oMathParaPr>
+                    <m:oMath xmlns:m="http://schemas.openxmlformats.org/officeDocument/2006/math">
+                      <m:sSub>
+                        <m:sSubPr>
+                          <m:ctrlPr>
+                            <a:rPr kumimoji="1" lang="en-US" altLang="ja-JP" b="0" i="1" smtClean="0">
+                              <a:latin typeface="Cambria Math" panose="02040503050406030204" pitchFamily="18" charset="0"/>
+                            </a:rPr>
+                          </m:ctrlPr>
+                        </m:sSubPr>
+                        <m:e>
+                          <m:r>
+                            <a:rPr kumimoji="1" lang="en-US" altLang="ja-JP" b="0" i="1" smtClean="0">
+                              <a:latin typeface="Cambria Math" panose="02040503050406030204" pitchFamily="18" charset="0"/>
+                            </a:rPr>
+                            <m:t>𝑝</m:t>
+                          </m:r>
+                        </m:e>
+                        <m:sub>
+                          <m:r>
+                            <a:rPr kumimoji="1" lang="en-US" altLang="ja-JP" b="0" i="1" smtClean="0">
+                              <a:latin typeface="Cambria Math" panose="02040503050406030204" pitchFamily="18" charset="0"/>
+                            </a:rPr>
+                            <m:t>1,0</m:t>
+                          </m:r>
+                        </m:sub>
+                      </m:sSub>
+                    </m:oMath>
+                  </m:oMathPara>
+                </a14:m>
+                <a:endParaRPr kumimoji="1" lang="ja-JP" altLang="en-US" dirty="0"/>
+              </a:p>
+            </p:txBody>
+          </p:sp>
+        </mc:Choice>
+        <mc:Fallback>
+          <p:sp>
+            <p:nvSpPr>
+              <p:cNvPr id="17" name="テキスト ボックス 16">
+                <a:extLst>
+                  <a:ext uri="{FF2B5EF4-FFF2-40B4-BE49-F238E27FC236}">
+                    <a16:creationId xmlns:a16="http://schemas.microsoft.com/office/drawing/2014/main" id="{9E1FE733-42A3-4CBF-B1FB-A4BDB1B18575}"/>
+                  </a:ext>
+                </a:extLst>
+              </p:cNvPr>
+              <p:cNvSpPr txBox="1">
+                <a:spLocks noRot="1" noChangeAspect="1" noMove="1" noResize="1" noEditPoints="1" noAdjustHandles="1" noChangeArrowheads="1" noChangeShapeType="1" noTextEdit="1"/>
+              </p:cNvSpPr>
+              <p:nvPr/>
+            </p:nvSpPr>
+            <p:spPr>
+              <a:xfrm>
+                <a:off x="5701178" y="1893074"/>
+                <a:ext cx="606384" cy="381515"/>
+              </a:xfrm>
+              <a:prstGeom prst="rect">
+                <a:avLst/>
+              </a:prstGeom>
+              <a:blipFill>
+                <a:blip r:embed="rId12"/>
+                <a:stretch>
+                  <a:fillRect b="-4839"/>
+                </a:stretch>
+              </a:blipFill>
+            </p:spPr>
+            <p:txBody>
+              <a:bodyPr/>
+              <a:lstStyle/>
+              <a:p>
+                <a:r>
+                  <a:rPr lang="ja-JP" altLang="en-US">
+                    <a:noFill/>
+                  </a:rPr>
+                  <a:t> </a:t>
+                </a:r>
+              </a:p>
+            </p:txBody>
+          </p:sp>
+        </mc:Fallback>
+      </mc:AlternateContent>
+      <mc:AlternateContent xmlns:mc="http://schemas.openxmlformats.org/markup-compatibility/2006">
+        <mc:Choice xmlns:a14="http://schemas.microsoft.com/office/drawing/2010/main" Requires="a14">
+          <p:sp>
+            <p:nvSpPr>
+              <p:cNvPr id="18" name="テキスト ボックス 17">
+                <a:extLst>
+                  <a:ext uri="{FF2B5EF4-FFF2-40B4-BE49-F238E27FC236}">
+                    <a16:creationId xmlns:a16="http://schemas.microsoft.com/office/drawing/2014/main" id="{9FC43C49-1702-4738-B5B6-321973BB011F}"/>
+                  </a:ext>
+                </a:extLst>
+              </p:cNvPr>
+              <p:cNvSpPr txBox="1"/>
+              <p:nvPr/>
+            </p:nvSpPr>
+            <p:spPr>
+              <a:xfrm>
+                <a:off x="4781828" y="1893074"/>
+                <a:ext cx="611706" cy="381515"/>
+              </a:xfrm>
+              <a:prstGeom prst="rect">
+                <a:avLst/>
+              </a:prstGeom>
+              <a:noFill/>
+            </p:spPr>
+            <p:txBody>
+              <a:bodyPr wrap="none" rtlCol="0">
+                <a:spAutoFit/>
+              </a:bodyPr>
+              <a:lstStyle/>
+              <a:p>
+                <a14:m>
+                  <m:oMathPara xmlns:m="http://schemas.openxmlformats.org/officeDocument/2006/math">
+                    <m:oMathParaPr>
+                      <m:jc m:val="centerGroup"/>
+                    </m:oMathParaPr>
+                    <m:oMath xmlns:m="http://schemas.openxmlformats.org/officeDocument/2006/math">
+                      <m:sSub>
+                        <m:sSubPr>
+                          <m:ctrlPr>
+                            <a:rPr kumimoji="1" lang="en-US" altLang="ja-JP" b="0" i="1" smtClean="0">
+                              <a:latin typeface="Cambria Math" panose="02040503050406030204" pitchFamily="18" charset="0"/>
+                            </a:rPr>
+                          </m:ctrlPr>
+                        </m:sSubPr>
+                        <m:e>
+                          <m:r>
+                            <a:rPr kumimoji="1" lang="en-US" altLang="ja-JP" b="0" i="1" smtClean="0">
+                              <a:latin typeface="Cambria Math" panose="02040503050406030204" pitchFamily="18" charset="0"/>
+                            </a:rPr>
+                            <m:t>𝑝</m:t>
+                          </m:r>
+                        </m:e>
+                        <m:sub>
+                          <m:r>
+                            <a:rPr kumimoji="1" lang="en-US" altLang="ja-JP" b="0" i="1" smtClean="0">
+                              <a:latin typeface="Cambria Math" panose="02040503050406030204" pitchFamily="18" charset="0"/>
+                            </a:rPr>
+                            <m:t>3,0</m:t>
+                          </m:r>
+                        </m:sub>
+                      </m:sSub>
+                    </m:oMath>
+                  </m:oMathPara>
+                </a14:m>
+                <a:endParaRPr kumimoji="1" lang="ja-JP" altLang="en-US" dirty="0"/>
+              </a:p>
+            </p:txBody>
+          </p:sp>
+        </mc:Choice>
+        <mc:Fallback>
+          <p:sp>
+            <p:nvSpPr>
+              <p:cNvPr id="18" name="テキスト ボックス 17">
+                <a:extLst>
+                  <a:ext uri="{FF2B5EF4-FFF2-40B4-BE49-F238E27FC236}">
+                    <a16:creationId xmlns:a16="http://schemas.microsoft.com/office/drawing/2014/main" id="{9FC43C49-1702-4738-B5B6-321973BB011F}"/>
+                  </a:ext>
+                </a:extLst>
+              </p:cNvPr>
+              <p:cNvSpPr txBox="1">
+                <a:spLocks noRot="1" noChangeAspect="1" noMove="1" noResize="1" noEditPoints="1" noAdjustHandles="1" noChangeArrowheads="1" noChangeShapeType="1" noTextEdit="1"/>
+              </p:cNvSpPr>
+              <p:nvPr/>
+            </p:nvSpPr>
+            <p:spPr>
+              <a:xfrm>
+                <a:off x="4781828" y="1893074"/>
+                <a:ext cx="611706" cy="381515"/>
+              </a:xfrm>
+              <a:prstGeom prst="rect">
+                <a:avLst/>
+              </a:prstGeom>
+              <a:blipFill>
+                <a:blip r:embed="rId13"/>
+                <a:stretch>
+                  <a:fillRect b="-4839"/>
+                </a:stretch>
+              </a:blipFill>
+            </p:spPr>
+            <p:txBody>
+              <a:bodyPr/>
+              <a:lstStyle/>
+              <a:p>
+                <a:r>
+                  <a:rPr lang="ja-JP" altLang="en-US">
+                    <a:noFill/>
+                  </a:rPr>
+                  <a:t> </a:t>
+                </a:r>
+              </a:p>
+            </p:txBody>
+          </p:sp>
+        </mc:Fallback>
+      </mc:AlternateContent>
+      <mc:AlternateContent xmlns:mc="http://schemas.openxmlformats.org/markup-compatibility/2006">
+        <mc:Choice xmlns:a14="http://schemas.microsoft.com/office/drawing/2010/main" Requires="a14">
+          <p:sp>
+            <p:nvSpPr>
+              <p:cNvPr id="20" name="テキスト ボックス 19">
+                <a:extLst>
+                  <a:ext uri="{FF2B5EF4-FFF2-40B4-BE49-F238E27FC236}">
+                    <a16:creationId xmlns:a16="http://schemas.microsoft.com/office/drawing/2014/main" id="{4E48C2D2-1F5D-4AF7-8D2C-1BE65145E0C7}"/>
+                  </a:ext>
+                </a:extLst>
+              </p:cNvPr>
+              <p:cNvSpPr txBox="1"/>
+              <p:nvPr/>
+            </p:nvSpPr>
+            <p:spPr>
+              <a:xfrm>
+                <a:off x="4388550" y="1477704"/>
+                <a:ext cx="415498" cy="369332"/>
+              </a:xfrm>
+              <a:prstGeom prst="rect">
+                <a:avLst/>
+              </a:prstGeom>
+              <a:noFill/>
+            </p:spPr>
+            <p:txBody>
+              <a:bodyPr wrap="none" rtlCol="0">
+                <a:spAutoFit/>
+              </a:bodyPr>
+              <a:lstStyle/>
+              <a:p>
+                <a14:m>
+                  <m:oMathPara xmlns:m="http://schemas.openxmlformats.org/officeDocument/2006/math">
+                    <m:oMathParaPr>
+                      <m:jc m:val="centerGroup"/>
+                    </m:oMathParaPr>
+                    <m:oMath xmlns:m="http://schemas.openxmlformats.org/officeDocument/2006/math">
+                      <m:r>
+                        <a:rPr kumimoji="1" lang="en-US" altLang="ja-JP" b="0" i="1" smtClean="0">
+                          <a:latin typeface="Cambria Math" panose="02040503050406030204" pitchFamily="18" charset="0"/>
+                        </a:rPr>
+                        <m:t>×</m:t>
+                      </m:r>
+                    </m:oMath>
+                  </m:oMathPara>
+                </a14:m>
+                <a:endParaRPr kumimoji="1" lang="en-US" altLang="ja-JP" b="0" dirty="0"/>
+              </a:p>
+            </p:txBody>
+          </p:sp>
+        </mc:Choice>
+        <mc:Fallback>
+          <p:sp>
+            <p:nvSpPr>
+              <p:cNvPr id="20" name="テキスト ボックス 19">
+                <a:extLst>
+                  <a:ext uri="{FF2B5EF4-FFF2-40B4-BE49-F238E27FC236}">
+                    <a16:creationId xmlns:a16="http://schemas.microsoft.com/office/drawing/2014/main" id="{4E48C2D2-1F5D-4AF7-8D2C-1BE65145E0C7}"/>
+                  </a:ext>
+                </a:extLst>
+              </p:cNvPr>
+              <p:cNvSpPr txBox="1">
+                <a:spLocks noRot="1" noChangeAspect="1" noMove="1" noResize="1" noEditPoints="1" noAdjustHandles="1" noChangeArrowheads="1" noChangeShapeType="1" noTextEdit="1"/>
+              </p:cNvSpPr>
+              <p:nvPr/>
+            </p:nvSpPr>
+            <p:spPr>
+              <a:xfrm>
+                <a:off x="4388550" y="1477704"/>
+                <a:ext cx="415498" cy="369332"/>
+              </a:xfrm>
+              <a:prstGeom prst="rect">
+                <a:avLst/>
+              </a:prstGeom>
+              <a:blipFill>
+                <a:blip r:embed="rId14"/>
+                <a:stretch>
+                  <a:fillRect/>
+                </a:stretch>
+              </a:blipFill>
+            </p:spPr>
+            <p:txBody>
+              <a:bodyPr/>
+              <a:lstStyle/>
+              <a:p>
+                <a:r>
+                  <a:rPr lang="ja-JP" altLang="en-US">
+                    <a:noFill/>
+                  </a:rPr>
+                  <a:t> </a:t>
+                </a:r>
+              </a:p>
+            </p:txBody>
+          </p:sp>
+        </mc:Fallback>
+      </mc:AlternateContent>
+      <mc:AlternateContent xmlns:mc="http://schemas.openxmlformats.org/markup-compatibility/2006">
+        <mc:Choice xmlns:a14="http://schemas.microsoft.com/office/drawing/2010/main" Requires="a14">
+          <p:sp>
+            <p:nvSpPr>
+              <p:cNvPr id="21" name="テキスト ボックス 20">
+                <a:extLst>
+                  <a:ext uri="{FF2B5EF4-FFF2-40B4-BE49-F238E27FC236}">
+                    <a16:creationId xmlns:a16="http://schemas.microsoft.com/office/drawing/2014/main" id="{1F41044D-72BE-4C42-942C-423721F0DB2B}"/>
+                  </a:ext>
+                </a:extLst>
+              </p:cNvPr>
+              <p:cNvSpPr txBox="1"/>
+              <p:nvPr/>
+            </p:nvSpPr>
+            <p:spPr>
+              <a:xfrm>
+                <a:off x="5695856" y="2202118"/>
+                <a:ext cx="611706" cy="381515"/>
+              </a:xfrm>
+              <a:prstGeom prst="rect">
+                <a:avLst/>
+              </a:prstGeom>
+              <a:noFill/>
+            </p:spPr>
+            <p:txBody>
+              <a:bodyPr wrap="none" rtlCol="0">
+                <a:spAutoFit/>
+              </a:bodyPr>
+              <a:lstStyle/>
+              <a:p>
+                <a14:m>
+                  <m:oMathPara xmlns:m="http://schemas.openxmlformats.org/officeDocument/2006/math">
+                    <m:oMathParaPr>
+                      <m:jc m:val="centerGroup"/>
+                    </m:oMathParaPr>
+                    <m:oMath xmlns:m="http://schemas.openxmlformats.org/officeDocument/2006/math">
+                      <m:sSub>
+                        <m:sSubPr>
+                          <m:ctrlPr>
+                            <a:rPr kumimoji="1" lang="en-US" altLang="ja-JP" b="0" i="1" smtClean="0">
+                              <a:latin typeface="Cambria Math" panose="02040503050406030204" pitchFamily="18" charset="0"/>
+                            </a:rPr>
+                          </m:ctrlPr>
+                        </m:sSubPr>
+                        <m:e>
+                          <m:r>
+                            <a:rPr kumimoji="1" lang="en-US" altLang="ja-JP" b="0" i="1" smtClean="0">
+                              <a:latin typeface="Cambria Math" panose="02040503050406030204" pitchFamily="18" charset="0"/>
+                            </a:rPr>
+                            <m:t>𝑝</m:t>
+                          </m:r>
+                        </m:e>
+                        <m:sub>
+                          <m:r>
+                            <a:rPr kumimoji="1" lang="en-US" altLang="ja-JP" b="0" i="1" smtClean="0">
+                              <a:latin typeface="Cambria Math" panose="02040503050406030204" pitchFamily="18" charset="0"/>
+                            </a:rPr>
+                            <m:t>0,1</m:t>
+                          </m:r>
+                        </m:sub>
+                      </m:sSub>
+                    </m:oMath>
+                  </m:oMathPara>
+                </a14:m>
+                <a:endParaRPr kumimoji="1" lang="ja-JP" altLang="en-US" dirty="0"/>
+              </a:p>
+            </p:txBody>
+          </p:sp>
+        </mc:Choice>
+        <mc:Fallback>
+          <p:sp>
+            <p:nvSpPr>
+              <p:cNvPr id="21" name="テキスト ボックス 20">
+                <a:extLst>
+                  <a:ext uri="{FF2B5EF4-FFF2-40B4-BE49-F238E27FC236}">
+                    <a16:creationId xmlns:a16="http://schemas.microsoft.com/office/drawing/2014/main" id="{1F41044D-72BE-4C42-942C-423721F0DB2B}"/>
+                  </a:ext>
+                </a:extLst>
+              </p:cNvPr>
+              <p:cNvSpPr txBox="1">
+                <a:spLocks noRot="1" noChangeAspect="1" noMove="1" noResize="1" noEditPoints="1" noAdjustHandles="1" noChangeArrowheads="1" noChangeShapeType="1" noTextEdit="1"/>
+              </p:cNvSpPr>
+              <p:nvPr/>
+            </p:nvSpPr>
+            <p:spPr>
+              <a:xfrm>
+                <a:off x="5695856" y="2202118"/>
+                <a:ext cx="611706" cy="381515"/>
+              </a:xfrm>
+              <a:prstGeom prst="rect">
+                <a:avLst/>
+              </a:prstGeom>
+              <a:blipFill>
+                <a:blip r:embed="rId15"/>
+                <a:stretch>
+                  <a:fillRect b="-4762"/>
+                </a:stretch>
+              </a:blipFill>
+            </p:spPr>
+            <p:txBody>
+              <a:bodyPr/>
+              <a:lstStyle/>
+              <a:p>
+                <a:r>
+                  <a:rPr lang="ja-JP" altLang="en-US">
+                    <a:noFill/>
+                  </a:rPr>
+                  <a:t> </a:t>
+                </a:r>
+              </a:p>
+            </p:txBody>
+          </p:sp>
+        </mc:Fallback>
+      </mc:AlternateContent>
+      <mc:AlternateContent xmlns:mc="http://schemas.openxmlformats.org/markup-compatibility/2006">
+        <mc:Choice xmlns:a14="http://schemas.microsoft.com/office/drawing/2010/main" Requires="a14">
+          <p:sp>
+            <p:nvSpPr>
+              <p:cNvPr id="22" name="テキスト ボックス 21">
+                <a:extLst>
+                  <a:ext uri="{FF2B5EF4-FFF2-40B4-BE49-F238E27FC236}">
+                    <a16:creationId xmlns:a16="http://schemas.microsoft.com/office/drawing/2014/main" id="{8BD25D7D-728F-40BA-AFB9-2FC66CAC057E}"/>
+                  </a:ext>
+                </a:extLst>
+              </p:cNvPr>
+              <p:cNvSpPr txBox="1"/>
+              <p:nvPr/>
+            </p:nvSpPr>
+            <p:spPr>
+              <a:xfrm>
+                <a:off x="4781829" y="2202118"/>
+                <a:ext cx="611706" cy="381515"/>
+              </a:xfrm>
+              <a:prstGeom prst="rect">
+                <a:avLst/>
+              </a:prstGeom>
+              <a:noFill/>
+            </p:spPr>
+            <p:txBody>
+              <a:bodyPr wrap="none" rtlCol="0">
+                <a:spAutoFit/>
+              </a:bodyPr>
+              <a:lstStyle/>
+              <a:p>
+                <a14:m>
+                  <m:oMathPara xmlns:m="http://schemas.openxmlformats.org/officeDocument/2006/math">
+                    <m:oMathParaPr>
+                      <m:jc m:val="centerGroup"/>
+                    </m:oMathParaPr>
+                    <m:oMath xmlns:m="http://schemas.openxmlformats.org/officeDocument/2006/math">
+                      <m:sSub>
+                        <m:sSubPr>
+                          <m:ctrlPr>
+                            <a:rPr kumimoji="1" lang="en-US" altLang="ja-JP" b="0" i="1" smtClean="0">
+                              <a:latin typeface="Cambria Math" panose="02040503050406030204" pitchFamily="18" charset="0"/>
+                            </a:rPr>
+                          </m:ctrlPr>
+                        </m:sSubPr>
+                        <m:e>
+                          <m:r>
+                            <a:rPr kumimoji="1" lang="en-US" altLang="ja-JP" b="0" i="1" smtClean="0">
+                              <a:latin typeface="Cambria Math" panose="02040503050406030204" pitchFamily="18" charset="0"/>
+                            </a:rPr>
+                            <m:t>𝑝</m:t>
+                          </m:r>
+                        </m:e>
+                        <m:sub>
+                          <m:r>
+                            <a:rPr kumimoji="1" lang="en-US" altLang="ja-JP" b="0" i="1" smtClean="0">
+                              <a:latin typeface="Cambria Math" panose="02040503050406030204" pitchFamily="18" charset="0"/>
+                            </a:rPr>
+                            <m:t>2,1</m:t>
+                          </m:r>
+                        </m:sub>
+                      </m:sSub>
+                    </m:oMath>
+                  </m:oMathPara>
+                </a14:m>
+                <a:endParaRPr kumimoji="1" lang="ja-JP" altLang="en-US" dirty="0"/>
+              </a:p>
+            </p:txBody>
+          </p:sp>
+        </mc:Choice>
+        <mc:Fallback>
+          <p:sp>
+            <p:nvSpPr>
+              <p:cNvPr id="22" name="テキスト ボックス 21">
+                <a:extLst>
+                  <a:ext uri="{FF2B5EF4-FFF2-40B4-BE49-F238E27FC236}">
+                    <a16:creationId xmlns:a16="http://schemas.microsoft.com/office/drawing/2014/main" id="{8BD25D7D-728F-40BA-AFB9-2FC66CAC057E}"/>
+                  </a:ext>
+                </a:extLst>
+              </p:cNvPr>
+              <p:cNvSpPr txBox="1">
+                <a:spLocks noRot="1" noChangeAspect="1" noMove="1" noResize="1" noEditPoints="1" noAdjustHandles="1" noChangeArrowheads="1" noChangeShapeType="1" noTextEdit="1"/>
+              </p:cNvSpPr>
+              <p:nvPr/>
+            </p:nvSpPr>
+            <p:spPr>
+              <a:xfrm>
+                <a:off x="4781829" y="2202118"/>
+                <a:ext cx="611706" cy="381515"/>
+              </a:xfrm>
+              <a:prstGeom prst="rect">
+                <a:avLst/>
+              </a:prstGeom>
+              <a:blipFill>
+                <a:blip r:embed="rId16"/>
+                <a:stretch>
+                  <a:fillRect b="-4762"/>
+                </a:stretch>
+              </a:blipFill>
+            </p:spPr>
+            <p:txBody>
+              <a:bodyPr/>
+              <a:lstStyle/>
+              <a:p>
+                <a:r>
+                  <a:rPr lang="ja-JP" altLang="en-US">
+                    <a:noFill/>
+                  </a:rPr>
+                  <a:t> </a:t>
+                </a:r>
+              </a:p>
+            </p:txBody>
+          </p:sp>
+        </mc:Fallback>
+      </mc:AlternateContent>
+      <mc:AlternateContent xmlns:mc="http://schemas.openxmlformats.org/markup-compatibility/2006">
+        <mc:Choice xmlns:a14="http://schemas.microsoft.com/office/drawing/2010/main" Requires="a14">
+          <p:sp>
+            <p:nvSpPr>
+              <p:cNvPr id="23" name="テキスト ボックス 22">
+                <a:extLst>
+                  <a:ext uri="{FF2B5EF4-FFF2-40B4-BE49-F238E27FC236}">
+                    <a16:creationId xmlns:a16="http://schemas.microsoft.com/office/drawing/2014/main" id="{8CBB63FE-7C9B-4201-96FF-5A92ED6D92C3}"/>
+                  </a:ext>
+                </a:extLst>
+              </p:cNvPr>
+              <p:cNvSpPr txBox="1"/>
+              <p:nvPr/>
+            </p:nvSpPr>
+            <p:spPr>
+              <a:xfrm>
+                <a:off x="5241504" y="2208728"/>
+                <a:ext cx="606384" cy="381515"/>
+              </a:xfrm>
+              <a:prstGeom prst="rect">
+                <a:avLst/>
+              </a:prstGeom>
+              <a:noFill/>
+            </p:spPr>
+            <p:txBody>
+              <a:bodyPr wrap="none" rtlCol="0">
+                <a:spAutoFit/>
+              </a:bodyPr>
+              <a:lstStyle/>
+              <a:p>
+                <a14:m>
+                  <m:oMathPara xmlns:m="http://schemas.openxmlformats.org/officeDocument/2006/math">
+                    <m:oMathParaPr>
+                      <m:jc m:val="centerGroup"/>
+                    </m:oMathParaPr>
+                    <m:oMath xmlns:m="http://schemas.openxmlformats.org/officeDocument/2006/math">
+                      <m:sSub>
+                        <m:sSubPr>
+                          <m:ctrlPr>
+                            <a:rPr kumimoji="1" lang="en-US" altLang="ja-JP" b="0" i="1" smtClean="0">
+                              <a:latin typeface="Cambria Math" panose="02040503050406030204" pitchFamily="18" charset="0"/>
+                            </a:rPr>
+                          </m:ctrlPr>
+                        </m:sSubPr>
+                        <m:e>
+                          <m:r>
+                            <a:rPr kumimoji="1" lang="en-US" altLang="ja-JP" b="0" i="1" smtClean="0">
+                              <a:latin typeface="Cambria Math" panose="02040503050406030204" pitchFamily="18" charset="0"/>
+                            </a:rPr>
+                            <m:t>𝑝</m:t>
+                          </m:r>
+                        </m:e>
+                        <m:sub>
+                          <m:r>
+                            <a:rPr kumimoji="1" lang="en-US" altLang="ja-JP" b="0" i="1" smtClean="0">
+                              <a:latin typeface="Cambria Math" panose="02040503050406030204" pitchFamily="18" charset="0"/>
+                            </a:rPr>
+                            <m:t>1,1</m:t>
+                          </m:r>
+                        </m:sub>
+                      </m:sSub>
+                    </m:oMath>
+                  </m:oMathPara>
+                </a14:m>
+                <a:endParaRPr kumimoji="1" lang="ja-JP" altLang="en-US" dirty="0"/>
+              </a:p>
+            </p:txBody>
+          </p:sp>
+        </mc:Choice>
+        <mc:Fallback>
+          <p:sp>
+            <p:nvSpPr>
+              <p:cNvPr id="23" name="テキスト ボックス 22">
+                <a:extLst>
+                  <a:ext uri="{FF2B5EF4-FFF2-40B4-BE49-F238E27FC236}">
+                    <a16:creationId xmlns:a16="http://schemas.microsoft.com/office/drawing/2014/main" id="{8CBB63FE-7C9B-4201-96FF-5A92ED6D92C3}"/>
+                  </a:ext>
+                </a:extLst>
+              </p:cNvPr>
+              <p:cNvSpPr txBox="1">
+                <a:spLocks noRot="1" noChangeAspect="1" noMove="1" noResize="1" noEditPoints="1" noAdjustHandles="1" noChangeArrowheads="1" noChangeShapeType="1" noTextEdit="1"/>
+              </p:cNvSpPr>
+              <p:nvPr/>
+            </p:nvSpPr>
+            <p:spPr>
+              <a:xfrm>
+                <a:off x="5241504" y="2208728"/>
+                <a:ext cx="606384" cy="381515"/>
+              </a:xfrm>
+              <a:prstGeom prst="rect">
+                <a:avLst/>
+              </a:prstGeom>
+              <a:blipFill>
+                <a:blip r:embed="rId17"/>
+                <a:stretch>
+                  <a:fillRect b="-4762"/>
+                </a:stretch>
+              </a:blipFill>
+            </p:spPr>
+            <p:txBody>
+              <a:bodyPr/>
+              <a:lstStyle/>
+              <a:p>
+                <a:r>
+                  <a:rPr lang="ja-JP" altLang="en-US">
+                    <a:noFill/>
+                  </a:rPr>
+                  <a:t> </a:t>
+                </a:r>
+              </a:p>
+            </p:txBody>
+          </p:sp>
+        </mc:Fallback>
+      </mc:AlternateContent>
+      <mc:AlternateContent xmlns:mc="http://schemas.openxmlformats.org/markup-compatibility/2006">
+        <mc:Choice xmlns:a14="http://schemas.microsoft.com/office/drawing/2010/main" Requires="a14">
+          <p:sp>
+            <p:nvSpPr>
+              <p:cNvPr id="24" name="テキスト ボックス 23">
+                <a:extLst>
+                  <a:ext uri="{FF2B5EF4-FFF2-40B4-BE49-F238E27FC236}">
+                    <a16:creationId xmlns:a16="http://schemas.microsoft.com/office/drawing/2014/main" id="{0CF004AB-0E3D-4049-BE9A-4B2C0C1EB72A}"/>
+                  </a:ext>
+                </a:extLst>
+              </p:cNvPr>
+              <p:cNvSpPr txBox="1"/>
+              <p:nvPr/>
+            </p:nvSpPr>
+            <p:spPr>
+              <a:xfrm>
+                <a:off x="4322154" y="2208728"/>
+                <a:ext cx="611706" cy="381515"/>
+              </a:xfrm>
+              <a:prstGeom prst="rect">
+                <a:avLst/>
+              </a:prstGeom>
+              <a:noFill/>
+            </p:spPr>
+            <p:txBody>
+              <a:bodyPr wrap="none" rtlCol="0">
+                <a:spAutoFit/>
+              </a:bodyPr>
+              <a:lstStyle/>
+              <a:p>
+                <a14:m>
+                  <m:oMathPara xmlns:m="http://schemas.openxmlformats.org/officeDocument/2006/math">
+                    <m:oMathParaPr>
+                      <m:jc m:val="centerGroup"/>
+                    </m:oMathParaPr>
+                    <m:oMath xmlns:m="http://schemas.openxmlformats.org/officeDocument/2006/math">
+                      <m:sSub>
+                        <m:sSubPr>
+                          <m:ctrlPr>
+                            <a:rPr kumimoji="1" lang="en-US" altLang="ja-JP" b="0" i="1" smtClean="0">
+                              <a:latin typeface="Cambria Math" panose="02040503050406030204" pitchFamily="18" charset="0"/>
+                            </a:rPr>
+                          </m:ctrlPr>
+                        </m:sSubPr>
+                        <m:e>
+                          <m:r>
+                            <a:rPr kumimoji="1" lang="en-US" altLang="ja-JP" b="0" i="1" smtClean="0">
+                              <a:latin typeface="Cambria Math" panose="02040503050406030204" pitchFamily="18" charset="0"/>
+                            </a:rPr>
+                            <m:t>𝑝</m:t>
+                          </m:r>
+                        </m:e>
+                        <m:sub>
+                          <m:r>
+                            <a:rPr kumimoji="1" lang="en-US" altLang="ja-JP" b="0" i="1" smtClean="0">
+                              <a:latin typeface="Cambria Math" panose="02040503050406030204" pitchFamily="18" charset="0"/>
+                            </a:rPr>
+                            <m:t>3,1</m:t>
+                          </m:r>
+                        </m:sub>
+                      </m:sSub>
+                    </m:oMath>
+                  </m:oMathPara>
+                </a14:m>
+                <a:endParaRPr kumimoji="1" lang="ja-JP" altLang="en-US" dirty="0"/>
+              </a:p>
+            </p:txBody>
+          </p:sp>
+        </mc:Choice>
+        <mc:Fallback>
+          <p:sp>
+            <p:nvSpPr>
+              <p:cNvPr id="24" name="テキスト ボックス 23">
+                <a:extLst>
+                  <a:ext uri="{FF2B5EF4-FFF2-40B4-BE49-F238E27FC236}">
+                    <a16:creationId xmlns:a16="http://schemas.microsoft.com/office/drawing/2014/main" id="{0CF004AB-0E3D-4049-BE9A-4B2C0C1EB72A}"/>
+                  </a:ext>
+                </a:extLst>
+              </p:cNvPr>
+              <p:cNvSpPr txBox="1">
+                <a:spLocks noRot="1" noChangeAspect="1" noMove="1" noResize="1" noEditPoints="1" noAdjustHandles="1" noChangeArrowheads="1" noChangeShapeType="1" noTextEdit="1"/>
+              </p:cNvSpPr>
+              <p:nvPr/>
+            </p:nvSpPr>
+            <p:spPr>
+              <a:xfrm>
+                <a:off x="4322154" y="2208728"/>
+                <a:ext cx="611706" cy="381515"/>
+              </a:xfrm>
+              <a:prstGeom prst="rect">
+                <a:avLst/>
+              </a:prstGeom>
+              <a:blipFill>
+                <a:blip r:embed="rId18"/>
+                <a:stretch>
+                  <a:fillRect b="-4762"/>
+                </a:stretch>
+              </a:blipFill>
+            </p:spPr>
+            <p:txBody>
+              <a:bodyPr/>
+              <a:lstStyle/>
+              <a:p>
+                <a:r>
+                  <a:rPr lang="ja-JP" altLang="en-US">
+                    <a:noFill/>
+                  </a:rPr>
+                  <a:t> </a:t>
+                </a:r>
+              </a:p>
+            </p:txBody>
+          </p:sp>
+        </mc:Fallback>
+      </mc:AlternateContent>
+      <mc:AlternateContent xmlns:mc="http://schemas.openxmlformats.org/markup-compatibility/2006">
+        <mc:Choice xmlns:a14="http://schemas.microsoft.com/office/drawing/2010/main" Requires="a14">
+          <p:sp>
+            <p:nvSpPr>
+              <p:cNvPr id="25" name="テキスト ボックス 24">
+                <a:extLst>
+                  <a:ext uri="{FF2B5EF4-FFF2-40B4-BE49-F238E27FC236}">
+                    <a16:creationId xmlns:a16="http://schemas.microsoft.com/office/drawing/2014/main" id="{9AD9C353-C3F5-42BA-BD2C-73A1B71C3A41}"/>
+                  </a:ext>
+                </a:extLst>
+              </p:cNvPr>
+              <p:cNvSpPr txBox="1"/>
+              <p:nvPr/>
+            </p:nvSpPr>
+            <p:spPr>
+              <a:xfrm>
+                <a:off x="5236182" y="2517772"/>
+                <a:ext cx="611706" cy="381515"/>
+              </a:xfrm>
+              <a:prstGeom prst="rect">
+                <a:avLst/>
+              </a:prstGeom>
+              <a:noFill/>
+            </p:spPr>
+            <p:txBody>
+              <a:bodyPr wrap="none" rtlCol="0">
+                <a:spAutoFit/>
+              </a:bodyPr>
+              <a:lstStyle/>
+              <a:p>
+                <a14:m>
+                  <m:oMathPara xmlns:m="http://schemas.openxmlformats.org/officeDocument/2006/math">
+                    <m:oMathParaPr>
+                      <m:jc m:val="centerGroup"/>
+                    </m:oMathParaPr>
+                    <m:oMath xmlns:m="http://schemas.openxmlformats.org/officeDocument/2006/math">
+                      <m:sSub>
+                        <m:sSubPr>
+                          <m:ctrlPr>
+                            <a:rPr kumimoji="1" lang="en-US" altLang="ja-JP" b="0" i="1" smtClean="0">
+                              <a:latin typeface="Cambria Math" panose="02040503050406030204" pitchFamily="18" charset="0"/>
+                            </a:rPr>
+                          </m:ctrlPr>
+                        </m:sSubPr>
+                        <m:e>
+                          <m:r>
+                            <a:rPr kumimoji="1" lang="en-US" altLang="ja-JP" b="0" i="1" smtClean="0">
+                              <a:latin typeface="Cambria Math" panose="02040503050406030204" pitchFamily="18" charset="0"/>
+                            </a:rPr>
+                            <m:t>𝑝</m:t>
+                          </m:r>
+                        </m:e>
+                        <m:sub>
+                          <m:r>
+                            <a:rPr kumimoji="1" lang="en-US" altLang="ja-JP" b="0" i="1" smtClean="0">
+                              <a:latin typeface="Cambria Math" panose="02040503050406030204" pitchFamily="18" charset="0"/>
+                            </a:rPr>
+                            <m:t>0,2</m:t>
+                          </m:r>
+                        </m:sub>
+                      </m:sSub>
+                    </m:oMath>
+                  </m:oMathPara>
+                </a14:m>
+                <a:endParaRPr kumimoji="1" lang="ja-JP" altLang="en-US" dirty="0"/>
+              </a:p>
+            </p:txBody>
+          </p:sp>
+        </mc:Choice>
+        <mc:Fallback>
+          <p:sp>
+            <p:nvSpPr>
+              <p:cNvPr id="25" name="テキスト ボックス 24">
+                <a:extLst>
+                  <a:ext uri="{FF2B5EF4-FFF2-40B4-BE49-F238E27FC236}">
+                    <a16:creationId xmlns:a16="http://schemas.microsoft.com/office/drawing/2014/main" id="{9AD9C353-C3F5-42BA-BD2C-73A1B71C3A41}"/>
+                  </a:ext>
+                </a:extLst>
+              </p:cNvPr>
+              <p:cNvSpPr txBox="1">
+                <a:spLocks noRot="1" noChangeAspect="1" noMove="1" noResize="1" noEditPoints="1" noAdjustHandles="1" noChangeArrowheads="1" noChangeShapeType="1" noTextEdit="1"/>
+              </p:cNvSpPr>
+              <p:nvPr/>
+            </p:nvSpPr>
+            <p:spPr>
+              <a:xfrm>
+                <a:off x="5236182" y="2517772"/>
+                <a:ext cx="611706" cy="381515"/>
+              </a:xfrm>
+              <a:prstGeom prst="rect">
+                <a:avLst/>
+              </a:prstGeom>
+              <a:blipFill>
+                <a:blip r:embed="rId19"/>
+                <a:stretch>
+                  <a:fillRect b="-4762"/>
+                </a:stretch>
+              </a:blipFill>
+            </p:spPr>
+            <p:txBody>
+              <a:bodyPr/>
+              <a:lstStyle/>
+              <a:p>
+                <a:r>
+                  <a:rPr lang="ja-JP" altLang="en-US">
+                    <a:noFill/>
+                  </a:rPr>
+                  <a:t> </a:t>
+                </a:r>
+              </a:p>
+            </p:txBody>
+          </p:sp>
+        </mc:Fallback>
+      </mc:AlternateContent>
+      <mc:AlternateContent xmlns:mc="http://schemas.openxmlformats.org/markup-compatibility/2006">
+        <mc:Choice xmlns:a14="http://schemas.microsoft.com/office/drawing/2010/main" Requires="a14">
+          <p:sp>
+            <p:nvSpPr>
+              <p:cNvPr id="26" name="テキスト ボックス 25">
+                <a:extLst>
+                  <a:ext uri="{FF2B5EF4-FFF2-40B4-BE49-F238E27FC236}">
+                    <a16:creationId xmlns:a16="http://schemas.microsoft.com/office/drawing/2014/main" id="{B44BA36B-2B27-493F-B6CC-028B642B8035}"/>
+                  </a:ext>
+                </a:extLst>
+              </p:cNvPr>
+              <p:cNvSpPr txBox="1"/>
+              <p:nvPr/>
+            </p:nvSpPr>
+            <p:spPr>
+              <a:xfrm>
+                <a:off x="4322155" y="2517772"/>
+                <a:ext cx="611706" cy="381515"/>
+              </a:xfrm>
+              <a:prstGeom prst="rect">
+                <a:avLst/>
+              </a:prstGeom>
+              <a:noFill/>
+            </p:spPr>
+            <p:txBody>
+              <a:bodyPr wrap="none" rtlCol="0">
+                <a:spAutoFit/>
+              </a:bodyPr>
+              <a:lstStyle/>
+              <a:p>
+                <a14:m>
+                  <m:oMathPara xmlns:m="http://schemas.openxmlformats.org/officeDocument/2006/math">
+                    <m:oMathParaPr>
+                      <m:jc m:val="centerGroup"/>
+                    </m:oMathParaPr>
+                    <m:oMath xmlns:m="http://schemas.openxmlformats.org/officeDocument/2006/math">
+                      <m:sSub>
+                        <m:sSubPr>
+                          <m:ctrlPr>
+                            <a:rPr kumimoji="1" lang="en-US" altLang="ja-JP" b="0" i="1" smtClean="0">
+                              <a:latin typeface="Cambria Math" panose="02040503050406030204" pitchFamily="18" charset="0"/>
+                            </a:rPr>
+                          </m:ctrlPr>
+                        </m:sSubPr>
+                        <m:e>
+                          <m:r>
+                            <a:rPr kumimoji="1" lang="en-US" altLang="ja-JP" b="0" i="1" smtClean="0">
+                              <a:latin typeface="Cambria Math" panose="02040503050406030204" pitchFamily="18" charset="0"/>
+                            </a:rPr>
+                            <m:t>𝑝</m:t>
+                          </m:r>
+                        </m:e>
+                        <m:sub>
+                          <m:r>
+                            <a:rPr kumimoji="1" lang="en-US" altLang="ja-JP" b="0" i="1" smtClean="0">
+                              <a:latin typeface="Cambria Math" panose="02040503050406030204" pitchFamily="18" charset="0"/>
+                            </a:rPr>
+                            <m:t>2,2</m:t>
+                          </m:r>
+                        </m:sub>
+                      </m:sSub>
+                    </m:oMath>
+                  </m:oMathPara>
+                </a14:m>
+                <a:endParaRPr kumimoji="1" lang="ja-JP" altLang="en-US" dirty="0"/>
+              </a:p>
+            </p:txBody>
+          </p:sp>
+        </mc:Choice>
+        <mc:Fallback>
+          <p:sp>
+            <p:nvSpPr>
+              <p:cNvPr id="26" name="テキスト ボックス 25">
+                <a:extLst>
+                  <a:ext uri="{FF2B5EF4-FFF2-40B4-BE49-F238E27FC236}">
+                    <a16:creationId xmlns:a16="http://schemas.microsoft.com/office/drawing/2014/main" id="{B44BA36B-2B27-493F-B6CC-028B642B8035}"/>
+                  </a:ext>
+                </a:extLst>
+              </p:cNvPr>
+              <p:cNvSpPr txBox="1">
+                <a:spLocks noRot="1" noChangeAspect="1" noMove="1" noResize="1" noEditPoints="1" noAdjustHandles="1" noChangeArrowheads="1" noChangeShapeType="1" noTextEdit="1"/>
+              </p:cNvSpPr>
+              <p:nvPr/>
+            </p:nvSpPr>
+            <p:spPr>
+              <a:xfrm>
+                <a:off x="4322155" y="2517772"/>
+                <a:ext cx="611706" cy="381515"/>
+              </a:xfrm>
+              <a:prstGeom prst="rect">
+                <a:avLst/>
+              </a:prstGeom>
+              <a:blipFill>
+                <a:blip r:embed="rId20"/>
+                <a:stretch>
+                  <a:fillRect b="-4762"/>
+                </a:stretch>
+              </a:blipFill>
+            </p:spPr>
+            <p:txBody>
+              <a:bodyPr/>
+              <a:lstStyle/>
+              <a:p>
+                <a:r>
+                  <a:rPr lang="ja-JP" altLang="en-US">
+                    <a:noFill/>
+                  </a:rPr>
+                  <a:t> </a:t>
+                </a:r>
+              </a:p>
+            </p:txBody>
+          </p:sp>
+        </mc:Fallback>
+      </mc:AlternateContent>
+      <mc:AlternateContent xmlns:mc="http://schemas.openxmlformats.org/markup-compatibility/2006">
+        <mc:Choice xmlns:a14="http://schemas.microsoft.com/office/drawing/2010/main" Requires="a14">
+          <p:sp>
+            <p:nvSpPr>
+              <p:cNvPr id="27" name="テキスト ボックス 26">
+                <a:extLst>
+                  <a:ext uri="{FF2B5EF4-FFF2-40B4-BE49-F238E27FC236}">
+                    <a16:creationId xmlns:a16="http://schemas.microsoft.com/office/drawing/2014/main" id="{20A3281F-252A-4075-89AF-D70E0FE8F819}"/>
+                  </a:ext>
+                </a:extLst>
+              </p:cNvPr>
+              <p:cNvSpPr txBox="1"/>
+              <p:nvPr/>
+            </p:nvSpPr>
+            <p:spPr>
+              <a:xfrm>
+                <a:off x="4781830" y="2524382"/>
+                <a:ext cx="606384" cy="381515"/>
+              </a:xfrm>
+              <a:prstGeom prst="rect">
+                <a:avLst/>
+              </a:prstGeom>
+              <a:noFill/>
+            </p:spPr>
+            <p:txBody>
+              <a:bodyPr wrap="none" rtlCol="0">
+                <a:spAutoFit/>
+              </a:bodyPr>
+              <a:lstStyle/>
+              <a:p>
+                <a14:m>
+                  <m:oMathPara xmlns:m="http://schemas.openxmlformats.org/officeDocument/2006/math">
+                    <m:oMathParaPr>
+                      <m:jc m:val="centerGroup"/>
+                    </m:oMathParaPr>
+                    <m:oMath xmlns:m="http://schemas.openxmlformats.org/officeDocument/2006/math">
+                      <m:sSub>
+                        <m:sSubPr>
+                          <m:ctrlPr>
+                            <a:rPr kumimoji="1" lang="en-US" altLang="ja-JP" b="0" i="1" smtClean="0">
+                              <a:latin typeface="Cambria Math" panose="02040503050406030204" pitchFamily="18" charset="0"/>
+                            </a:rPr>
+                          </m:ctrlPr>
+                        </m:sSubPr>
+                        <m:e>
+                          <m:r>
+                            <a:rPr kumimoji="1" lang="en-US" altLang="ja-JP" b="0" i="1" smtClean="0">
+                              <a:latin typeface="Cambria Math" panose="02040503050406030204" pitchFamily="18" charset="0"/>
+                            </a:rPr>
+                            <m:t>𝑝</m:t>
+                          </m:r>
+                        </m:e>
+                        <m:sub>
+                          <m:r>
+                            <a:rPr kumimoji="1" lang="en-US" altLang="ja-JP" b="0" i="1" smtClean="0">
+                              <a:latin typeface="Cambria Math" panose="02040503050406030204" pitchFamily="18" charset="0"/>
+                            </a:rPr>
+                            <m:t>1,2</m:t>
+                          </m:r>
+                        </m:sub>
+                      </m:sSub>
+                    </m:oMath>
+                  </m:oMathPara>
+                </a14:m>
+                <a:endParaRPr kumimoji="1" lang="ja-JP" altLang="en-US" dirty="0"/>
+              </a:p>
+            </p:txBody>
+          </p:sp>
+        </mc:Choice>
+        <mc:Fallback>
+          <p:sp>
+            <p:nvSpPr>
+              <p:cNvPr id="27" name="テキスト ボックス 26">
+                <a:extLst>
+                  <a:ext uri="{FF2B5EF4-FFF2-40B4-BE49-F238E27FC236}">
+                    <a16:creationId xmlns:a16="http://schemas.microsoft.com/office/drawing/2014/main" id="{20A3281F-252A-4075-89AF-D70E0FE8F819}"/>
+                  </a:ext>
+                </a:extLst>
+              </p:cNvPr>
+              <p:cNvSpPr txBox="1">
+                <a:spLocks noRot="1" noChangeAspect="1" noMove="1" noResize="1" noEditPoints="1" noAdjustHandles="1" noChangeArrowheads="1" noChangeShapeType="1" noTextEdit="1"/>
+              </p:cNvSpPr>
+              <p:nvPr/>
+            </p:nvSpPr>
+            <p:spPr>
+              <a:xfrm>
+                <a:off x="4781830" y="2524382"/>
+                <a:ext cx="606384" cy="381515"/>
+              </a:xfrm>
+              <a:prstGeom prst="rect">
+                <a:avLst/>
+              </a:prstGeom>
+              <a:blipFill>
+                <a:blip r:embed="rId21"/>
+                <a:stretch>
+                  <a:fillRect b="-4762"/>
+                </a:stretch>
+              </a:blipFill>
+            </p:spPr>
+            <p:txBody>
+              <a:bodyPr/>
+              <a:lstStyle/>
+              <a:p>
+                <a:r>
+                  <a:rPr lang="ja-JP" altLang="en-US">
+                    <a:noFill/>
+                  </a:rPr>
+                  <a:t> </a:t>
+                </a:r>
+              </a:p>
+            </p:txBody>
+          </p:sp>
+        </mc:Fallback>
+      </mc:AlternateContent>
+      <mc:AlternateContent xmlns:mc="http://schemas.openxmlformats.org/markup-compatibility/2006">
+        <mc:Choice xmlns:a14="http://schemas.microsoft.com/office/drawing/2010/main" Requires="a14">
+          <p:sp>
+            <p:nvSpPr>
+              <p:cNvPr id="28" name="テキスト ボックス 27">
+                <a:extLst>
+                  <a:ext uri="{FF2B5EF4-FFF2-40B4-BE49-F238E27FC236}">
+                    <a16:creationId xmlns:a16="http://schemas.microsoft.com/office/drawing/2014/main" id="{67AD2B65-E41B-4CDC-B512-074D9C6D768C}"/>
+                  </a:ext>
+                </a:extLst>
+              </p:cNvPr>
+              <p:cNvSpPr txBox="1"/>
+              <p:nvPr/>
+            </p:nvSpPr>
+            <p:spPr>
+              <a:xfrm>
+                <a:off x="3862480" y="2524382"/>
+                <a:ext cx="611706" cy="381515"/>
+              </a:xfrm>
+              <a:prstGeom prst="rect">
+                <a:avLst/>
+              </a:prstGeom>
+              <a:noFill/>
+            </p:spPr>
+            <p:txBody>
+              <a:bodyPr wrap="none" rtlCol="0">
+                <a:spAutoFit/>
+              </a:bodyPr>
+              <a:lstStyle/>
+              <a:p>
+                <a14:m>
+                  <m:oMathPara xmlns:m="http://schemas.openxmlformats.org/officeDocument/2006/math">
+                    <m:oMathParaPr>
+                      <m:jc m:val="centerGroup"/>
+                    </m:oMathParaPr>
+                    <m:oMath xmlns:m="http://schemas.openxmlformats.org/officeDocument/2006/math">
+                      <m:sSub>
+                        <m:sSubPr>
+                          <m:ctrlPr>
+                            <a:rPr kumimoji="1" lang="en-US" altLang="ja-JP" b="0" i="1" smtClean="0">
+                              <a:latin typeface="Cambria Math" panose="02040503050406030204" pitchFamily="18" charset="0"/>
+                            </a:rPr>
+                          </m:ctrlPr>
+                        </m:sSubPr>
+                        <m:e>
+                          <m:r>
+                            <a:rPr kumimoji="1" lang="en-US" altLang="ja-JP" b="0" i="1" smtClean="0">
+                              <a:latin typeface="Cambria Math" panose="02040503050406030204" pitchFamily="18" charset="0"/>
+                            </a:rPr>
+                            <m:t>𝑝</m:t>
+                          </m:r>
+                        </m:e>
+                        <m:sub>
+                          <m:r>
+                            <a:rPr kumimoji="1" lang="en-US" altLang="ja-JP" b="0" i="1" smtClean="0">
+                              <a:latin typeface="Cambria Math" panose="02040503050406030204" pitchFamily="18" charset="0"/>
+                            </a:rPr>
+                            <m:t>3,2</m:t>
+                          </m:r>
+                        </m:sub>
+                      </m:sSub>
+                    </m:oMath>
+                  </m:oMathPara>
+                </a14:m>
+                <a:endParaRPr kumimoji="1" lang="ja-JP" altLang="en-US" dirty="0"/>
+              </a:p>
+            </p:txBody>
+          </p:sp>
+        </mc:Choice>
+        <mc:Fallback>
+          <p:sp>
+            <p:nvSpPr>
+              <p:cNvPr id="28" name="テキスト ボックス 27">
+                <a:extLst>
+                  <a:ext uri="{FF2B5EF4-FFF2-40B4-BE49-F238E27FC236}">
+                    <a16:creationId xmlns:a16="http://schemas.microsoft.com/office/drawing/2014/main" id="{67AD2B65-E41B-4CDC-B512-074D9C6D768C}"/>
+                  </a:ext>
+                </a:extLst>
+              </p:cNvPr>
+              <p:cNvSpPr txBox="1">
+                <a:spLocks noRot="1" noChangeAspect="1" noMove="1" noResize="1" noEditPoints="1" noAdjustHandles="1" noChangeArrowheads="1" noChangeShapeType="1" noTextEdit="1"/>
+              </p:cNvSpPr>
+              <p:nvPr/>
+            </p:nvSpPr>
+            <p:spPr>
+              <a:xfrm>
+                <a:off x="3862480" y="2524382"/>
+                <a:ext cx="611706" cy="381515"/>
+              </a:xfrm>
+              <a:prstGeom prst="rect">
+                <a:avLst/>
+              </a:prstGeom>
+              <a:blipFill>
+                <a:blip r:embed="rId22"/>
+                <a:stretch>
+                  <a:fillRect b="-4762"/>
+                </a:stretch>
+              </a:blipFill>
+            </p:spPr>
+            <p:txBody>
+              <a:bodyPr/>
+              <a:lstStyle/>
+              <a:p>
+                <a:r>
+                  <a:rPr lang="ja-JP" altLang="en-US">
+                    <a:noFill/>
+                  </a:rPr>
+                  <a:t> </a:t>
+                </a:r>
+              </a:p>
+            </p:txBody>
+          </p:sp>
+        </mc:Fallback>
+      </mc:AlternateContent>
+      <mc:AlternateContent xmlns:mc="http://schemas.openxmlformats.org/markup-compatibility/2006">
+        <mc:Choice xmlns:a14="http://schemas.microsoft.com/office/drawing/2010/main" Requires="a14">
+          <p:sp>
+            <p:nvSpPr>
+              <p:cNvPr id="29" name="テキスト ボックス 28">
+                <a:extLst>
+                  <a:ext uri="{FF2B5EF4-FFF2-40B4-BE49-F238E27FC236}">
+                    <a16:creationId xmlns:a16="http://schemas.microsoft.com/office/drawing/2014/main" id="{BE0FA756-D05C-402D-8415-FAB8829F65E0}"/>
+                  </a:ext>
+                </a:extLst>
+              </p:cNvPr>
+              <p:cNvSpPr txBox="1"/>
+              <p:nvPr/>
+            </p:nvSpPr>
+            <p:spPr>
+              <a:xfrm>
+                <a:off x="4776508" y="2833426"/>
+                <a:ext cx="611706" cy="381515"/>
+              </a:xfrm>
+              <a:prstGeom prst="rect">
+                <a:avLst/>
+              </a:prstGeom>
+              <a:noFill/>
+            </p:spPr>
+            <p:txBody>
+              <a:bodyPr wrap="none" rtlCol="0">
+                <a:spAutoFit/>
+              </a:bodyPr>
+              <a:lstStyle/>
+              <a:p>
+                <a14:m>
+                  <m:oMathPara xmlns:m="http://schemas.openxmlformats.org/officeDocument/2006/math">
+                    <m:oMathParaPr>
+                      <m:jc m:val="centerGroup"/>
+                    </m:oMathParaPr>
+                    <m:oMath xmlns:m="http://schemas.openxmlformats.org/officeDocument/2006/math">
+                      <m:sSub>
+                        <m:sSubPr>
+                          <m:ctrlPr>
+                            <a:rPr kumimoji="1" lang="en-US" altLang="ja-JP" b="0" i="1" smtClean="0">
+                              <a:latin typeface="Cambria Math" panose="02040503050406030204" pitchFamily="18" charset="0"/>
+                            </a:rPr>
+                          </m:ctrlPr>
+                        </m:sSubPr>
+                        <m:e>
+                          <m:r>
+                            <a:rPr kumimoji="1" lang="en-US" altLang="ja-JP" b="0" i="1" smtClean="0">
+                              <a:latin typeface="Cambria Math" panose="02040503050406030204" pitchFamily="18" charset="0"/>
+                            </a:rPr>
+                            <m:t>𝑝</m:t>
+                          </m:r>
+                        </m:e>
+                        <m:sub>
+                          <m:r>
+                            <a:rPr kumimoji="1" lang="en-US" altLang="ja-JP" b="0" i="1" smtClean="0">
+                              <a:latin typeface="Cambria Math" panose="02040503050406030204" pitchFamily="18" charset="0"/>
+                            </a:rPr>
+                            <m:t>0,3</m:t>
+                          </m:r>
+                        </m:sub>
+                      </m:sSub>
+                    </m:oMath>
+                  </m:oMathPara>
+                </a14:m>
+                <a:endParaRPr kumimoji="1" lang="ja-JP" altLang="en-US" dirty="0"/>
+              </a:p>
+            </p:txBody>
+          </p:sp>
+        </mc:Choice>
+        <mc:Fallback>
+          <p:sp>
+            <p:nvSpPr>
+              <p:cNvPr id="29" name="テキスト ボックス 28">
+                <a:extLst>
+                  <a:ext uri="{FF2B5EF4-FFF2-40B4-BE49-F238E27FC236}">
+                    <a16:creationId xmlns:a16="http://schemas.microsoft.com/office/drawing/2014/main" id="{BE0FA756-D05C-402D-8415-FAB8829F65E0}"/>
+                  </a:ext>
+                </a:extLst>
+              </p:cNvPr>
+              <p:cNvSpPr txBox="1">
+                <a:spLocks noRot="1" noChangeAspect="1" noMove="1" noResize="1" noEditPoints="1" noAdjustHandles="1" noChangeArrowheads="1" noChangeShapeType="1" noTextEdit="1"/>
+              </p:cNvSpPr>
+              <p:nvPr/>
+            </p:nvSpPr>
+            <p:spPr>
+              <a:xfrm>
+                <a:off x="4776508" y="2833426"/>
+                <a:ext cx="611706" cy="381515"/>
+              </a:xfrm>
+              <a:prstGeom prst="rect">
+                <a:avLst/>
+              </a:prstGeom>
+              <a:blipFill>
+                <a:blip r:embed="rId23"/>
+                <a:stretch>
+                  <a:fillRect b="-4839"/>
+                </a:stretch>
+              </a:blipFill>
+            </p:spPr>
+            <p:txBody>
+              <a:bodyPr/>
+              <a:lstStyle/>
+              <a:p>
+                <a:r>
+                  <a:rPr lang="ja-JP" altLang="en-US">
+                    <a:noFill/>
+                  </a:rPr>
+                  <a:t> </a:t>
+                </a:r>
+              </a:p>
+            </p:txBody>
+          </p:sp>
+        </mc:Fallback>
+      </mc:AlternateContent>
+      <mc:AlternateContent xmlns:mc="http://schemas.openxmlformats.org/markup-compatibility/2006">
+        <mc:Choice xmlns:a14="http://schemas.microsoft.com/office/drawing/2010/main" Requires="a14">
+          <p:sp>
+            <p:nvSpPr>
+              <p:cNvPr id="30" name="テキスト ボックス 29">
+                <a:extLst>
+                  <a:ext uri="{FF2B5EF4-FFF2-40B4-BE49-F238E27FC236}">
+                    <a16:creationId xmlns:a16="http://schemas.microsoft.com/office/drawing/2014/main" id="{E3CE8C6C-E971-4C43-AB8D-B3161BF1820D}"/>
+                  </a:ext>
+                </a:extLst>
+              </p:cNvPr>
+              <p:cNvSpPr txBox="1"/>
+              <p:nvPr/>
+            </p:nvSpPr>
+            <p:spPr>
+              <a:xfrm>
+                <a:off x="3862481" y="2833426"/>
+                <a:ext cx="611706" cy="381515"/>
+              </a:xfrm>
+              <a:prstGeom prst="rect">
+                <a:avLst/>
+              </a:prstGeom>
+              <a:noFill/>
+            </p:spPr>
+            <p:txBody>
+              <a:bodyPr wrap="none" rtlCol="0">
+                <a:spAutoFit/>
+              </a:bodyPr>
+              <a:lstStyle/>
+              <a:p>
+                <a14:m>
+                  <m:oMathPara xmlns:m="http://schemas.openxmlformats.org/officeDocument/2006/math">
+                    <m:oMathParaPr>
+                      <m:jc m:val="centerGroup"/>
+                    </m:oMathParaPr>
+                    <m:oMath xmlns:m="http://schemas.openxmlformats.org/officeDocument/2006/math">
+                      <m:sSub>
+                        <m:sSubPr>
+                          <m:ctrlPr>
+                            <a:rPr kumimoji="1" lang="en-US" altLang="ja-JP" b="0" i="1" smtClean="0">
+                              <a:latin typeface="Cambria Math" panose="02040503050406030204" pitchFamily="18" charset="0"/>
+                            </a:rPr>
+                          </m:ctrlPr>
+                        </m:sSubPr>
+                        <m:e>
+                          <m:r>
+                            <a:rPr kumimoji="1" lang="en-US" altLang="ja-JP" b="0" i="1" smtClean="0">
+                              <a:latin typeface="Cambria Math" panose="02040503050406030204" pitchFamily="18" charset="0"/>
+                            </a:rPr>
+                            <m:t>𝑝</m:t>
+                          </m:r>
+                        </m:e>
+                        <m:sub>
+                          <m:r>
+                            <a:rPr kumimoji="1" lang="en-US" altLang="ja-JP" b="0" i="1" smtClean="0">
+                              <a:latin typeface="Cambria Math" panose="02040503050406030204" pitchFamily="18" charset="0"/>
+                            </a:rPr>
+                            <m:t>2,3</m:t>
+                          </m:r>
+                        </m:sub>
+                      </m:sSub>
+                    </m:oMath>
+                  </m:oMathPara>
+                </a14:m>
+                <a:endParaRPr kumimoji="1" lang="ja-JP" altLang="en-US" dirty="0"/>
+              </a:p>
+            </p:txBody>
+          </p:sp>
+        </mc:Choice>
+        <mc:Fallback>
+          <p:sp>
+            <p:nvSpPr>
+              <p:cNvPr id="30" name="テキスト ボックス 29">
+                <a:extLst>
+                  <a:ext uri="{FF2B5EF4-FFF2-40B4-BE49-F238E27FC236}">
+                    <a16:creationId xmlns:a16="http://schemas.microsoft.com/office/drawing/2014/main" id="{E3CE8C6C-E971-4C43-AB8D-B3161BF1820D}"/>
+                  </a:ext>
+                </a:extLst>
+              </p:cNvPr>
+              <p:cNvSpPr txBox="1">
+                <a:spLocks noRot="1" noChangeAspect="1" noMove="1" noResize="1" noEditPoints="1" noAdjustHandles="1" noChangeArrowheads="1" noChangeShapeType="1" noTextEdit="1"/>
+              </p:cNvSpPr>
+              <p:nvPr/>
+            </p:nvSpPr>
+            <p:spPr>
+              <a:xfrm>
+                <a:off x="3862481" y="2833426"/>
+                <a:ext cx="611706" cy="381515"/>
+              </a:xfrm>
+              <a:prstGeom prst="rect">
+                <a:avLst/>
+              </a:prstGeom>
+              <a:blipFill>
+                <a:blip r:embed="rId24"/>
+                <a:stretch>
+                  <a:fillRect b="-4839"/>
+                </a:stretch>
+              </a:blipFill>
+            </p:spPr>
+            <p:txBody>
+              <a:bodyPr/>
+              <a:lstStyle/>
+              <a:p>
+                <a:r>
+                  <a:rPr lang="ja-JP" altLang="en-US">
+                    <a:noFill/>
+                  </a:rPr>
+                  <a:t> </a:t>
+                </a:r>
+              </a:p>
+            </p:txBody>
+          </p:sp>
+        </mc:Fallback>
+      </mc:AlternateContent>
+      <mc:AlternateContent xmlns:mc="http://schemas.openxmlformats.org/markup-compatibility/2006">
+        <mc:Choice xmlns:a14="http://schemas.microsoft.com/office/drawing/2010/main" Requires="a14">
+          <p:sp>
+            <p:nvSpPr>
+              <p:cNvPr id="31" name="テキスト ボックス 30">
+                <a:extLst>
+                  <a:ext uri="{FF2B5EF4-FFF2-40B4-BE49-F238E27FC236}">
+                    <a16:creationId xmlns:a16="http://schemas.microsoft.com/office/drawing/2014/main" id="{204A6446-73F9-49CF-8726-A31AFE727CB4}"/>
+                  </a:ext>
+                </a:extLst>
+              </p:cNvPr>
+              <p:cNvSpPr txBox="1"/>
+              <p:nvPr/>
+            </p:nvSpPr>
+            <p:spPr>
+              <a:xfrm>
+                <a:off x="4322156" y="2840036"/>
+                <a:ext cx="606384" cy="381515"/>
+              </a:xfrm>
+              <a:prstGeom prst="rect">
+                <a:avLst/>
+              </a:prstGeom>
+              <a:noFill/>
+            </p:spPr>
+            <p:txBody>
+              <a:bodyPr wrap="none" rtlCol="0">
+                <a:spAutoFit/>
+              </a:bodyPr>
+              <a:lstStyle/>
+              <a:p>
+                <a14:m>
+                  <m:oMathPara xmlns:m="http://schemas.openxmlformats.org/officeDocument/2006/math">
+                    <m:oMathParaPr>
+                      <m:jc m:val="centerGroup"/>
+                    </m:oMathParaPr>
+                    <m:oMath xmlns:m="http://schemas.openxmlformats.org/officeDocument/2006/math">
+                      <m:sSub>
+                        <m:sSubPr>
+                          <m:ctrlPr>
+                            <a:rPr kumimoji="1" lang="en-US" altLang="ja-JP" b="0" i="1" smtClean="0">
+                              <a:latin typeface="Cambria Math" panose="02040503050406030204" pitchFamily="18" charset="0"/>
+                            </a:rPr>
+                          </m:ctrlPr>
+                        </m:sSubPr>
+                        <m:e>
+                          <m:r>
+                            <a:rPr kumimoji="1" lang="en-US" altLang="ja-JP" b="0" i="1" smtClean="0">
+                              <a:latin typeface="Cambria Math" panose="02040503050406030204" pitchFamily="18" charset="0"/>
+                            </a:rPr>
+                            <m:t>𝑝</m:t>
+                          </m:r>
+                        </m:e>
+                        <m:sub>
+                          <m:r>
+                            <a:rPr kumimoji="1" lang="en-US" altLang="ja-JP" b="0" i="1" smtClean="0">
+                              <a:latin typeface="Cambria Math" panose="02040503050406030204" pitchFamily="18" charset="0"/>
+                            </a:rPr>
+                            <m:t>1,3</m:t>
+                          </m:r>
+                        </m:sub>
+                      </m:sSub>
+                    </m:oMath>
+                  </m:oMathPara>
+                </a14:m>
+                <a:endParaRPr kumimoji="1" lang="ja-JP" altLang="en-US" dirty="0"/>
+              </a:p>
+            </p:txBody>
+          </p:sp>
+        </mc:Choice>
+        <mc:Fallback>
+          <p:sp>
+            <p:nvSpPr>
+              <p:cNvPr id="31" name="テキスト ボックス 30">
+                <a:extLst>
+                  <a:ext uri="{FF2B5EF4-FFF2-40B4-BE49-F238E27FC236}">
+                    <a16:creationId xmlns:a16="http://schemas.microsoft.com/office/drawing/2014/main" id="{204A6446-73F9-49CF-8726-A31AFE727CB4}"/>
+                  </a:ext>
+                </a:extLst>
+              </p:cNvPr>
+              <p:cNvSpPr txBox="1">
+                <a:spLocks noRot="1" noChangeAspect="1" noMove="1" noResize="1" noEditPoints="1" noAdjustHandles="1" noChangeArrowheads="1" noChangeShapeType="1" noTextEdit="1"/>
+              </p:cNvSpPr>
+              <p:nvPr/>
+            </p:nvSpPr>
+            <p:spPr>
+              <a:xfrm>
+                <a:off x="4322156" y="2840036"/>
+                <a:ext cx="606384" cy="381515"/>
+              </a:xfrm>
+              <a:prstGeom prst="rect">
+                <a:avLst/>
+              </a:prstGeom>
+              <a:blipFill>
+                <a:blip r:embed="rId25"/>
+                <a:stretch>
+                  <a:fillRect b="-4839"/>
+                </a:stretch>
+              </a:blipFill>
+            </p:spPr>
+            <p:txBody>
+              <a:bodyPr/>
+              <a:lstStyle/>
+              <a:p>
+                <a:r>
+                  <a:rPr lang="ja-JP" altLang="en-US">
+                    <a:noFill/>
+                  </a:rPr>
+                  <a:t> </a:t>
+                </a:r>
+              </a:p>
+            </p:txBody>
+          </p:sp>
+        </mc:Fallback>
+      </mc:AlternateContent>
+      <mc:AlternateContent xmlns:mc="http://schemas.openxmlformats.org/markup-compatibility/2006">
+        <mc:Choice xmlns:a14="http://schemas.microsoft.com/office/drawing/2010/main" Requires="a14">
+          <p:sp>
+            <p:nvSpPr>
+              <p:cNvPr id="32" name="テキスト ボックス 31">
+                <a:extLst>
+                  <a:ext uri="{FF2B5EF4-FFF2-40B4-BE49-F238E27FC236}">
+                    <a16:creationId xmlns:a16="http://schemas.microsoft.com/office/drawing/2014/main" id="{272DF11A-0502-4AE1-92E6-A2DB138A6A14}"/>
+                  </a:ext>
+                </a:extLst>
+              </p:cNvPr>
+              <p:cNvSpPr txBox="1"/>
+              <p:nvPr/>
+            </p:nvSpPr>
+            <p:spPr>
+              <a:xfrm>
+                <a:off x="3402806" y="2840036"/>
+                <a:ext cx="611706" cy="381515"/>
+              </a:xfrm>
+              <a:prstGeom prst="rect">
+                <a:avLst/>
+              </a:prstGeom>
+              <a:noFill/>
+            </p:spPr>
+            <p:txBody>
+              <a:bodyPr wrap="none" rtlCol="0">
+                <a:spAutoFit/>
+              </a:bodyPr>
+              <a:lstStyle/>
+              <a:p>
+                <a14:m>
+                  <m:oMathPara xmlns:m="http://schemas.openxmlformats.org/officeDocument/2006/math">
+                    <m:oMathParaPr>
+                      <m:jc m:val="centerGroup"/>
+                    </m:oMathParaPr>
+                    <m:oMath xmlns:m="http://schemas.openxmlformats.org/officeDocument/2006/math">
+                      <m:sSub>
+                        <m:sSubPr>
+                          <m:ctrlPr>
+                            <a:rPr kumimoji="1" lang="en-US" altLang="ja-JP" b="0" i="1" smtClean="0">
+                              <a:latin typeface="Cambria Math" panose="02040503050406030204" pitchFamily="18" charset="0"/>
+                            </a:rPr>
+                          </m:ctrlPr>
+                        </m:sSubPr>
+                        <m:e>
+                          <m:r>
+                            <a:rPr kumimoji="1" lang="en-US" altLang="ja-JP" b="0" i="1" smtClean="0">
+                              <a:latin typeface="Cambria Math" panose="02040503050406030204" pitchFamily="18" charset="0"/>
+                            </a:rPr>
+                            <m:t>𝑝</m:t>
+                          </m:r>
+                        </m:e>
+                        <m:sub>
+                          <m:r>
+                            <a:rPr kumimoji="1" lang="en-US" altLang="ja-JP" b="0" i="1" smtClean="0">
+                              <a:latin typeface="Cambria Math" panose="02040503050406030204" pitchFamily="18" charset="0"/>
+                            </a:rPr>
+                            <m:t>3,3</m:t>
+                          </m:r>
+                        </m:sub>
+                      </m:sSub>
+                    </m:oMath>
+                  </m:oMathPara>
+                </a14:m>
+                <a:endParaRPr kumimoji="1" lang="ja-JP" altLang="en-US" dirty="0"/>
+              </a:p>
+            </p:txBody>
+          </p:sp>
+        </mc:Choice>
+        <mc:Fallback>
+          <p:sp>
+            <p:nvSpPr>
+              <p:cNvPr id="32" name="テキスト ボックス 31">
+                <a:extLst>
+                  <a:ext uri="{FF2B5EF4-FFF2-40B4-BE49-F238E27FC236}">
+                    <a16:creationId xmlns:a16="http://schemas.microsoft.com/office/drawing/2014/main" id="{272DF11A-0502-4AE1-92E6-A2DB138A6A14}"/>
+                  </a:ext>
+                </a:extLst>
+              </p:cNvPr>
+              <p:cNvSpPr txBox="1">
+                <a:spLocks noRot="1" noChangeAspect="1" noMove="1" noResize="1" noEditPoints="1" noAdjustHandles="1" noChangeArrowheads="1" noChangeShapeType="1" noTextEdit="1"/>
+              </p:cNvSpPr>
+              <p:nvPr/>
+            </p:nvSpPr>
+            <p:spPr>
+              <a:xfrm>
+                <a:off x="3402806" y="2840036"/>
+                <a:ext cx="611706" cy="381515"/>
+              </a:xfrm>
+              <a:prstGeom prst="rect">
+                <a:avLst/>
+              </a:prstGeom>
+              <a:blipFill>
+                <a:blip r:embed="rId26"/>
+                <a:stretch>
+                  <a:fillRect b="-4839"/>
+                </a:stretch>
+              </a:blipFill>
+            </p:spPr>
+            <p:txBody>
+              <a:bodyPr/>
+              <a:lstStyle/>
+              <a:p>
+                <a:r>
+                  <a:rPr lang="ja-JP" altLang="en-US">
+                    <a:noFill/>
+                  </a:rPr>
+                  <a:t> </a:t>
+                </a:r>
+              </a:p>
+            </p:txBody>
+          </p:sp>
+        </mc:Fallback>
+      </mc:AlternateContent>
+      <p:cxnSp>
+        <p:nvCxnSpPr>
+          <p:cNvPr id="33" name="直線コネクタ 32">
+            <a:extLst>
+              <a:ext uri="{FF2B5EF4-FFF2-40B4-BE49-F238E27FC236}">
+                <a16:creationId xmlns:a16="http://schemas.microsoft.com/office/drawing/2014/main" id="{E02E9379-DB14-4853-A331-0B56928804FA}"/>
+              </a:ext>
+            </a:extLst>
+          </p:cNvPr>
+          <p:cNvCxnSpPr>
+            <a:cxnSpLocks/>
+          </p:cNvCxnSpPr>
+          <p:nvPr/>
+        </p:nvCxnSpPr>
+        <p:spPr>
+          <a:xfrm flipH="1">
+            <a:off x="2960945" y="3257639"/>
+            <a:ext cx="3774560" cy="0"/>
+          </a:xfrm>
+          <a:prstGeom prst="line">
+            <a:avLst/>
+          </a:prstGeom>
+          <a:ln>
+            <a:solidFill>
+              <a:schemeClr val="tx1"/>
+            </a:solidFill>
+          </a:ln>
+        </p:spPr>
+        <p:style>
+          <a:lnRef idx="1">
+            <a:schemeClr val="accent1"/>
+          </a:lnRef>
+          <a:fillRef idx="0">
+            <a:schemeClr val="accent1"/>
+          </a:fillRef>
+          <a:effectRef idx="0">
+            <a:schemeClr val="accent1"/>
+          </a:effectRef>
+          <a:fontRef idx="minor">
+            <a:schemeClr val="tx1"/>
+          </a:fontRef>
+        </p:style>
+      </p:cxnSp>
+      <mc:AlternateContent xmlns:mc="http://schemas.openxmlformats.org/markup-compatibility/2006">
+        <mc:Choice xmlns:a14="http://schemas.microsoft.com/office/drawing/2010/main" Requires="a14">
+          <p:sp>
+            <p:nvSpPr>
+              <p:cNvPr id="35" name="テキスト ボックス 34">
+                <a:extLst>
+                  <a:ext uri="{FF2B5EF4-FFF2-40B4-BE49-F238E27FC236}">
+                    <a16:creationId xmlns:a16="http://schemas.microsoft.com/office/drawing/2014/main" id="{75C76EFD-AFE0-4CEE-9AB4-A88ADF4D02E1}"/>
+                  </a:ext>
+                </a:extLst>
+              </p:cNvPr>
+              <p:cNvSpPr txBox="1"/>
+              <p:nvPr/>
+            </p:nvSpPr>
+            <p:spPr>
+              <a:xfrm>
+                <a:off x="4869131" y="3257639"/>
+                <a:ext cx="464293" cy="369332"/>
+              </a:xfrm>
+              <a:prstGeom prst="rect">
+                <a:avLst/>
+              </a:prstGeom>
+              <a:noFill/>
+            </p:spPr>
+            <p:txBody>
+              <a:bodyPr wrap="none" rtlCol="0">
+                <a:spAutoFit/>
+              </a:bodyPr>
+              <a:lstStyle/>
+              <a:p>
+                <a14:m>
+                  <m:oMathPara xmlns:m="http://schemas.openxmlformats.org/officeDocument/2006/math">
+                    <m:oMathParaPr>
+                      <m:jc m:val="centerGroup"/>
+                    </m:oMathParaPr>
+                    <m:oMath xmlns:m="http://schemas.openxmlformats.org/officeDocument/2006/math">
+                      <m:sSub>
+                        <m:sSubPr>
+                          <m:ctrlPr>
+                            <a:rPr kumimoji="1" lang="en-US" altLang="ja-JP" b="0" i="1" smtClean="0">
+                              <a:latin typeface="Cambria Math" panose="02040503050406030204" pitchFamily="18" charset="0"/>
+                            </a:rPr>
+                          </m:ctrlPr>
+                        </m:sSubPr>
+                        <m:e>
+                          <m:r>
+                            <a:rPr kumimoji="1" lang="en-US" altLang="ja-JP" b="0" i="1" smtClean="0">
+                              <a:latin typeface="Cambria Math" panose="02040503050406030204" pitchFamily="18" charset="0"/>
+                            </a:rPr>
+                            <m:t>𝑧</m:t>
+                          </m:r>
+                        </m:e>
+                        <m:sub>
+                          <m:r>
+                            <a:rPr kumimoji="1" lang="en-US" altLang="ja-JP" b="0" i="1" smtClean="0">
+                              <a:latin typeface="Cambria Math" panose="02040503050406030204" pitchFamily="18" charset="0"/>
+                            </a:rPr>
+                            <m:t>3</m:t>
+                          </m:r>
+                        </m:sub>
+                      </m:sSub>
+                    </m:oMath>
+                  </m:oMathPara>
+                </a14:m>
+                <a:endParaRPr kumimoji="1" lang="ja-JP" altLang="en-US" dirty="0"/>
+              </a:p>
+            </p:txBody>
+          </p:sp>
+        </mc:Choice>
+        <mc:Fallback>
+          <p:sp>
+            <p:nvSpPr>
+              <p:cNvPr id="35" name="テキスト ボックス 34">
+                <a:extLst>
+                  <a:ext uri="{FF2B5EF4-FFF2-40B4-BE49-F238E27FC236}">
+                    <a16:creationId xmlns:a16="http://schemas.microsoft.com/office/drawing/2014/main" id="{75C76EFD-AFE0-4CEE-9AB4-A88ADF4D02E1}"/>
+                  </a:ext>
+                </a:extLst>
+              </p:cNvPr>
+              <p:cNvSpPr txBox="1">
+                <a:spLocks noRot="1" noChangeAspect="1" noMove="1" noResize="1" noEditPoints="1" noAdjustHandles="1" noChangeArrowheads="1" noChangeShapeType="1" noTextEdit="1"/>
+              </p:cNvSpPr>
+              <p:nvPr/>
+            </p:nvSpPr>
+            <p:spPr>
+              <a:xfrm>
+                <a:off x="4869131" y="3257639"/>
+                <a:ext cx="464293" cy="369332"/>
+              </a:xfrm>
+              <a:prstGeom prst="rect">
+                <a:avLst/>
+              </a:prstGeom>
+              <a:blipFill>
+                <a:blip r:embed="rId27"/>
+                <a:stretch>
+                  <a:fillRect/>
+                </a:stretch>
+              </a:blipFill>
+            </p:spPr>
+            <p:txBody>
+              <a:bodyPr/>
+              <a:lstStyle/>
+              <a:p>
+                <a:r>
+                  <a:rPr lang="ja-JP" altLang="en-US">
+                    <a:noFill/>
+                  </a:rPr>
+                  <a:t> </a:t>
+                </a:r>
+              </a:p>
+            </p:txBody>
+          </p:sp>
+        </mc:Fallback>
+      </mc:AlternateContent>
+      <mc:AlternateContent xmlns:mc="http://schemas.openxmlformats.org/markup-compatibility/2006">
+        <mc:Choice xmlns:a14="http://schemas.microsoft.com/office/drawing/2010/main" Requires="a14">
+          <p:sp>
+            <p:nvSpPr>
+              <p:cNvPr id="36" name="テキスト ボックス 35">
+                <a:extLst>
+                  <a:ext uri="{FF2B5EF4-FFF2-40B4-BE49-F238E27FC236}">
+                    <a16:creationId xmlns:a16="http://schemas.microsoft.com/office/drawing/2014/main" id="{AA1102AC-D4BF-427F-B56A-0D18BBC3A77D}"/>
+                  </a:ext>
+                </a:extLst>
+              </p:cNvPr>
+              <p:cNvSpPr txBox="1"/>
+              <p:nvPr/>
+            </p:nvSpPr>
+            <p:spPr>
+              <a:xfrm>
+                <a:off x="5327032" y="3257639"/>
+                <a:ext cx="464293" cy="369332"/>
+              </a:xfrm>
+              <a:prstGeom prst="rect">
+                <a:avLst/>
+              </a:prstGeom>
+              <a:noFill/>
+            </p:spPr>
+            <p:txBody>
+              <a:bodyPr wrap="none" rtlCol="0">
+                <a:spAutoFit/>
+              </a:bodyPr>
+              <a:lstStyle/>
+              <a:p>
+                <a14:m>
+                  <m:oMathPara xmlns:m="http://schemas.openxmlformats.org/officeDocument/2006/math">
+                    <m:oMathParaPr>
+                      <m:jc m:val="centerGroup"/>
+                    </m:oMathParaPr>
+                    <m:oMath xmlns:m="http://schemas.openxmlformats.org/officeDocument/2006/math">
+                      <m:sSub>
+                        <m:sSubPr>
+                          <m:ctrlPr>
+                            <a:rPr kumimoji="1" lang="en-US" altLang="ja-JP" b="0" i="1" smtClean="0">
+                              <a:latin typeface="Cambria Math" panose="02040503050406030204" pitchFamily="18" charset="0"/>
+                            </a:rPr>
+                          </m:ctrlPr>
+                        </m:sSubPr>
+                        <m:e>
+                          <m:r>
+                            <a:rPr kumimoji="1" lang="en-US" altLang="ja-JP" b="0" i="1" smtClean="0">
+                              <a:latin typeface="Cambria Math" panose="02040503050406030204" pitchFamily="18" charset="0"/>
+                            </a:rPr>
+                            <m:t>𝑧</m:t>
+                          </m:r>
+                        </m:e>
+                        <m:sub>
+                          <m:r>
+                            <a:rPr kumimoji="1" lang="en-US" altLang="ja-JP" b="0" i="1" smtClean="0">
+                              <a:latin typeface="Cambria Math" panose="02040503050406030204" pitchFamily="18" charset="0"/>
+                            </a:rPr>
+                            <m:t>2</m:t>
+                          </m:r>
+                        </m:sub>
+                      </m:sSub>
+                    </m:oMath>
+                  </m:oMathPara>
+                </a14:m>
+                <a:endParaRPr kumimoji="1" lang="ja-JP" altLang="en-US" dirty="0"/>
+              </a:p>
+            </p:txBody>
+          </p:sp>
+        </mc:Choice>
+        <mc:Fallback>
+          <p:sp>
+            <p:nvSpPr>
+              <p:cNvPr id="36" name="テキスト ボックス 35">
+                <a:extLst>
+                  <a:ext uri="{FF2B5EF4-FFF2-40B4-BE49-F238E27FC236}">
+                    <a16:creationId xmlns:a16="http://schemas.microsoft.com/office/drawing/2014/main" id="{AA1102AC-D4BF-427F-B56A-0D18BBC3A77D}"/>
+                  </a:ext>
+                </a:extLst>
+              </p:cNvPr>
+              <p:cNvSpPr txBox="1">
+                <a:spLocks noRot="1" noChangeAspect="1" noMove="1" noResize="1" noEditPoints="1" noAdjustHandles="1" noChangeArrowheads="1" noChangeShapeType="1" noTextEdit="1"/>
+              </p:cNvSpPr>
+              <p:nvPr/>
+            </p:nvSpPr>
+            <p:spPr>
+              <a:xfrm>
+                <a:off x="5327032" y="3257639"/>
+                <a:ext cx="464293" cy="369332"/>
+              </a:xfrm>
+              <a:prstGeom prst="rect">
+                <a:avLst/>
+              </a:prstGeom>
+              <a:blipFill>
+                <a:blip r:embed="rId28"/>
+                <a:stretch>
+                  <a:fillRect/>
+                </a:stretch>
+              </a:blipFill>
+            </p:spPr>
+            <p:txBody>
+              <a:bodyPr/>
+              <a:lstStyle/>
+              <a:p>
+                <a:r>
+                  <a:rPr lang="ja-JP" altLang="en-US">
+                    <a:noFill/>
+                  </a:rPr>
+                  <a:t> </a:t>
+                </a:r>
+              </a:p>
+            </p:txBody>
+          </p:sp>
+        </mc:Fallback>
+      </mc:AlternateContent>
+      <mc:AlternateContent xmlns:mc="http://schemas.openxmlformats.org/markup-compatibility/2006">
+        <mc:Choice xmlns:a14="http://schemas.microsoft.com/office/drawing/2010/main" Requires="a14">
+          <p:sp>
+            <p:nvSpPr>
+              <p:cNvPr id="37" name="テキスト ボックス 36">
+                <a:extLst>
+                  <a:ext uri="{FF2B5EF4-FFF2-40B4-BE49-F238E27FC236}">
+                    <a16:creationId xmlns:a16="http://schemas.microsoft.com/office/drawing/2014/main" id="{A75321A8-4F1A-4D06-99BF-AF916A551F88}"/>
+                  </a:ext>
+                </a:extLst>
+              </p:cNvPr>
+              <p:cNvSpPr txBox="1"/>
+              <p:nvPr/>
+            </p:nvSpPr>
+            <p:spPr>
+              <a:xfrm>
+                <a:off x="5784933" y="3257639"/>
+                <a:ext cx="458972" cy="369332"/>
+              </a:xfrm>
+              <a:prstGeom prst="rect">
+                <a:avLst/>
+              </a:prstGeom>
+              <a:noFill/>
+            </p:spPr>
+            <p:txBody>
+              <a:bodyPr wrap="none" rtlCol="0">
+                <a:spAutoFit/>
+              </a:bodyPr>
+              <a:lstStyle/>
+              <a:p>
+                <a14:m>
+                  <m:oMathPara xmlns:m="http://schemas.openxmlformats.org/officeDocument/2006/math">
+                    <m:oMathParaPr>
+                      <m:jc m:val="centerGroup"/>
+                    </m:oMathParaPr>
+                    <m:oMath xmlns:m="http://schemas.openxmlformats.org/officeDocument/2006/math">
+                      <m:sSub>
+                        <m:sSubPr>
+                          <m:ctrlPr>
+                            <a:rPr kumimoji="1" lang="en-US" altLang="ja-JP" b="0" i="1" smtClean="0">
+                              <a:latin typeface="Cambria Math" panose="02040503050406030204" pitchFamily="18" charset="0"/>
+                            </a:rPr>
+                          </m:ctrlPr>
+                        </m:sSubPr>
+                        <m:e>
+                          <m:r>
+                            <a:rPr kumimoji="1" lang="en-US" altLang="ja-JP" b="0" i="1" smtClean="0">
+                              <a:latin typeface="Cambria Math" panose="02040503050406030204" pitchFamily="18" charset="0"/>
+                            </a:rPr>
+                            <m:t>𝑧</m:t>
+                          </m:r>
+                        </m:e>
+                        <m:sub>
+                          <m:r>
+                            <a:rPr kumimoji="1" lang="en-US" altLang="ja-JP" b="0" i="1" smtClean="0">
+                              <a:latin typeface="Cambria Math" panose="02040503050406030204" pitchFamily="18" charset="0"/>
+                            </a:rPr>
+                            <m:t>1</m:t>
+                          </m:r>
+                        </m:sub>
+                      </m:sSub>
+                    </m:oMath>
+                  </m:oMathPara>
+                </a14:m>
+                <a:endParaRPr kumimoji="1" lang="ja-JP" altLang="en-US" dirty="0"/>
+              </a:p>
+            </p:txBody>
+          </p:sp>
+        </mc:Choice>
+        <mc:Fallback>
+          <p:sp>
+            <p:nvSpPr>
+              <p:cNvPr id="37" name="テキスト ボックス 36">
+                <a:extLst>
+                  <a:ext uri="{FF2B5EF4-FFF2-40B4-BE49-F238E27FC236}">
+                    <a16:creationId xmlns:a16="http://schemas.microsoft.com/office/drawing/2014/main" id="{A75321A8-4F1A-4D06-99BF-AF916A551F88}"/>
+                  </a:ext>
+                </a:extLst>
+              </p:cNvPr>
+              <p:cNvSpPr txBox="1">
+                <a:spLocks noRot="1" noChangeAspect="1" noMove="1" noResize="1" noEditPoints="1" noAdjustHandles="1" noChangeArrowheads="1" noChangeShapeType="1" noTextEdit="1"/>
+              </p:cNvSpPr>
+              <p:nvPr/>
+            </p:nvSpPr>
+            <p:spPr>
+              <a:xfrm>
+                <a:off x="5784933" y="3257639"/>
+                <a:ext cx="458972" cy="369332"/>
+              </a:xfrm>
+              <a:prstGeom prst="rect">
+                <a:avLst/>
+              </a:prstGeom>
+              <a:blipFill>
+                <a:blip r:embed="rId29"/>
+                <a:stretch>
+                  <a:fillRect/>
+                </a:stretch>
+              </a:blipFill>
+            </p:spPr>
+            <p:txBody>
+              <a:bodyPr/>
+              <a:lstStyle/>
+              <a:p>
+                <a:r>
+                  <a:rPr lang="ja-JP" altLang="en-US">
+                    <a:noFill/>
+                  </a:rPr>
+                  <a:t> </a:t>
+                </a:r>
+              </a:p>
+            </p:txBody>
+          </p:sp>
+        </mc:Fallback>
+      </mc:AlternateContent>
+      <mc:AlternateContent xmlns:mc="http://schemas.openxmlformats.org/markup-compatibility/2006">
+        <mc:Choice xmlns:a14="http://schemas.microsoft.com/office/drawing/2010/main" Requires="a14">
+          <p:sp>
+            <p:nvSpPr>
+              <p:cNvPr id="38" name="テキスト ボックス 37">
+                <a:extLst>
+                  <a:ext uri="{FF2B5EF4-FFF2-40B4-BE49-F238E27FC236}">
+                    <a16:creationId xmlns:a16="http://schemas.microsoft.com/office/drawing/2014/main" id="{36BA4E3C-D156-47B9-B20D-60F1CBF9FEAE}"/>
+                  </a:ext>
+                </a:extLst>
+              </p:cNvPr>
+              <p:cNvSpPr txBox="1"/>
+              <p:nvPr/>
+            </p:nvSpPr>
+            <p:spPr>
+              <a:xfrm>
+                <a:off x="6242833" y="3257639"/>
+                <a:ext cx="464293" cy="369332"/>
+              </a:xfrm>
+              <a:prstGeom prst="rect">
+                <a:avLst/>
+              </a:prstGeom>
+              <a:noFill/>
+            </p:spPr>
+            <p:txBody>
+              <a:bodyPr wrap="none" rtlCol="0">
+                <a:spAutoFit/>
+              </a:bodyPr>
+              <a:lstStyle/>
+              <a:p>
+                <a14:m>
+                  <m:oMathPara xmlns:m="http://schemas.openxmlformats.org/officeDocument/2006/math">
+                    <m:oMathParaPr>
+                      <m:jc m:val="centerGroup"/>
+                    </m:oMathParaPr>
+                    <m:oMath xmlns:m="http://schemas.openxmlformats.org/officeDocument/2006/math">
+                      <m:sSub>
+                        <m:sSubPr>
+                          <m:ctrlPr>
+                            <a:rPr kumimoji="1" lang="en-US" altLang="ja-JP" b="0" i="1" smtClean="0">
+                              <a:latin typeface="Cambria Math" panose="02040503050406030204" pitchFamily="18" charset="0"/>
+                            </a:rPr>
+                          </m:ctrlPr>
+                        </m:sSubPr>
+                        <m:e>
+                          <m:r>
+                            <a:rPr kumimoji="1" lang="en-US" altLang="ja-JP" b="0" i="1" smtClean="0">
+                              <a:latin typeface="Cambria Math" panose="02040503050406030204" pitchFamily="18" charset="0"/>
+                            </a:rPr>
+                            <m:t>𝑧</m:t>
+                          </m:r>
+                        </m:e>
+                        <m:sub>
+                          <m:r>
+                            <a:rPr kumimoji="1" lang="en-US" altLang="ja-JP" b="0" i="1" smtClean="0">
+                              <a:latin typeface="Cambria Math" panose="02040503050406030204" pitchFamily="18" charset="0"/>
+                            </a:rPr>
+                            <m:t>0</m:t>
+                          </m:r>
+                        </m:sub>
+                      </m:sSub>
+                    </m:oMath>
+                  </m:oMathPara>
+                </a14:m>
+                <a:endParaRPr kumimoji="1" lang="ja-JP" altLang="en-US" dirty="0"/>
+              </a:p>
+            </p:txBody>
+          </p:sp>
+        </mc:Choice>
+        <mc:Fallback>
+          <p:sp>
+            <p:nvSpPr>
+              <p:cNvPr id="38" name="テキスト ボックス 37">
+                <a:extLst>
+                  <a:ext uri="{FF2B5EF4-FFF2-40B4-BE49-F238E27FC236}">
+                    <a16:creationId xmlns:a16="http://schemas.microsoft.com/office/drawing/2014/main" id="{36BA4E3C-D156-47B9-B20D-60F1CBF9FEAE}"/>
+                  </a:ext>
+                </a:extLst>
+              </p:cNvPr>
+              <p:cNvSpPr txBox="1">
+                <a:spLocks noRot="1" noChangeAspect="1" noMove="1" noResize="1" noEditPoints="1" noAdjustHandles="1" noChangeArrowheads="1" noChangeShapeType="1" noTextEdit="1"/>
+              </p:cNvSpPr>
+              <p:nvPr/>
+            </p:nvSpPr>
+            <p:spPr>
+              <a:xfrm>
+                <a:off x="6242833" y="3257639"/>
+                <a:ext cx="464293" cy="369332"/>
+              </a:xfrm>
+              <a:prstGeom prst="rect">
+                <a:avLst/>
+              </a:prstGeom>
+              <a:blipFill>
+                <a:blip r:embed="rId30"/>
+                <a:stretch>
+                  <a:fillRect/>
+                </a:stretch>
+              </a:blipFill>
+            </p:spPr>
+            <p:txBody>
+              <a:bodyPr/>
+              <a:lstStyle/>
+              <a:p>
+                <a:r>
+                  <a:rPr lang="ja-JP" altLang="en-US">
+                    <a:noFill/>
+                  </a:rPr>
+                  <a:t> </a:t>
+                </a:r>
+              </a:p>
+            </p:txBody>
+          </p:sp>
+        </mc:Fallback>
+      </mc:AlternateContent>
+      <mc:AlternateContent xmlns:mc="http://schemas.openxmlformats.org/markup-compatibility/2006">
+        <mc:Choice xmlns:a14="http://schemas.microsoft.com/office/drawing/2010/main" Requires="a14">
+          <p:sp>
+            <p:nvSpPr>
+              <p:cNvPr id="39" name="テキスト ボックス 38">
+                <a:extLst>
+                  <a:ext uri="{FF2B5EF4-FFF2-40B4-BE49-F238E27FC236}">
+                    <a16:creationId xmlns:a16="http://schemas.microsoft.com/office/drawing/2014/main" id="{7CAF872D-89FA-49D0-990E-75BE9DAADCEF}"/>
+                  </a:ext>
+                </a:extLst>
+              </p:cNvPr>
+              <p:cNvSpPr txBox="1"/>
+              <p:nvPr/>
+            </p:nvSpPr>
+            <p:spPr>
+              <a:xfrm>
+                <a:off x="3054914" y="3257639"/>
+                <a:ext cx="464293" cy="369332"/>
+              </a:xfrm>
+              <a:prstGeom prst="rect">
+                <a:avLst/>
+              </a:prstGeom>
+              <a:noFill/>
+            </p:spPr>
+            <p:txBody>
+              <a:bodyPr wrap="none" rtlCol="0">
+                <a:spAutoFit/>
+              </a:bodyPr>
+              <a:lstStyle/>
+              <a:p>
+                <a14:m>
+                  <m:oMathPara xmlns:m="http://schemas.openxmlformats.org/officeDocument/2006/math">
+                    <m:oMathParaPr>
+                      <m:jc m:val="centerGroup"/>
+                    </m:oMathParaPr>
+                    <m:oMath xmlns:m="http://schemas.openxmlformats.org/officeDocument/2006/math">
+                      <m:sSub>
+                        <m:sSubPr>
+                          <m:ctrlPr>
+                            <a:rPr kumimoji="1" lang="en-US" altLang="ja-JP" b="0" i="1" smtClean="0">
+                              <a:latin typeface="Cambria Math" panose="02040503050406030204" pitchFamily="18" charset="0"/>
+                            </a:rPr>
+                          </m:ctrlPr>
+                        </m:sSubPr>
+                        <m:e>
+                          <m:r>
+                            <a:rPr kumimoji="1" lang="en-US" altLang="ja-JP" b="0" i="1" smtClean="0">
+                              <a:latin typeface="Cambria Math" panose="02040503050406030204" pitchFamily="18" charset="0"/>
+                            </a:rPr>
+                            <m:t>𝑧</m:t>
+                          </m:r>
+                        </m:e>
+                        <m:sub>
+                          <m:r>
+                            <a:rPr kumimoji="1" lang="en-US" altLang="ja-JP" b="0" i="1" smtClean="0">
+                              <a:latin typeface="Cambria Math" panose="02040503050406030204" pitchFamily="18" charset="0"/>
+                            </a:rPr>
+                            <m:t>3</m:t>
+                          </m:r>
+                        </m:sub>
+                      </m:sSub>
+                    </m:oMath>
+                  </m:oMathPara>
+                </a14:m>
+                <a:endParaRPr kumimoji="1" lang="ja-JP" altLang="en-US" dirty="0"/>
+              </a:p>
+            </p:txBody>
+          </p:sp>
+        </mc:Choice>
+        <mc:Fallback>
+          <p:sp>
+            <p:nvSpPr>
+              <p:cNvPr id="39" name="テキスト ボックス 38">
+                <a:extLst>
+                  <a:ext uri="{FF2B5EF4-FFF2-40B4-BE49-F238E27FC236}">
+                    <a16:creationId xmlns:a16="http://schemas.microsoft.com/office/drawing/2014/main" id="{7CAF872D-89FA-49D0-990E-75BE9DAADCEF}"/>
+                  </a:ext>
+                </a:extLst>
+              </p:cNvPr>
+              <p:cNvSpPr txBox="1">
+                <a:spLocks noRot="1" noChangeAspect="1" noMove="1" noResize="1" noEditPoints="1" noAdjustHandles="1" noChangeArrowheads="1" noChangeShapeType="1" noTextEdit="1"/>
+              </p:cNvSpPr>
+              <p:nvPr/>
+            </p:nvSpPr>
+            <p:spPr>
+              <a:xfrm>
+                <a:off x="3054914" y="3257639"/>
+                <a:ext cx="464293" cy="369332"/>
+              </a:xfrm>
+              <a:prstGeom prst="rect">
+                <a:avLst/>
+              </a:prstGeom>
+              <a:blipFill>
+                <a:blip r:embed="rId31"/>
+                <a:stretch>
+                  <a:fillRect/>
+                </a:stretch>
+              </a:blipFill>
+            </p:spPr>
+            <p:txBody>
+              <a:bodyPr/>
+              <a:lstStyle/>
+              <a:p>
+                <a:r>
+                  <a:rPr lang="ja-JP" altLang="en-US">
+                    <a:noFill/>
+                  </a:rPr>
+                  <a:t> </a:t>
+                </a:r>
+              </a:p>
+            </p:txBody>
+          </p:sp>
+        </mc:Fallback>
+      </mc:AlternateContent>
+      <mc:AlternateContent xmlns:mc="http://schemas.openxmlformats.org/markup-compatibility/2006">
+        <mc:Choice xmlns:a14="http://schemas.microsoft.com/office/drawing/2010/main" Requires="a14">
+          <p:sp>
+            <p:nvSpPr>
+              <p:cNvPr id="40" name="テキスト ボックス 39">
+                <a:extLst>
+                  <a:ext uri="{FF2B5EF4-FFF2-40B4-BE49-F238E27FC236}">
+                    <a16:creationId xmlns:a16="http://schemas.microsoft.com/office/drawing/2014/main" id="{796AEE7C-60BD-4CA5-845B-B2CD200B2525}"/>
+                  </a:ext>
+                </a:extLst>
+              </p:cNvPr>
+              <p:cNvSpPr txBox="1"/>
+              <p:nvPr/>
+            </p:nvSpPr>
+            <p:spPr>
+              <a:xfrm>
+                <a:off x="3512815" y="3257639"/>
+                <a:ext cx="464293" cy="369332"/>
+              </a:xfrm>
+              <a:prstGeom prst="rect">
+                <a:avLst/>
+              </a:prstGeom>
+              <a:noFill/>
+            </p:spPr>
+            <p:txBody>
+              <a:bodyPr wrap="none" rtlCol="0">
+                <a:spAutoFit/>
+              </a:bodyPr>
+              <a:lstStyle/>
+              <a:p>
+                <a14:m>
+                  <m:oMathPara xmlns:m="http://schemas.openxmlformats.org/officeDocument/2006/math">
+                    <m:oMathParaPr>
+                      <m:jc m:val="centerGroup"/>
+                    </m:oMathParaPr>
+                    <m:oMath xmlns:m="http://schemas.openxmlformats.org/officeDocument/2006/math">
+                      <m:sSub>
+                        <m:sSubPr>
+                          <m:ctrlPr>
+                            <a:rPr kumimoji="1" lang="en-US" altLang="ja-JP" b="0" i="1" smtClean="0">
+                              <a:latin typeface="Cambria Math" panose="02040503050406030204" pitchFamily="18" charset="0"/>
+                            </a:rPr>
+                          </m:ctrlPr>
+                        </m:sSubPr>
+                        <m:e>
+                          <m:r>
+                            <a:rPr kumimoji="1" lang="en-US" altLang="ja-JP" b="0" i="1" smtClean="0">
+                              <a:latin typeface="Cambria Math" panose="02040503050406030204" pitchFamily="18" charset="0"/>
+                            </a:rPr>
+                            <m:t>𝑧</m:t>
+                          </m:r>
+                        </m:e>
+                        <m:sub>
+                          <m:r>
+                            <a:rPr kumimoji="1" lang="en-US" altLang="ja-JP" b="0" i="1" smtClean="0">
+                              <a:latin typeface="Cambria Math" panose="02040503050406030204" pitchFamily="18" charset="0"/>
+                            </a:rPr>
+                            <m:t>2</m:t>
+                          </m:r>
+                        </m:sub>
+                      </m:sSub>
+                    </m:oMath>
+                  </m:oMathPara>
+                </a14:m>
+                <a:endParaRPr kumimoji="1" lang="ja-JP" altLang="en-US" dirty="0"/>
+              </a:p>
+            </p:txBody>
+          </p:sp>
+        </mc:Choice>
+        <mc:Fallback>
+          <p:sp>
+            <p:nvSpPr>
+              <p:cNvPr id="40" name="テキスト ボックス 39">
+                <a:extLst>
+                  <a:ext uri="{FF2B5EF4-FFF2-40B4-BE49-F238E27FC236}">
+                    <a16:creationId xmlns:a16="http://schemas.microsoft.com/office/drawing/2014/main" id="{796AEE7C-60BD-4CA5-845B-B2CD200B2525}"/>
+                  </a:ext>
+                </a:extLst>
+              </p:cNvPr>
+              <p:cNvSpPr txBox="1">
+                <a:spLocks noRot="1" noChangeAspect="1" noMove="1" noResize="1" noEditPoints="1" noAdjustHandles="1" noChangeArrowheads="1" noChangeShapeType="1" noTextEdit="1"/>
+              </p:cNvSpPr>
+              <p:nvPr/>
+            </p:nvSpPr>
+            <p:spPr>
+              <a:xfrm>
+                <a:off x="3512815" y="3257639"/>
+                <a:ext cx="464293" cy="369332"/>
+              </a:xfrm>
+              <a:prstGeom prst="rect">
+                <a:avLst/>
+              </a:prstGeom>
+              <a:blipFill>
+                <a:blip r:embed="rId32"/>
+                <a:stretch>
+                  <a:fillRect/>
+                </a:stretch>
+              </a:blipFill>
+            </p:spPr>
+            <p:txBody>
+              <a:bodyPr/>
+              <a:lstStyle/>
+              <a:p>
+                <a:r>
+                  <a:rPr lang="ja-JP" altLang="en-US">
+                    <a:noFill/>
+                  </a:rPr>
+                  <a:t> </a:t>
+                </a:r>
+              </a:p>
+            </p:txBody>
+          </p:sp>
+        </mc:Fallback>
+      </mc:AlternateContent>
+      <mc:AlternateContent xmlns:mc="http://schemas.openxmlformats.org/markup-compatibility/2006">
+        <mc:Choice xmlns:a14="http://schemas.microsoft.com/office/drawing/2010/main" Requires="a14">
+          <p:sp>
+            <p:nvSpPr>
+              <p:cNvPr id="41" name="テキスト ボックス 40">
+                <a:extLst>
+                  <a:ext uri="{FF2B5EF4-FFF2-40B4-BE49-F238E27FC236}">
+                    <a16:creationId xmlns:a16="http://schemas.microsoft.com/office/drawing/2014/main" id="{95989E25-BB01-444C-AB9E-4AAF58DE8CF7}"/>
+                  </a:ext>
+                </a:extLst>
+              </p:cNvPr>
+              <p:cNvSpPr txBox="1"/>
+              <p:nvPr/>
+            </p:nvSpPr>
+            <p:spPr>
+              <a:xfrm>
+                <a:off x="3970716" y="3257639"/>
+                <a:ext cx="458972" cy="369332"/>
+              </a:xfrm>
+              <a:prstGeom prst="rect">
+                <a:avLst/>
+              </a:prstGeom>
+              <a:noFill/>
+            </p:spPr>
+            <p:txBody>
+              <a:bodyPr wrap="none" rtlCol="0">
+                <a:spAutoFit/>
+              </a:bodyPr>
+              <a:lstStyle/>
+              <a:p>
+                <a14:m>
+                  <m:oMathPara xmlns:m="http://schemas.openxmlformats.org/officeDocument/2006/math">
+                    <m:oMathParaPr>
+                      <m:jc m:val="centerGroup"/>
+                    </m:oMathParaPr>
+                    <m:oMath xmlns:m="http://schemas.openxmlformats.org/officeDocument/2006/math">
+                      <m:sSub>
+                        <m:sSubPr>
+                          <m:ctrlPr>
+                            <a:rPr kumimoji="1" lang="en-US" altLang="ja-JP" b="0" i="1" smtClean="0">
+                              <a:latin typeface="Cambria Math" panose="02040503050406030204" pitchFamily="18" charset="0"/>
+                            </a:rPr>
+                          </m:ctrlPr>
+                        </m:sSubPr>
+                        <m:e>
+                          <m:r>
+                            <a:rPr kumimoji="1" lang="en-US" altLang="ja-JP" b="0" i="1" smtClean="0">
+                              <a:latin typeface="Cambria Math" panose="02040503050406030204" pitchFamily="18" charset="0"/>
+                            </a:rPr>
+                            <m:t>𝑧</m:t>
+                          </m:r>
+                        </m:e>
+                        <m:sub>
+                          <m:r>
+                            <a:rPr kumimoji="1" lang="en-US" altLang="ja-JP" b="0" i="1" smtClean="0">
+                              <a:latin typeface="Cambria Math" panose="02040503050406030204" pitchFamily="18" charset="0"/>
+                            </a:rPr>
+                            <m:t>1</m:t>
+                          </m:r>
+                        </m:sub>
+                      </m:sSub>
+                    </m:oMath>
+                  </m:oMathPara>
+                </a14:m>
+                <a:endParaRPr kumimoji="1" lang="ja-JP" altLang="en-US" dirty="0"/>
+              </a:p>
+            </p:txBody>
+          </p:sp>
+        </mc:Choice>
+        <mc:Fallback>
+          <p:sp>
+            <p:nvSpPr>
+              <p:cNvPr id="41" name="テキスト ボックス 40">
+                <a:extLst>
+                  <a:ext uri="{FF2B5EF4-FFF2-40B4-BE49-F238E27FC236}">
+                    <a16:creationId xmlns:a16="http://schemas.microsoft.com/office/drawing/2014/main" id="{95989E25-BB01-444C-AB9E-4AAF58DE8CF7}"/>
+                  </a:ext>
+                </a:extLst>
+              </p:cNvPr>
+              <p:cNvSpPr txBox="1">
+                <a:spLocks noRot="1" noChangeAspect="1" noMove="1" noResize="1" noEditPoints="1" noAdjustHandles="1" noChangeArrowheads="1" noChangeShapeType="1" noTextEdit="1"/>
+              </p:cNvSpPr>
+              <p:nvPr/>
+            </p:nvSpPr>
+            <p:spPr>
+              <a:xfrm>
+                <a:off x="3970716" y="3257639"/>
+                <a:ext cx="458972" cy="369332"/>
+              </a:xfrm>
+              <a:prstGeom prst="rect">
+                <a:avLst/>
+              </a:prstGeom>
+              <a:blipFill>
+                <a:blip r:embed="rId33"/>
+                <a:stretch>
+                  <a:fillRect/>
+                </a:stretch>
+              </a:blipFill>
+            </p:spPr>
+            <p:txBody>
+              <a:bodyPr/>
+              <a:lstStyle/>
+              <a:p>
+                <a:r>
+                  <a:rPr lang="ja-JP" altLang="en-US">
+                    <a:noFill/>
+                  </a:rPr>
+                  <a:t> </a:t>
+                </a:r>
+              </a:p>
+            </p:txBody>
+          </p:sp>
+        </mc:Fallback>
+      </mc:AlternateContent>
+      <mc:AlternateContent xmlns:mc="http://schemas.openxmlformats.org/markup-compatibility/2006">
+        <mc:Choice xmlns:a14="http://schemas.microsoft.com/office/drawing/2010/main" Requires="a14">
+          <p:sp>
+            <p:nvSpPr>
+              <p:cNvPr id="42" name="テキスト ボックス 41">
+                <a:extLst>
+                  <a:ext uri="{FF2B5EF4-FFF2-40B4-BE49-F238E27FC236}">
+                    <a16:creationId xmlns:a16="http://schemas.microsoft.com/office/drawing/2014/main" id="{B86D243B-44EE-4CB7-8217-5DF41A727CCC}"/>
+                  </a:ext>
+                </a:extLst>
+              </p:cNvPr>
+              <p:cNvSpPr txBox="1"/>
+              <p:nvPr/>
+            </p:nvSpPr>
+            <p:spPr>
+              <a:xfrm>
+                <a:off x="4428616" y="3257639"/>
+                <a:ext cx="464293" cy="369332"/>
+              </a:xfrm>
+              <a:prstGeom prst="rect">
+                <a:avLst/>
+              </a:prstGeom>
+              <a:noFill/>
+            </p:spPr>
+            <p:txBody>
+              <a:bodyPr wrap="none" rtlCol="0">
+                <a:spAutoFit/>
+              </a:bodyPr>
+              <a:lstStyle/>
+              <a:p>
+                <a14:m>
+                  <m:oMathPara xmlns:m="http://schemas.openxmlformats.org/officeDocument/2006/math">
+                    <m:oMathParaPr>
+                      <m:jc m:val="centerGroup"/>
+                    </m:oMathParaPr>
+                    <m:oMath xmlns:m="http://schemas.openxmlformats.org/officeDocument/2006/math">
+                      <m:sSub>
+                        <m:sSubPr>
+                          <m:ctrlPr>
+                            <a:rPr kumimoji="1" lang="en-US" altLang="ja-JP" b="0" i="1" smtClean="0">
+                              <a:latin typeface="Cambria Math" panose="02040503050406030204" pitchFamily="18" charset="0"/>
+                            </a:rPr>
+                          </m:ctrlPr>
+                        </m:sSubPr>
+                        <m:e>
+                          <m:r>
+                            <a:rPr kumimoji="1" lang="en-US" altLang="ja-JP" b="0" i="1" smtClean="0">
+                              <a:latin typeface="Cambria Math" panose="02040503050406030204" pitchFamily="18" charset="0"/>
+                            </a:rPr>
+                            <m:t>𝑧</m:t>
+                          </m:r>
+                        </m:e>
+                        <m:sub>
+                          <m:r>
+                            <a:rPr kumimoji="1" lang="en-US" altLang="ja-JP" b="0" i="1" smtClean="0">
+                              <a:latin typeface="Cambria Math" panose="02040503050406030204" pitchFamily="18" charset="0"/>
+                            </a:rPr>
+                            <m:t>0</m:t>
+                          </m:r>
+                        </m:sub>
+                      </m:sSub>
+                    </m:oMath>
+                  </m:oMathPara>
+                </a14:m>
+                <a:endParaRPr kumimoji="1" lang="ja-JP" altLang="en-US" dirty="0"/>
+              </a:p>
+            </p:txBody>
+          </p:sp>
+        </mc:Choice>
+        <mc:Fallback>
+          <p:sp>
+            <p:nvSpPr>
+              <p:cNvPr id="42" name="テキスト ボックス 41">
+                <a:extLst>
+                  <a:ext uri="{FF2B5EF4-FFF2-40B4-BE49-F238E27FC236}">
+                    <a16:creationId xmlns:a16="http://schemas.microsoft.com/office/drawing/2014/main" id="{B86D243B-44EE-4CB7-8217-5DF41A727CCC}"/>
+                  </a:ext>
+                </a:extLst>
+              </p:cNvPr>
+              <p:cNvSpPr txBox="1">
+                <a:spLocks noRot="1" noChangeAspect="1" noMove="1" noResize="1" noEditPoints="1" noAdjustHandles="1" noChangeArrowheads="1" noChangeShapeType="1" noTextEdit="1"/>
+              </p:cNvSpPr>
+              <p:nvPr/>
+            </p:nvSpPr>
+            <p:spPr>
+              <a:xfrm>
+                <a:off x="4428616" y="3257639"/>
+                <a:ext cx="464293" cy="369332"/>
+              </a:xfrm>
+              <a:prstGeom prst="rect">
+                <a:avLst/>
+              </a:prstGeom>
+              <a:blipFill>
+                <a:blip r:embed="rId34"/>
+                <a:stretch>
+                  <a:fillRect/>
+                </a:stretch>
+              </a:blipFill>
+            </p:spPr>
+            <p:txBody>
+              <a:bodyPr/>
+              <a:lstStyle/>
+              <a:p>
+                <a:r>
+                  <a:rPr lang="ja-JP" altLang="en-US">
+                    <a:noFill/>
+                  </a:rPr>
+                  <a:t> </a:t>
+                </a:r>
+              </a:p>
+            </p:txBody>
+          </p:sp>
+        </mc:Fallback>
+      </mc:AlternateContent>
+    </p:spTree>
+    <p:extLst>
+      <p:ext uri="{BB962C8B-B14F-4D97-AF65-F5344CB8AC3E}">
+        <p14:creationId xmlns:p14="http://schemas.microsoft.com/office/powerpoint/2010/main" val="3865725734"/>
+      </p:ext>
+    </p:extLst>
+  </p:cSld>
+  <p:clrMapOvr>
+    <a:masterClrMapping/>
+  </p:clrMapOvr>
+</p:sld>
+</file>
+
+<file path=ppt/slides/slide5.xml><?xml version="1.0" encoding="utf-8"?>
+<p:sld xmlns:a="http://schemas.openxmlformats.org/drawingml/2006/main" xmlns:r="http://schemas.openxmlformats.org/officeDocument/2006/relationships" xmlns:p="http://schemas.openxmlformats.org/presentationml/2006/main">
+  <p:cSld>
+    <p:spTree>
+      <p:nvGrpSpPr>
+        <p:cNvPr id="1" name=""/>
+        <p:cNvGrpSpPr/>
+        <p:nvPr/>
+      </p:nvGrpSpPr>
+      <p:grpSpPr>
+        <a:xfrm>
+          <a:off x="0" y="0"/>
+          <a:ext cx="0" cy="0"/>
+          <a:chOff x="0" y="0"/>
+          <a:chExt cx="0" cy="0"/>
+        </a:xfrm>
+      </p:grpSpPr>
       <p:sp>
         <p:nvSpPr>
           <p:cNvPr id="4" name="正方形/長方形 3">
@@ -19197,8 +23057,8 @@
           </p:sp>
         </mc:Fallback>
       </mc:AlternateContent>
-      <mc:AlternateContent xmlns:mc="http://schemas.openxmlformats.org/markup-compatibility/2006" xmlns:a14="http://schemas.microsoft.com/office/drawing/2010/main">
-        <mc:Choice Requires="a14">
+      <mc:AlternateContent xmlns:mc="http://schemas.openxmlformats.org/markup-compatibility/2006">
+        <mc:Choice xmlns:a14="http://schemas.microsoft.com/office/drawing/2010/main" Requires="a14">
           <p:sp>
             <p:nvSpPr>
               <p:cNvPr id="140" name="テキスト ボックス 139">
@@ -19213,7 +23073,7 @@
             </p:nvSpPr>
             <p:spPr>
               <a:xfrm>
-                <a:off x="9215425" y="860733"/>
+                <a:off x="8770146" y="846297"/>
                 <a:ext cx="611706" cy="381515"/>
               </a:xfrm>
               <a:prstGeom prst="rect">
@@ -19267,7 +23127,7 @@
             </p:txBody>
           </p:sp>
         </mc:Choice>
-        <mc:Fallback xmlns="">
+        <mc:Fallback>
           <p:sp>
             <p:nvSpPr>
               <p:cNvPr id="140" name="テキスト ボックス 139">
@@ -19284,16 +23144,16 @@
             </p:nvSpPr>
             <p:spPr>
               <a:xfrm>
-                <a:off x="9215425" y="860733"/>
+                <a:off x="8770146" y="846297"/>
                 <a:ext cx="611706" cy="381515"/>
               </a:xfrm>
               <a:prstGeom prst="rect">
                 <a:avLst/>
               </a:prstGeom>
               <a:blipFill>
-                <a:blip r:embed="rId68"/>
+                <a:blip r:embed="rId66"/>
                 <a:stretch>
-                  <a:fillRect b="-4762"/>
+                  <a:fillRect b="-4839"/>
                 </a:stretch>
               </a:blipFill>
             </p:spPr>
@@ -19326,7 +23186,7 @@
         </p:nvCxnSpPr>
         <p:spPr>
           <a:xfrm flipV="1">
-            <a:off x="9535480" y="1242248"/>
+            <a:off x="9097043" y="1227812"/>
             <a:ext cx="0" cy="248355"/>
           </a:xfrm>
           <a:prstGeom prst="line">
@@ -19353,8 +23213,8 @@
           </a:fontRef>
         </p:style>
       </p:cxnSp>
-      <mc:AlternateContent xmlns:mc="http://schemas.openxmlformats.org/markup-compatibility/2006" xmlns:a14="http://schemas.microsoft.com/office/drawing/2010/main">
-        <mc:Choice Requires="a14">
+      <mc:AlternateContent xmlns:mc="http://schemas.openxmlformats.org/markup-compatibility/2006">
+        <mc:Choice xmlns:a14="http://schemas.microsoft.com/office/drawing/2010/main" Requires="a14">
           <p:sp>
             <p:nvSpPr>
               <p:cNvPr id="142" name="テキスト ボックス 141">
@@ -19369,7 +23229,7 @@
             </p:nvSpPr>
             <p:spPr>
               <a:xfrm>
-                <a:off x="9347290" y="1473694"/>
+                <a:off x="8908853" y="1459258"/>
                 <a:ext cx="478913" cy="369332"/>
               </a:xfrm>
               <a:prstGeom prst="rect">
@@ -19423,7 +23283,7 @@
             </p:txBody>
           </p:sp>
         </mc:Choice>
-        <mc:Fallback xmlns="">
+        <mc:Fallback>
           <p:sp>
             <p:nvSpPr>
               <p:cNvPr id="142" name="テキスト ボックス 141">
@@ -19440,14 +23300,14 @@
             </p:nvSpPr>
             <p:spPr>
               <a:xfrm>
-                <a:off x="9347290" y="1473694"/>
+                <a:off x="8908853" y="1459258"/>
                 <a:ext cx="478913" cy="369332"/>
               </a:xfrm>
               <a:prstGeom prst="rect">
                 <a:avLst/>
               </a:prstGeom>
               <a:blipFill>
-                <a:blip r:embed="rId69"/>
+                <a:blip r:embed="rId67"/>
                 <a:stretch>
                   <a:fillRect/>
                 </a:stretch>
@@ -19482,10 +23342,10 @@
         </p:nvGrpSpPr>
         <p:grpSpPr>
           <a:xfrm>
-            <a:off x="4424911" y="846297"/>
-            <a:ext cx="3553615" cy="413914"/>
-            <a:chOff x="4971617" y="862426"/>
-            <a:chExt cx="3553615" cy="413914"/>
+            <a:off x="4492043" y="846297"/>
+            <a:ext cx="3486483" cy="458982"/>
+            <a:chOff x="5038749" y="862426"/>
+            <a:chExt cx="3486483" cy="458982"/>
           </a:xfrm>
         </p:grpSpPr>
         <mc:AlternateContent xmlns:mc="http://schemas.openxmlformats.org/markup-compatibility/2006" xmlns:a14="http://schemas.microsoft.com/office/drawing/2010/main">
@@ -19603,8 +23463,8 @@
             </p:sp>
           </mc:Fallback>
         </mc:AlternateContent>
-        <mc:AlternateContent xmlns:mc="http://schemas.openxmlformats.org/markup-compatibility/2006" xmlns:a14="http://schemas.microsoft.com/office/drawing/2010/main">
-          <mc:Choice Requires="a14">
+        <mc:AlternateContent xmlns:mc="http://schemas.openxmlformats.org/markup-compatibility/2006">
+          <mc:Choice xmlns:a14="http://schemas.microsoft.com/office/drawing/2010/main" Requires="a14">
             <p:sp>
               <p:nvSpPr>
                 <p:cNvPr id="145" name="テキスト ボックス 144">
@@ -19619,7 +23479,7 @@
               </p:nvSpPr>
               <p:spPr>
                 <a:xfrm>
-                  <a:off x="4971617" y="907008"/>
+                  <a:off x="5038749" y="952076"/>
                   <a:ext cx="378629" cy="369332"/>
                 </a:xfrm>
                 <a:prstGeom prst="rect">
@@ -19654,7 +23514,7 @@
               </p:txBody>
             </p:sp>
           </mc:Choice>
-          <mc:Fallback xmlns="">
+          <mc:Fallback>
             <p:sp>
               <p:nvSpPr>
                 <p:cNvPr id="145" name="テキスト ボックス 144">
@@ -19671,7 +23531,7 @@
               </p:nvSpPr>
               <p:spPr>
                 <a:xfrm>
-                  <a:off x="4971617" y="907008"/>
+                  <a:off x="5038749" y="952076"/>
                   <a:ext cx="378629" cy="369332"/>
                 </a:xfrm>
                 <a:prstGeom prst="rect">
@@ -23254,8 +27114,8 @@
           </p:sp>
         </mc:Fallback>
       </mc:AlternateContent>
-      <mc:AlternateContent xmlns:mc="http://schemas.openxmlformats.org/markup-compatibility/2006" xmlns:a14="http://schemas.microsoft.com/office/drawing/2010/main">
-        <mc:Choice Requires="a14">
+      <mc:AlternateContent xmlns:mc="http://schemas.openxmlformats.org/markup-compatibility/2006">
+        <mc:Choice xmlns:a14="http://schemas.microsoft.com/office/drawing/2010/main" Requires="a14">
           <p:sp>
             <p:nvSpPr>
               <p:cNvPr id="196" name="テキスト ボックス 195">
@@ -23270,7 +27130,7 @@
             </p:nvSpPr>
             <p:spPr>
               <a:xfrm>
-                <a:off x="2567262" y="5066651"/>
+                <a:off x="2562206" y="4986856"/>
                 <a:ext cx="464294" cy="369332"/>
               </a:xfrm>
               <a:prstGeom prst="rect">
@@ -23324,7 +27184,7 @@
             </p:txBody>
           </p:sp>
         </mc:Choice>
-        <mc:Fallback xmlns="">
+        <mc:Fallback>
           <p:sp>
             <p:nvSpPr>
               <p:cNvPr id="196" name="テキスト ボックス 195">
@@ -23341,7 +27201,7 @@
             </p:nvSpPr>
             <p:spPr>
               <a:xfrm>
-                <a:off x="2567262" y="5066651"/>
+                <a:off x="2562206" y="4986856"/>
                 <a:ext cx="464294" cy="369332"/>
               </a:xfrm>
               <a:prstGeom prst="rect">
@@ -27115,7 +30975,7 @@
 </p:sld>
 </file>
 
-<file path=ppt/slides/slide5.xml><?xml version="1.0" encoding="utf-8"?>
+<file path=ppt/slides/slide6.xml><?xml version="1.0" encoding="utf-8"?>
 <p:sld xmlns:a="http://schemas.openxmlformats.org/drawingml/2006/main" xmlns:r="http://schemas.openxmlformats.org/officeDocument/2006/relationships" xmlns:p="http://schemas.openxmlformats.org/presentationml/2006/main">
   <p:cSld>
     <p:spTree>
@@ -30336,8 +34196,8 @@
           </p:style>
         </p:cxnSp>
       </p:grpSp>
-      <mc:AlternateContent xmlns:mc="http://schemas.openxmlformats.org/markup-compatibility/2006">
-        <mc:Choice xmlns:a14="http://schemas.microsoft.com/office/drawing/2010/main" Requires="a14">
+      <mc:AlternateContent xmlns:mc="http://schemas.openxmlformats.org/markup-compatibility/2006" xmlns:a14="http://schemas.microsoft.com/office/drawing/2010/main">
+        <mc:Choice Requires="a14">
           <p:sp>
             <p:nvSpPr>
               <p:cNvPr id="151" name="テキスト ボックス 150">
@@ -30457,7 +34317,7 @@
             </p:txBody>
           </p:sp>
         </mc:Choice>
-        <mc:Fallback>
+        <mc:Fallback xmlns="">
           <p:sp>
             <p:nvSpPr>
               <p:cNvPr id="151" name="テキスト ボックス 150">
@@ -30502,8 +34362,8 @@
           </p:sp>
         </mc:Fallback>
       </mc:AlternateContent>
-      <mc:AlternateContent xmlns:mc="http://schemas.openxmlformats.org/markup-compatibility/2006">
-        <mc:Choice xmlns:a14="http://schemas.microsoft.com/office/drawing/2010/main" Requires="a14">
+      <mc:AlternateContent xmlns:mc="http://schemas.openxmlformats.org/markup-compatibility/2006" xmlns:a14="http://schemas.microsoft.com/office/drawing/2010/main">
+        <mc:Choice Requires="a14">
           <p:sp>
             <p:nvSpPr>
               <p:cNvPr id="152" name="テキスト ボックス 151">
@@ -30543,13 +34403,7 @@
                         <a:rPr kumimoji="1" lang="en-US" altLang="ja-JP" b="0" i="1" smtClean="0">
                           <a:latin typeface="Cambria Math" panose="02040503050406030204" pitchFamily="18" charset="0"/>
                         </a:rPr>
-                        <m:t>4. </m:t>
-                      </m:r>
-                      <m:r>
-                        <a:rPr kumimoji="1" lang="en-US" altLang="ja-JP" b="0" i="1" smtClean="0">
-                          <a:latin typeface="Cambria Math" panose="02040503050406030204" pitchFamily="18" charset="0"/>
-                        </a:rPr>
-                        <m:t>|</m:t>
+                        <m:t>4. |</m:t>
                       </m:r>
                       <m:r>
                         <a:rPr kumimoji="1" lang="en-US" altLang="ja-JP" b="0" i="1" smtClean="0">
@@ -30617,7 +34471,7 @@
             </p:txBody>
           </p:sp>
         </mc:Choice>
-        <mc:Fallback>
+        <mc:Fallback xmlns="">
           <p:sp>
             <p:nvSpPr>
               <p:cNvPr id="152" name="テキスト ボックス 151">
@@ -30662,8 +34516,8 @@
           </p:sp>
         </mc:Fallback>
       </mc:AlternateContent>
-      <mc:AlternateContent xmlns:mc="http://schemas.openxmlformats.org/markup-compatibility/2006">
-        <mc:Choice xmlns:a14="http://schemas.microsoft.com/office/drawing/2010/main" Requires="a14">
+      <mc:AlternateContent xmlns:mc="http://schemas.openxmlformats.org/markup-compatibility/2006" xmlns:a14="http://schemas.microsoft.com/office/drawing/2010/main">
+        <mc:Choice Requires="a14">
           <p:sp>
             <p:nvSpPr>
               <p:cNvPr id="153" name="テキスト ボックス 152">
@@ -30703,13 +34557,7 @@
                         <a:rPr kumimoji="1" lang="en-US" altLang="ja-JP" b="0" i="1" smtClean="0">
                           <a:latin typeface="Cambria Math" panose="02040503050406030204" pitchFamily="18" charset="0"/>
                         </a:rPr>
-                        <m:t>1. </m:t>
-                      </m:r>
-                      <m:r>
-                        <a:rPr kumimoji="1" lang="en-US" altLang="ja-JP" b="0" i="1" smtClean="0">
-                          <a:latin typeface="Cambria Math" panose="02040503050406030204" pitchFamily="18" charset="0"/>
-                        </a:rPr>
-                        <m:t>|</m:t>
+                        <m:t>1. |</m:t>
                       </m:r>
                       <m:r>
                         <a:rPr kumimoji="1" lang="en-US" altLang="ja-JP" b="0" i="1" smtClean="0">
@@ -30777,7 +34625,7 @@
             </p:txBody>
           </p:sp>
         </mc:Choice>
-        <mc:Fallback>
+        <mc:Fallback xmlns="">
           <p:sp>
             <p:nvSpPr>
               <p:cNvPr id="153" name="テキスト ボックス 152">
@@ -30822,8 +34670,8 @@
           </p:sp>
         </mc:Fallback>
       </mc:AlternateContent>
-      <mc:AlternateContent xmlns:mc="http://schemas.openxmlformats.org/markup-compatibility/2006">
-        <mc:Choice xmlns:a14="http://schemas.microsoft.com/office/drawing/2010/main" Requires="a14">
+      <mc:AlternateContent xmlns:mc="http://schemas.openxmlformats.org/markup-compatibility/2006" xmlns:a14="http://schemas.microsoft.com/office/drawing/2010/main">
+        <mc:Choice Requires="a14">
           <p:sp>
             <p:nvSpPr>
               <p:cNvPr id="154" name="テキスト ボックス 153">
@@ -30863,13 +34711,7 @@
                         <a:rPr kumimoji="1" lang="en-US" altLang="ja-JP" b="0" i="1" smtClean="0">
                           <a:latin typeface="Cambria Math" panose="02040503050406030204" pitchFamily="18" charset="0"/>
                         </a:rPr>
-                        <m:t>2.</m:t>
-                      </m:r>
-                      <m:r>
-                        <a:rPr kumimoji="1" lang="en-US" altLang="ja-JP" b="0" i="1" smtClean="0">
-                          <a:latin typeface="Cambria Math" panose="02040503050406030204" pitchFamily="18" charset="0"/>
-                        </a:rPr>
-                        <m:t>|</m:t>
+                        <m:t>2.|</m:t>
                       </m:r>
                       <m:r>
                         <a:rPr kumimoji="1" lang="en-US" altLang="ja-JP" b="0" i="1" smtClean="0">
@@ -30937,7 +34779,7 @@
             </p:txBody>
           </p:sp>
         </mc:Choice>
-        <mc:Fallback>
+        <mc:Fallback xmlns="">
           <p:sp>
             <p:nvSpPr>
               <p:cNvPr id="154" name="テキスト ボックス 153">
